--- a/计算机网络/TCP和HTTP/示意图.pptx
+++ b/计算机网络/TCP和HTTP/示意图.pptx
@@ -5,7 +5,7 @@
     <p:sldMasterId id="2147483649" r:id="rId1"/>
   </p:sldMasterIdLst>
   <p:notesMasterIdLst>
-    <p:notesMasterId r:id="rId7"/>
+    <p:notesMasterId r:id="rId8"/>
   </p:notesMasterIdLst>
   <p:sldIdLst>
     <p:sldId id="306" r:id="rId2"/>
@@ -13,6 +13,7 @@
     <p:sldId id="309" r:id="rId4"/>
     <p:sldId id="310" r:id="rId5"/>
     <p:sldId id="312" r:id="rId6"/>
+    <p:sldId id="314" r:id="rId7"/>
   </p:sldIdLst>
   <p:sldSz cx="12192000" cy="6858000"/>
   <p:notesSz cx="6858000" cy="9144000"/>
@@ -177,7 +178,7 @@
 <file path=ppt/revisionInfo.xml><?xml version="1.0" encoding="utf-8"?>
 <p1510:revInfo xmlns:a="http://schemas.openxmlformats.org/drawingml/2006/main" xmlns:r="http://schemas.openxmlformats.org/officeDocument/2006/relationships" xmlns:p1510="http://schemas.microsoft.com/office/powerpoint/2015/10/main">
   <p1510:revLst>
-    <p1510:client id="{6FDCCBB6-5319-4C39-AA70-92ED019AE945}" v="73" dt="2019-01-08T13:19:43.701"/>
+    <p1510:client id="{70B26C53-66D4-46BA-B1BB-7508E1ADF093}" v="62" dt="2019-01-09T14:42:05.371"/>
   </p1510:revLst>
 </p1510:revInfo>
 </file>
@@ -185,13 +186,10 @@
 <file path=ppt/changesInfos/changesInfo1.xml><?xml version="1.0" encoding="utf-8"?>
 <pc:chgInfo xmlns:a="http://schemas.openxmlformats.org/drawingml/2006/main" xmlns:r="http://schemas.openxmlformats.org/officeDocument/2006/relationships" xmlns:ac="http://schemas.microsoft.com/office/drawing/2013/main/command" xmlns:pc="http://schemas.microsoft.com/office/powerpoint/2013/main/command">
   <pc:docChgLst>
-    <pc:chgData name="xls315" userId="a3f91353-034b-4d73-b44a-fb5798c24f26" providerId="ADAL" clId="{8F972F40-A609-4ECA-901B-D3C000B2B20F}"/>
-  </pc:docChgLst>
-  <pc:docChgLst>
     <pc:chgData name="xls315" userId="a3f91353-034b-4d73-b44a-fb5798c24f26" providerId="ADAL" clId="{2136E3CC-0E02-4152-8634-EB90BF7554D9}"/>
   </pc:docChgLst>
   <pc:docChgLst>
-    <pc:chgData name="xls315" userId="a3f91353-034b-4d73-b44a-fb5798c24f26" providerId="ADAL" clId="{F5C2F00B-D472-46A9-8B54-A7EF15304FF2}"/>
+    <pc:chgData name="xls315" userId="a3f91353-034b-4d73-b44a-fb5798c24f26" providerId="ADAL" clId="{8F972F40-A609-4ECA-901B-D3C000B2B20F}"/>
   </pc:docChgLst>
   <pc:docChgLst>
     <pc:chgData name="xls315" userId="a3f91353-034b-4d73-b44a-fb5798c24f26" providerId="ADAL" clId="{6FDCCBB6-5319-4C39-AA70-92ED019AE945}"/>
@@ -736,6 +734,535 @@
       </pc:sldChg>
     </pc:docChg>
   </pc:docChgLst>
+  <pc:docChgLst>
+    <pc:chgData name="xls315" userId="a3f91353-034b-4d73-b44a-fb5798c24f26" providerId="ADAL" clId="{F5C2F00B-D472-46A9-8B54-A7EF15304FF2}"/>
+  </pc:docChgLst>
+  <pc:docChgLst>
+    <pc:chgData name="xls315" userId="a3f91353-034b-4d73-b44a-fb5798c24f26" providerId="ADAL" clId="{70B26C53-66D4-46BA-B1BB-7508E1ADF093}"/>
+    <pc:docChg chg="undo custSel addSld modSld">
+      <pc:chgData name="xls315" userId="a3f91353-034b-4d73-b44a-fb5798c24f26" providerId="ADAL" clId="{70B26C53-66D4-46BA-B1BB-7508E1ADF093}" dt="2019-01-09T14:44:54.248" v="520" actId="1076"/>
+      <pc:docMkLst>
+        <pc:docMk/>
+      </pc:docMkLst>
+      <pc:sldChg chg="addSp delSp modSp add">
+        <pc:chgData name="xls315" userId="a3f91353-034b-4d73-b44a-fb5798c24f26" providerId="ADAL" clId="{70B26C53-66D4-46BA-B1BB-7508E1ADF093}" dt="2019-01-09T14:23:10.709" v="273" actId="14100"/>
+        <pc:sldMkLst>
+          <pc:docMk/>
+          <pc:sldMk cId="715790353" sldId="313"/>
+        </pc:sldMkLst>
+        <pc:spChg chg="del">
+          <ac:chgData name="xls315" userId="a3f91353-034b-4d73-b44a-fb5798c24f26" providerId="ADAL" clId="{70B26C53-66D4-46BA-B1BB-7508E1ADF093}" dt="2019-01-09T14:02:55.916" v="1" actId="478"/>
+          <ac:spMkLst>
+            <pc:docMk/>
+            <pc:sldMk cId="715790353" sldId="313"/>
+            <ac:spMk id="4" creationId="{6BB5328E-5970-47C6-BE90-532B638150F7}"/>
+          </ac:spMkLst>
+        </pc:spChg>
+        <pc:spChg chg="del">
+          <ac:chgData name="xls315" userId="a3f91353-034b-4d73-b44a-fb5798c24f26" providerId="ADAL" clId="{70B26C53-66D4-46BA-B1BB-7508E1ADF093}" dt="2019-01-09T14:02:55.916" v="1" actId="478"/>
+          <ac:spMkLst>
+            <pc:docMk/>
+            <pc:sldMk cId="715790353" sldId="313"/>
+            <ac:spMk id="28" creationId="{CD1D7140-71FB-44E5-9E57-1EA0FC395444}"/>
+          </ac:spMkLst>
+        </pc:spChg>
+        <pc:spChg chg="del">
+          <ac:chgData name="xls315" userId="a3f91353-034b-4d73-b44a-fb5798c24f26" providerId="ADAL" clId="{70B26C53-66D4-46BA-B1BB-7508E1ADF093}" dt="2019-01-09T14:02:55.916" v="1" actId="478"/>
+          <ac:spMkLst>
+            <pc:docMk/>
+            <pc:sldMk cId="715790353" sldId="313"/>
+            <ac:spMk id="31" creationId="{60842DCB-35D3-4AF9-8C4E-EADF456FEC4D}"/>
+          </ac:spMkLst>
+        </pc:spChg>
+        <pc:spChg chg="del">
+          <ac:chgData name="xls315" userId="a3f91353-034b-4d73-b44a-fb5798c24f26" providerId="ADAL" clId="{70B26C53-66D4-46BA-B1BB-7508E1ADF093}" dt="2019-01-09T14:02:55.916" v="1" actId="478"/>
+          <ac:spMkLst>
+            <pc:docMk/>
+            <pc:sldMk cId="715790353" sldId="313"/>
+            <ac:spMk id="32" creationId="{BB0DA1DF-1197-4E2D-8F82-1E6EDFB87542}"/>
+          </ac:spMkLst>
+        </pc:spChg>
+        <pc:spChg chg="del">
+          <ac:chgData name="xls315" userId="a3f91353-034b-4d73-b44a-fb5798c24f26" providerId="ADAL" clId="{70B26C53-66D4-46BA-B1BB-7508E1ADF093}" dt="2019-01-09T14:02:55.916" v="1" actId="478"/>
+          <ac:spMkLst>
+            <pc:docMk/>
+            <pc:sldMk cId="715790353" sldId="313"/>
+            <ac:spMk id="33" creationId="{BB0DA1DF-1197-4E2D-8F82-1E6EDFB87542}"/>
+          </ac:spMkLst>
+        </pc:spChg>
+        <pc:spChg chg="del">
+          <ac:chgData name="xls315" userId="a3f91353-034b-4d73-b44a-fb5798c24f26" providerId="ADAL" clId="{70B26C53-66D4-46BA-B1BB-7508E1ADF093}" dt="2019-01-09T14:02:55.916" v="1" actId="478"/>
+          <ac:spMkLst>
+            <pc:docMk/>
+            <pc:sldMk cId="715790353" sldId="313"/>
+            <ac:spMk id="34" creationId="{22FEBFDB-12E0-43DE-88E0-BFF4C94B6FEE}"/>
+          </ac:spMkLst>
+        </pc:spChg>
+        <pc:spChg chg="del">
+          <ac:chgData name="xls315" userId="a3f91353-034b-4d73-b44a-fb5798c24f26" providerId="ADAL" clId="{70B26C53-66D4-46BA-B1BB-7508E1ADF093}" dt="2019-01-09T14:02:55.916" v="1" actId="478"/>
+          <ac:spMkLst>
+            <pc:docMk/>
+            <pc:sldMk cId="715790353" sldId="313"/>
+            <ac:spMk id="35" creationId="{7AAA25DC-23F1-4047-B85C-90717541729E}"/>
+          </ac:spMkLst>
+        </pc:spChg>
+        <pc:spChg chg="del">
+          <ac:chgData name="xls315" userId="a3f91353-034b-4d73-b44a-fb5798c24f26" providerId="ADAL" clId="{70B26C53-66D4-46BA-B1BB-7508E1ADF093}" dt="2019-01-09T14:02:55.916" v="1" actId="478"/>
+          <ac:spMkLst>
+            <pc:docMk/>
+            <pc:sldMk cId="715790353" sldId="313"/>
+            <ac:spMk id="37" creationId="{7AAA25DC-23F1-4047-B85C-90717541729E}"/>
+          </ac:spMkLst>
+        </pc:spChg>
+        <pc:spChg chg="del">
+          <ac:chgData name="xls315" userId="a3f91353-034b-4d73-b44a-fb5798c24f26" providerId="ADAL" clId="{70B26C53-66D4-46BA-B1BB-7508E1ADF093}" dt="2019-01-09T14:02:55.916" v="1" actId="478"/>
+          <ac:spMkLst>
+            <pc:docMk/>
+            <pc:sldMk cId="715790353" sldId="313"/>
+            <ac:spMk id="41" creationId="{ADC9A9BF-7504-44BC-AEED-726E4ADC2956}"/>
+          </ac:spMkLst>
+        </pc:spChg>
+        <pc:spChg chg="del">
+          <ac:chgData name="xls315" userId="a3f91353-034b-4d73-b44a-fb5798c24f26" providerId="ADAL" clId="{70B26C53-66D4-46BA-B1BB-7508E1ADF093}" dt="2019-01-09T14:02:55.916" v="1" actId="478"/>
+          <ac:spMkLst>
+            <pc:docMk/>
+            <pc:sldMk cId="715790353" sldId="313"/>
+            <ac:spMk id="42" creationId="{7AAA25DC-23F1-4047-B85C-90717541729E}"/>
+          </ac:spMkLst>
+        </pc:spChg>
+        <pc:spChg chg="del">
+          <ac:chgData name="xls315" userId="a3f91353-034b-4d73-b44a-fb5798c24f26" providerId="ADAL" clId="{70B26C53-66D4-46BA-B1BB-7508E1ADF093}" dt="2019-01-09T14:02:55.916" v="1" actId="478"/>
+          <ac:spMkLst>
+            <pc:docMk/>
+            <pc:sldMk cId="715790353" sldId="313"/>
+            <ac:spMk id="44" creationId="{E6A040D5-86AE-4D08-87CB-86CA50F84E9F}"/>
+          </ac:spMkLst>
+        </pc:spChg>
+        <pc:spChg chg="del">
+          <ac:chgData name="xls315" userId="a3f91353-034b-4d73-b44a-fb5798c24f26" providerId="ADAL" clId="{70B26C53-66D4-46BA-B1BB-7508E1ADF093}" dt="2019-01-09T14:02:55.916" v="1" actId="478"/>
+          <ac:spMkLst>
+            <pc:docMk/>
+            <pc:sldMk cId="715790353" sldId="313"/>
+            <ac:spMk id="56" creationId="{B79A3CB5-0323-48E0-9FC3-39878229CB51}"/>
+          </ac:spMkLst>
+        </pc:spChg>
+        <pc:spChg chg="del">
+          <ac:chgData name="xls315" userId="a3f91353-034b-4d73-b44a-fb5798c24f26" providerId="ADAL" clId="{70B26C53-66D4-46BA-B1BB-7508E1ADF093}" dt="2019-01-09T14:02:55.916" v="1" actId="478"/>
+          <ac:spMkLst>
+            <pc:docMk/>
+            <pc:sldMk cId="715790353" sldId="313"/>
+            <ac:spMk id="57" creationId="{6C93715E-5AFD-44E7-9BC2-C0DA887AF135}"/>
+          </ac:spMkLst>
+        </pc:spChg>
+        <pc:spChg chg="del">
+          <ac:chgData name="xls315" userId="a3f91353-034b-4d73-b44a-fb5798c24f26" providerId="ADAL" clId="{70B26C53-66D4-46BA-B1BB-7508E1ADF093}" dt="2019-01-09T14:02:55.916" v="1" actId="478"/>
+          <ac:spMkLst>
+            <pc:docMk/>
+            <pc:sldMk cId="715790353" sldId="313"/>
+            <ac:spMk id="58" creationId="{C702CE14-A385-4F9B-8E80-574B680F9DEB}"/>
+          </ac:spMkLst>
+        </pc:spChg>
+        <pc:spChg chg="del">
+          <ac:chgData name="xls315" userId="a3f91353-034b-4d73-b44a-fb5798c24f26" providerId="ADAL" clId="{70B26C53-66D4-46BA-B1BB-7508E1ADF093}" dt="2019-01-09T14:02:55.916" v="1" actId="478"/>
+          <ac:spMkLst>
+            <pc:docMk/>
+            <pc:sldMk cId="715790353" sldId="313"/>
+            <ac:spMk id="59" creationId="{3F458595-BBB6-422A-B4A5-EE5C497A5AC2}"/>
+          </ac:spMkLst>
+        </pc:spChg>
+        <pc:spChg chg="del">
+          <ac:chgData name="xls315" userId="a3f91353-034b-4d73-b44a-fb5798c24f26" providerId="ADAL" clId="{70B26C53-66D4-46BA-B1BB-7508E1ADF093}" dt="2019-01-09T14:02:55.916" v="1" actId="478"/>
+          <ac:spMkLst>
+            <pc:docMk/>
+            <pc:sldMk cId="715790353" sldId="313"/>
+            <ac:spMk id="60" creationId="{CD1D7140-71FB-44E5-9E57-1EA0FC395444}"/>
+          </ac:spMkLst>
+        </pc:spChg>
+        <pc:spChg chg="del">
+          <ac:chgData name="xls315" userId="a3f91353-034b-4d73-b44a-fb5798c24f26" providerId="ADAL" clId="{70B26C53-66D4-46BA-B1BB-7508E1ADF093}" dt="2019-01-09T14:02:55.916" v="1" actId="478"/>
+          <ac:spMkLst>
+            <pc:docMk/>
+            <pc:sldMk cId="715790353" sldId="313"/>
+            <ac:spMk id="63" creationId="{22FEBFDB-12E0-43DE-88E0-BFF4C94B6FEE}"/>
+          </ac:spMkLst>
+        </pc:spChg>
+        <pc:spChg chg="del">
+          <ac:chgData name="xls315" userId="a3f91353-034b-4d73-b44a-fb5798c24f26" providerId="ADAL" clId="{70B26C53-66D4-46BA-B1BB-7508E1ADF093}" dt="2019-01-09T14:02:55.916" v="1" actId="478"/>
+          <ac:spMkLst>
+            <pc:docMk/>
+            <pc:sldMk cId="715790353" sldId="313"/>
+            <ac:spMk id="69" creationId="{9038F008-DF0C-4AFC-A78A-DFE4BB3DDCFA}"/>
+          </ac:spMkLst>
+        </pc:spChg>
+        <pc:spChg chg="del">
+          <ac:chgData name="xls315" userId="a3f91353-034b-4d73-b44a-fb5798c24f26" providerId="ADAL" clId="{70B26C53-66D4-46BA-B1BB-7508E1ADF093}" dt="2019-01-09T14:02:55.916" v="1" actId="478"/>
+          <ac:spMkLst>
+            <pc:docMk/>
+            <pc:sldMk cId="715790353" sldId="313"/>
+            <ac:spMk id="72" creationId="{9E18071A-C812-412C-9403-F656BF6F6B81}"/>
+          </ac:spMkLst>
+        </pc:spChg>
+        <pc:spChg chg="del">
+          <ac:chgData name="xls315" userId="a3f91353-034b-4d73-b44a-fb5798c24f26" providerId="ADAL" clId="{70B26C53-66D4-46BA-B1BB-7508E1ADF093}" dt="2019-01-09T14:02:55.916" v="1" actId="478"/>
+          <ac:spMkLst>
+            <pc:docMk/>
+            <pc:sldMk cId="715790353" sldId="313"/>
+            <ac:spMk id="75" creationId="{DABA7181-CB8A-4EDD-A07C-C561AD7165B2}"/>
+          </ac:spMkLst>
+        </pc:spChg>
+        <pc:spChg chg="del">
+          <ac:chgData name="xls315" userId="a3f91353-034b-4d73-b44a-fb5798c24f26" providerId="ADAL" clId="{70B26C53-66D4-46BA-B1BB-7508E1ADF093}" dt="2019-01-09T14:02:55.916" v="1" actId="478"/>
+          <ac:spMkLst>
+            <pc:docMk/>
+            <pc:sldMk cId="715790353" sldId="313"/>
+            <ac:spMk id="76" creationId="{689364AF-5767-4976-A47E-56EDF0C6E921}"/>
+          </ac:spMkLst>
+        </pc:spChg>
+        <pc:spChg chg="del">
+          <ac:chgData name="xls315" userId="a3f91353-034b-4d73-b44a-fb5798c24f26" providerId="ADAL" clId="{70B26C53-66D4-46BA-B1BB-7508E1ADF093}" dt="2019-01-09T14:02:55.916" v="1" actId="478"/>
+          <ac:spMkLst>
+            <pc:docMk/>
+            <pc:sldMk cId="715790353" sldId="313"/>
+            <ac:spMk id="77" creationId="{E0E8F088-E60D-409C-A73A-D3B36653BB39}"/>
+          </ac:spMkLst>
+        </pc:spChg>
+        <pc:spChg chg="del">
+          <ac:chgData name="xls315" userId="a3f91353-034b-4d73-b44a-fb5798c24f26" providerId="ADAL" clId="{70B26C53-66D4-46BA-B1BB-7508E1ADF093}" dt="2019-01-09T14:02:55.916" v="1" actId="478"/>
+          <ac:spMkLst>
+            <pc:docMk/>
+            <pc:sldMk cId="715790353" sldId="313"/>
+            <ac:spMk id="78" creationId="{E51BE21F-652A-4A4C-B1FB-63B87926C658}"/>
+          </ac:spMkLst>
+        </pc:spChg>
+        <pc:spChg chg="del">
+          <ac:chgData name="xls315" userId="a3f91353-034b-4d73-b44a-fb5798c24f26" providerId="ADAL" clId="{70B26C53-66D4-46BA-B1BB-7508E1ADF093}" dt="2019-01-09T14:02:55.916" v="1" actId="478"/>
+          <ac:spMkLst>
+            <pc:docMk/>
+            <pc:sldMk cId="715790353" sldId="313"/>
+            <ac:spMk id="80" creationId="{276C898D-0BD3-4299-A808-9012AD9385A2}"/>
+          </ac:spMkLst>
+        </pc:spChg>
+        <pc:picChg chg="add del mod">
+          <ac:chgData name="xls315" userId="a3f91353-034b-4d73-b44a-fb5798c24f26" providerId="ADAL" clId="{70B26C53-66D4-46BA-B1BB-7508E1ADF093}" dt="2019-01-09T14:03:15.173" v="3" actId="478"/>
+          <ac:picMkLst>
+            <pc:docMk/>
+            <pc:sldMk cId="715790353" sldId="313"/>
+            <ac:picMk id="3" creationId="{81FBCD17-B90C-4BAD-AAAE-62FAD5CDB971}"/>
+          </ac:picMkLst>
+        </pc:picChg>
+        <pc:picChg chg="add mod">
+          <ac:chgData name="xls315" userId="a3f91353-034b-4d73-b44a-fb5798c24f26" providerId="ADAL" clId="{70B26C53-66D4-46BA-B1BB-7508E1ADF093}" dt="2019-01-09T14:23:10.709" v="273" actId="14100"/>
+          <ac:picMkLst>
+            <pc:docMk/>
+            <pc:sldMk cId="715790353" sldId="313"/>
+            <ac:picMk id="6" creationId="{0B014BA4-C2EF-4525-A17B-FEC8D15EC275}"/>
+          </ac:picMkLst>
+        </pc:picChg>
+        <pc:picChg chg="add del mod">
+          <ac:chgData name="xls315" userId="a3f91353-034b-4d73-b44a-fb5798c24f26" providerId="ADAL" clId="{70B26C53-66D4-46BA-B1BB-7508E1ADF093}" dt="2019-01-09T14:23:08.965" v="272" actId="478"/>
+          <ac:picMkLst>
+            <pc:docMk/>
+            <pc:sldMk cId="715790353" sldId="313"/>
+            <ac:picMk id="8" creationId="{0554158F-7401-438B-9FB7-D653AB54BBFF}"/>
+          </ac:picMkLst>
+        </pc:picChg>
+        <pc:picChg chg="del">
+          <ac:chgData name="xls315" userId="a3f91353-034b-4d73-b44a-fb5798c24f26" providerId="ADAL" clId="{70B26C53-66D4-46BA-B1BB-7508E1ADF093}" dt="2019-01-09T14:02:55.916" v="1" actId="478"/>
+          <ac:picMkLst>
+            <pc:docMk/>
+            <pc:sldMk cId="715790353" sldId="313"/>
+            <ac:picMk id="79" creationId="{E2D1C9F4-9C3D-45B1-AFD5-7C10A6DFE41C}"/>
+          </ac:picMkLst>
+        </pc:picChg>
+      </pc:sldChg>
+      <pc:sldChg chg="addSp delSp modSp add">
+        <pc:chgData name="xls315" userId="a3f91353-034b-4d73-b44a-fb5798c24f26" providerId="ADAL" clId="{70B26C53-66D4-46BA-B1BB-7508E1ADF093}" dt="2019-01-09T14:44:54.248" v="520" actId="1076"/>
+        <pc:sldMkLst>
+          <pc:docMk/>
+          <pc:sldMk cId="2618768438" sldId="314"/>
+        </pc:sldMkLst>
+        <pc:spChg chg="add del mod">
+          <ac:chgData name="xls315" userId="a3f91353-034b-4d73-b44a-fb5798c24f26" providerId="ADAL" clId="{70B26C53-66D4-46BA-B1BB-7508E1ADF093}" dt="2019-01-09T14:13:28.777" v="17" actId="478"/>
+          <ac:spMkLst>
+            <pc:docMk/>
+            <pc:sldMk cId="2618768438" sldId="314"/>
+            <ac:spMk id="2" creationId="{EB173A5B-A585-444F-8A40-86FA89313F8E}"/>
+          </ac:spMkLst>
+        </pc:spChg>
+        <pc:spChg chg="add mod">
+          <ac:chgData name="xls315" userId="a3f91353-034b-4d73-b44a-fb5798c24f26" providerId="ADAL" clId="{70B26C53-66D4-46BA-B1BB-7508E1ADF093}" dt="2019-01-09T14:44:43.875" v="519" actId="2085"/>
+          <ac:spMkLst>
+            <pc:docMk/>
+            <pc:sldMk cId="2618768438" sldId="314"/>
+            <ac:spMk id="3" creationId="{28A2712F-D7BB-49AB-8BA9-66570E032AC4}"/>
+          </ac:spMkLst>
+        </pc:spChg>
+        <pc:spChg chg="add mod">
+          <ac:chgData name="xls315" userId="a3f91353-034b-4d73-b44a-fb5798c24f26" providerId="ADAL" clId="{70B26C53-66D4-46BA-B1BB-7508E1ADF093}" dt="2019-01-09T14:44:43.875" v="519" actId="2085"/>
+          <ac:spMkLst>
+            <pc:docMk/>
+            <pc:sldMk cId="2618768438" sldId="314"/>
+            <ac:spMk id="7" creationId="{68265EB3-3203-4C69-ABD8-9B4B94B45016}"/>
+          </ac:spMkLst>
+        </pc:spChg>
+        <pc:spChg chg="add mod">
+          <ac:chgData name="xls315" userId="a3f91353-034b-4d73-b44a-fb5798c24f26" providerId="ADAL" clId="{70B26C53-66D4-46BA-B1BB-7508E1ADF093}" dt="2019-01-09T14:44:54.248" v="520" actId="1076"/>
+          <ac:spMkLst>
+            <pc:docMk/>
+            <pc:sldMk cId="2618768438" sldId="314"/>
+            <ac:spMk id="9" creationId="{5A78EDE1-14C6-4896-B022-6A874065200C}"/>
+          </ac:spMkLst>
+        </pc:spChg>
+        <pc:spChg chg="add mod">
+          <ac:chgData name="xls315" userId="a3f91353-034b-4d73-b44a-fb5798c24f26" providerId="ADAL" clId="{70B26C53-66D4-46BA-B1BB-7508E1ADF093}" dt="2019-01-09T14:44:43.875" v="519" actId="2085"/>
+          <ac:spMkLst>
+            <pc:docMk/>
+            <pc:sldMk cId="2618768438" sldId="314"/>
+            <ac:spMk id="10" creationId="{087324AD-1D8D-4491-AED4-CABDEF8EC56D}"/>
+          </ac:spMkLst>
+        </pc:spChg>
+        <pc:spChg chg="add mod">
+          <ac:chgData name="xls315" userId="a3f91353-034b-4d73-b44a-fb5798c24f26" providerId="ADAL" clId="{70B26C53-66D4-46BA-B1BB-7508E1ADF093}" dt="2019-01-09T14:44:43.875" v="519" actId="2085"/>
+          <ac:spMkLst>
+            <pc:docMk/>
+            <pc:sldMk cId="2618768438" sldId="314"/>
+            <ac:spMk id="11" creationId="{1B7442A7-29B0-44B2-B42A-731599828A44}"/>
+          </ac:spMkLst>
+        </pc:spChg>
+        <pc:spChg chg="add mod">
+          <ac:chgData name="xls315" userId="a3f91353-034b-4d73-b44a-fb5798c24f26" providerId="ADAL" clId="{70B26C53-66D4-46BA-B1BB-7508E1ADF093}" dt="2019-01-09T14:44:43.875" v="519" actId="2085"/>
+          <ac:spMkLst>
+            <pc:docMk/>
+            <pc:sldMk cId="2618768438" sldId="314"/>
+            <ac:spMk id="12" creationId="{7C6E238D-E596-49A8-88D6-C7824CB86730}"/>
+          </ac:spMkLst>
+        </pc:spChg>
+        <pc:spChg chg="add mod">
+          <ac:chgData name="xls315" userId="a3f91353-034b-4d73-b44a-fb5798c24f26" providerId="ADAL" clId="{70B26C53-66D4-46BA-B1BB-7508E1ADF093}" dt="2019-01-09T14:44:43.875" v="519" actId="2085"/>
+          <ac:spMkLst>
+            <pc:docMk/>
+            <pc:sldMk cId="2618768438" sldId="314"/>
+            <ac:spMk id="13" creationId="{35E28E8C-CC6C-4F7A-80C6-930DEC6DD356}"/>
+          </ac:spMkLst>
+        </pc:spChg>
+        <pc:spChg chg="add mod">
+          <ac:chgData name="xls315" userId="a3f91353-034b-4d73-b44a-fb5798c24f26" providerId="ADAL" clId="{70B26C53-66D4-46BA-B1BB-7508E1ADF093}" dt="2019-01-09T14:44:43.875" v="519" actId="2085"/>
+          <ac:spMkLst>
+            <pc:docMk/>
+            <pc:sldMk cId="2618768438" sldId="314"/>
+            <ac:spMk id="14" creationId="{23DEEBB8-9B50-4D55-9399-FE8A155227F1}"/>
+          </ac:spMkLst>
+        </pc:spChg>
+        <pc:spChg chg="add mod">
+          <ac:chgData name="xls315" userId="a3f91353-034b-4d73-b44a-fb5798c24f26" providerId="ADAL" clId="{70B26C53-66D4-46BA-B1BB-7508E1ADF093}" dt="2019-01-09T14:44:43.875" v="519" actId="2085"/>
+          <ac:spMkLst>
+            <pc:docMk/>
+            <pc:sldMk cId="2618768438" sldId="314"/>
+            <ac:spMk id="15" creationId="{0498B651-E7C8-42FB-85DF-FE482ACBDC2F}"/>
+          </ac:spMkLst>
+        </pc:spChg>
+        <pc:spChg chg="add mod">
+          <ac:chgData name="xls315" userId="a3f91353-034b-4d73-b44a-fb5798c24f26" providerId="ADAL" clId="{70B26C53-66D4-46BA-B1BB-7508E1ADF093}" dt="2019-01-09T14:44:43.875" v="519" actId="2085"/>
+          <ac:spMkLst>
+            <pc:docMk/>
+            <pc:sldMk cId="2618768438" sldId="314"/>
+            <ac:spMk id="17" creationId="{697848AA-5FBC-45C3-B9EB-EEAD4B3507D0}"/>
+          </ac:spMkLst>
+        </pc:spChg>
+        <pc:spChg chg="add mod">
+          <ac:chgData name="xls315" userId="a3f91353-034b-4d73-b44a-fb5798c24f26" providerId="ADAL" clId="{70B26C53-66D4-46BA-B1BB-7508E1ADF093}" dt="2019-01-09T14:44:43.875" v="519" actId="2085"/>
+          <ac:spMkLst>
+            <pc:docMk/>
+            <pc:sldMk cId="2618768438" sldId="314"/>
+            <ac:spMk id="18" creationId="{0BBF17B0-E17B-4BEA-889E-9E6234C4218D}"/>
+          </ac:spMkLst>
+        </pc:spChg>
+        <pc:spChg chg="add del mod">
+          <ac:chgData name="xls315" userId="a3f91353-034b-4d73-b44a-fb5798c24f26" providerId="ADAL" clId="{70B26C53-66D4-46BA-B1BB-7508E1ADF093}" dt="2019-01-09T14:22:30.379" v="265" actId="478"/>
+          <ac:spMkLst>
+            <pc:docMk/>
+            <pc:sldMk cId="2618768438" sldId="314"/>
+            <ac:spMk id="19" creationId="{40438F6B-E6E5-4409-88FB-7861BEBE079A}"/>
+          </ac:spMkLst>
+        </pc:spChg>
+        <pc:spChg chg="add mod">
+          <ac:chgData name="xls315" userId="a3f91353-034b-4d73-b44a-fb5798c24f26" providerId="ADAL" clId="{70B26C53-66D4-46BA-B1BB-7508E1ADF093}" dt="2019-01-09T14:41:56.790" v="517" actId="207"/>
+          <ac:spMkLst>
+            <pc:docMk/>
+            <pc:sldMk cId="2618768438" sldId="314"/>
+            <ac:spMk id="20" creationId="{8309130A-5FCB-4F7E-9831-D66050D45046}"/>
+          </ac:spMkLst>
+        </pc:spChg>
+        <pc:spChg chg="add mod">
+          <ac:chgData name="xls315" userId="a3f91353-034b-4d73-b44a-fb5798c24f26" providerId="ADAL" clId="{70B26C53-66D4-46BA-B1BB-7508E1ADF093}" dt="2019-01-09T14:27:22.758" v="350" actId="1076"/>
+          <ac:spMkLst>
+            <pc:docMk/>
+            <pc:sldMk cId="2618768438" sldId="314"/>
+            <ac:spMk id="24" creationId="{400ACC72-3EA6-4B44-BF0D-674AD2849C51}"/>
+          </ac:spMkLst>
+        </pc:spChg>
+        <pc:spChg chg="add mod">
+          <ac:chgData name="xls315" userId="a3f91353-034b-4d73-b44a-fb5798c24f26" providerId="ADAL" clId="{70B26C53-66D4-46BA-B1BB-7508E1ADF093}" dt="2019-01-09T14:29:19.769" v="364" actId="1076"/>
+          <ac:spMkLst>
+            <pc:docMk/>
+            <pc:sldMk cId="2618768438" sldId="314"/>
+            <ac:spMk id="30" creationId="{D80E72AC-28F0-48CA-8DD8-2915084917FA}"/>
+          </ac:spMkLst>
+        </pc:spChg>
+        <pc:spChg chg="add mod">
+          <ac:chgData name="xls315" userId="a3f91353-034b-4d73-b44a-fb5798c24f26" providerId="ADAL" clId="{70B26C53-66D4-46BA-B1BB-7508E1ADF093}" dt="2019-01-09T14:30:51.210" v="396" actId="1076"/>
+          <ac:spMkLst>
+            <pc:docMk/>
+            <pc:sldMk cId="2618768438" sldId="314"/>
+            <ac:spMk id="34" creationId="{81D66A7A-7CB9-4252-A8F8-F29A6F7E4F76}"/>
+          </ac:spMkLst>
+        </pc:spChg>
+        <pc:spChg chg="add mod">
+          <ac:chgData name="xls315" userId="a3f91353-034b-4d73-b44a-fb5798c24f26" providerId="ADAL" clId="{70B26C53-66D4-46BA-B1BB-7508E1ADF093}" dt="2019-01-09T14:31:15.113" v="426" actId="1076"/>
+          <ac:spMkLst>
+            <pc:docMk/>
+            <pc:sldMk cId="2618768438" sldId="314"/>
+            <ac:spMk id="35" creationId="{CD3416B1-33C4-4FD5-85D1-D09AE4017614}"/>
+          </ac:spMkLst>
+        </pc:spChg>
+        <pc:spChg chg="add mod">
+          <ac:chgData name="xls315" userId="a3f91353-034b-4d73-b44a-fb5798c24f26" providerId="ADAL" clId="{70B26C53-66D4-46BA-B1BB-7508E1ADF093}" dt="2019-01-09T14:42:05.370" v="518" actId="207"/>
+          <ac:spMkLst>
+            <pc:docMk/>
+            <pc:sldMk cId="2618768438" sldId="314"/>
+            <ac:spMk id="36" creationId="{52401D3F-9B60-4139-A73E-19B6B5675630}"/>
+          </ac:spMkLst>
+        </pc:spChg>
+        <pc:spChg chg="add mod">
+          <ac:chgData name="xls315" userId="a3f91353-034b-4d73-b44a-fb5798c24f26" providerId="ADAL" clId="{70B26C53-66D4-46BA-B1BB-7508E1ADF093}" dt="2019-01-09T14:37:48.945" v="479" actId="1076"/>
+          <ac:spMkLst>
+            <pc:docMk/>
+            <pc:sldMk cId="2618768438" sldId="314"/>
+            <ac:spMk id="37" creationId="{1222BFF6-8EE7-4480-B2A3-17DCCE92BAF9}"/>
+          </ac:spMkLst>
+        </pc:spChg>
+        <pc:spChg chg="add mod">
+          <ac:chgData name="xls315" userId="a3f91353-034b-4d73-b44a-fb5798c24f26" providerId="ADAL" clId="{70B26C53-66D4-46BA-B1BB-7508E1ADF093}" dt="2019-01-09T14:38:01.339" v="485"/>
+          <ac:spMkLst>
+            <pc:docMk/>
+            <pc:sldMk cId="2618768438" sldId="314"/>
+            <ac:spMk id="38" creationId="{082B527D-717F-42B5-846E-7EC08E8A3787}"/>
+          </ac:spMkLst>
+        </pc:spChg>
+        <pc:spChg chg="add mod">
+          <ac:chgData name="xls315" userId="a3f91353-034b-4d73-b44a-fb5798c24f26" providerId="ADAL" clId="{70B26C53-66D4-46BA-B1BB-7508E1ADF093}" dt="2019-01-09T14:39:48.610" v="500" actId="1076"/>
+          <ac:spMkLst>
+            <pc:docMk/>
+            <pc:sldMk cId="2618768438" sldId="314"/>
+            <ac:spMk id="47" creationId="{C1F74C4A-F505-4A77-B963-8C26CEED2C7A}"/>
+          </ac:spMkLst>
+        </pc:spChg>
+        <pc:spChg chg="add mod ord">
+          <ac:chgData name="xls315" userId="a3f91353-034b-4d73-b44a-fb5798c24f26" providerId="ADAL" clId="{70B26C53-66D4-46BA-B1BB-7508E1ADF093}" dt="2019-01-09T14:41:28.517" v="516" actId="14100"/>
+          <ac:spMkLst>
+            <pc:docMk/>
+            <pc:sldMk cId="2618768438" sldId="314"/>
+            <ac:spMk id="48" creationId="{6415C456-80C5-4ADF-9D71-F1555EF8417A}"/>
+          </ac:spMkLst>
+        </pc:spChg>
+        <pc:picChg chg="del">
+          <ac:chgData name="xls315" userId="a3f91353-034b-4d73-b44a-fb5798c24f26" providerId="ADAL" clId="{70B26C53-66D4-46BA-B1BB-7508E1ADF093}" dt="2019-01-09T14:03:40.531" v="11" actId="478"/>
+          <ac:picMkLst>
+            <pc:docMk/>
+            <pc:sldMk cId="2618768438" sldId="314"/>
+            <ac:picMk id="6" creationId="{0B014BA4-C2EF-4525-A17B-FEC8D15EC275}"/>
+          </ac:picMkLst>
+        </pc:picChg>
+        <pc:picChg chg="mod ord">
+          <ac:chgData name="xls315" userId="a3f91353-034b-4d73-b44a-fb5798c24f26" providerId="ADAL" clId="{70B26C53-66D4-46BA-B1BB-7508E1ADF093}" dt="2019-01-09T14:41:18.510" v="515" actId="167"/>
+          <ac:picMkLst>
+            <pc:docMk/>
+            <pc:sldMk cId="2618768438" sldId="314"/>
+            <ac:picMk id="8" creationId="{0554158F-7401-438B-9FB7-D653AB54BBFF}"/>
+          </ac:picMkLst>
+        </pc:picChg>
+        <pc:picChg chg="add del">
+          <ac:chgData name="xls315" userId="a3f91353-034b-4d73-b44a-fb5798c24f26" providerId="ADAL" clId="{70B26C53-66D4-46BA-B1BB-7508E1ADF093}" dt="2019-01-09T14:21:03.600" v="237"/>
+          <ac:picMkLst>
+            <pc:docMk/>
+            <pc:sldMk cId="2618768438" sldId="314"/>
+            <ac:picMk id="16" creationId="{DBF47C4F-D27F-4732-A682-5D529B95A8C2}"/>
+          </ac:picMkLst>
+        </pc:picChg>
+        <pc:cxnChg chg="add mod">
+          <ac:chgData name="xls315" userId="a3f91353-034b-4d73-b44a-fb5798c24f26" providerId="ADAL" clId="{70B26C53-66D4-46BA-B1BB-7508E1ADF093}" dt="2019-01-09T14:28:54.906" v="357" actId="692"/>
+          <ac:cxnSpMkLst>
+            <pc:docMk/>
+            <pc:sldMk cId="2618768438" sldId="314"/>
+            <ac:cxnSpMk id="5" creationId="{4842F576-6540-4131-815A-4DC26C64A81E}"/>
+          </ac:cxnSpMkLst>
+        </pc:cxnChg>
+        <pc:cxnChg chg="add mod">
+          <ac:chgData name="xls315" userId="a3f91353-034b-4d73-b44a-fb5798c24f26" providerId="ADAL" clId="{70B26C53-66D4-46BA-B1BB-7508E1ADF093}" dt="2019-01-09T14:44:54.248" v="520" actId="1076"/>
+          <ac:cxnSpMkLst>
+            <pc:docMk/>
+            <pc:sldMk cId="2618768438" sldId="314"/>
+            <ac:cxnSpMk id="21" creationId="{7B9CFACB-1992-4481-92FD-154DE0A3FB5B}"/>
+          </ac:cxnSpMkLst>
+        </pc:cxnChg>
+        <pc:cxnChg chg="add mod">
+          <ac:chgData name="xls315" userId="a3f91353-034b-4d73-b44a-fb5798c24f26" providerId="ADAL" clId="{70B26C53-66D4-46BA-B1BB-7508E1ADF093}" dt="2019-01-09T14:28:54.906" v="357" actId="692"/>
+          <ac:cxnSpMkLst>
+            <pc:docMk/>
+            <pc:sldMk cId="2618768438" sldId="314"/>
+            <ac:cxnSpMk id="25" creationId="{0EA6859D-C6FF-4622-A2AF-2F1ECEEF937A}"/>
+          </ac:cxnSpMkLst>
+        </pc:cxnChg>
+        <pc:cxnChg chg="add mod">
+          <ac:chgData name="xls315" userId="a3f91353-034b-4d73-b44a-fb5798c24f26" providerId="ADAL" clId="{70B26C53-66D4-46BA-B1BB-7508E1ADF093}" dt="2019-01-09T14:38:33.522" v="487" actId="1076"/>
+          <ac:cxnSpMkLst>
+            <pc:docMk/>
+            <pc:sldMk cId="2618768438" sldId="314"/>
+            <ac:cxnSpMk id="31" creationId="{D50B7A65-C4EE-44FB-8255-92C8EF9DA8DA}"/>
+          </ac:cxnSpMkLst>
+        </pc:cxnChg>
+        <pc:cxnChg chg="add mod">
+          <ac:chgData name="xls315" userId="a3f91353-034b-4d73-b44a-fb5798c24f26" providerId="ADAL" clId="{70B26C53-66D4-46BA-B1BB-7508E1ADF093}" dt="2019-01-09T14:38:49.560" v="491" actId="14100"/>
+          <ac:cxnSpMkLst>
+            <pc:docMk/>
+            <pc:sldMk cId="2618768438" sldId="314"/>
+            <ac:cxnSpMk id="41" creationId="{DE9EE2C3-58C6-46A0-890B-70AFAF2EE6EA}"/>
+          </ac:cxnSpMkLst>
+        </pc:cxnChg>
+        <pc:cxnChg chg="add mod">
+          <ac:chgData name="xls315" userId="a3f91353-034b-4d73-b44a-fb5798c24f26" providerId="ADAL" clId="{70B26C53-66D4-46BA-B1BB-7508E1ADF093}" dt="2019-01-09T14:39:13.182" v="495" actId="14100"/>
+          <ac:cxnSpMkLst>
+            <pc:docMk/>
+            <pc:sldMk cId="2618768438" sldId="314"/>
+            <ac:cxnSpMk id="44" creationId="{14F58F91-4B4B-440B-99E5-DA3004EB4D02}"/>
+          </ac:cxnSpMkLst>
+        </pc:cxnChg>
+      </pc:sldChg>
+      <pc:sldChg chg="addSp modSp add">
+        <pc:chgData name="xls315" userId="a3f91353-034b-4d73-b44a-fb5798c24f26" providerId="ADAL" clId="{70B26C53-66D4-46BA-B1BB-7508E1ADF093}" dt="2019-01-09T14:40:59.102" v="512" actId="14100"/>
+        <pc:sldMkLst>
+          <pc:docMk/>
+          <pc:sldMk cId="424658731" sldId="315"/>
+        </pc:sldMkLst>
+        <pc:spChg chg="add mod">
+          <ac:chgData name="xls315" userId="a3f91353-034b-4d73-b44a-fb5798c24f26" providerId="ADAL" clId="{70B26C53-66D4-46BA-B1BB-7508E1ADF093}" dt="2019-01-09T14:40:59.102" v="512" actId="14100"/>
+          <ac:spMkLst>
+            <pc:docMk/>
+            <pc:sldMk cId="424658731" sldId="315"/>
+            <ac:spMk id="23" creationId="{808522DB-178C-43A5-8463-29D2389388F2}"/>
+          </ac:spMkLst>
+        </pc:spChg>
+        <pc:picChg chg="ord">
+          <ac:chgData name="xls315" userId="a3f91353-034b-4d73-b44a-fb5798c24f26" providerId="ADAL" clId="{70B26C53-66D4-46BA-B1BB-7508E1ADF093}" dt="2019-01-09T14:33:56.666" v="428" actId="166"/>
+          <ac:picMkLst>
+            <pc:docMk/>
+            <pc:sldMk cId="424658731" sldId="315"/>
+            <ac:picMk id="8" creationId="{0554158F-7401-438B-9FB7-D653AB54BBFF}"/>
+          </ac:picMkLst>
+        </pc:picChg>
+      </pc:sldChg>
+    </pc:docChg>
+  </pc:docChgLst>
 </pc:chgInfo>
 </file>
 
@@ -769,7 +1296,7 @@
           <p:cNvPr id="4097" name="Rectangle 1">
             <a:extLst>
               <a:ext uri="{FF2B5EF4-FFF2-40B4-BE49-F238E27FC236}">
-                <a16:creationId xmlns:a16="http://schemas.microsoft.com/office/drawing/2014/main" xmlns="" id="{565A64E7-9CD6-4CA0-BB1F-239A37432A4C}"/>
+                <a16:creationId xmlns="" xmlns:a16="http://schemas.microsoft.com/office/drawing/2014/main" id="{565A64E7-9CD6-4CA0-BB1F-239A37432A4C}"/>
               </a:ext>
             </a:extLst>
           </p:cNvPr>
@@ -829,7 +1356,7 @@
           <p:cNvPr id="4098" name="Rectangle 2">
             <a:extLst>
               <a:ext uri="{FF2B5EF4-FFF2-40B4-BE49-F238E27FC236}">
-                <a16:creationId xmlns:a16="http://schemas.microsoft.com/office/drawing/2014/main" xmlns="" id="{BEC89F56-1C5B-450B-BA44-8C5C6738B526}"/>
+                <a16:creationId xmlns="" xmlns:a16="http://schemas.microsoft.com/office/drawing/2014/main" id="{BEC89F56-1C5B-450B-BA44-8C5C6738B526}"/>
               </a:ext>
             </a:extLst>
           </p:cNvPr>
@@ -1112,7 +1639,7 @@
           <p:cNvPr id="2" name="标题 1">
             <a:extLst>
               <a:ext uri="{FF2B5EF4-FFF2-40B4-BE49-F238E27FC236}">
-                <a16:creationId xmlns:a16="http://schemas.microsoft.com/office/drawing/2014/main" xmlns="" id="{33920F4C-4250-4125-8984-E27C967C7C91}"/>
+                <a16:creationId xmlns="" xmlns:a16="http://schemas.microsoft.com/office/drawing/2014/main" id="{33920F4C-4250-4125-8984-E27C967C7C91}"/>
               </a:ext>
             </a:extLst>
           </p:cNvPr>
@@ -1152,7 +1679,7 @@
           <p:cNvPr id="3" name="副标题 2">
             <a:extLst>
               <a:ext uri="{FF2B5EF4-FFF2-40B4-BE49-F238E27FC236}">
-                <a16:creationId xmlns:a16="http://schemas.microsoft.com/office/drawing/2014/main" xmlns="" id="{CCF65E6E-81FD-4631-BDBA-343341FD9BED}"/>
+                <a16:creationId xmlns="" xmlns:a16="http://schemas.microsoft.com/office/drawing/2014/main" id="{CCF65E6E-81FD-4631-BDBA-343341FD9BED}"/>
               </a:ext>
             </a:extLst>
           </p:cNvPr>
@@ -1225,7 +1752,7 @@
           <p:cNvPr id="4" name="灯片编号占位符 3">
             <a:extLst>
               <a:ext uri="{FF2B5EF4-FFF2-40B4-BE49-F238E27FC236}">
-                <a16:creationId xmlns:a16="http://schemas.microsoft.com/office/drawing/2014/main" xmlns="" id="{47937965-0035-43F3-A8F9-BA99A5C466AA}"/>
+                <a16:creationId xmlns="" xmlns:a16="http://schemas.microsoft.com/office/drawing/2014/main" id="{47937965-0035-43F3-A8F9-BA99A5C466AA}"/>
               </a:ext>
             </a:extLst>
           </p:cNvPr>
@@ -1289,7 +1816,7 @@
           <p:cNvPr id="2" name="标题 1">
             <a:extLst>
               <a:ext uri="{FF2B5EF4-FFF2-40B4-BE49-F238E27FC236}">
-                <a16:creationId xmlns:a16="http://schemas.microsoft.com/office/drawing/2014/main" xmlns="" id="{5B0188C7-8DF4-45E6-BB0A-3DE8FA47D954}"/>
+                <a16:creationId xmlns="" xmlns:a16="http://schemas.microsoft.com/office/drawing/2014/main" id="{5B0188C7-8DF4-45E6-BB0A-3DE8FA47D954}"/>
               </a:ext>
             </a:extLst>
           </p:cNvPr>
@@ -1325,7 +1852,7 @@
           <p:cNvPr id="3" name="竖排文字占位符 2">
             <a:extLst>
               <a:ext uri="{FF2B5EF4-FFF2-40B4-BE49-F238E27FC236}">
-                <a16:creationId xmlns:a16="http://schemas.microsoft.com/office/drawing/2014/main" xmlns="" id="{332766E8-BF75-446A-964B-9715DDF66D28}"/>
+                <a16:creationId xmlns="" xmlns:a16="http://schemas.microsoft.com/office/drawing/2014/main" id="{332766E8-BF75-446A-964B-9715DDF66D28}"/>
               </a:ext>
             </a:extLst>
           </p:cNvPr>
@@ -1390,7 +1917,7 @@
           <p:cNvPr id="4" name="灯片编号占位符 3">
             <a:extLst>
               <a:ext uri="{FF2B5EF4-FFF2-40B4-BE49-F238E27FC236}">
-                <a16:creationId xmlns:a16="http://schemas.microsoft.com/office/drawing/2014/main" xmlns="" id="{553A1DE0-A6FD-4D1F-A299-AD52DB77F17D}"/>
+                <a16:creationId xmlns="" xmlns:a16="http://schemas.microsoft.com/office/drawing/2014/main" id="{553A1DE0-A6FD-4D1F-A299-AD52DB77F17D}"/>
               </a:ext>
             </a:extLst>
           </p:cNvPr>
@@ -1454,7 +1981,7 @@
           <p:cNvPr id="2" name="竖排标题 1">
             <a:extLst>
               <a:ext uri="{FF2B5EF4-FFF2-40B4-BE49-F238E27FC236}">
-                <a16:creationId xmlns:a16="http://schemas.microsoft.com/office/drawing/2014/main" xmlns="" id="{91216533-0BD7-4F3B-AC52-7D59BF32C6B7}"/>
+                <a16:creationId xmlns="" xmlns:a16="http://schemas.microsoft.com/office/drawing/2014/main" id="{91216533-0BD7-4F3B-AC52-7D59BF32C6B7}"/>
               </a:ext>
             </a:extLst>
           </p:cNvPr>
@@ -1490,7 +2017,7 @@
           <p:cNvPr id="3" name="竖排文字占位符 2">
             <a:extLst>
               <a:ext uri="{FF2B5EF4-FFF2-40B4-BE49-F238E27FC236}">
-                <a16:creationId xmlns:a16="http://schemas.microsoft.com/office/drawing/2014/main" xmlns="" id="{4B9DCB10-4EE5-4A4E-A344-9273E798B8A0}"/>
+                <a16:creationId xmlns="" xmlns:a16="http://schemas.microsoft.com/office/drawing/2014/main" id="{4B9DCB10-4EE5-4A4E-A344-9273E798B8A0}"/>
               </a:ext>
             </a:extLst>
           </p:cNvPr>
@@ -1555,7 +2082,7 @@
           <p:cNvPr id="4" name="灯片编号占位符 3">
             <a:extLst>
               <a:ext uri="{FF2B5EF4-FFF2-40B4-BE49-F238E27FC236}">
-                <a16:creationId xmlns:a16="http://schemas.microsoft.com/office/drawing/2014/main" xmlns="" id="{36606AC1-ADDE-49A6-9E3D-5F936A179597}"/>
+                <a16:creationId xmlns="" xmlns:a16="http://schemas.microsoft.com/office/drawing/2014/main" id="{36606AC1-ADDE-49A6-9E3D-5F936A179597}"/>
               </a:ext>
             </a:extLst>
           </p:cNvPr>
@@ -1619,7 +2146,7 @@
           <p:cNvPr id="2" name="标题 1">
             <a:extLst>
               <a:ext uri="{FF2B5EF4-FFF2-40B4-BE49-F238E27FC236}">
-                <a16:creationId xmlns:a16="http://schemas.microsoft.com/office/drawing/2014/main" xmlns="" id="{1AB45643-41E5-4F8A-A3FB-70282E6F91E4}"/>
+                <a16:creationId xmlns="" xmlns:a16="http://schemas.microsoft.com/office/drawing/2014/main" id="{1AB45643-41E5-4F8A-A3FB-70282E6F91E4}"/>
               </a:ext>
             </a:extLst>
           </p:cNvPr>
@@ -1655,7 +2182,7 @@
           <p:cNvPr id="3" name="内容占位符 2">
             <a:extLst>
               <a:ext uri="{FF2B5EF4-FFF2-40B4-BE49-F238E27FC236}">
-                <a16:creationId xmlns:a16="http://schemas.microsoft.com/office/drawing/2014/main" xmlns="" id="{E635A896-792B-4191-811D-D0D9BE8A97FD}"/>
+                <a16:creationId xmlns="" xmlns:a16="http://schemas.microsoft.com/office/drawing/2014/main" id="{E635A896-792B-4191-811D-D0D9BE8A97FD}"/>
               </a:ext>
             </a:extLst>
           </p:cNvPr>
@@ -1720,7 +2247,7 @@
           <p:cNvPr id="4" name="灯片编号占位符 3">
             <a:extLst>
               <a:ext uri="{FF2B5EF4-FFF2-40B4-BE49-F238E27FC236}">
-                <a16:creationId xmlns:a16="http://schemas.microsoft.com/office/drawing/2014/main" xmlns="" id="{2752FF08-65C9-4F66-835B-7EDC0DD8252F}"/>
+                <a16:creationId xmlns="" xmlns:a16="http://schemas.microsoft.com/office/drawing/2014/main" id="{2752FF08-65C9-4F66-835B-7EDC0DD8252F}"/>
               </a:ext>
             </a:extLst>
           </p:cNvPr>
@@ -1784,7 +2311,7 @@
           <p:cNvPr id="2" name="标题 1">
             <a:extLst>
               <a:ext uri="{FF2B5EF4-FFF2-40B4-BE49-F238E27FC236}">
-                <a16:creationId xmlns:a16="http://schemas.microsoft.com/office/drawing/2014/main" xmlns="" id="{DEF0F9E6-6E4E-4C9E-A98D-EF8DABD21CAB}"/>
+                <a16:creationId xmlns="" xmlns:a16="http://schemas.microsoft.com/office/drawing/2014/main" id="{DEF0F9E6-6E4E-4C9E-A98D-EF8DABD21CAB}"/>
               </a:ext>
             </a:extLst>
           </p:cNvPr>
@@ -1824,7 +2351,7 @@
           <p:cNvPr id="3" name="文本占位符 2">
             <a:extLst>
               <a:ext uri="{FF2B5EF4-FFF2-40B4-BE49-F238E27FC236}">
-                <a16:creationId xmlns:a16="http://schemas.microsoft.com/office/drawing/2014/main" xmlns="" id="{8D9ABEE6-AE6E-4050-8164-5EBC00252ACF}"/>
+                <a16:creationId xmlns="" xmlns:a16="http://schemas.microsoft.com/office/drawing/2014/main" id="{8D9ABEE6-AE6E-4050-8164-5EBC00252ACF}"/>
               </a:ext>
             </a:extLst>
           </p:cNvPr>
@@ -1898,7 +2425,7 @@
           <p:cNvPr id="4" name="灯片编号占位符 3">
             <a:extLst>
               <a:ext uri="{FF2B5EF4-FFF2-40B4-BE49-F238E27FC236}">
-                <a16:creationId xmlns:a16="http://schemas.microsoft.com/office/drawing/2014/main" xmlns="" id="{8E786AA7-4871-4B03-B855-2BCA04E63482}"/>
+                <a16:creationId xmlns="" xmlns:a16="http://schemas.microsoft.com/office/drawing/2014/main" id="{8E786AA7-4871-4B03-B855-2BCA04E63482}"/>
               </a:ext>
             </a:extLst>
           </p:cNvPr>
@@ -1962,7 +2489,7 @@
           <p:cNvPr id="2" name="标题 1">
             <a:extLst>
               <a:ext uri="{FF2B5EF4-FFF2-40B4-BE49-F238E27FC236}">
-                <a16:creationId xmlns:a16="http://schemas.microsoft.com/office/drawing/2014/main" xmlns="" id="{757AFEB8-002C-464E-9FC8-10826243CD30}"/>
+                <a16:creationId xmlns="" xmlns:a16="http://schemas.microsoft.com/office/drawing/2014/main" id="{757AFEB8-002C-464E-9FC8-10826243CD30}"/>
               </a:ext>
             </a:extLst>
           </p:cNvPr>
@@ -1998,7 +2525,7 @@
           <p:cNvPr id="3" name="内容占位符 2">
             <a:extLst>
               <a:ext uri="{FF2B5EF4-FFF2-40B4-BE49-F238E27FC236}">
-                <a16:creationId xmlns:a16="http://schemas.microsoft.com/office/drawing/2014/main" xmlns="" id="{343C147F-0E80-4BC5-88C0-0B13AB1C0E8E}"/>
+                <a16:creationId xmlns="" xmlns:a16="http://schemas.microsoft.com/office/drawing/2014/main" id="{343C147F-0E80-4BC5-88C0-0B13AB1C0E8E}"/>
               </a:ext>
             </a:extLst>
           </p:cNvPr>
@@ -2063,7 +2590,7 @@
           <p:cNvPr id="4" name="内容占位符 3">
             <a:extLst>
               <a:ext uri="{FF2B5EF4-FFF2-40B4-BE49-F238E27FC236}">
-                <a16:creationId xmlns:a16="http://schemas.microsoft.com/office/drawing/2014/main" xmlns="" id="{ABE29A0D-470A-4D24-B5E4-D69B45AFAA1A}"/>
+                <a16:creationId xmlns="" xmlns:a16="http://schemas.microsoft.com/office/drawing/2014/main" id="{ABE29A0D-470A-4D24-B5E4-D69B45AFAA1A}"/>
               </a:ext>
             </a:extLst>
           </p:cNvPr>
@@ -2128,7 +2655,7 @@
           <p:cNvPr id="5" name="灯片编号占位符 4">
             <a:extLst>
               <a:ext uri="{FF2B5EF4-FFF2-40B4-BE49-F238E27FC236}">
-                <a16:creationId xmlns:a16="http://schemas.microsoft.com/office/drawing/2014/main" xmlns="" id="{3D4E71FC-FA32-40B2-A781-96D870E3A664}"/>
+                <a16:creationId xmlns="" xmlns:a16="http://schemas.microsoft.com/office/drawing/2014/main" id="{3D4E71FC-FA32-40B2-A781-96D870E3A664}"/>
               </a:ext>
             </a:extLst>
           </p:cNvPr>
@@ -2192,7 +2719,7 @@
           <p:cNvPr id="2" name="标题 1">
             <a:extLst>
               <a:ext uri="{FF2B5EF4-FFF2-40B4-BE49-F238E27FC236}">
-                <a16:creationId xmlns:a16="http://schemas.microsoft.com/office/drawing/2014/main" xmlns="" id="{D088E822-3460-4549-B734-2357F8BD35D2}"/>
+                <a16:creationId xmlns="" xmlns:a16="http://schemas.microsoft.com/office/drawing/2014/main" id="{D088E822-3460-4549-B734-2357F8BD35D2}"/>
               </a:ext>
             </a:extLst>
           </p:cNvPr>
@@ -2228,7 +2755,7 @@
           <p:cNvPr id="3" name="文本占位符 2">
             <a:extLst>
               <a:ext uri="{FF2B5EF4-FFF2-40B4-BE49-F238E27FC236}">
-                <a16:creationId xmlns:a16="http://schemas.microsoft.com/office/drawing/2014/main" xmlns="" id="{25F6B7B6-AAD1-46DE-812D-E279B2BA4CAA}"/>
+                <a16:creationId xmlns="" xmlns:a16="http://schemas.microsoft.com/office/drawing/2014/main" id="{25F6B7B6-AAD1-46DE-812D-E279B2BA4CAA}"/>
               </a:ext>
             </a:extLst>
           </p:cNvPr>
@@ -2302,7 +2829,7 @@
           <p:cNvPr id="4" name="内容占位符 3">
             <a:extLst>
               <a:ext uri="{FF2B5EF4-FFF2-40B4-BE49-F238E27FC236}">
-                <a16:creationId xmlns:a16="http://schemas.microsoft.com/office/drawing/2014/main" xmlns="" id="{E6EF8512-4BCF-429F-98B6-A40F21E02F3B}"/>
+                <a16:creationId xmlns="" xmlns:a16="http://schemas.microsoft.com/office/drawing/2014/main" id="{E6EF8512-4BCF-429F-98B6-A40F21E02F3B}"/>
               </a:ext>
             </a:extLst>
           </p:cNvPr>
@@ -2367,7 +2894,7 @@
           <p:cNvPr id="5" name="文本占位符 4">
             <a:extLst>
               <a:ext uri="{FF2B5EF4-FFF2-40B4-BE49-F238E27FC236}">
-                <a16:creationId xmlns:a16="http://schemas.microsoft.com/office/drawing/2014/main" xmlns="" id="{2E43955C-CB2E-44EA-8DEC-762EDA6D8F57}"/>
+                <a16:creationId xmlns="" xmlns:a16="http://schemas.microsoft.com/office/drawing/2014/main" id="{2E43955C-CB2E-44EA-8DEC-762EDA6D8F57}"/>
               </a:ext>
             </a:extLst>
           </p:cNvPr>
@@ -2441,7 +2968,7 @@
           <p:cNvPr id="6" name="内容占位符 5">
             <a:extLst>
               <a:ext uri="{FF2B5EF4-FFF2-40B4-BE49-F238E27FC236}">
-                <a16:creationId xmlns:a16="http://schemas.microsoft.com/office/drawing/2014/main" xmlns="" id="{FF04F6E5-926D-46BC-967B-30BA700C57B5}"/>
+                <a16:creationId xmlns="" xmlns:a16="http://schemas.microsoft.com/office/drawing/2014/main" id="{FF04F6E5-926D-46BC-967B-30BA700C57B5}"/>
               </a:ext>
             </a:extLst>
           </p:cNvPr>
@@ -2506,7 +3033,7 @@
           <p:cNvPr id="7" name="灯片编号占位符 6">
             <a:extLst>
               <a:ext uri="{FF2B5EF4-FFF2-40B4-BE49-F238E27FC236}">
-                <a16:creationId xmlns:a16="http://schemas.microsoft.com/office/drawing/2014/main" xmlns="" id="{A67352EA-DCBA-42ED-B669-CF6A9048E629}"/>
+                <a16:creationId xmlns="" xmlns:a16="http://schemas.microsoft.com/office/drawing/2014/main" id="{A67352EA-DCBA-42ED-B669-CF6A9048E629}"/>
               </a:ext>
             </a:extLst>
           </p:cNvPr>
@@ -2570,7 +3097,7 @@
           <p:cNvPr id="2" name="标题 1">
             <a:extLst>
               <a:ext uri="{FF2B5EF4-FFF2-40B4-BE49-F238E27FC236}">
-                <a16:creationId xmlns:a16="http://schemas.microsoft.com/office/drawing/2014/main" xmlns="" id="{566439B8-A890-4BF3-A5FC-9269282A0AA1}"/>
+                <a16:creationId xmlns="" xmlns:a16="http://schemas.microsoft.com/office/drawing/2014/main" id="{566439B8-A890-4BF3-A5FC-9269282A0AA1}"/>
               </a:ext>
             </a:extLst>
           </p:cNvPr>
@@ -2606,7 +3133,7 @@
           <p:cNvPr id="3" name="灯片编号占位符 2">
             <a:extLst>
               <a:ext uri="{FF2B5EF4-FFF2-40B4-BE49-F238E27FC236}">
-                <a16:creationId xmlns:a16="http://schemas.microsoft.com/office/drawing/2014/main" xmlns="" id="{DC232DAC-B15C-46F2-8CAE-846C4A5E236A}"/>
+                <a16:creationId xmlns="" xmlns:a16="http://schemas.microsoft.com/office/drawing/2014/main" id="{DC232DAC-B15C-46F2-8CAE-846C4A5E236A}"/>
               </a:ext>
             </a:extLst>
           </p:cNvPr>
@@ -2670,7 +3197,7 @@
           <p:cNvPr id="2" name="灯片编号占位符 1">
             <a:extLst>
               <a:ext uri="{FF2B5EF4-FFF2-40B4-BE49-F238E27FC236}">
-                <a16:creationId xmlns:a16="http://schemas.microsoft.com/office/drawing/2014/main" xmlns="" id="{97A36CCC-2ABB-464B-82A7-289602FB00C7}"/>
+                <a16:creationId xmlns="" xmlns:a16="http://schemas.microsoft.com/office/drawing/2014/main" id="{97A36CCC-2ABB-464B-82A7-289602FB00C7}"/>
               </a:ext>
             </a:extLst>
           </p:cNvPr>
@@ -2734,7 +3261,7 @@
           <p:cNvPr id="2" name="标题 1">
             <a:extLst>
               <a:ext uri="{FF2B5EF4-FFF2-40B4-BE49-F238E27FC236}">
-                <a16:creationId xmlns:a16="http://schemas.microsoft.com/office/drawing/2014/main" xmlns="" id="{34A01729-8E96-427E-B87C-84725AC1F1A2}"/>
+                <a16:creationId xmlns="" xmlns:a16="http://schemas.microsoft.com/office/drawing/2014/main" id="{34A01729-8E96-427E-B87C-84725AC1F1A2}"/>
               </a:ext>
             </a:extLst>
           </p:cNvPr>
@@ -2774,7 +3301,7 @@
           <p:cNvPr id="3" name="内容占位符 2">
             <a:extLst>
               <a:ext uri="{FF2B5EF4-FFF2-40B4-BE49-F238E27FC236}">
-                <a16:creationId xmlns:a16="http://schemas.microsoft.com/office/drawing/2014/main" xmlns="" id="{E129B704-0C29-4DA0-AAE3-8730A27EC2C3}"/>
+                <a16:creationId xmlns="" xmlns:a16="http://schemas.microsoft.com/office/drawing/2014/main" id="{E129B704-0C29-4DA0-AAE3-8730A27EC2C3}"/>
               </a:ext>
             </a:extLst>
           </p:cNvPr>
@@ -2867,7 +3394,7 @@
           <p:cNvPr id="4" name="文本占位符 3">
             <a:extLst>
               <a:ext uri="{FF2B5EF4-FFF2-40B4-BE49-F238E27FC236}">
-                <a16:creationId xmlns:a16="http://schemas.microsoft.com/office/drawing/2014/main" xmlns="" id="{BD61614F-03CD-4D7C-AB94-0D876667233E}"/>
+                <a16:creationId xmlns="" xmlns:a16="http://schemas.microsoft.com/office/drawing/2014/main" id="{BD61614F-03CD-4D7C-AB94-0D876667233E}"/>
               </a:ext>
             </a:extLst>
           </p:cNvPr>
@@ -2941,7 +3468,7 @@
           <p:cNvPr id="5" name="灯片编号占位符 4">
             <a:extLst>
               <a:ext uri="{FF2B5EF4-FFF2-40B4-BE49-F238E27FC236}">
-                <a16:creationId xmlns:a16="http://schemas.microsoft.com/office/drawing/2014/main" xmlns="" id="{5F584EEA-F424-4D5A-9512-C341C6F74527}"/>
+                <a16:creationId xmlns="" xmlns:a16="http://schemas.microsoft.com/office/drawing/2014/main" id="{5F584EEA-F424-4D5A-9512-C341C6F74527}"/>
               </a:ext>
             </a:extLst>
           </p:cNvPr>
@@ -3005,7 +3532,7 @@
           <p:cNvPr id="2" name="标题 1">
             <a:extLst>
               <a:ext uri="{FF2B5EF4-FFF2-40B4-BE49-F238E27FC236}">
-                <a16:creationId xmlns:a16="http://schemas.microsoft.com/office/drawing/2014/main" xmlns="" id="{8AC0D9A2-D4AA-4901-B563-F938E76BA47B}"/>
+                <a16:creationId xmlns="" xmlns:a16="http://schemas.microsoft.com/office/drawing/2014/main" id="{8AC0D9A2-D4AA-4901-B563-F938E76BA47B}"/>
               </a:ext>
             </a:extLst>
           </p:cNvPr>
@@ -3045,7 +3572,7 @@
           <p:cNvPr id="3" name="图片占位符 2">
             <a:extLst>
               <a:ext uri="{FF2B5EF4-FFF2-40B4-BE49-F238E27FC236}">
-                <a16:creationId xmlns:a16="http://schemas.microsoft.com/office/drawing/2014/main" xmlns="" id="{55B52424-42FD-4880-9E96-0C7B44DF59E6}"/>
+                <a16:creationId xmlns="" xmlns:a16="http://schemas.microsoft.com/office/drawing/2014/main" id="{55B52424-42FD-4880-9E96-0C7B44DF59E6}"/>
               </a:ext>
             </a:extLst>
           </p:cNvPr>
@@ -3115,7 +3642,7 @@
           <p:cNvPr id="4" name="文本占位符 3">
             <a:extLst>
               <a:ext uri="{FF2B5EF4-FFF2-40B4-BE49-F238E27FC236}">
-                <a16:creationId xmlns:a16="http://schemas.microsoft.com/office/drawing/2014/main" xmlns="" id="{A9ACC898-B51A-4746-96CF-9C1B90950FE9}"/>
+                <a16:creationId xmlns="" xmlns:a16="http://schemas.microsoft.com/office/drawing/2014/main" id="{A9ACC898-B51A-4746-96CF-9C1B90950FE9}"/>
               </a:ext>
             </a:extLst>
           </p:cNvPr>
@@ -3189,7 +3716,7 @@
           <p:cNvPr id="5" name="灯片编号占位符 4">
             <a:extLst>
               <a:ext uri="{FF2B5EF4-FFF2-40B4-BE49-F238E27FC236}">
-                <a16:creationId xmlns:a16="http://schemas.microsoft.com/office/drawing/2014/main" xmlns="" id="{FF76DA64-88F7-483C-AE16-E94C47973A01}"/>
+                <a16:creationId xmlns="" xmlns:a16="http://schemas.microsoft.com/office/drawing/2014/main" id="{FF76DA64-88F7-483C-AE16-E94C47973A01}"/>
               </a:ext>
             </a:extLst>
           </p:cNvPr>
@@ -3261,7 +3788,7 @@
           <p:cNvPr id="2049" name="Picture 1" descr="ppt元素-11.png">
             <a:extLst>
               <a:ext uri="{FF2B5EF4-FFF2-40B4-BE49-F238E27FC236}">
-                <a16:creationId xmlns:a16="http://schemas.microsoft.com/office/drawing/2014/main" xmlns="" id="{4CBE4F7A-DF60-480C-A0F2-6DFBCF878D11}"/>
+                <a16:creationId xmlns="" xmlns:a16="http://schemas.microsoft.com/office/drawing/2014/main" id="{4CBE4F7A-DF60-480C-A0F2-6DFBCF878D11}"/>
               </a:ext>
             </a:extLst>
           </p:cNvPr>
@@ -3332,7 +3859,7 @@
           <p:cNvPr id="2050" name="Rectangle 2">
             <a:extLst>
               <a:ext uri="{FF2B5EF4-FFF2-40B4-BE49-F238E27FC236}">
-                <a16:creationId xmlns:a16="http://schemas.microsoft.com/office/drawing/2014/main" xmlns="" id="{8C0EE73C-67BB-4C42-8BD8-750C3733AD42}"/>
+                <a16:creationId xmlns="" xmlns:a16="http://schemas.microsoft.com/office/drawing/2014/main" id="{8C0EE73C-67BB-4C42-8BD8-750C3733AD42}"/>
               </a:ext>
             </a:extLst>
           </p:cNvPr>
@@ -3883,7 +4410,7 @@
           <p:cNvPr id="38" name="图片 37">
             <a:extLst>
               <a:ext uri="{FF2B5EF4-FFF2-40B4-BE49-F238E27FC236}">
-                <a16:creationId xmlns:a16="http://schemas.microsoft.com/office/drawing/2014/main" xmlns="" id="{C49BA596-B860-41A3-9734-D1BA0CD74A42}"/>
+                <a16:creationId xmlns="" xmlns:a16="http://schemas.microsoft.com/office/drawing/2014/main" id="{C49BA596-B860-41A3-9734-D1BA0CD74A42}"/>
               </a:ext>
             </a:extLst>
           </p:cNvPr>
@@ -3980,7 +4507,7 @@
             <p:cNvPr id="16" name="图片 15">
               <a:extLst>
                 <a:ext uri="{FF2B5EF4-FFF2-40B4-BE49-F238E27FC236}">
-                  <a16:creationId xmlns:a16="http://schemas.microsoft.com/office/drawing/2014/main" xmlns="" id="{C49BA596-B860-41A3-9734-D1BA0CD74A42}"/>
+                  <a16:creationId xmlns="" xmlns:a16="http://schemas.microsoft.com/office/drawing/2014/main" id="{C49BA596-B860-41A3-9734-D1BA0CD74A42}"/>
                 </a:ext>
               </a:extLst>
             </p:cNvPr>
@@ -4020,7 +4547,7 @@
             <p:cNvPr id="17" name="图片 16">
               <a:extLst>
                 <a:ext uri="{FF2B5EF4-FFF2-40B4-BE49-F238E27FC236}">
-                  <a16:creationId xmlns:a16="http://schemas.microsoft.com/office/drawing/2014/main" xmlns="" id="{C49BA596-B860-41A3-9734-D1BA0CD74A42}"/>
+                  <a16:creationId xmlns="" xmlns:a16="http://schemas.microsoft.com/office/drawing/2014/main" id="{C49BA596-B860-41A3-9734-D1BA0CD74A42}"/>
                 </a:ext>
               </a:extLst>
             </p:cNvPr>
@@ -4061,7 +4588,7 @@
           <p:cNvPr id="19" name="流程图: 过程 18">
             <a:extLst>
               <a:ext uri="{FF2B5EF4-FFF2-40B4-BE49-F238E27FC236}">
-                <a16:creationId xmlns:a16="http://schemas.microsoft.com/office/drawing/2014/main" xmlns="" id="{DEE6F68B-D383-4456-A945-5D2426316FC6}"/>
+                <a16:creationId xmlns="" xmlns:a16="http://schemas.microsoft.com/office/drawing/2014/main" id="{DEE6F68B-D383-4456-A945-5D2426316FC6}"/>
               </a:ext>
             </a:extLst>
           </p:cNvPr>
@@ -4122,7 +4649,7 @@
           <p:cNvPr id="20" name="流程图: 过程 19">
             <a:extLst>
               <a:ext uri="{FF2B5EF4-FFF2-40B4-BE49-F238E27FC236}">
-                <a16:creationId xmlns:a16="http://schemas.microsoft.com/office/drawing/2014/main" xmlns="" id="{DEE6F68B-D383-4456-A945-5D2426316FC6}"/>
+                <a16:creationId xmlns="" xmlns:a16="http://schemas.microsoft.com/office/drawing/2014/main" id="{DEE6F68B-D383-4456-A945-5D2426316FC6}"/>
               </a:ext>
             </a:extLst>
           </p:cNvPr>
@@ -4288,7 +4815,7 @@
           <p:cNvPr id="32" name="流程图: 过程 31">
             <a:extLst>
               <a:ext uri="{FF2B5EF4-FFF2-40B4-BE49-F238E27FC236}">
-                <a16:creationId xmlns:a16="http://schemas.microsoft.com/office/drawing/2014/main" xmlns="" id="{DEE6F68B-D383-4456-A945-5D2426316FC6}"/>
+                <a16:creationId xmlns="" xmlns:a16="http://schemas.microsoft.com/office/drawing/2014/main" id="{DEE6F68B-D383-4456-A945-5D2426316FC6}"/>
               </a:ext>
             </a:extLst>
           </p:cNvPr>
@@ -4357,7 +4884,7 @@
           <p:cNvPr id="34" name="流程图: 过程 33">
             <a:extLst>
               <a:ext uri="{FF2B5EF4-FFF2-40B4-BE49-F238E27FC236}">
-                <a16:creationId xmlns:a16="http://schemas.microsoft.com/office/drawing/2014/main" xmlns="" id="{DEE6F68B-D383-4456-A945-5D2426316FC6}"/>
+                <a16:creationId xmlns="" xmlns:a16="http://schemas.microsoft.com/office/drawing/2014/main" id="{DEE6F68B-D383-4456-A945-5D2426316FC6}"/>
               </a:ext>
             </a:extLst>
           </p:cNvPr>
@@ -4680,7 +5207,7 @@
           <p:cNvPr id="42" name="流程图: 过程 41">
             <a:extLst>
               <a:ext uri="{FF2B5EF4-FFF2-40B4-BE49-F238E27FC236}">
-                <a16:creationId xmlns:a16="http://schemas.microsoft.com/office/drawing/2014/main" xmlns="" id="{DEE6F68B-D383-4456-A945-5D2426316FC6}"/>
+                <a16:creationId xmlns="" xmlns:a16="http://schemas.microsoft.com/office/drawing/2014/main" id="{DEE6F68B-D383-4456-A945-5D2426316FC6}"/>
               </a:ext>
             </a:extLst>
           </p:cNvPr>
@@ -4745,7 +5272,7 @@
           <p:cNvPr id="43" name="流程图: 过程 42">
             <a:extLst>
               <a:ext uri="{FF2B5EF4-FFF2-40B4-BE49-F238E27FC236}">
-                <a16:creationId xmlns:a16="http://schemas.microsoft.com/office/drawing/2014/main" xmlns="" id="{DEE6F68B-D383-4456-A945-5D2426316FC6}"/>
+                <a16:creationId xmlns="" xmlns:a16="http://schemas.microsoft.com/office/drawing/2014/main" id="{DEE6F68B-D383-4456-A945-5D2426316FC6}"/>
               </a:ext>
             </a:extLst>
           </p:cNvPr>
@@ -4896,7 +5423,7 @@
           <p:cNvPr id="38" name="图片 37">
             <a:extLst>
               <a:ext uri="{FF2B5EF4-FFF2-40B4-BE49-F238E27FC236}">
-                <a16:creationId xmlns:a16="http://schemas.microsoft.com/office/drawing/2014/main" xmlns="" id="{C49BA596-B860-41A3-9734-D1BA0CD74A42}"/>
+                <a16:creationId xmlns="" xmlns:a16="http://schemas.microsoft.com/office/drawing/2014/main" id="{C49BA596-B860-41A3-9734-D1BA0CD74A42}"/>
               </a:ext>
             </a:extLst>
           </p:cNvPr>
@@ -4993,7 +5520,7 @@
             <p:cNvPr id="16" name="图片 15">
               <a:extLst>
                 <a:ext uri="{FF2B5EF4-FFF2-40B4-BE49-F238E27FC236}">
-                  <a16:creationId xmlns:a16="http://schemas.microsoft.com/office/drawing/2014/main" xmlns="" id="{C49BA596-B860-41A3-9734-D1BA0CD74A42}"/>
+                  <a16:creationId xmlns="" xmlns:a16="http://schemas.microsoft.com/office/drawing/2014/main" id="{C49BA596-B860-41A3-9734-D1BA0CD74A42}"/>
                 </a:ext>
               </a:extLst>
             </p:cNvPr>
@@ -5033,7 +5560,7 @@
             <p:cNvPr id="17" name="图片 16">
               <a:extLst>
                 <a:ext uri="{FF2B5EF4-FFF2-40B4-BE49-F238E27FC236}">
-                  <a16:creationId xmlns:a16="http://schemas.microsoft.com/office/drawing/2014/main" xmlns="" id="{C49BA596-B860-41A3-9734-D1BA0CD74A42}"/>
+                  <a16:creationId xmlns="" xmlns:a16="http://schemas.microsoft.com/office/drawing/2014/main" id="{C49BA596-B860-41A3-9734-D1BA0CD74A42}"/>
                 </a:ext>
               </a:extLst>
             </p:cNvPr>
@@ -5074,7 +5601,7 @@
           <p:cNvPr id="19" name="流程图: 过程 18">
             <a:extLst>
               <a:ext uri="{FF2B5EF4-FFF2-40B4-BE49-F238E27FC236}">
-                <a16:creationId xmlns:a16="http://schemas.microsoft.com/office/drawing/2014/main" xmlns="" id="{DEE6F68B-D383-4456-A945-5D2426316FC6}"/>
+                <a16:creationId xmlns="" xmlns:a16="http://schemas.microsoft.com/office/drawing/2014/main" id="{DEE6F68B-D383-4456-A945-5D2426316FC6}"/>
               </a:ext>
             </a:extLst>
           </p:cNvPr>
@@ -5135,7 +5662,7 @@
           <p:cNvPr id="20" name="流程图: 过程 19">
             <a:extLst>
               <a:ext uri="{FF2B5EF4-FFF2-40B4-BE49-F238E27FC236}">
-                <a16:creationId xmlns:a16="http://schemas.microsoft.com/office/drawing/2014/main" xmlns="" id="{DEE6F68B-D383-4456-A945-5D2426316FC6}"/>
+                <a16:creationId xmlns="" xmlns:a16="http://schemas.microsoft.com/office/drawing/2014/main" id="{DEE6F68B-D383-4456-A945-5D2426316FC6}"/>
               </a:ext>
             </a:extLst>
           </p:cNvPr>
@@ -5301,7 +5828,7 @@
           <p:cNvPr id="32" name="流程图: 过程 31">
             <a:extLst>
               <a:ext uri="{FF2B5EF4-FFF2-40B4-BE49-F238E27FC236}">
-                <a16:creationId xmlns:a16="http://schemas.microsoft.com/office/drawing/2014/main" xmlns="" id="{DEE6F68B-D383-4456-A945-5D2426316FC6}"/>
+                <a16:creationId xmlns="" xmlns:a16="http://schemas.microsoft.com/office/drawing/2014/main" id="{DEE6F68B-D383-4456-A945-5D2426316FC6}"/>
               </a:ext>
             </a:extLst>
           </p:cNvPr>
@@ -5370,7 +5897,7 @@
           <p:cNvPr id="33" name="流程图: 过程 32">
             <a:extLst>
               <a:ext uri="{FF2B5EF4-FFF2-40B4-BE49-F238E27FC236}">
-                <a16:creationId xmlns:a16="http://schemas.microsoft.com/office/drawing/2014/main" xmlns="" id="{DEE6F68B-D383-4456-A945-5D2426316FC6}"/>
+                <a16:creationId xmlns="" xmlns:a16="http://schemas.microsoft.com/office/drawing/2014/main" id="{DEE6F68B-D383-4456-A945-5D2426316FC6}"/>
               </a:ext>
             </a:extLst>
           </p:cNvPr>
@@ -5447,7 +5974,7 @@
           <p:cNvPr id="34" name="流程图: 过程 33">
             <a:extLst>
               <a:ext uri="{FF2B5EF4-FFF2-40B4-BE49-F238E27FC236}">
-                <a16:creationId xmlns:a16="http://schemas.microsoft.com/office/drawing/2014/main" xmlns="" id="{DEE6F68B-D383-4456-A945-5D2426316FC6}"/>
+                <a16:creationId xmlns="" xmlns:a16="http://schemas.microsoft.com/office/drawing/2014/main" id="{DEE6F68B-D383-4456-A945-5D2426316FC6}"/>
               </a:ext>
             </a:extLst>
           </p:cNvPr>
@@ -5577,7 +6104,7 @@
           <p:cNvPr id="42" name="流程图: 过程 41">
             <a:extLst>
               <a:ext uri="{FF2B5EF4-FFF2-40B4-BE49-F238E27FC236}">
-                <a16:creationId xmlns:a16="http://schemas.microsoft.com/office/drawing/2014/main" xmlns="" id="{DEE6F68B-D383-4456-A945-5D2426316FC6}"/>
+                <a16:creationId xmlns="" xmlns:a16="http://schemas.microsoft.com/office/drawing/2014/main" id="{DEE6F68B-D383-4456-A945-5D2426316FC6}"/>
               </a:ext>
             </a:extLst>
           </p:cNvPr>
@@ -5642,7 +6169,7 @@
           <p:cNvPr id="22" name="流程图: 过程 21">
             <a:extLst>
               <a:ext uri="{FF2B5EF4-FFF2-40B4-BE49-F238E27FC236}">
-                <a16:creationId xmlns:a16="http://schemas.microsoft.com/office/drawing/2014/main" xmlns="" id="{DEE6F68B-D383-4456-A945-5D2426316FC6}"/>
+                <a16:creationId xmlns="" xmlns:a16="http://schemas.microsoft.com/office/drawing/2014/main" id="{DEE6F68B-D383-4456-A945-5D2426316FC6}"/>
               </a:ext>
             </a:extLst>
           </p:cNvPr>
@@ -5730,7 +6257,7 @@
           <p:cNvPr id="24" name="流程图: 过程 23">
             <a:extLst>
               <a:ext uri="{FF2B5EF4-FFF2-40B4-BE49-F238E27FC236}">
-                <a16:creationId xmlns:a16="http://schemas.microsoft.com/office/drawing/2014/main" xmlns="" id="{DEE6F68B-D383-4456-A945-5D2426316FC6}"/>
+                <a16:creationId xmlns="" xmlns:a16="http://schemas.microsoft.com/office/drawing/2014/main" id="{DEE6F68B-D383-4456-A945-5D2426316FC6}"/>
               </a:ext>
             </a:extLst>
           </p:cNvPr>
@@ -5834,7 +6361,7 @@
           <p:cNvPr id="28" name="流程图: 过程 27">
             <a:extLst>
               <a:ext uri="{FF2B5EF4-FFF2-40B4-BE49-F238E27FC236}">
-                <a16:creationId xmlns:a16="http://schemas.microsoft.com/office/drawing/2014/main" xmlns="" id="{DEE6F68B-D383-4456-A945-5D2426316FC6}"/>
+                <a16:creationId xmlns="" xmlns:a16="http://schemas.microsoft.com/office/drawing/2014/main" id="{DEE6F68B-D383-4456-A945-5D2426316FC6}"/>
               </a:ext>
             </a:extLst>
           </p:cNvPr>
@@ -5983,7 +6510,7 @@
           <p:cNvPr id="38" name="图片 37">
             <a:extLst>
               <a:ext uri="{FF2B5EF4-FFF2-40B4-BE49-F238E27FC236}">
-                <a16:creationId xmlns:a16="http://schemas.microsoft.com/office/drawing/2014/main" xmlns="" id="{C49BA596-B860-41A3-9734-D1BA0CD74A42}"/>
+                <a16:creationId xmlns="" xmlns:a16="http://schemas.microsoft.com/office/drawing/2014/main" id="{C49BA596-B860-41A3-9734-D1BA0CD74A42}"/>
               </a:ext>
             </a:extLst>
           </p:cNvPr>
@@ -6081,7 +6608,7 @@
             <p:cNvPr id="16" name="图片 15">
               <a:extLst>
                 <a:ext uri="{FF2B5EF4-FFF2-40B4-BE49-F238E27FC236}">
-                  <a16:creationId xmlns:a16="http://schemas.microsoft.com/office/drawing/2014/main" xmlns="" id="{C49BA596-B860-41A3-9734-D1BA0CD74A42}"/>
+                  <a16:creationId xmlns="" xmlns:a16="http://schemas.microsoft.com/office/drawing/2014/main" id="{C49BA596-B860-41A3-9734-D1BA0CD74A42}"/>
                 </a:ext>
               </a:extLst>
             </p:cNvPr>
@@ -6121,7 +6648,7 @@
             <p:cNvPr id="17" name="图片 16">
               <a:extLst>
                 <a:ext uri="{FF2B5EF4-FFF2-40B4-BE49-F238E27FC236}">
-                  <a16:creationId xmlns:a16="http://schemas.microsoft.com/office/drawing/2014/main" xmlns="" id="{C49BA596-B860-41A3-9734-D1BA0CD74A42}"/>
+                  <a16:creationId xmlns="" xmlns:a16="http://schemas.microsoft.com/office/drawing/2014/main" id="{C49BA596-B860-41A3-9734-D1BA0CD74A42}"/>
                 </a:ext>
               </a:extLst>
             </p:cNvPr>
@@ -6162,7 +6689,7 @@
           <p:cNvPr id="19" name="流程图: 过程 18">
             <a:extLst>
               <a:ext uri="{FF2B5EF4-FFF2-40B4-BE49-F238E27FC236}">
-                <a16:creationId xmlns:a16="http://schemas.microsoft.com/office/drawing/2014/main" xmlns="" id="{DEE6F68B-D383-4456-A945-5D2426316FC6}"/>
+                <a16:creationId xmlns="" xmlns:a16="http://schemas.microsoft.com/office/drawing/2014/main" id="{DEE6F68B-D383-4456-A945-5D2426316FC6}"/>
               </a:ext>
             </a:extLst>
           </p:cNvPr>
@@ -6223,7 +6750,7 @@
           <p:cNvPr id="20" name="流程图: 过程 19">
             <a:extLst>
               <a:ext uri="{FF2B5EF4-FFF2-40B4-BE49-F238E27FC236}">
-                <a16:creationId xmlns:a16="http://schemas.microsoft.com/office/drawing/2014/main" xmlns="" id="{DEE6F68B-D383-4456-A945-5D2426316FC6}"/>
+                <a16:creationId xmlns="" xmlns:a16="http://schemas.microsoft.com/office/drawing/2014/main" id="{DEE6F68B-D383-4456-A945-5D2426316FC6}"/>
               </a:ext>
             </a:extLst>
           </p:cNvPr>
@@ -6389,7 +6916,7 @@
           <p:cNvPr id="32" name="流程图: 过程 31">
             <a:extLst>
               <a:ext uri="{FF2B5EF4-FFF2-40B4-BE49-F238E27FC236}">
-                <a16:creationId xmlns:a16="http://schemas.microsoft.com/office/drawing/2014/main" xmlns="" id="{DEE6F68B-D383-4456-A945-5D2426316FC6}"/>
+                <a16:creationId xmlns="" xmlns:a16="http://schemas.microsoft.com/office/drawing/2014/main" id="{DEE6F68B-D383-4456-A945-5D2426316FC6}"/>
               </a:ext>
             </a:extLst>
           </p:cNvPr>
@@ -6458,7 +6985,7 @@
           <p:cNvPr id="33" name="流程图: 过程 32">
             <a:extLst>
               <a:ext uri="{FF2B5EF4-FFF2-40B4-BE49-F238E27FC236}">
-                <a16:creationId xmlns:a16="http://schemas.microsoft.com/office/drawing/2014/main" xmlns="" id="{DEE6F68B-D383-4456-A945-5D2426316FC6}"/>
+                <a16:creationId xmlns="" xmlns:a16="http://schemas.microsoft.com/office/drawing/2014/main" id="{DEE6F68B-D383-4456-A945-5D2426316FC6}"/>
               </a:ext>
             </a:extLst>
           </p:cNvPr>
@@ -6535,7 +7062,7 @@
           <p:cNvPr id="34" name="流程图: 过程 33">
             <a:extLst>
               <a:ext uri="{FF2B5EF4-FFF2-40B4-BE49-F238E27FC236}">
-                <a16:creationId xmlns:a16="http://schemas.microsoft.com/office/drawing/2014/main" xmlns="" id="{DEE6F68B-D383-4456-A945-5D2426316FC6}"/>
+                <a16:creationId xmlns="" xmlns:a16="http://schemas.microsoft.com/office/drawing/2014/main" id="{DEE6F68B-D383-4456-A945-5D2426316FC6}"/>
               </a:ext>
             </a:extLst>
           </p:cNvPr>
@@ -6872,7 +7399,7 @@
           <p:cNvPr id="29" name="流程图: 过程 28">
             <a:extLst>
               <a:ext uri="{FF2B5EF4-FFF2-40B4-BE49-F238E27FC236}">
-                <a16:creationId xmlns:a16="http://schemas.microsoft.com/office/drawing/2014/main" xmlns="" id="{DEE6F68B-D383-4456-A945-5D2426316FC6}"/>
+                <a16:creationId xmlns="" xmlns:a16="http://schemas.microsoft.com/office/drawing/2014/main" id="{DEE6F68B-D383-4456-A945-5D2426316FC6}"/>
               </a:ext>
             </a:extLst>
           </p:cNvPr>
@@ -6966,7 +7493,7 @@
           <p:cNvPr id="35" name="流程图: 过程 34">
             <a:extLst>
               <a:ext uri="{FF2B5EF4-FFF2-40B4-BE49-F238E27FC236}">
-                <a16:creationId xmlns:a16="http://schemas.microsoft.com/office/drawing/2014/main" xmlns="" id="{DEE6F68B-D383-4456-A945-5D2426316FC6}"/>
+                <a16:creationId xmlns="" xmlns:a16="http://schemas.microsoft.com/office/drawing/2014/main" id="{DEE6F68B-D383-4456-A945-5D2426316FC6}"/>
               </a:ext>
             </a:extLst>
           </p:cNvPr>
@@ -7066,7 +7593,7 @@
           <p:cNvPr id="37" name="流程图: 过程 36">
             <a:extLst>
               <a:ext uri="{FF2B5EF4-FFF2-40B4-BE49-F238E27FC236}">
-                <a16:creationId xmlns:a16="http://schemas.microsoft.com/office/drawing/2014/main" xmlns="" id="{DEE6F68B-D383-4456-A945-5D2426316FC6}"/>
+                <a16:creationId xmlns="" xmlns:a16="http://schemas.microsoft.com/office/drawing/2014/main" id="{DEE6F68B-D383-4456-A945-5D2426316FC6}"/>
               </a:ext>
             </a:extLst>
           </p:cNvPr>
@@ -7460,7 +7987,7 @@
           <p:cNvPr id="52" name="流程图: 过程 51">
             <a:extLst>
               <a:ext uri="{FF2B5EF4-FFF2-40B4-BE49-F238E27FC236}">
-                <a16:creationId xmlns:a16="http://schemas.microsoft.com/office/drawing/2014/main" xmlns="" id="{DEE6F68B-D383-4456-A945-5D2426316FC6}"/>
+                <a16:creationId xmlns="" xmlns:a16="http://schemas.microsoft.com/office/drawing/2014/main" id="{DEE6F68B-D383-4456-A945-5D2426316FC6}"/>
               </a:ext>
             </a:extLst>
           </p:cNvPr>
@@ -7525,7 +8052,7 @@
           <p:cNvPr id="53" name="流程图: 过程 52">
             <a:extLst>
               <a:ext uri="{FF2B5EF4-FFF2-40B4-BE49-F238E27FC236}">
-                <a16:creationId xmlns:a16="http://schemas.microsoft.com/office/drawing/2014/main" xmlns="" id="{DEE6F68B-D383-4456-A945-5D2426316FC6}"/>
+                <a16:creationId xmlns="" xmlns:a16="http://schemas.microsoft.com/office/drawing/2014/main" id="{DEE6F68B-D383-4456-A945-5D2426316FC6}"/>
               </a:ext>
             </a:extLst>
           </p:cNvPr>
@@ -7590,7 +8117,7 @@
           <p:cNvPr id="54" name="流程图: 过程 53">
             <a:extLst>
               <a:ext uri="{FF2B5EF4-FFF2-40B4-BE49-F238E27FC236}">
-                <a16:creationId xmlns:a16="http://schemas.microsoft.com/office/drawing/2014/main" xmlns="" id="{DEE6F68B-D383-4456-A945-5D2426316FC6}"/>
+                <a16:creationId xmlns="" xmlns:a16="http://schemas.microsoft.com/office/drawing/2014/main" id="{DEE6F68B-D383-4456-A945-5D2426316FC6}"/>
               </a:ext>
             </a:extLst>
           </p:cNvPr>
@@ -7782,7 +8309,7 @@
           <p:cNvPr id="79" name="图片 78">
             <a:extLst>
               <a:ext uri="{FF2B5EF4-FFF2-40B4-BE49-F238E27FC236}">
-                <a16:creationId xmlns:a16="http://schemas.microsoft.com/office/drawing/2014/main" xmlns="" id="{E2D1C9F4-9C3D-45B1-AFD5-7C10A6DFE41C}"/>
+                <a16:creationId xmlns="" xmlns:a16="http://schemas.microsoft.com/office/drawing/2014/main" id="{E2D1C9F4-9C3D-45B1-AFD5-7C10A6DFE41C}"/>
               </a:ext>
             </a:extLst>
           </p:cNvPr>
@@ -7824,7 +8351,7 @@
           <p:cNvPr id="30" name="矩形 29">
             <a:extLst>
               <a:ext uri="{FF2B5EF4-FFF2-40B4-BE49-F238E27FC236}">
-                <a16:creationId xmlns:a16="http://schemas.microsoft.com/office/drawing/2014/main" xmlns="" id="{4765E529-4A59-4ECE-9314-B29D263FFE19}"/>
+                <a16:creationId xmlns="" xmlns:a16="http://schemas.microsoft.com/office/drawing/2014/main" id="{4765E529-4A59-4ECE-9314-B29D263FFE19}"/>
               </a:ext>
             </a:extLst>
           </p:cNvPr>
@@ -7868,7 +8395,7 @@
           <p:cNvPr id="41" name="矩形 40">
             <a:extLst>
               <a:ext uri="{FF2B5EF4-FFF2-40B4-BE49-F238E27FC236}">
-                <a16:creationId xmlns:a16="http://schemas.microsoft.com/office/drawing/2014/main" xmlns="" id="{ADC9A9BF-7504-44BC-AEED-726E4ADC2956}"/>
+                <a16:creationId xmlns="" xmlns:a16="http://schemas.microsoft.com/office/drawing/2014/main" id="{ADC9A9BF-7504-44BC-AEED-726E4ADC2956}"/>
               </a:ext>
             </a:extLst>
           </p:cNvPr>
@@ -7915,7 +8442,7 @@
           <p:cNvPr id="42" name="矩形 41">
             <a:extLst>
               <a:ext uri="{FF2B5EF4-FFF2-40B4-BE49-F238E27FC236}">
-                <a16:creationId xmlns:a16="http://schemas.microsoft.com/office/drawing/2014/main" xmlns="" id="{7AAA25DC-23F1-4047-B85C-90717541729E}"/>
+                <a16:creationId xmlns="" xmlns:a16="http://schemas.microsoft.com/office/drawing/2014/main" id="{7AAA25DC-23F1-4047-B85C-90717541729E}"/>
               </a:ext>
             </a:extLst>
           </p:cNvPr>
@@ -7964,7 +8491,7 @@
           <p:cNvPr id="44" name="矩形 43">
             <a:extLst>
               <a:ext uri="{FF2B5EF4-FFF2-40B4-BE49-F238E27FC236}">
-                <a16:creationId xmlns:a16="http://schemas.microsoft.com/office/drawing/2014/main" xmlns="" id="{E6A040D5-86AE-4D08-87CB-86CA50F84E9F}"/>
+                <a16:creationId xmlns="" xmlns:a16="http://schemas.microsoft.com/office/drawing/2014/main" id="{E6A040D5-86AE-4D08-87CB-86CA50F84E9F}"/>
               </a:ext>
             </a:extLst>
           </p:cNvPr>
@@ -8016,7 +8543,7 @@
           <p:cNvPr id="56" name="矩形 55">
             <a:extLst>
               <a:ext uri="{FF2B5EF4-FFF2-40B4-BE49-F238E27FC236}">
-                <a16:creationId xmlns:a16="http://schemas.microsoft.com/office/drawing/2014/main" xmlns="" id="{B79A3CB5-0323-48E0-9FC3-39878229CB51}"/>
+                <a16:creationId xmlns="" xmlns:a16="http://schemas.microsoft.com/office/drawing/2014/main" id="{B79A3CB5-0323-48E0-9FC3-39878229CB51}"/>
               </a:ext>
             </a:extLst>
           </p:cNvPr>
@@ -8070,7 +8597,7 @@
           <p:cNvPr id="57" name="矩形 56">
             <a:extLst>
               <a:ext uri="{FF2B5EF4-FFF2-40B4-BE49-F238E27FC236}">
-                <a16:creationId xmlns:a16="http://schemas.microsoft.com/office/drawing/2014/main" xmlns="" id="{6C93715E-5AFD-44E7-9BC2-C0DA887AF135}"/>
+                <a16:creationId xmlns="" xmlns:a16="http://schemas.microsoft.com/office/drawing/2014/main" id="{6C93715E-5AFD-44E7-9BC2-C0DA887AF135}"/>
               </a:ext>
             </a:extLst>
           </p:cNvPr>
@@ -8117,7 +8644,7 @@
           <p:cNvPr id="58" name="矩形 57">
             <a:extLst>
               <a:ext uri="{FF2B5EF4-FFF2-40B4-BE49-F238E27FC236}">
-                <a16:creationId xmlns:a16="http://schemas.microsoft.com/office/drawing/2014/main" xmlns="" id="{C702CE14-A385-4F9B-8E80-574B680F9DEB}"/>
+                <a16:creationId xmlns="" xmlns:a16="http://schemas.microsoft.com/office/drawing/2014/main" id="{C702CE14-A385-4F9B-8E80-574B680F9DEB}"/>
               </a:ext>
             </a:extLst>
           </p:cNvPr>
@@ -8166,7 +8693,7 @@
           <p:cNvPr id="59" name="矩形 58">
             <a:extLst>
               <a:ext uri="{FF2B5EF4-FFF2-40B4-BE49-F238E27FC236}">
-                <a16:creationId xmlns:a16="http://schemas.microsoft.com/office/drawing/2014/main" xmlns="" id="{3F458595-BBB6-422A-B4A5-EE5C497A5AC2}"/>
+                <a16:creationId xmlns="" xmlns:a16="http://schemas.microsoft.com/office/drawing/2014/main" id="{3F458595-BBB6-422A-B4A5-EE5C497A5AC2}"/>
               </a:ext>
             </a:extLst>
           </p:cNvPr>
@@ -8218,7 +8745,7 @@
           <p:cNvPr id="61" name="矩形 60">
             <a:extLst>
               <a:ext uri="{FF2B5EF4-FFF2-40B4-BE49-F238E27FC236}">
-                <a16:creationId xmlns:a16="http://schemas.microsoft.com/office/drawing/2014/main" xmlns="" id="{60842DCB-35D3-4AF9-8C4E-EADF456FEC4D}"/>
+                <a16:creationId xmlns="" xmlns:a16="http://schemas.microsoft.com/office/drawing/2014/main" id="{60842DCB-35D3-4AF9-8C4E-EADF456FEC4D}"/>
               </a:ext>
             </a:extLst>
           </p:cNvPr>
@@ -8270,7 +8797,7 @@
           <p:cNvPr id="62" name="矩形 61">
             <a:extLst>
               <a:ext uri="{FF2B5EF4-FFF2-40B4-BE49-F238E27FC236}">
-                <a16:creationId xmlns:a16="http://schemas.microsoft.com/office/drawing/2014/main" xmlns="" id="{BB0DA1DF-1197-4E2D-8F82-1E6EDFB87542}"/>
+                <a16:creationId xmlns="" xmlns:a16="http://schemas.microsoft.com/office/drawing/2014/main" id="{BB0DA1DF-1197-4E2D-8F82-1E6EDFB87542}"/>
               </a:ext>
             </a:extLst>
           </p:cNvPr>
@@ -8319,7 +8846,7 @@
           <p:cNvPr id="63" name="矩形 62">
             <a:extLst>
               <a:ext uri="{FF2B5EF4-FFF2-40B4-BE49-F238E27FC236}">
-                <a16:creationId xmlns:a16="http://schemas.microsoft.com/office/drawing/2014/main" xmlns="" id="{22FEBFDB-12E0-43DE-88E0-BFF4C94B6FEE}"/>
+                <a16:creationId xmlns="" xmlns:a16="http://schemas.microsoft.com/office/drawing/2014/main" id="{22FEBFDB-12E0-43DE-88E0-BFF4C94B6FEE}"/>
               </a:ext>
             </a:extLst>
           </p:cNvPr>
@@ -8371,7 +8898,7 @@
           <p:cNvPr id="69" name="矩形 68">
             <a:extLst>
               <a:ext uri="{FF2B5EF4-FFF2-40B4-BE49-F238E27FC236}">
-                <a16:creationId xmlns:a16="http://schemas.microsoft.com/office/drawing/2014/main" xmlns="" id="{9038F008-DF0C-4AFC-A78A-DFE4BB3DDCFA}"/>
+                <a16:creationId xmlns="" xmlns:a16="http://schemas.microsoft.com/office/drawing/2014/main" id="{9038F008-DF0C-4AFC-A78A-DFE4BB3DDCFA}"/>
               </a:ext>
             </a:extLst>
           </p:cNvPr>
@@ -8423,7 +8950,7 @@
           <p:cNvPr id="72" name="矩形 71">
             <a:extLst>
               <a:ext uri="{FF2B5EF4-FFF2-40B4-BE49-F238E27FC236}">
-                <a16:creationId xmlns:a16="http://schemas.microsoft.com/office/drawing/2014/main" xmlns="" id="{9E18071A-C812-412C-9403-F656BF6F6B81}"/>
+                <a16:creationId xmlns="" xmlns:a16="http://schemas.microsoft.com/office/drawing/2014/main" id="{9E18071A-C812-412C-9403-F656BF6F6B81}"/>
               </a:ext>
             </a:extLst>
           </p:cNvPr>
@@ -8472,7 +8999,7 @@
           <p:cNvPr id="74" name="矩形 73">
             <a:extLst>
               <a:ext uri="{FF2B5EF4-FFF2-40B4-BE49-F238E27FC236}">
-                <a16:creationId xmlns:a16="http://schemas.microsoft.com/office/drawing/2014/main" xmlns="" id="{4765E529-4A59-4ECE-9314-B29D263FFE19}"/>
+                <a16:creationId xmlns="" xmlns:a16="http://schemas.microsoft.com/office/drawing/2014/main" id="{4765E529-4A59-4ECE-9314-B29D263FFE19}"/>
               </a:ext>
             </a:extLst>
           </p:cNvPr>
@@ -8516,7 +9043,7 @@
           <p:cNvPr id="60" name="矩形 59">
             <a:extLst>
               <a:ext uri="{FF2B5EF4-FFF2-40B4-BE49-F238E27FC236}">
-                <a16:creationId xmlns:a16="http://schemas.microsoft.com/office/drawing/2014/main" xmlns="" id="{CD1D7140-71FB-44E5-9E57-1EA0FC395444}"/>
+                <a16:creationId xmlns="" xmlns:a16="http://schemas.microsoft.com/office/drawing/2014/main" id="{CD1D7140-71FB-44E5-9E57-1EA0FC395444}"/>
               </a:ext>
             </a:extLst>
           </p:cNvPr>
@@ -8565,7 +9092,7 @@
           <p:cNvPr id="75" name="矩形 74">
             <a:extLst>
               <a:ext uri="{FF2B5EF4-FFF2-40B4-BE49-F238E27FC236}">
-                <a16:creationId xmlns:a16="http://schemas.microsoft.com/office/drawing/2014/main" xmlns="" id="{DABA7181-CB8A-4EDD-A07C-C561AD7165B2}"/>
+                <a16:creationId xmlns="" xmlns:a16="http://schemas.microsoft.com/office/drawing/2014/main" id="{DABA7181-CB8A-4EDD-A07C-C561AD7165B2}"/>
               </a:ext>
             </a:extLst>
           </p:cNvPr>
@@ -8610,7 +9137,7 @@
           <p:cNvPr id="76" name="矩形 75">
             <a:extLst>
               <a:ext uri="{FF2B5EF4-FFF2-40B4-BE49-F238E27FC236}">
-                <a16:creationId xmlns:a16="http://schemas.microsoft.com/office/drawing/2014/main" xmlns="" id="{689364AF-5767-4976-A47E-56EDF0C6E921}"/>
+                <a16:creationId xmlns="" xmlns:a16="http://schemas.microsoft.com/office/drawing/2014/main" id="{689364AF-5767-4976-A47E-56EDF0C6E921}"/>
               </a:ext>
             </a:extLst>
           </p:cNvPr>
@@ -8655,7 +9182,7 @@
           <p:cNvPr id="77" name="矩形 76">
             <a:extLst>
               <a:ext uri="{FF2B5EF4-FFF2-40B4-BE49-F238E27FC236}">
-                <a16:creationId xmlns:a16="http://schemas.microsoft.com/office/drawing/2014/main" xmlns="" id="{E0E8F088-E60D-409C-A73A-D3B36653BB39}"/>
+                <a16:creationId xmlns="" xmlns:a16="http://schemas.microsoft.com/office/drawing/2014/main" id="{E0E8F088-E60D-409C-A73A-D3B36653BB39}"/>
               </a:ext>
             </a:extLst>
           </p:cNvPr>
@@ -8700,7 +9227,7 @@
           <p:cNvPr id="4" name="右大括号 3">
             <a:extLst>
               <a:ext uri="{FF2B5EF4-FFF2-40B4-BE49-F238E27FC236}">
-                <a16:creationId xmlns:a16="http://schemas.microsoft.com/office/drawing/2014/main" xmlns="" id="{6BB5328E-5970-47C6-BE90-532B638150F7}"/>
+                <a16:creationId xmlns="" xmlns:a16="http://schemas.microsoft.com/office/drawing/2014/main" id="{6BB5328E-5970-47C6-BE90-532B638150F7}"/>
               </a:ext>
             </a:extLst>
           </p:cNvPr>
@@ -8932,7 +9459,7 @@
           <p:cNvPr id="78" name="矩形 77">
             <a:extLst>
               <a:ext uri="{FF2B5EF4-FFF2-40B4-BE49-F238E27FC236}">
-                <a16:creationId xmlns:a16="http://schemas.microsoft.com/office/drawing/2014/main" xmlns="" id="{E51BE21F-652A-4A4C-B1FB-63B87926C658}"/>
+                <a16:creationId xmlns="" xmlns:a16="http://schemas.microsoft.com/office/drawing/2014/main" id="{E51BE21F-652A-4A4C-B1FB-63B87926C658}"/>
               </a:ext>
             </a:extLst>
           </p:cNvPr>
@@ -8982,7 +9509,7 @@
           <p:cNvPr id="80" name="矩形 79">
             <a:extLst>
               <a:ext uri="{FF2B5EF4-FFF2-40B4-BE49-F238E27FC236}">
-                <a16:creationId xmlns:a16="http://schemas.microsoft.com/office/drawing/2014/main" xmlns="" id="{276C898D-0BD3-4299-A808-9012AD9385A2}"/>
+                <a16:creationId xmlns="" xmlns:a16="http://schemas.microsoft.com/office/drawing/2014/main" id="{276C898D-0BD3-4299-A808-9012AD9385A2}"/>
               </a:ext>
             </a:extLst>
           </p:cNvPr>
@@ -9035,7 +9562,7 @@
           <p:cNvPr id="27" name="矩形 26">
             <a:extLst>
               <a:ext uri="{FF2B5EF4-FFF2-40B4-BE49-F238E27FC236}">
-                <a16:creationId xmlns:a16="http://schemas.microsoft.com/office/drawing/2014/main" xmlns="" id="{BB0DA1DF-1197-4E2D-8F82-1E6EDFB87542}"/>
+                <a16:creationId xmlns="" xmlns:a16="http://schemas.microsoft.com/office/drawing/2014/main" id="{BB0DA1DF-1197-4E2D-8F82-1E6EDFB87542}"/>
               </a:ext>
             </a:extLst>
           </p:cNvPr>
@@ -9084,7 +9611,7 @@
           <p:cNvPr id="28" name="矩形 27">
             <a:extLst>
               <a:ext uri="{FF2B5EF4-FFF2-40B4-BE49-F238E27FC236}">
-                <a16:creationId xmlns:a16="http://schemas.microsoft.com/office/drawing/2014/main" xmlns="" id="{CD1D7140-71FB-44E5-9E57-1EA0FC395444}"/>
+                <a16:creationId xmlns="" xmlns:a16="http://schemas.microsoft.com/office/drawing/2014/main" id="{CD1D7140-71FB-44E5-9E57-1EA0FC395444}"/>
               </a:ext>
             </a:extLst>
           </p:cNvPr>
@@ -9133,7 +9660,7 @@
           <p:cNvPr id="32" name="矩形 31">
             <a:extLst>
               <a:ext uri="{FF2B5EF4-FFF2-40B4-BE49-F238E27FC236}">
-                <a16:creationId xmlns:a16="http://schemas.microsoft.com/office/drawing/2014/main" xmlns="" id="{22FEBFDB-12E0-43DE-88E0-BFF4C94B6FEE}"/>
+                <a16:creationId xmlns="" xmlns:a16="http://schemas.microsoft.com/office/drawing/2014/main" id="{22FEBFDB-12E0-43DE-88E0-BFF4C94B6FEE}"/>
               </a:ext>
             </a:extLst>
           </p:cNvPr>
@@ -9185,7 +9712,7 @@
           <p:cNvPr id="33" name="矩形 32">
             <a:extLst>
               <a:ext uri="{FF2B5EF4-FFF2-40B4-BE49-F238E27FC236}">
-                <a16:creationId xmlns:a16="http://schemas.microsoft.com/office/drawing/2014/main" xmlns="" id="{7AAA25DC-23F1-4047-B85C-90717541729E}"/>
+                <a16:creationId xmlns="" xmlns:a16="http://schemas.microsoft.com/office/drawing/2014/main" id="{7AAA25DC-23F1-4047-B85C-90717541729E}"/>
               </a:ext>
             </a:extLst>
           </p:cNvPr>
@@ -9274,7 +9801,7 @@
           <p:cNvPr id="79" name="图片 78">
             <a:extLst>
               <a:ext uri="{FF2B5EF4-FFF2-40B4-BE49-F238E27FC236}">
-                <a16:creationId xmlns:a16="http://schemas.microsoft.com/office/drawing/2014/main" xmlns="" id="{E2D1C9F4-9C3D-45B1-AFD5-7C10A6DFE41C}"/>
+                <a16:creationId xmlns="" xmlns:a16="http://schemas.microsoft.com/office/drawing/2014/main" id="{E2D1C9F4-9C3D-45B1-AFD5-7C10A6DFE41C}"/>
               </a:ext>
             </a:extLst>
           </p:cNvPr>
@@ -9316,7 +9843,7 @@
           <p:cNvPr id="41" name="矩形 40">
             <a:extLst>
               <a:ext uri="{FF2B5EF4-FFF2-40B4-BE49-F238E27FC236}">
-                <a16:creationId xmlns:a16="http://schemas.microsoft.com/office/drawing/2014/main" xmlns="" id="{ADC9A9BF-7504-44BC-AEED-726E4ADC2956}"/>
+                <a16:creationId xmlns="" xmlns:a16="http://schemas.microsoft.com/office/drawing/2014/main" id="{ADC9A9BF-7504-44BC-AEED-726E4ADC2956}"/>
               </a:ext>
             </a:extLst>
           </p:cNvPr>
@@ -9363,7 +9890,7 @@
           <p:cNvPr id="42" name="矩形 41">
             <a:extLst>
               <a:ext uri="{FF2B5EF4-FFF2-40B4-BE49-F238E27FC236}">
-                <a16:creationId xmlns:a16="http://schemas.microsoft.com/office/drawing/2014/main" xmlns="" id="{7AAA25DC-23F1-4047-B85C-90717541729E}"/>
+                <a16:creationId xmlns="" xmlns:a16="http://schemas.microsoft.com/office/drawing/2014/main" id="{7AAA25DC-23F1-4047-B85C-90717541729E}"/>
               </a:ext>
             </a:extLst>
           </p:cNvPr>
@@ -9412,7 +9939,7 @@
           <p:cNvPr id="44" name="矩形 43">
             <a:extLst>
               <a:ext uri="{FF2B5EF4-FFF2-40B4-BE49-F238E27FC236}">
-                <a16:creationId xmlns:a16="http://schemas.microsoft.com/office/drawing/2014/main" xmlns="" id="{E6A040D5-86AE-4D08-87CB-86CA50F84E9F}"/>
+                <a16:creationId xmlns="" xmlns:a16="http://schemas.microsoft.com/office/drawing/2014/main" id="{E6A040D5-86AE-4D08-87CB-86CA50F84E9F}"/>
               </a:ext>
             </a:extLst>
           </p:cNvPr>
@@ -9464,7 +9991,7 @@
           <p:cNvPr id="56" name="矩形 55">
             <a:extLst>
               <a:ext uri="{FF2B5EF4-FFF2-40B4-BE49-F238E27FC236}">
-                <a16:creationId xmlns:a16="http://schemas.microsoft.com/office/drawing/2014/main" xmlns="" id="{B79A3CB5-0323-48E0-9FC3-39878229CB51}"/>
+                <a16:creationId xmlns="" xmlns:a16="http://schemas.microsoft.com/office/drawing/2014/main" id="{B79A3CB5-0323-48E0-9FC3-39878229CB51}"/>
               </a:ext>
             </a:extLst>
           </p:cNvPr>
@@ -9513,7 +10040,7 @@
           <p:cNvPr id="57" name="矩形 56">
             <a:extLst>
               <a:ext uri="{FF2B5EF4-FFF2-40B4-BE49-F238E27FC236}">
-                <a16:creationId xmlns:a16="http://schemas.microsoft.com/office/drawing/2014/main" xmlns="" id="{6C93715E-5AFD-44E7-9BC2-C0DA887AF135}"/>
+                <a16:creationId xmlns="" xmlns:a16="http://schemas.microsoft.com/office/drawing/2014/main" id="{6C93715E-5AFD-44E7-9BC2-C0DA887AF135}"/>
               </a:ext>
             </a:extLst>
           </p:cNvPr>
@@ -9560,7 +10087,7 @@
           <p:cNvPr id="58" name="矩形 57">
             <a:extLst>
               <a:ext uri="{FF2B5EF4-FFF2-40B4-BE49-F238E27FC236}">
-                <a16:creationId xmlns:a16="http://schemas.microsoft.com/office/drawing/2014/main" xmlns="" id="{C702CE14-A385-4F9B-8E80-574B680F9DEB}"/>
+                <a16:creationId xmlns="" xmlns:a16="http://schemas.microsoft.com/office/drawing/2014/main" id="{C702CE14-A385-4F9B-8E80-574B680F9DEB}"/>
               </a:ext>
             </a:extLst>
           </p:cNvPr>
@@ -9609,7 +10136,7 @@
           <p:cNvPr id="59" name="矩形 58">
             <a:extLst>
               <a:ext uri="{FF2B5EF4-FFF2-40B4-BE49-F238E27FC236}">
-                <a16:creationId xmlns:a16="http://schemas.microsoft.com/office/drawing/2014/main" xmlns="" id="{3F458595-BBB6-422A-B4A5-EE5C497A5AC2}"/>
+                <a16:creationId xmlns="" xmlns:a16="http://schemas.microsoft.com/office/drawing/2014/main" id="{3F458595-BBB6-422A-B4A5-EE5C497A5AC2}"/>
               </a:ext>
             </a:extLst>
           </p:cNvPr>
@@ -9661,7 +10188,7 @@
           <p:cNvPr id="63" name="矩形 62">
             <a:extLst>
               <a:ext uri="{FF2B5EF4-FFF2-40B4-BE49-F238E27FC236}">
-                <a16:creationId xmlns:a16="http://schemas.microsoft.com/office/drawing/2014/main" xmlns="" id="{22FEBFDB-12E0-43DE-88E0-BFF4C94B6FEE}"/>
+                <a16:creationId xmlns="" xmlns:a16="http://schemas.microsoft.com/office/drawing/2014/main" id="{22FEBFDB-12E0-43DE-88E0-BFF4C94B6FEE}"/>
               </a:ext>
             </a:extLst>
           </p:cNvPr>
@@ -9713,7 +10240,7 @@
           <p:cNvPr id="69" name="矩形 68">
             <a:extLst>
               <a:ext uri="{FF2B5EF4-FFF2-40B4-BE49-F238E27FC236}">
-                <a16:creationId xmlns:a16="http://schemas.microsoft.com/office/drawing/2014/main" xmlns="" id="{9038F008-DF0C-4AFC-A78A-DFE4BB3DDCFA}"/>
+                <a16:creationId xmlns="" xmlns:a16="http://schemas.microsoft.com/office/drawing/2014/main" id="{9038F008-DF0C-4AFC-A78A-DFE4BB3DDCFA}"/>
               </a:ext>
             </a:extLst>
           </p:cNvPr>
@@ -9765,7 +10292,7 @@
           <p:cNvPr id="72" name="矩形 71">
             <a:extLst>
               <a:ext uri="{FF2B5EF4-FFF2-40B4-BE49-F238E27FC236}">
-                <a16:creationId xmlns:a16="http://schemas.microsoft.com/office/drawing/2014/main" xmlns="" id="{9E18071A-C812-412C-9403-F656BF6F6B81}"/>
+                <a16:creationId xmlns="" xmlns:a16="http://schemas.microsoft.com/office/drawing/2014/main" id="{9E18071A-C812-412C-9403-F656BF6F6B81}"/>
               </a:ext>
             </a:extLst>
           </p:cNvPr>
@@ -9822,7 +10349,7 @@
           <p:cNvPr id="60" name="矩形 59">
             <a:extLst>
               <a:ext uri="{FF2B5EF4-FFF2-40B4-BE49-F238E27FC236}">
-                <a16:creationId xmlns:a16="http://schemas.microsoft.com/office/drawing/2014/main" xmlns="" id="{CD1D7140-71FB-44E5-9E57-1EA0FC395444}"/>
+                <a16:creationId xmlns="" xmlns:a16="http://schemas.microsoft.com/office/drawing/2014/main" id="{CD1D7140-71FB-44E5-9E57-1EA0FC395444}"/>
               </a:ext>
             </a:extLst>
           </p:cNvPr>
@@ -9871,7 +10398,7 @@
           <p:cNvPr id="75" name="矩形 74">
             <a:extLst>
               <a:ext uri="{FF2B5EF4-FFF2-40B4-BE49-F238E27FC236}">
-                <a16:creationId xmlns:a16="http://schemas.microsoft.com/office/drawing/2014/main" xmlns="" id="{DABA7181-CB8A-4EDD-A07C-C561AD7165B2}"/>
+                <a16:creationId xmlns="" xmlns:a16="http://schemas.microsoft.com/office/drawing/2014/main" id="{DABA7181-CB8A-4EDD-A07C-C561AD7165B2}"/>
               </a:ext>
             </a:extLst>
           </p:cNvPr>
@@ -9916,7 +10443,7 @@
           <p:cNvPr id="76" name="矩形 75">
             <a:extLst>
               <a:ext uri="{FF2B5EF4-FFF2-40B4-BE49-F238E27FC236}">
-                <a16:creationId xmlns:a16="http://schemas.microsoft.com/office/drawing/2014/main" xmlns="" id="{689364AF-5767-4976-A47E-56EDF0C6E921}"/>
+                <a16:creationId xmlns="" xmlns:a16="http://schemas.microsoft.com/office/drawing/2014/main" id="{689364AF-5767-4976-A47E-56EDF0C6E921}"/>
               </a:ext>
             </a:extLst>
           </p:cNvPr>
@@ -9961,7 +10488,7 @@
           <p:cNvPr id="77" name="矩形 76">
             <a:extLst>
               <a:ext uri="{FF2B5EF4-FFF2-40B4-BE49-F238E27FC236}">
-                <a16:creationId xmlns:a16="http://schemas.microsoft.com/office/drawing/2014/main" xmlns="" id="{E0E8F088-E60D-409C-A73A-D3B36653BB39}"/>
+                <a16:creationId xmlns="" xmlns:a16="http://schemas.microsoft.com/office/drawing/2014/main" id="{E0E8F088-E60D-409C-A73A-D3B36653BB39}"/>
               </a:ext>
             </a:extLst>
           </p:cNvPr>
@@ -10014,7 +10541,7 @@
           <p:cNvPr id="4" name="右大括号 3">
             <a:extLst>
               <a:ext uri="{FF2B5EF4-FFF2-40B4-BE49-F238E27FC236}">
-                <a16:creationId xmlns:a16="http://schemas.microsoft.com/office/drawing/2014/main" xmlns="" id="{6BB5328E-5970-47C6-BE90-532B638150F7}"/>
+                <a16:creationId xmlns="" xmlns:a16="http://schemas.microsoft.com/office/drawing/2014/main" id="{6BB5328E-5970-47C6-BE90-532B638150F7}"/>
               </a:ext>
             </a:extLst>
           </p:cNvPr>
@@ -10246,7 +10773,7 @@
           <p:cNvPr id="78" name="矩形 77">
             <a:extLst>
               <a:ext uri="{FF2B5EF4-FFF2-40B4-BE49-F238E27FC236}">
-                <a16:creationId xmlns:a16="http://schemas.microsoft.com/office/drawing/2014/main" xmlns="" id="{E51BE21F-652A-4A4C-B1FB-63B87926C658}"/>
+                <a16:creationId xmlns="" xmlns:a16="http://schemas.microsoft.com/office/drawing/2014/main" id="{E51BE21F-652A-4A4C-B1FB-63B87926C658}"/>
               </a:ext>
             </a:extLst>
           </p:cNvPr>
@@ -10296,7 +10823,7 @@
           <p:cNvPr id="80" name="矩形 79">
             <a:extLst>
               <a:ext uri="{FF2B5EF4-FFF2-40B4-BE49-F238E27FC236}">
-                <a16:creationId xmlns:a16="http://schemas.microsoft.com/office/drawing/2014/main" xmlns="" id="{276C898D-0BD3-4299-A808-9012AD9385A2}"/>
+                <a16:creationId xmlns="" xmlns:a16="http://schemas.microsoft.com/office/drawing/2014/main" id="{276C898D-0BD3-4299-A808-9012AD9385A2}"/>
               </a:ext>
             </a:extLst>
           </p:cNvPr>
@@ -10349,7 +10876,7 @@
           <p:cNvPr id="28" name="矩形 27">
             <a:extLst>
               <a:ext uri="{FF2B5EF4-FFF2-40B4-BE49-F238E27FC236}">
-                <a16:creationId xmlns:a16="http://schemas.microsoft.com/office/drawing/2014/main" xmlns="" id="{CD1D7140-71FB-44E5-9E57-1EA0FC395444}"/>
+                <a16:creationId xmlns="" xmlns:a16="http://schemas.microsoft.com/office/drawing/2014/main" id="{CD1D7140-71FB-44E5-9E57-1EA0FC395444}"/>
               </a:ext>
             </a:extLst>
           </p:cNvPr>
@@ -10398,7 +10925,7 @@
           <p:cNvPr id="31" name="矩形 30">
             <a:extLst>
               <a:ext uri="{FF2B5EF4-FFF2-40B4-BE49-F238E27FC236}">
-                <a16:creationId xmlns:a16="http://schemas.microsoft.com/office/drawing/2014/main" xmlns="" id="{60842DCB-35D3-4AF9-8C4E-EADF456FEC4D}"/>
+                <a16:creationId xmlns="" xmlns:a16="http://schemas.microsoft.com/office/drawing/2014/main" id="{60842DCB-35D3-4AF9-8C4E-EADF456FEC4D}"/>
               </a:ext>
             </a:extLst>
           </p:cNvPr>
@@ -10450,7 +10977,7 @@
           <p:cNvPr id="32" name="矩形 31">
             <a:extLst>
               <a:ext uri="{FF2B5EF4-FFF2-40B4-BE49-F238E27FC236}">
-                <a16:creationId xmlns:a16="http://schemas.microsoft.com/office/drawing/2014/main" xmlns="" id="{BB0DA1DF-1197-4E2D-8F82-1E6EDFB87542}"/>
+                <a16:creationId xmlns="" xmlns:a16="http://schemas.microsoft.com/office/drawing/2014/main" id="{BB0DA1DF-1197-4E2D-8F82-1E6EDFB87542}"/>
               </a:ext>
             </a:extLst>
           </p:cNvPr>
@@ -10499,7 +11026,7 @@
           <p:cNvPr id="33" name="矩形 32">
             <a:extLst>
               <a:ext uri="{FF2B5EF4-FFF2-40B4-BE49-F238E27FC236}">
-                <a16:creationId xmlns:a16="http://schemas.microsoft.com/office/drawing/2014/main" xmlns="" id="{BB0DA1DF-1197-4E2D-8F82-1E6EDFB87542}"/>
+                <a16:creationId xmlns="" xmlns:a16="http://schemas.microsoft.com/office/drawing/2014/main" id="{BB0DA1DF-1197-4E2D-8F82-1E6EDFB87542}"/>
               </a:ext>
             </a:extLst>
           </p:cNvPr>
@@ -10548,7 +11075,7 @@
           <p:cNvPr id="34" name="矩形 33">
             <a:extLst>
               <a:ext uri="{FF2B5EF4-FFF2-40B4-BE49-F238E27FC236}">
-                <a16:creationId xmlns:a16="http://schemas.microsoft.com/office/drawing/2014/main" xmlns="" id="{22FEBFDB-12E0-43DE-88E0-BFF4C94B6FEE}"/>
+                <a16:creationId xmlns="" xmlns:a16="http://schemas.microsoft.com/office/drawing/2014/main" id="{22FEBFDB-12E0-43DE-88E0-BFF4C94B6FEE}"/>
               </a:ext>
             </a:extLst>
           </p:cNvPr>
@@ -10598,7 +11125,7 @@
           <p:cNvPr id="35" name="矩形 34">
             <a:extLst>
               <a:ext uri="{FF2B5EF4-FFF2-40B4-BE49-F238E27FC236}">
-                <a16:creationId xmlns:a16="http://schemas.microsoft.com/office/drawing/2014/main" xmlns="" id="{7AAA25DC-23F1-4047-B85C-90717541729E}"/>
+                <a16:creationId xmlns="" xmlns:a16="http://schemas.microsoft.com/office/drawing/2014/main" id="{7AAA25DC-23F1-4047-B85C-90717541729E}"/>
               </a:ext>
             </a:extLst>
           </p:cNvPr>
@@ -10642,7 +11169,7 @@
           <p:cNvPr id="37" name="矩形 36">
             <a:extLst>
               <a:ext uri="{FF2B5EF4-FFF2-40B4-BE49-F238E27FC236}">
-                <a16:creationId xmlns:a16="http://schemas.microsoft.com/office/drawing/2014/main" xmlns="" id="{7AAA25DC-23F1-4047-B85C-90717541729E}"/>
+                <a16:creationId xmlns="" xmlns:a16="http://schemas.microsoft.com/office/drawing/2014/main" id="{7AAA25DC-23F1-4047-B85C-90717541729E}"/>
               </a:ext>
             </a:extLst>
           </p:cNvPr>
@@ -10685,6 +11212,4554 @@
     <p:extLst>
       <p:ext uri="{BB962C8B-B14F-4D97-AF65-F5344CB8AC3E}">
         <p14:creationId xmlns:p14="http://schemas.microsoft.com/office/powerpoint/2010/main" val="3504971218"/>
+      </p:ext>
+    </p:extLst>
+  </p:cSld>
+  <p:clrMapOvr>
+    <a:masterClrMapping/>
+  </p:clrMapOvr>
+  <p:transition spd="med"/>
+</p:sld>
+</file>
+
+<file path=ppt/slides/slide6.xml><?xml version="1.0" encoding="utf-8"?>
+<p:sld xmlns:a="http://schemas.openxmlformats.org/drawingml/2006/main" xmlns:r="http://schemas.openxmlformats.org/officeDocument/2006/relationships" xmlns:p="http://schemas.openxmlformats.org/presentationml/2006/main" showMasterSp="0">
+  <p:cSld>
+    <p:bg>
+      <p:bgPr>
+        <a:blipFill dpi="0" rotWithShape="1">
+          <a:blip r:embed="rId2">
+            <a:lum/>
+          </a:blip>
+          <a:srcRect/>
+          <a:stretch>
+            <a:fillRect/>
+          </a:stretch>
+        </a:blipFill>
+        <a:effectLst/>
+      </p:bgPr>
+    </p:bg>
+    <p:spTree>
+      <p:nvGrpSpPr>
+        <p:cNvPr id="1" name=""/>
+        <p:cNvGrpSpPr/>
+        <p:nvPr/>
+      </p:nvGrpSpPr>
+      <p:grpSpPr>
+        <a:xfrm>
+          <a:off x="0" y="0"/>
+          <a:ext cx="0" cy="0"/>
+          <a:chOff x="0" y="0"/>
+          <a:chExt cx="0" cy="0"/>
+        </a:xfrm>
+      </p:grpSpPr>
+      <p:pic>
+        <p:nvPicPr>
+          <p:cNvPr id="136" name="图片 135">
+            <a:extLst>
+              <a:ext uri="{FF2B5EF4-FFF2-40B4-BE49-F238E27FC236}">
+                <a16:creationId xmlns="" xmlns:a16="http://schemas.microsoft.com/office/drawing/2014/main" id="{E2D1C9F4-9C3D-45B1-AFD5-7C10A6DFE41C}"/>
+              </a:ext>
+            </a:extLst>
+          </p:cNvPr>
+          <p:cNvPicPr>
+            <a:picLocks noChangeAspect="1"/>
+          </p:cNvPicPr>
+          <p:nvPr/>
+        </p:nvPicPr>
+        <p:blipFill>
+          <a:blip r:embed="rId3">
+            <a:extLst>
+              <a:ext uri="{28A0092B-C50C-407E-A947-70E740481C1C}">
+                <a14:useLocalDpi xmlns:a14="http://schemas.microsoft.com/office/drawing/2010/main" val="0"/>
+              </a:ext>
+            </a:extLst>
+          </a:blip>
+          <a:stretch>
+            <a:fillRect/>
+          </a:stretch>
+        </p:blipFill>
+        <p:spPr>
+          <a:xfrm>
+            <a:off x="-240704" y="-2403648"/>
+            <a:ext cx="12617072" cy="15553728"/>
+          </a:xfrm>
+          <a:prstGeom prst="rect">
+            <a:avLst/>
+          </a:prstGeom>
+          <a:noFill/>
+          <a:effectLst/>
+        </p:spPr>
+      </p:pic>
+      <p:sp>
+        <p:nvSpPr>
+          <p:cNvPr id="48" name="矩形 47">
+            <a:extLst>
+              <a:ext uri="{FF2B5EF4-FFF2-40B4-BE49-F238E27FC236}">
+                <a16:creationId xmlns="" xmlns:a16="http://schemas.microsoft.com/office/drawing/2014/main" id="{6415C456-80C5-4ADF-9D71-F1555EF8417A}"/>
+              </a:ext>
+            </a:extLst>
+          </p:cNvPr>
+          <p:cNvSpPr/>
+          <p:nvPr/>
+        </p:nvSpPr>
+        <p:spPr bwMode="auto">
+          <a:xfrm>
+            <a:off x="7527262" y="3844980"/>
+            <a:ext cx="2753995" cy="3117336"/>
+          </a:xfrm>
+          <a:prstGeom prst="rect">
+            <a:avLst/>
+          </a:prstGeom>
+          <a:noFill/>
+          <a:ln w="25400" cap="flat" cmpd="sng" algn="ctr">
+            <a:solidFill>
+              <a:schemeClr val="bg1"/>
+            </a:solidFill>
+            <a:prstDash val="dash"/>
+            <a:round/>
+            <a:headEnd type="none" w="med" len="med"/>
+            <a:tailEnd type="none"/>
+          </a:ln>
+          <a:effectLst/>
+        </p:spPr>
+        <p:txBody>
+          <a:bodyPr rtlCol="0" anchor="ctr"/>
+          <a:lstStyle/>
+          <a:p>
+            <a:endParaRPr lang="zh-CN" altLang="en-US" sz="1400" dirty="0">
+              <a:solidFill>
+                <a:schemeClr val="bg1"/>
+              </a:solidFill>
+            </a:endParaRPr>
+          </a:p>
+        </p:txBody>
+      </p:sp>
+      <p:sp>
+        <p:nvSpPr>
+          <p:cNvPr id="3" name="流程图: 终止 2">
+            <a:extLst>
+              <a:ext uri="{FF2B5EF4-FFF2-40B4-BE49-F238E27FC236}">
+                <a16:creationId xmlns="" xmlns:a16="http://schemas.microsoft.com/office/drawing/2014/main" id="{28A2712F-D7BB-49AB-8BA9-66570E032AC4}"/>
+              </a:ext>
+            </a:extLst>
+          </p:cNvPr>
+          <p:cNvSpPr/>
+          <p:nvPr/>
+        </p:nvSpPr>
+        <p:spPr bwMode="auto">
+          <a:xfrm>
+            <a:off x="4367600" y="-2199674"/>
+            <a:ext cx="1575174" cy="396000"/>
+          </a:xfrm>
+          <a:prstGeom prst="flowChartTerminator">
+            <a:avLst/>
+          </a:prstGeom>
+          <a:noFill/>
+          <a:ln w="25400" cap="flat" cmpd="sng" algn="ctr">
+            <a:solidFill>
+              <a:schemeClr val="bg1"/>
+            </a:solidFill>
+            <a:prstDash val="solid"/>
+            <a:round/>
+            <a:headEnd type="none" w="med" len="med"/>
+            <a:tailEnd type="none"/>
+          </a:ln>
+          <a:effectLst/>
+        </p:spPr>
+        <p:txBody>
+          <a:bodyPr rtlCol="0" anchor="ctr"/>
+          <a:lstStyle/>
+          <a:p>
+            <a:pPr algn="ctr"/>
+            <a:r>
+              <a:rPr lang="en-US" altLang="zh-CN" sz="1700" dirty="0">
+                <a:solidFill>
+                  <a:schemeClr val="bg1"/>
+                </a:solidFill>
+              </a:rPr>
+              <a:t>CLOSED</a:t>
+            </a:r>
+            <a:endParaRPr lang="zh-CN" altLang="en-US" sz="1700" dirty="0">
+              <a:solidFill>
+                <a:schemeClr val="bg1"/>
+              </a:solidFill>
+            </a:endParaRPr>
+          </a:p>
+        </p:txBody>
+      </p:sp>
+      <p:sp>
+        <p:nvSpPr>
+          <p:cNvPr id="7" name="流程图: 终止 6">
+            <a:extLst>
+              <a:ext uri="{FF2B5EF4-FFF2-40B4-BE49-F238E27FC236}">
+                <a16:creationId xmlns="" xmlns:a16="http://schemas.microsoft.com/office/drawing/2014/main" id="{68265EB3-3203-4C69-ABD8-9B4B94B45016}"/>
+              </a:ext>
+            </a:extLst>
+          </p:cNvPr>
+          <p:cNvSpPr/>
+          <p:nvPr/>
+        </p:nvSpPr>
+        <p:spPr bwMode="auto">
+          <a:xfrm>
+            <a:off x="4367599" y="-71368"/>
+            <a:ext cx="1575175" cy="396000"/>
+          </a:xfrm>
+          <a:prstGeom prst="flowChartTerminator">
+            <a:avLst/>
+          </a:prstGeom>
+          <a:noFill/>
+          <a:ln w="25400" cap="flat" cmpd="sng" algn="ctr">
+            <a:solidFill>
+              <a:schemeClr val="bg1"/>
+            </a:solidFill>
+            <a:prstDash val="solid"/>
+            <a:round/>
+            <a:headEnd type="none" w="med" len="med"/>
+            <a:tailEnd type="none"/>
+          </a:ln>
+          <a:effectLst/>
+        </p:spPr>
+        <p:txBody>
+          <a:bodyPr rtlCol="0" anchor="ctr"/>
+          <a:lstStyle/>
+          <a:p>
+            <a:r>
+              <a:rPr lang="en-US" altLang="zh-CN" sz="1700" dirty="0">
+                <a:solidFill>
+                  <a:schemeClr val="bg1"/>
+                </a:solidFill>
+              </a:rPr>
+              <a:t>LISTEN</a:t>
+            </a:r>
+            <a:endParaRPr lang="zh-CN" altLang="en-US" sz="1700" dirty="0">
+              <a:solidFill>
+                <a:schemeClr val="bg1"/>
+              </a:solidFill>
+            </a:endParaRPr>
+          </a:p>
+        </p:txBody>
+      </p:sp>
+      <p:sp>
+        <p:nvSpPr>
+          <p:cNvPr id="9" name="流程图: 终止 8">
+            <a:extLst>
+              <a:ext uri="{FF2B5EF4-FFF2-40B4-BE49-F238E27FC236}">
+                <a16:creationId xmlns="" xmlns:a16="http://schemas.microsoft.com/office/drawing/2014/main" id="{5A78EDE1-14C6-4896-B022-6A874065200C}"/>
+              </a:ext>
+            </a:extLst>
+          </p:cNvPr>
+          <p:cNvSpPr/>
+          <p:nvPr/>
+        </p:nvSpPr>
+        <p:spPr bwMode="auto">
+          <a:xfrm>
+            <a:off x="914373" y="2043033"/>
+            <a:ext cx="1574727" cy="396000"/>
+          </a:xfrm>
+          <a:prstGeom prst="flowChartTerminator">
+            <a:avLst/>
+          </a:prstGeom>
+          <a:noFill/>
+          <a:ln w="25400" cap="flat" cmpd="sng" algn="ctr">
+            <a:solidFill>
+              <a:schemeClr val="bg1"/>
+            </a:solidFill>
+            <a:prstDash val="solid"/>
+            <a:round/>
+            <a:headEnd type="none" w="med" len="med"/>
+            <a:tailEnd type="none"/>
+          </a:ln>
+          <a:effectLst/>
+        </p:spPr>
+        <p:txBody>
+          <a:bodyPr rtlCol="0" anchor="ctr"/>
+          <a:lstStyle/>
+          <a:p>
+            <a:r>
+              <a:rPr lang="en-US" altLang="zh-CN" sz="1700" dirty="0">
+                <a:solidFill>
+                  <a:schemeClr val="bg1"/>
+                </a:solidFill>
+              </a:rPr>
+              <a:t>SYN_RCVD</a:t>
+            </a:r>
+            <a:endParaRPr lang="zh-CN" altLang="en-US" sz="1700" dirty="0">
+              <a:solidFill>
+                <a:schemeClr val="bg1"/>
+              </a:solidFill>
+            </a:endParaRPr>
+          </a:p>
+        </p:txBody>
+      </p:sp>
+      <p:sp>
+        <p:nvSpPr>
+          <p:cNvPr id="10" name="流程图: 终止 9">
+            <a:extLst>
+              <a:ext uri="{FF2B5EF4-FFF2-40B4-BE49-F238E27FC236}">
+                <a16:creationId xmlns="" xmlns:a16="http://schemas.microsoft.com/office/drawing/2014/main" id="{087324AD-1D8D-4491-AED4-CABDEF8EC56D}"/>
+              </a:ext>
+            </a:extLst>
+          </p:cNvPr>
+          <p:cNvSpPr/>
+          <p:nvPr/>
+        </p:nvSpPr>
+        <p:spPr bwMode="auto">
+          <a:xfrm>
+            <a:off x="7868989" y="2043504"/>
+            <a:ext cx="1512168" cy="396000"/>
+          </a:xfrm>
+          <a:prstGeom prst="flowChartTerminator">
+            <a:avLst/>
+          </a:prstGeom>
+          <a:noFill/>
+          <a:ln w="25400" cap="flat" cmpd="sng" algn="ctr">
+            <a:solidFill>
+              <a:schemeClr val="bg1"/>
+            </a:solidFill>
+            <a:prstDash val="solid"/>
+            <a:round/>
+            <a:headEnd type="none" w="med" len="med"/>
+            <a:tailEnd type="none"/>
+          </a:ln>
+          <a:effectLst/>
+        </p:spPr>
+        <p:txBody>
+          <a:bodyPr rtlCol="0" anchor="ctr"/>
+          <a:lstStyle/>
+          <a:p>
+            <a:r>
+              <a:rPr lang="en-US" altLang="zh-CN" sz="1700" dirty="0">
+                <a:solidFill>
+                  <a:schemeClr val="bg1"/>
+                </a:solidFill>
+              </a:rPr>
+              <a:t>SYN_SEND</a:t>
+            </a:r>
+            <a:endParaRPr lang="zh-CN" altLang="en-US" sz="1700" dirty="0">
+              <a:solidFill>
+                <a:schemeClr val="bg1"/>
+              </a:solidFill>
+            </a:endParaRPr>
+          </a:p>
+        </p:txBody>
+      </p:sp>
+      <p:sp>
+        <p:nvSpPr>
+          <p:cNvPr id="11" name="流程图: 终止 10">
+            <a:extLst>
+              <a:ext uri="{FF2B5EF4-FFF2-40B4-BE49-F238E27FC236}">
+                <a16:creationId xmlns="" xmlns:a16="http://schemas.microsoft.com/office/drawing/2014/main" id="{1B7442A7-29B0-44B2-B42A-731599828A44}"/>
+              </a:ext>
+            </a:extLst>
+          </p:cNvPr>
+          <p:cNvSpPr/>
+          <p:nvPr/>
+        </p:nvSpPr>
+        <p:spPr bwMode="auto">
+          <a:xfrm>
+            <a:off x="7739915" y="4173821"/>
+            <a:ext cx="1747436" cy="396000"/>
+          </a:xfrm>
+          <a:prstGeom prst="flowChartTerminator">
+            <a:avLst/>
+          </a:prstGeom>
+          <a:noFill/>
+          <a:ln w="25400" cap="flat" cmpd="sng" algn="ctr">
+            <a:solidFill>
+              <a:schemeClr val="bg1"/>
+            </a:solidFill>
+            <a:prstDash val="solid"/>
+            <a:round/>
+            <a:headEnd type="none" w="med" len="med"/>
+            <a:tailEnd type="none"/>
+          </a:ln>
+          <a:effectLst/>
+        </p:spPr>
+        <p:txBody>
+          <a:bodyPr rtlCol="0" anchor="ctr"/>
+          <a:lstStyle/>
+          <a:p>
+            <a:r>
+              <a:rPr lang="en-US" altLang="zh-CN" sz="1700" dirty="0">
+                <a:solidFill>
+                  <a:schemeClr val="bg1"/>
+                </a:solidFill>
+              </a:rPr>
+              <a:t>CLOSE_WAIT</a:t>
+            </a:r>
+            <a:endParaRPr lang="zh-CN" altLang="en-US" sz="1700" dirty="0">
+              <a:solidFill>
+                <a:schemeClr val="bg1"/>
+              </a:solidFill>
+            </a:endParaRPr>
+          </a:p>
+        </p:txBody>
+      </p:sp>
+      <p:sp>
+        <p:nvSpPr>
+          <p:cNvPr id="12" name="流程图: 终止 11">
+            <a:extLst>
+              <a:ext uri="{FF2B5EF4-FFF2-40B4-BE49-F238E27FC236}">
+                <a16:creationId xmlns="" xmlns:a16="http://schemas.microsoft.com/office/drawing/2014/main" id="{7C6E238D-E596-49A8-88D6-C7824CB86730}"/>
+              </a:ext>
+            </a:extLst>
+          </p:cNvPr>
+          <p:cNvSpPr/>
+          <p:nvPr/>
+        </p:nvSpPr>
+        <p:spPr bwMode="auto">
+          <a:xfrm>
+            <a:off x="7820824" y="6296676"/>
+            <a:ext cx="1584176" cy="396000"/>
+          </a:xfrm>
+          <a:prstGeom prst="flowChartTerminator">
+            <a:avLst/>
+          </a:prstGeom>
+          <a:noFill/>
+          <a:ln w="25400" cap="flat" cmpd="sng" algn="ctr">
+            <a:solidFill>
+              <a:schemeClr val="bg1"/>
+            </a:solidFill>
+            <a:prstDash val="solid"/>
+            <a:round/>
+            <a:headEnd type="none" w="med" len="med"/>
+            <a:tailEnd type="none"/>
+          </a:ln>
+          <a:effectLst/>
+        </p:spPr>
+        <p:txBody>
+          <a:bodyPr rtlCol="0" anchor="ctr"/>
+          <a:lstStyle/>
+          <a:p>
+            <a:r>
+              <a:rPr lang="en-US" altLang="zh-CN" sz="1700" dirty="0">
+                <a:solidFill>
+                  <a:schemeClr val="bg1"/>
+                </a:solidFill>
+              </a:rPr>
+              <a:t>LAST_ACK</a:t>
+            </a:r>
+            <a:endParaRPr lang="zh-CN" altLang="en-US" sz="1700" dirty="0">
+              <a:solidFill>
+                <a:schemeClr val="bg1"/>
+              </a:solidFill>
+            </a:endParaRPr>
+          </a:p>
+        </p:txBody>
+      </p:sp>
+      <p:sp>
+        <p:nvSpPr>
+          <p:cNvPr id="13" name="流程图: 终止 12">
+            <a:extLst>
+              <a:ext uri="{FF2B5EF4-FFF2-40B4-BE49-F238E27FC236}">
+                <a16:creationId xmlns="" xmlns:a16="http://schemas.microsoft.com/office/drawing/2014/main" id="{35E28E8C-CC6C-4F7A-80C6-930DEC6DD356}"/>
+              </a:ext>
+            </a:extLst>
+          </p:cNvPr>
+          <p:cNvSpPr/>
+          <p:nvPr/>
+        </p:nvSpPr>
+        <p:spPr bwMode="auto">
+          <a:xfrm>
+            <a:off x="4264085" y="4174437"/>
+            <a:ext cx="1912715" cy="396000"/>
+          </a:xfrm>
+          <a:prstGeom prst="flowChartTerminator">
+            <a:avLst/>
+          </a:prstGeom>
+          <a:noFill/>
+          <a:ln w="25400" cap="flat" cmpd="sng" algn="ctr">
+            <a:solidFill>
+              <a:schemeClr val="bg1"/>
+            </a:solidFill>
+            <a:prstDash val="solid"/>
+            <a:round/>
+            <a:headEnd type="none" w="med" len="med"/>
+            <a:tailEnd type="none"/>
+          </a:ln>
+          <a:effectLst/>
+        </p:spPr>
+        <p:txBody>
+          <a:bodyPr rtlCol="0" anchor="ctr"/>
+          <a:lstStyle/>
+          <a:p>
+            <a:r>
+              <a:rPr lang="en-US" altLang="zh-CN" sz="1700" dirty="0">
+                <a:solidFill>
+                  <a:schemeClr val="bg1"/>
+                </a:solidFill>
+              </a:rPr>
+              <a:t>ESTABLISHED</a:t>
+            </a:r>
+            <a:endParaRPr lang="zh-CN" altLang="en-US" sz="1700" dirty="0">
+              <a:solidFill>
+                <a:schemeClr val="bg1"/>
+              </a:solidFill>
+            </a:endParaRPr>
+          </a:p>
+        </p:txBody>
+      </p:sp>
+      <p:sp>
+        <p:nvSpPr>
+          <p:cNvPr id="14" name="流程图: 终止 13">
+            <a:extLst>
+              <a:ext uri="{FF2B5EF4-FFF2-40B4-BE49-F238E27FC236}">
+                <a16:creationId xmlns="" xmlns:a16="http://schemas.microsoft.com/office/drawing/2014/main" id="{23DEEBB8-9B50-4D55-9399-FE8A155227F1}"/>
+              </a:ext>
+            </a:extLst>
+          </p:cNvPr>
+          <p:cNvSpPr/>
+          <p:nvPr/>
+        </p:nvSpPr>
+        <p:spPr bwMode="auto">
+          <a:xfrm>
+            <a:off x="4367599" y="6273398"/>
+            <a:ext cx="1575175" cy="396000"/>
+          </a:xfrm>
+          <a:prstGeom prst="flowChartTerminator">
+            <a:avLst/>
+          </a:prstGeom>
+          <a:noFill/>
+          <a:ln w="25400" cap="flat" cmpd="sng" algn="ctr">
+            <a:solidFill>
+              <a:schemeClr val="bg1"/>
+            </a:solidFill>
+            <a:prstDash val="solid"/>
+            <a:round/>
+            <a:headEnd type="none" w="med" len="med"/>
+            <a:tailEnd type="none"/>
+          </a:ln>
+          <a:effectLst/>
+        </p:spPr>
+        <p:txBody>
+          <a:bodyPr rtlCol="0" anchor="ctr"/>
+          <a:lstStyle/>
+          <a:p>
+            <a:r>
+              <a:rPr lang="en-US" altLang="zh-CN" sz="1700" dirty="0">
+                <a:solidFill>
+                  <a:schemeClr val="bg1"/>
+                </a:solidFill>
+              </a:rPr>
+              <a:t>CLOSING</a:t>
+            </a:r>
+            <a:endParaRPr lang="zh-CN" altLang="en-US" sz="1700" dirty="0">
+              <a:solidFill>
+                <a:schemeClr val="bg1"/>
+              </a:solidFill>
+            </a:endParaRPr>
+          </a:p>
+        </p:txBody>
+      </p:sp>
+      <p:sp>
+        <p:nvSpPr>
+          <p:cNvPr id="15" name="流程图: 终止 14">
+            <a:extLst>
+              <a:ext uri="{FF2B5EF4-FFF2-40B4-BE49-F238E27FC236}">
+                <a16:creationId xmlns="" xmlns:a16="http://schemas.microsoft.com/office/drawing/2014/main" id="{0498B651-E7C8-42FB-85DF-FE482ACBDC2F}"/>
+              </a:ext>
+            </a:extLst>
+          </p:cNvPr>
+          <p:cNvSpPr/>
+          <p:nvPr/>
+        </p:nvSpPr>
+        <p:spPr bwMode="auto">
+          <a:xfrm>
+            <a:off x="914374" y="6282636"/>
+            <a:ext cx="1575175" cy="396000"/>
+          </a:xfrm>
+          <a:prstGeom prst="flowChartTerminator">
+            <a:avLst/>
+          </a:prstGeom>
+          <a:noFill/>
+          <a:ln w="25400" cap="flat" cmpd="sng" algn="ctr">
+            <a:solidFill>
+              <a:schemeClr val="bg1"/>
+            </a:solidFill>
+            <a:prstDash val="solid"/>
+            <a:round/>
+            <a:headEnd type="none" w="med" len="med"/>
+            <a:tailEnd type="none"/>
+          </a:ln>
+          <a:effectLst/>
+        </p:spPr>
+        <p:txBody>
+          <a:bodyPr rtlCol="0" anchor="ctr"/>
+          <a:lstStyle/>
+          <a:p>
+            <a:r>
+              <a:rPr lang="en-US" altLang="zh-CN" sz="1700" dirty="0">
+                <a:solidFill>
+                  <a:schemeClr val="bg1"/>
+                </a:solidFill>
+              </a:rPr>
+              <a:t>FIN_WAIT_1</a:t>
+            </a:r>
+            <a:endParaRPr lang="zh-CN" altLang="en-US" sz="1700" dirty="0">
+              <a:solidFill>
+                <a:schemeClr val="bg1"/>
+              </a:solidFill>
+            </a:endParaRPr>
+          </a:p>
+        </p:txBody>
+      </p:sp>
+      <p:sp>
+        <p:nvSpPr>
+          <p:cNvPr id="17" name="流程图: 终止 16">
+            <a:extLst>
+              <a:ext uri="{FF2B5EF4-FFF2-40B4-BE49-F238E27FC236}">
+                <a16:creationId xmlns="" xmlns:a16="http://schemas.microsoft.com/office/drawing/2014/main" id="{697848AA-5FBC-45C3-B9EB-EEAD4B3507D0}"/>
+              </a:ext>
+            </a:extLst>
+          </p:cNvPr>
+          <p:cNvSpPr/>
+          <p:nvPr/>
+        </p:nvSpPr>
+        <p:spPr bwMode="auto">
+          <a:xfrm>
+            <a:off x="914373" y="8393900"/>
+            <a:ext cx="1575175" cy="396000"/>
+          </a:xfrm>
+          <a:prstGeom prst="flowChartTerminator">
+            <a:avLst/>
+          </a:prstGeom>
+          <a:noFill/>
+          <a:ln w="25400" cap="flat" cmpd="sng" algn="ctr">
+            <a:solidFill>
+              <a:schemeClr val="bg1"/>
+            </a:solidFill>
+            <a:prstDash val="solid"/>
+            <a:round/>
+            <a:headEnd type="none" w="med" len="med"/>
+            <a:tailEnd type="none"/>
+          </a:ln>
+          <a:effectLst/>
+        </p:spPr>
+        <p:txBody>
+          <a:bodyPr rtlCol="0" anchor="ctr"/>
+          <a:lstStyle/>
+          <a:p>
+            <a:r>
+              <a:rPr lang="en-US" altLang="zh-CN" sz="1700" dirty="0">
+                <a:solidFill>
+                  <a:schemeClr val="bg1"/>
+                </a:solidFill>
+              </a:rPr>
+              <a:t>FIN_WAIT_2</a:t>
+            </a:r>
+            <a:endParaRPr lang="zh-CN" altLang="en-US" sz="1700" dirty="0">
+              <a:solidFill>
+                <a:schemeClr val="bg1"/>
+              </a:solidFill>
+            </a:endParaRPr>
+          </a:p>
+        </p:txBody>
+      </p:sp>
+      <p:sp>
+        <p:nvSpPr>
+          <p:cNvPr id="18" name="流程图: 终止 17">
+            <a:extLst>
+              <a:ext uri="{FF2B5EF4-FFF2-40B4-BE49-F238E27FC236}">
+                <a16:creationId xmlns="" xmlns:a16="http://schemas.microsoft.com/office/drawing/2014/main" id="{0BBF17B0-E17B-4BEA-889E-9E6234C4218D}"/>
+              </a:ext>
+            </a:extLst>
+          </p:cNvPr>
+          <p:cNvSpPr/>
+          <p:nvPr/>
+        </p:nvSpPr>
+        <p:spPr bwMode="auto">
+          <a:xfrm>
+            <a:off x="4359711" y="8392617"/>
+            <a:ext cx="1575175" cy="396000"/>
+          </a:xfrm>
+          <a:prstGeom prst="flowChartTerminator">
+            <a:avLst/>
+          </a:prstGeom>
+          <a:noFill/>
+          <a:ln w="25400" cap="flat" cmpd="sng" algn="ctr">
+            <a:solidFill>
+              <a:schemeClr val="bg1"/>
+            </a:solidFill>
+            <a:prstDash val="solid"/>
+            <a:round/>
+            <a:headEnd type="none" w="med" len="med"/>
+            <a:tailEnd type="none"/>
+          </a:ln>
+          <a:effectLst/>
+        </p:spPr>
+        <p:txBody>
+          <a:bodyPr rtlCol="0" anchor="ctr"/>
+          <a:lstStyle/>
+          <a:p>
+            <a:r>
+              <a:rPr lang="en-US" altLang="zh-CN" sz="1700" dirty="0">
+                <a:solidFill>
+                  <a:schemeClr val="bg1"/>
+                </a:solidFill>
+              </a:rPr>
+              <a:t>TIME_WAIT</a:t>
+            </a:r>
+            <a:endParaRPr lang="zh-CN" altLang="en-US" sz="1700" dirty="0">
+              <a:solidFill>
+                <a:schemeClr val="bg1"/>
+              </a:solidFill>
+            </a:endParaRPr>
+          </a:p>
+        </p:txBody>
+      </p:sp>
+      <p:sp>
+        <p:nvSpPr>
+          <p:cNvPr id="20" name="矩形 19">
+            <a:extLst>
+              <a:ext uri="{FF2B5EF4-FFF2-40B4-BE49-F238E27FC236}">
+                <a16:creationId xmlns="" xmlns:a16="http://schemas.microsoft.com/office/drawing/2014/main" id="{8309130A-5FCB-4F7E-9831-D66050D45046}"/>
+              </a:ext>
+            </a:extLst>
+          </p:cNvPr>
+          <p:cNvSpPr/>
+          <p:nvPr/>
+        </p:nvSpPr>
+        <p:spPr>
+          <a:xfrm>
+            <a:off x="3034779" y="-1148742"/>
+            <a:ext cx="1903578" cy="338554"/>
+          </a:xfrm>
+          <a:prstGeom prst="rect">
+            <a:avLst/>
+          </a:prstGeom>
+          <a:noFill/>
+          <a:effectLst/>
+        </p:spPr>
+        <p:txBody>
+          <a:bodyPr wrap="square">
+            <a:spAutoFit/>
+          </a:bodyPr>
+          <a:lstStyle/>
+          <a:p>
+            <a:r>
+              <a:rPr lang="en-US" altLang="zh-CN" sz="1600" dirty="0">
+                <a:solidFill>
+                  <a:srgbClr val="FFC000"/>
+                </a:solidFill>
+                <a:latin typeface="微软雅黑" panose="020B0503020204020204" pitchFamily="34" charset="-122"/>
+                <a:ea typeface="微软雅黑" panose="020B0503020204020204" pitchFamily="34" charset="-122"/>
+              </a:rPr>
+              <a:t>appl:</a:t>
+            </a:r>
+            <a:r>
+              <a:rPr lang="zh-CN" altLang="en-US" sz="1600" dirty="0">
+                <a:solidFill>
+                  <a:srgbClr val="FFC000"/>
+                </a:solidFill>
+                <a:latin typeface="微软雅黑" panose="020B0503020204020204" pitchFamily="34" charset="-122"/>
+                <a:ea typeface="微软雅黑" panose="020B0503020204020204" pitchFamily="34" charset="-122"/>
+              </a:rPr>
+              <a:t> 被动打开</a:t>
+            </a:r>
+          </a:p>
+        </p:txBody>
+      </p:sp>
+      <p:cxnSp>
+        <p:nvCxnSpPr>
+          <p:cNvPr id="5" name="直接箭头连接符 4">
+            <a:extLst>
+              <a:ext uri="{FF2B5EF4-FFF2-40B4-BE49-F238E27FC236}">
+                <a16:creationId xmlns="" xmlns:a16="http://schemas.microsoft.com/office/drawing/2014/main" id="{4842F576-6540-4131-815A-4DC26C64A81E}"/>
+              </a:ext>
+            </a:extLst>
+          </p:cNvPr>
+          <p:cNvCxnSpPr>
+            <a:cxnSpLocks/>
+          </p:cNvCxnSpPr>
+          <p:nvPr/>
+        </p:nvCxnSpPr>
+        <p:spPr bwMode="auto">
+          <a:xfrm>
+            <a:off x="5155186" y="-1803674"/>
+            <a:ext cx="0" cy="1732306"/>
+          </a:xfrm>
+          <a:prstGeom prst="straightConnector1">
+            <a:avLst/>
+          </a:prstGeom>
+          <a:solidFill>
+            <a:srgbClr val="FFFFFF"/>
+          </a:solidFill>
+          <a:ln w="38100" cap="flat" cmpd="sng" algn="ctr">
+            <a:solidFill>
+              <a:schemeClr val="bg1"/>
+            </a:solidFill>
+            <a:prstDash val="solid"/>
+            <a:round/>
+            <a:headEnd type="none" w="med" len="sm"/>
+            <a:tailEnd type="arrow" w="sm" len="sm"/>
+          </a:ln>
+          <a:effectLst>
+            <a:outerShdw blurRad="12700" dist="12700" dir="5400000" algn="ctr" rotWithShape="0">
+              <a:srgbClr val="0070C0">
+                <a:alpha val="50000"/>
+              </a:srgbClr>
+            </a:outerShdw>
+          </a:effectLst>
+        </p:spPr>
+      </p:cxnSp>
+      <p:cxnSp>
+        <p:nvCxnSpPr>
+          <p:cNvPr id="21" name="直接箭头连接符 20">
+            <a:extLst>
+              <a:ext uri="{FF2B5EF4-FFF2-40B4-BE49-F238E27FC236}">
+                <a16:creationId xmlns="" xmlns:a16="http://schemas.microsoft.com/office/drawing/2014/main" id="{7B9CFACB-1992-4481-92FD-154DE0A3FB5B}"/>
+              </a:ext>
+            </a:extLst>
+          </p:cNvPr>
+          <p:cNvCxnSpPr>
+            <a:cxnSpLocks/>
+            <a:stCxn id="7" idx="1"/>
+            <a:endCxn id="9" idx="0"/>
+          </p:cNvCxnSpPr>
+          <p:nvPr/>
+        </p:nvCxnSpPr>
+        <p:spPr bwMode="auto">
+          <a:xfrm flipH="1">
+            <a:off x="1701737" y="126632"/>
+            <a:ext cx="2665862" cy="1916401"/>
+          </a:xfrm>
+          <a:prstGeom prst="straightConnector1">
+            <a:avLst/>
+          </a:prstGeom>
+          <a:solidFill>
+            <a:srgbClr val="FFFFFF"/>
+          </a:solidFill>
+          <a:ln w="38100" cap="flat" cmpd="sng" algn="ctr">
+            <a:solidFill>
+              <a:schemeClr val="bg1"/>
+            </a:solidFill>
+            <a:prstDash val="solid"/>
+            <a:round/>
+            <a:headEnd type="none" w="med" len="sm"/>
+            <a:tailEnd type="arrow" w="sm" len="sm"/>
+          </a:ln>
+          <a:effectLst>
+            <a:outerShdw blurRad="12700" dist="12700" dir="5400000" algn="ctr" rotWithShape="0">
+              <a:srgbClr val="0070C0">
+                <a:alpha val="50000"/>
+              </a:srgbClr>
+            </a:outerShdw>
+          </a:effectLst>
+        </p:spPr>
+      </p:cxnSp>
+      <p:sp>
+        <p:nvSpPr>
+          <p:cNvPr id="24" name="矩形 23">
+            <a:extLst>
+              <a:ext uri="{FF2B5EF4-FFF2-40B4-BE49-F238E27FC236}">
+                <a16:creationId xmlns="" xmlns:a16="http://schemas.microsoft.com/office/drawing/2014/main" id="{400ACC72-3EA6-4B44-BF0D-674AD2849C51}"/>
+              </a:ext>
+            </a:extLst>
+          </p:cNvPr>
+          <p:cNvSpPr/>
+          <p:nvPr/>
+        </p:nvSpPr>
+        <p:spPr>
+          <a:xfrm rot="19492139">
+            <a:off x="1415424" y="657022"/>
+            <a:ext cx="3132156" cy="338554"/>
+          </a:xfrm>
+          <a:prstGeom prst="rect">
+            <a:avLst/>
+          </a:prstGeom>
+          <a:noFill/>
+          <a:effectLst/>
+        </p:spPr>
+        <p:txBody>
+          <a:bodyPr wrap="square">
+            <a:spAutoFit/>
+          </a:bodyPr>
+          <a:lstStyle/>
+          <a:p>
+            <a:r>
+              <a:rPr lang="en-US" altLang="zh-CN" sz="1600" dirty="0" err="1">
+                <a:solidFill>
+                  <a:schemeClr val="lt1"/>
+                </a:solidFill>
+                <a:latin typeface="微软雅黑" panose="020B0503020204020204" pitchFamily="34" charset="-122"/>
+                <a:ea typeface="微软雅黑" panose="020B0503020204020204" pitchFamily="34" charset="-122"/>
+              </a:rPr>
+              <a:t>recv</a:t>
+            </a:r>
+            <a:r>
+              <a:rPr lang="en-US" altLang="zh-CN" sz="1600" dirty="0">
+                <a:solidFill>
+                  <a:schemeClr val="lt1"/>
+                </a:solidFill>
+                <a:latin typeface="微软雅黑" panose="020B0503020204020204" pitchFamily="34" charset="-122"/>
+                <a:ea typeface="微软雅黑" panose="020B0503020204020204" pitchFamily="34" charset="-122"/>
+              </a:rPr>
+              <a:t> : SYN; send: SYN, ACK</a:t>
+            </a:r>
+            <a:endParaRPr lang="zh-CN" altLang="en-US" sz="1600" dirty="0">
+              <a:solidFill>
+                <a:schemeClr val="lt1"/>
+              </a:solidFill>
+              <a:latin typeface="微软雅黑" panose="020B0503020204020204" pitchFamily="34" charset="-122"/>
+              <a:ea typeface="微软雅黑" panose="020B0503020204020204" pitchFamily="34" charset="-122"/>
+            </a:endParaRPr>
+          </a:p>
+        </p:txBody>
+      </p:sp>
+      <p:cxnSp>
+        <p:nvCxnSpPr>
+          <p:cNvPr id="25" name="直接箭头连接符 24">
+            <a:extLst>
+              <a:ext uri="{FF2B5EF4-FFF2-40B4-BE49-F238E27FC236}">
+                <a16:creationId xmlns="" xmlns:a16="http://schemas.microsoft.com/office/drawing/2014/main" id="{0EA6859D-C6FF-4622-A2AF-2F1ECEEF937A}"/>
+              </a:ext>
+            </a:extLst>
+          </p:cNvPr>
+          <p:cNvCxnSpPr>
+            <a:cxnSpLocks/>
+          </p:cNvCxnSpPr>
+          <p:nvPr/>
+        </p:nvCxnSpPr>
+        <p:spPr bwMode="auto">
+          <a:xfrm>
+            <a:off x="2401450" y="2364800"/>
+            <a:ext cx="1958261" cy="1908022"/>
+          </a:xfrm>
+          <a:prstGeom prst="straightConnector1">
+            <a:avLst/>
+          </a:prstGeom>
+          <a:solidFill>
+            <a:srgbClr val="FFFFFF"/>
+          </a:solidFill>
+          <a:ln w="38100" cap="flat" cmpd="sng" algn="ctr">
+            <a:solidFill>
+              <a:schemeClr val="bg1"/>
+            </a:solidFill>
+            <a:prstDash val="solid"/>
+            <a:round/>
+            <a:headEnd type="none" w="med" len="sm"/>
+            <a:tailEnd type="arrow" w="sm" len="sm"/>
+          </a:ln>
+          <a:effectLst>
+            <a:outerShdw blurRad="12700" dist="12700" dir="5400000" algn="ctr" rotWithShape="0">
+              <a:srgbClr val="0070C0">
+                <a:alpha val="50000"/>
+              </a:srgbClr>
+            </a:outerShdw>
+          </a:effectLst>
+        </p:spPr>
+      </p:cxnSp>
+      <p:sp>
+        <p:nvSpPr>
+          <p:cNvPr id="30" name="矩形 29">
+            <a:extLst>
+              <a:ext uri="{FF2B5EF4-FFF2-40B4-BE49-F238E27FC236}">
+                <a16:creationId xmlns="" xmlns:a16="http://schemas.microsoft.com/office/drawing/2014/main" id="{D80E72AC-28F0-48CA-8DD8-2915084917FA}"/>
+              </a:ext>
+            </a:extLst>
+          </p:cNvPr>
+          <p:cNvSpPr/>
+          <p:nvPr/>
+        </p:nvSpPr>
+        <p:spPr>
+          <a:xfrm rot="2590761">
+            <a:off x="2915709" y="2939475"/>
+            <a:ext cx="1240822" cy="338554"/>
+          </a:xfrm>
+          <a:prstGeom prst="rect">
+            <a:avLst/>
+          </a:prstGeom>
+          <a:noFill/>
+          <a:effectLst/>
+        </p:spPr>
+        <p:txBody>
+          <a:bodyPr wrap="square">
+            <a:spAutoFit/>
+          </a:bodyPr>
+          <a:lstStyle/>
+          <a:p>
+            <a:r>
+              <a:rPr lang="en-US" altLang="zh-CN" sz="1600" dirty="0" err="1">
+                <a:solidFill>
+                  <a:schemeClr val="lt1"/>
+                </a:solidFill>
+                <a:latin typeface="微软雅黑" panose="020B0503020204020204" pitchFamily="34" charset="-122"/>
+                <a:ea typeface="微软雅黑" panose="020B0503020204020204" pitchFamily="34" charset="-122"/>
+              </a:rPr>
+              <a:t>recv</a:t>
+            </a:r>
+            <a:r>
+              <a:rPr lang="en-US" altLang="zh-CN" sz="1600" dirty="0">
+                <a:solidFill>
+                  <a:schemeClr val="lt1"/>
+                </a:solidFill>
+                <a:latin typeface="微软雅黑" panose="020B0503020204020204" pitchFamily="34" charset="-122"/>
+                <a:ea typeface="微软雅黑" panose="020B0503020204020204" pitchFamily="34" charset="-122"/>
+              </a:rPr>
+              <a:t> : ACK</a:t>
+            </a:r>
+            <a:endParaRPr lang="zh-CN" altLang="en-US" sz="1600" dirty="0">
+              <a:solidFill>
+                <a:schemeClr val="lt1"/>
+              </a:solidFill>
+              <a:latin typeface="微软雅黑" panose="020B0503020204020204" pitchFamily="34" charset="-122"/>
+              <a:ea typeface="微软雅黑" panose="020B0503020204020204" pitchFamily="34" charset="-122"/>
+            </a:endParaRPr>
+          </a:p>
+        </p:txBody>
+      </p:sp>
+      <p:cxnSp>
+        <p:nvCxnSpPr>
+          <p:cNvPr id="31" name="直接箭头连接符 30">
+            <a:extLst>
+              <a:ext uri="{FF2B5EF4-FFF2-40B4-BE49-F238E27FC236}">
+                <a16:creationId xmlns="" xmlns:a16="http://schemas.microsoft.com/office/drawing/2014/main" id="{D50B7A65-C4EE-44FB-8255-92C8EF9DA8DA}"/>
+              </a:ext>
+            </a:extLst>
+          </p:cNvPr>
+          <p:cNvCxnSpPr>
+            <a:cxnSpLocks/>
+            <a:stCxn id="13" idx="3"/>
+            <a:endCxn id="11" idx="1"/>
+          </p:cNvCxnSpPr>
+          <p:nvPr/>
+        </p:nvCxnSpPr>
+        <p:spPr bwMode="auto">
+          <a:xfrm flipV="1">
+            <a:off x="6176800" y="4371821"/>
+            <a:ext cx="1563115" cy="616"/>
+          </a:xfrm>
+          <a:prstGeom prst="straightConnector1">
+            <a:avLst/>
+          </a:prstGeom>
+          <a:solidFill>
+            <a:srgbClr val="FFFFFF"/>
+          </a:solidFill>
+          <a:ln w="38100" cap="flat" cmpd="sng" algn="ctr">
+            <a:solidFill>
+              <a:schemeClr val="bg1"/>
+            </a:solidFill>
+            <a:prstDash val="solid"/>
+            <a:round/>
+            <a:headEnd type="none" w="med" len="sm"/>
+            <a:tailEnd type="arrow" w="sm" len="sm"/>
+          </a:ln>
+          <a:effectLst>
+            <a:outerShdw blurRad="12700" dist="12700" dir="5400000" algn="ctr" rotWithShape="0">
+              <a:srgbClr val="0070C0">
+                <a:alpha val="50000"/>
+              </a:srgbClr>
+            </a:outerShdw>
+          </a:effectLst>
+        </p:spPr>
+      </p:cxnSp>
+      <p:sp>
+        <p:nvSpPr>
+          <p:cNvPr id="34" name="矩形 33">
+            <a:extLst>
+              <a:ext uri="{FF2B5EF4-FFF2-40B4-BE49-F238E27FC236}">
+                <a16:creationId xmlns="" xmlns:a16="http://schemas.microsoft.com/office/drawing/2014/main" id="{81D66A7A-7CB9-4252-A8F8-F29A6F7E4F76}"/>
+              </a:ext>
+            </a:extLst>
+          </p:cNvPr>
+          <p:cNvSpPr/>
+          <p:nvPr/>
+        </p:nvSpPr>
+        <p:spPr>
+          <a:xfrm>
+            <a:off x="6176801" y="3950006"/>
+            <a:ext cx="1240822" cy="338554"/>
+          </a:xfrm>
+          <a:prstGeom prst="rect">
+            <a:avLst/>
+          </a:prstGeom>
+          <a:noFill/>
+          <a:effectLst/>
+        </p:spPr>
+        <p:txBody>
+          <a:bodyPr wrap="square">
+            <a:spAutoFit/>
+          </a:bodyPr>
+          <a:lstStyle/>
+          <a:p>
+            <a:r>
+              <a:rPr lang="en-US" altLang="zh-CN" sz="1600" dirty="0" err="1">
+                <a:solidFill>
+                  <a:schemeClr val="lt1"/>
+                </a:solidFill>
+                <a:latin typeface="微软雅黑" panose="020B0503020204020204" pitchFamily="34" charset="-122"/>
+                <a:ea typeface="微软雅黑" panose="020B0503020204020204" pitchFamily="34" charset="-122"/>
+              </a:rPr>
+              <a:t>recv</a:t>
+            </a:r>
+            <a:r>
+              <a:rPr lang="en-US" altLang="zh-CN" sz="1600" dirty="0">
+                <a:solidFill>
+                  <a:schemeClr val="lt1"/>
+                </a:solidFill>
+                <a:latin typeface="微软雅黑" panose="020B0503020204020204" pitchFamily="34" charset="-122"/>
+                <a:ea typeface="微软雅黑" panose="020B0503020204020204" pitchFamily="34" charset="-122"/>
+              </a:rPr>
+              <a:t> : FIN</a:t>
+            </a:r>
+            <a:endParaRPr lang="zh-CN" altLang="en-US" sz="1600" dirty="0">
+              <a:solidFill>
+                <a:schemeClr val="lt1"/>
+              </a:solidFill>
+              <a:latin typeface="微软雅黑" panose="020B0503020204020204" pitchFamily="34" charset="-122"/>
+              <a:ea typeface="微软雅黑" panose="020B0503020204020204" pitchFamily="34" charset="-122"/>
+            </a:endParaRPr>
+          </a:p>
+        </p:txBody>
+      </p:sp>
+      <p:sp>
+        <p:nvSpPr>
+          <p:cNvPr id="35" name="矩形 34">
+            <a:extLst>
+              <a:ext uri="{FF2B5EF4-FFF2-40B4-BE49-F238E27FC236}">
+                <a16:creationId xmlns="" xmlns:a16="http://schemas.microsoft.com/office/drawing/2014/main" id="{CD3416B1-33C4-4FD5-85D1-D09AE4017614}"/>
+              </a:ext>
+            </a:extLst>
+          </p:cNvPr>
+          <p:cNvSpPr/>
+          <p:nvPr/>
+        </p:nvSpPr>
+        <p:spPr>
+          <a:xfrm>
+            <a:off x="6176801" y="4411968"/>
+            <a:ext cx="1240822" cy="338554"/>
+          </a:xfrm>
+          <a:prstGeom prst="rect">
+            <a:avLst/>
+          </a:prstGeom>
+          <a:noFill/>
+          <a:effectLst/>
+        </p:spPr>
+        <p:txBody>
+          <a:bodyPr wrap="square">
+            <a:spAutoFit/>
+          </a:bodyPr>
+          <a:lstStyle/>
+          <a:p>
+            <a:r>
+              <a:rPr lang="en-US" altLang="zh-CN" sz="1600" dirty="0">
+                <a:solidFill>
+                  <a:schemeClr val="lt1"/>
+                </a:solidFill>
+                <a:latin typeface="微软雅黑" panose="020B0503020204020204" pitchFamily="34" charset="-122"/>
+                <a:ea typeface="微软雅黑" panose="020B0503020204020204" pitchFamily="34" charset="-122"/>
+              </a:rPr>
+              <a:t>send: ACK</a:t>
+            </a:r>
+            <a:endParaRPr lang="zh-CN" altLang="en-US" sz="1600" dirty="0">
+              <a:solidFill>
+                <a:schemeClr val="lt1"/>
+              </a:solidFill>
+              <a:latin typeface="微软雅黑" panose="020B0503020204020204" pitchFamily="34" charset="-122"/>
+              <a:ea typeface="微软雅黑" panose="020B0503020204020204" pitchFamily="34" charset="-122"/>
+            </a:endParaRPr>
+          </a:p>
+        </p:txBody>
+      </p:sp>
+      <p:sp>
+        <p:nvSpPr>
+          <p:cNvPr id="36" name="矩形 35">
+            <a:extLst>
+              <a:ext uri="{FF2B5EF4-FFF2-40B4-BE49-F238E27FC236}">
+                <a16:creationId xmlns="" xmlns:a16="http://schemas.microsoft.com/office/drawing/2014/main" id="{52401D3F-9B60-4139-A73E-19B6B5675630}"/>
+              </a:ext>
+            </a:extLst>
+          </p:cNvPr>
+          <p:cNvSpPr/>
+          <p:nvPr/>
+        </p:nvSpPr>
+        <p:spPr>
+          <a:xfrm>
+            <a:off x="8733232" y="5106351"/>
+            <a:ext cx="1379539" cy="338554"/>
+          </a:xfrm>
+          <a:prstGeom prst="rect">
+            <a:avLst/>
+          </a:prstGeom>
+          <a:noFill/>
+          <a:effectLst/>
+        </p:spPr>
+        <p:txBody>
+          <a:bodyPr wrap="square">
+            <a:spAutoFit/>
+          </a:bodyPr>
+          <a:lstStyle/>
+          <a:p>
+            <a:r>
+              <a:rPr lang="en-US" altLang="zh-CN" sz="1600" dirty="0" err="1">
+                <a:solidFill>
+                  <a:srgbClr val="FFC000"/>
+                </a:solidFill>
+                <a:latin typeface="微软雅黑" panose="020B0503020204020204" pitchFamily="34" charset="-122"/>
+                <a:ea typeface="微软雅黑" panose="020B0503020204020204" pitchFamily="34" charset="-122"/>
+              </a:rPr>
+              <a:t>appl</a:t>
+            </a:r>
+            <a:r>
+              <a:rPr lang="en-US" altLang="zh-CN" sz="1600" dirty="0">
+                <a:solidFill>
+                  <a:srgbClr val="FFC000"/>
+                </a:solidFill>
+                <a:latin typeface="微软雅黑" panose="020B0503020204020204" pitchFamily="34" charset="-122"/>
+                <a:ea typeface="微软雅黑" panose="020B0503020204020204" pitchFamily="34" charset="-122"/>
+              </a:rPr>
+              <a:t>:</a:t>
+            </a:r>
+            <a:r>
+              <a:rPr lang="zh-CN" altLang="en-US" sz="1600" dirty="0">
+                <a:solidFill>
+                  <a:srgbClr val="FFC000"/>
+                </a:solidFill>
+                <a:latin typeface="微软雅黑" panose="020B0503020204020204" pitchFamily="34" charset="-122"/>
+                <a:ea typeface="微软雅黑" panose="020B0503020204020204" pitchFamily="34" charset="-122"/>
+              </a:rPr>
+              <a:t> </a:t>
+            </a:r>
+            <a:r>
+              <a:rPr lang="en-US" altLang="zh-CN" sz="1600" dirty="0">
+                <a:solidFill>
+                  <a:srgbClr val="FFC000"/>
+                </a:solidFill>
+                <a:latin typeface="微软雅黑" panose="020B0503020204020204" pitchFamily="34" charset="-122"/>
+                <a:ea typeface="微软雅黑" panose="020B0503020204020204" pitchFamily="34" charset="-122"/>
+              </a:rPr>
+              <a:t>close</a:t>
+            </a:r>
+          </a:p>
+        </p:txBody>
+      </p:sp>
+      <p:sp>
+        <p:nvSpPr>
+          <p:cNvPr id="37" name="矩形 36">
+            <a:extLst>
+              <a:ext uri="{FF2B5EF4-FFF2-40B4-BE49-F238E27FC236}">
+                <a16:creationId xmlns="" xmlns:a16="http://schemas.microsoft.com/office/drawing/2014/main" id="{1222BFF6-8EE7-4480-B2A3-17DCCE92BAF9}"/>
+              </a:ext>
+            </a:extLst>
+          </p:cNvPr>
+          <p:cNvSpPr/>
+          <p:nvPr/>
+        </p:nvSpPr>
+        <p:spPr>
+          <a:xfrm>
+            <a:off x="8214489" y="7056666"/>
+            <a:ext cx="1379539" cy="338554"/>
+          </a:xfrm>
+          <a:prstGeom prst="rect">
+            <a:avLst/>
+          </a:prstGeom>
+          <a:noFill/>
+          <a:effectLst/>
+        </p:spPr>
+        <p:txBody>
+          <a:bodyPr wrap="square">
+            <a:spAutoFit/>
+          </a:bodyPr>
+          <a:lstStyle/>
+          <a:p>
+            <a:r>
+              <a:rPr lang="zh-CN" altLang="en-US" sz="1600" dirty="0">
+                <a:solidFill>
+                  <a:srgbClr val="BDFFC3"/>
+                </a:solidFill>
+                <a:latin typeface="+mn-lt"/>
+                <a:ea typeface="+mn-ea"/>
+                <a:cs typeface="+mn-cs"/>
+              </a:rPr>
+              <a:t>被动</a:t>
+            </a:r>
+            <a:r>
+              <a:rPr lang="zh-CN" altLang="en-US" sz="1600" dirty="0" smtClean="0">
+                <a:solidFill>
+                  <a:srgbClr val="BDFFC3"/>
+                </a:solidFill>
+                <a:latin typeface="+mn-lt"/>
+                <a:ea typeface="+mn-ea"/>
+                <a:cs typeface="+mn-cs"/>
+              </a:rPr>
+              <a:t>关闭</a:t>
+            </a:r>
+            <a:endParaRPr lang="zh-CN" altLang="en-US" sz="1600" dirty="0">
+              <a:solidFill>
+                <a:srgbClr val="BDFFC3"/>
+              </a:solidFill>
+              <a:latin typeface="+mn-lt"/>
+              <a:ea typeface="+mn-ea"/>
+              <a:cs typeface="+mn-cs"/>
+            </a:endParaRPr>
+          </a:p>
+        </p:txBody>
+      </p:sp>
+      <p:sp>
+        <p:nvSpPr>
+          <p:cNvPr id="38" name="矩形 37">
+            <a:extLst>
+              <a:ext uri="{FF2B5EF4-FFF2-40B4-BE49-F238E27FC236}">
+                <a16:creationId xmlns="" xmlns:a16="http://schemas.microsoft.com/office/drawing/2014/main" id="{082B527D-717F-42B5-846E-7EC08E8A3787}"/>
+              </a:ext>
+            </a:extLst>
+          </p:cNvPr>
+          <p:cNvSpPr/>
+          <p:nvPr/>
+        </p:nvSpPr>
+        <p:spPr>
+          <a:xfrm>
+            <a:off x="7935303" y="2491432"/>
+            <a:ext cx="1379539" cy="338554"/>
+          </a:xfrm>
+          <a:prstGeom prst="rect">
+            <a:avLst/>
+          </a:prstGeom>
+          <a:noFill/>
+          <a:effectLst/>
+        </p:spPr>
+        <p:txBody>
+          <a:bodyPr wrap="square">
+            <a:spAutoFit/>
+          </a:bodyPr>
+          <a:lstStyle/>
+          <a:p>
+            <a:r>
+              <a:rPr lang="zh-CN" altLang="en-US" sz="1600" dirty="0">
+                <a:solidFill>
+                  <a:srgbClr val="BDFFC3"/>
+                </a:solidFill>
+                <a:latin typeface="+mn-lt"/>
+                <a:ea typeface="+mn-ea"/>
+                <a:cs typeface="+mn-cs"/>
+              </a:rPr>
+              <a:t>主动打开</a:t>
+            </a:r>
+          </a:p>
+        </p:txBody>
+      </p:sp>
+      <p:cxnSp>
+        <p:nvCxnSpPr>
+          <p:cNvPr id="41" name="直接箭头连接符 40">
+            <a:extLst>
+              <a:ext uri="{FF2B5EF4-FFF2-40B4-BE49-F238E27FC236}">
+                <a16:creationId xmlns="" xmlns:a16="http://schemas.microsoft.com/office/drawing/2014/main" id="{DE9EE2C3-58C6-46A0-890B-70AFAF2EE6EA}"/>
+              </a:ext>
+            </a:extLst>
+          </p:cNvPr>
+          <p:cNvCxnSpPr>
+            <a:cxnSpLocks/>
+            <a:stCxn id="11" idx="2"/>
+            <a:endCxn id="12" idx="0"/>
+          </p:cNvCxnSpPr>
+          <p:nvPr/>
+        </p:nvCxnSpPr>
+        <p:spPr bwMode="auto">
+          <a:xfrm flipH="1">
+            <a:off x="8612912" y="4569821"/>
+            <a:ext cx="721" cy="1726855"/>
+          </a:xfrm>
+          <a:prstGeom prst="straightConnector1">
+            <a:avLst/>
+          </a:prstGeom>
+          <a:solidFill>
+            <a:srgbClr val="FFFFFF"/>
+          </a:solidFill>
+          <a:ln w="38100" cap="flat" cmpd="sng" algn="ctr">
+            <a:solidFill>
+              <a:schemeClr val="bg1"/>
+            </a:solidFill>
+            <a:prstDash val="solid"/>
+            <a:round/>
+            <a:headEnd type="none" w="med" len="sm"/>
+            <a:tailEnd type="arrow" w="sm" len="sm"/>
+          </a:ln>
+          <a:effectLst>
+            <a:outerShdw blurRad="12700" dist="12700" dir="5400000" algn="ctr" rotWithShape="0">
+              <a:srgbClr val="0070C0">
+                <a:alpha val="50000"/>
+              </a:srgbClr>
+            </a:outerShdw>
+          </a:effectLst>
+        </p:spPr>
+      </p:cxnSp>
+      <p:cxnSp>
+        <p:nvCxnSpPr>
+          <p:cNvPr id="44" name="直接箭头连接符 43">
+            <a:extLst>
+              <a:ext uri="{FF2B5EF4-FFF2-40B4-BE49-F238E27FC236}">
+                <a16:creationId xmlns="" xmlns:a16="http://schemas.microsoft.com/office/drawing/2014/main" id="{14F58F91-4B4B-440B-99E5-DA3004EB4D02}"/>
+              </a:ext>
+            </a:extLst>
+          </p:cNvPr>
+          <p:cNvCxnSpPr>
+            <a:cxnSpLocks/>
+            <a:stCxn id="12" idx="3"/>
+          </p:cNvCxnSpPr>
+          <p:nvPr/>
+        </p:nvCxnSpPr>
+        <p:spPr bwMode="auto">
+          <a:xfrm flipV="1">
+            <a:off x="9405000" y="6480636"/>
+            <a:ext cx="2604449" cy="14040"/>
+          </a:xfrm>
+          <a:prstGeom prst="straightConnector1">
+            <a:avLst/>
+          </a:prstGeom>
+          <a:solidFill>
+            <a:srgbClr val="FFFFFF"/>
+          </a:solidFill>
+          <a:ln w="38100" cap="flat" cmpd="sng" algn="ctr">
+            <a:solidFill>
+              <a:schemeClr val="bg1"/>
+            </a:solidFill>
+            <a:prstDash val="solid"/>
+            <a:round/>
+            <a:headEnd type="none" w="med" len="sm"/>
+            <a:tailEnd type="arrow" w="sm" len="sm"/>
+          </a:ln>
+          <a:effectLst>
+            <a:outerShdw blurRad="12700" dist="12700" dir="5400000" algn="ctr" rotWithShape="0">
+              <a:srgbClr val="0070C0">
+                <a:alpha val="50000"/>
+              </a:srgbClr>
+            </a:outerShdw>
+          </a:effectLst>
+        </p:spPr>
+      </p:cxnSp>
+      <p:sp>
+        <p:nvSpPr>
+          <p:cNvPr id="47" name="矩形 46">
+            <a:extLst>
+              <a:ext uri="{FF2B5EF4-FFF2-40B4-BE49-F238E27FC236}">
+                <a16:creationId xmlns="" xmlns:a16="http://schemas.microsoft.com/office/drawing/2014/main" id="{C1F74C4A-F505-4A77-B963-8C26CEED2C7A}"/>
+              </a:ext>
+            </a:extLst>
+          </p:cNvPr>
+          <p:cNvSpPr/>
+          <p:nvPr/>
+        </p:nvSpPr>
+        <p:spPr>
+          <a:xfrm>
+            <a:off x="10474752" y="6033036"/>
+            <a:ext cx="1240822" cy="338554"/>
+          </a:xfrm>
+          <a:prstGeom prst="rect">
+            <a:avLst/>
+          </a:prstGeom>
+          <a:noFill/>
+          <a:effectLst/>
+        </p:spPr>
+        <p:txBody>
+          <a:bodyPr wrap="square">
+            <a:spAutoFit/>
+          </a:bodyPr>
+          <a:lstStyle/>
+          <a:p>
+            <a:r>
+              <a:rPr lang="en-US" altLang="zh-CN" sz="1600" dirty="0" err="1">
+                <a:solidFill>
+                  <a:schemeClr val="lt1"/>
+                </a:solidFill>
+                <a:latin typeface="微软雅黑" panose="020B0503020204020204" pitchFamily="34" charset="-122"/>
+                <a:ea typeface="微软雅黑" panose="020B0503020204020204" pitchFamily="34" charset="-122"/>
+              </a:rPr>
+              <a:t>recv</a:t>
+            </a:r>
+            <a:r>
+              <a:rPr lang="en-US" altLang="zh-CN" sz="1600" dirty="0">
+                <a:solidFill>
+                  <a:schemeClr val="lt1"/>
+                </a:solidFill>
+                <a:latin typeface="微软雅黑" panose="020B0503020204020204" pitchFamily="34" charset="-122"/>
+                <a:ea typeface="微软雅黑" panose="020B0503020204020204" pitchFamily="34" charset="-122"/>
+              </a:rPr>
+              <a:t> : ACK</a:t>
+            </a:r>
+            <a:endParaRPr lang="zh-CN" altLang="en-US" sz="1600" dirty="0">
+              <a:solidFill>
+                <a:schemeClr val="lt1"/>
+              </a:solidFill>
+              <a:latin typeface="微软雅黑" panose="020B0503020204020204" pitchFamily="34" charset="-122"/>
+              <a:ea typeface="微软雅黑" panose="020B0503020204020204" pitchFamily="34" charset="-122"/>
+            </a:endParaRPr>
+          </a:p>
+        </p:txBody>
+      </p:sp>
+      <p:sp>
+        <p:nvSpPr>
+          <p:cNvPr id="32" name="矩形 31">
+            <a:extLst>
+              <a:ext uri="{FF2B5EF4-FFF2-40B4-BE49-F238E27FC236}">
+                <a16:creationId xmlns="" xmlns:a16="http://schemas.microsoft.com/office/drawing/2014/main" id="{52401D3F-9B60-4139-A73E-19B6B5675630}"/>
+              </a:ext>
+            </a:extLst>
+          </p:cNvPr>
+          <p:cNvSpPr/>
+          <p:nvPr/>
+        </p:nvSpPr>
+        <p:spPr>
+          <a:xfrm>
+            <a:off x="8715230" y="5467555"/>
+            <a:ext cx="1379539" cy="338554"/>
+          </a:xfrm>
+          <a:prstGeom prst="rect">
+            <a:avLst/>
+          </a:prstGeom>
+          <a:noFill/>
+          <a:effectLst/>
+        </p:spPr>
+        <p:txBody>
+          <a:bodyPr wrap="square">
+            <a:spAutoFit/>
+          </a:bodyPr>
+          <a:lstStyle/>
+          <a:p>
+            <a:r>
+              <a:rPr lang="en-US" altLang="zh-CN" sz="1600" dirty="0" smtClean="0">
+                <a:solidFill>
+                  <a:schemeClr val="lt1"/>
+                </a:solidFill>
+              </a:rPr>
+              <a:t>send</a:t>
+            </a:r>
+            <a:r>
+              <a:rPr lang="en-US" altLang="zh-CN" sz="1600" dirty="0">
+                <a:solidFill>
+                  <a:schemeClr val="lt1"/>
+                </a:solidFill>
+              </a:rPr>
+              <a:t>: FIN</a:t>
+            </a:r>
+            <a:endParaRPr lang="zh-CN" altLang="en-US" sz="1600" dirty="0">
+              <a:solidFill>
+                <a:schemeClr val="lt1"/>
+              </a:solidFill>
+            </a:endParaRPr>
+          </a:p>
+        </p:txBody>
+      </p:sp>
+      <p:sp>
+        <p:nvSpPr>
+          <p:cNvPr id="39" name="矩形 38">
+            <a:extLst>
+              <a:ext uri="{FF2B5EF4-FFF2-40B4-BE49-F238E27FC236}">
+                <a16:creationId xmlns="" xmlns:a16="http://schemas.microsoft.com/office/drawing/2014/main" id="{52401D3F-9B60-4139-A73E-19B6B5675630}"/>
+              </a:ext>
+            </a:extLst>
+          </p:cNvPr>
+          <p:cNvSpPr/>
+          <p:nvPr/>
+        </p:nvSpPr>
+        <p:spPr>
+          <a:xfrm rot="3249137">
+            <a:off x="6414177" y="119042"/>
+            <a:ext cx="1379539" cy="338554"/>
+          </a:xfrm>
+          <a:prstGeom prst="rect">
+            <a:avLst/>
+          </a:prstGeom>
+          <a:noFill/>
+          <a:effectLst/>
+        </p:spPr>
+        <p:txBody>
+          <a:bodyPr wrap="square">
+            <a:spAutoFit/>
+          </a:bodyPr>
+          <a:lstStyle/>
+          <a:p>
+            <a:r>
+              <a:rPr lang="en-US" altLang="zh-CN" sz="1600" dirty="0">
+                <a:solidFill>
+                  <a:schemeClr val="lt1"/>
+                </a:solidFill>
+                <a:latin typeface="微软雅黑" panose="020B0503020204020204" pitchFamily="34" charset="-122"/>
+                <a:ea typeface="微软雅黑" panose="020B0503020204020204" pitchFamily="34" charset="-122"/>
+              </a:rPr>
+              <a:t>send: SYN</a:t>
+            </a:r>
+            <a:endParaRPr lang="zh-CN" altLang="en-US" sz="1600" dirty="0">
+              <a:solidFill>
+                <a:schemeClr val="lt1"/>
+              </a:solidFill>
+              <a:latin typeface="微软雅黑" panose="020B0503020204020204" pitchFamily="34" charset="-122"/>
+              <a:ea typeface="微软雅黑" panose="020B0503020204020204" pitchFamily="34" charset="-122"/>
+            </a:endParaRPr>
+          </a:p>
+        </p:txBody>
+      </p:sp>
+      <p:sp>
+        <p:nvSpPr>
+          <p:cNvPr id="40" name="矩形 39">
+            <a:extLst>
+              <a:ext uri="{FF2B5EF4-FFF2-40B4-BE49-F238E27FC236}">
+                <a16:creationId xmlns="" xmlns:a16="http://schemas.microsoft.com/office/drawing/2014/main" id="{52401D3F-9B60-4139-A73E-19B6B5675630}"/>
+              </a:ext>
+            </a:extLst>
+          </p:cNvPr>
+          <p:cNvSpPr/>
+          <p:nvPr/>
+        </p:nvSpPr>
+        <p:spPr>
+          <a:xfrm rot="3249137">
+            <a:off x="6659539" y="-124954"/>
+            <a:ext cx="1735447" cy="338554"/>
+          </a:xfrm>
+          <a:prstGeom prst="rect">
+            <a:avLst/>
+          </a:prstGeom>
+          <a:noFill/>
+          <a:effectLst/>
+        </p:spPr>
+        <p:txBody>
+          <a:bodyPr wrap="square">
+            <a:spAutoFit/>
+          </a:bodyPr>
+          <a:lstStyle/>
+          <a:p>
+            <a:r>
+              <a:rPr lang="en-US" altLang="zh-CN" sz="1600" dirty="0" err="1">
+                <a:solidFill>
+                  <a:srgbClr val="FFC000"/>
+                </a:solidFill>
+                <a:latin typeface="微软雅黑" panose="020B0503020204020204" pitchFamily="34" charset="-122"/>
+                <a:ea typeface="微软雅黑" panose="020B0503020204020204" pitchFamily="34" charset="-122"/>
+              </a:rPr>
+              <a:t>appl</a:t>
+            </a:r>
+            <a:r>
+              <a:rPr lang="en-US" altLang="zh-CN" sz="1600" dirty="0">
+                <a:solidFill>
+                  <a:srgbClr val="FFC000"/>
+                </a:solidFill>
+                <a:latin typeface="微软雅黑" panose="020B0503020204020204" pitchFamily="34" charset="-122"/>
+                <a:ea typeface="微软雅黑" panose="020B0503020204020204" pitchFamily="34" charset="-122"/>
+              </a:rPr>
+              <a:t>: </a:t>
+            </a:r>
+            <a:r>
+              <a:rPr lang="zh-CN" altLang="en-US" sz="1600" dirty="0">
+                <a:solidFill>
+                  <a:srgbClr val="FFC000"/>
+                </a:solidFill>
+                <a:latin typeface="微软雅黑" panose="020B0503020204020204" pitchFamily="34" charset="-122"/>
+                <a:ea typeface="微软雅黑" panose="020B0503020204020204" pitchFamily="34" charset="-122"/>
+              </a:rPr>
+              <a:t>主动打开</a:t>
+            </a:r>
+            <a:endParaRPr lang="en-US" altLang="zh-CN" sz="1600" dirty="0">
+              <a:solidFill>
+                <a:srgbClr val="FFC000"/>
+              </a:solidFill>
+              <a:latin typeface="微软雅黑" panose="020B0503020204020204" pitchFamily="34" charset="-122"/>
+              <a:ea typeface="微软雅黑" panose="020B0503020204020204" pitchFamily="34" charset="-122"/>
+            </a:endParaRPr>
+          </a:p>
+        </p:txBody>
+      </p:sp>
+      <p:cxnSp>
+        <p:nvCxnSpPr>
+          <p:cNvPr id="42" name="直接箭头连接符 41">
+            <a:extLst>
+              <a:ext uri="{FF2B5EF4-FFF2-40B4-BE49-F238E27FC236}">
+                <a16:creationId xmlns="" xmlns:a16="http://schemas.microsoft.com/office/drawing/2014/main" id="{4842F576-6540-4131-815A-4DC26C64A81E}"/>
+              </a:ext>
+            </a:extLst>
+          </p:cNvPr>
+          <p:cNvCxnSpPr>
+            <a:cxnSpLocks/>
+            <a:endCxn id="10" idx="0"/>
+          </p:cNvCxnSpPr>
+          <p:nvPr/>
+        </p:nvCxnSpPr>
+        <p:spPr bwMode="auto">
+          <a:xfrm>
+            <a:off x="5900315" y="-1875279"/>
+            <a:ext cx="2724758" cy="3918783"/>
+          </a:xfrm>
+          <a:prstGeom prst="straightConnector1">
+            <a:avLst/>
+          </a:prstGeom>
+          <a:solidFill>
+            <a:srgbClr val="FFFFFF"/>
+          </a:solidFill>
+          <a:ln w="38100" cap="flat" cmpd="sng" algn="ctr">
+            <a:solidFill>
+              <a:schemeClr val="accent1">
+                <a:lumMod val="60000"/>
+                <a:lumOff val="40000"/>
+              </a:schemeClr>
+            </a:solidFill>
+            <a:prstDash val="solid"/>
+            <a:round/>
+            <a:headEnd type="none" w="med" len="med"/>
+            <a:tailEnd type="arrow" w="sm" len="sm"/>
+          </a:ln>
+          <a:effectLst>
+            <a:outerShdw blurRad="12700" dist="12700" dir="5400000" algn="ctr" rotWithShape="0">
+              <a:srgbClr val="0070C0">
+                <a:alpha val="50000"/>
+              </a:srgbClr>
+            </a:outerShdw>
+          </a:effectLst>
+        </p:spPr>
+      </p:cxnSp>
+      <p:sp>
+        <p:nvSpPr>
+          <p:cNvPr id="45" name="矩形 44">
+            <a:extLst>
+              <a:ext uri="{FF2B5EF4-FFF2-40B4-BE49-F238E27FC236}">
+                <a16:creationId xmlns="" xmlns:a16="http://schemas.microsoft.com/office/drawing/2014/main" id="{52401D3F-9B60-4139-A73E-19B6B5675630}"/>
+              </a:ext>
+            </a:extLst>
+          </p:cNvPr>
+          <p:cNvSpPr/>
+          <p:nvPr/>
+        </p:nvSpPr>
+        <p:spPr>
+          <a:xfrm rot="19075591">
+            <a:off x="5235134" y="3015528"/>
+            <a:ext cx="2872373" cy="338554"/>
+          </a:xfrm>
+          <a:prstGeom prst="rect">
+            <a:avLst/>
+          </a:prstGeom>
+          <a:noFill/>
+          <a:effectLst/>
+        </p:spPr>
+        <p:txBody>
+          <a:bodyPr wrap="square">
+            <a:spAutoFit/>
+          </a:bodyPr>
+          <a:lstStyle/>
+          <a:p>
+            <a:r>
+              <a:rPr lang="en-US" altLang="zh-CN" sz="1600" dirty="0" err="1">
+                <a:solidFill>
+                  <a:schemeClr val="lt1"/>
+                </a:solidFill>
+                <a:latin typeface="微软雅黑" panose="020B0503020204020204" pitchFamily="34" charset="-122"/>
+                <a:ea typeface="微软雅黑" panose="020B0503020204020204" pitchFamily="34" charset="-122"/>
+              </a:rPr>
+              <a:t>recv</a:t>
+            </a:r>
+            <a:r>
+              <a:rPr lang="en-US" altLang="zh-CN" sz="1600" dirty="0">
+                <a:solidFill>
+                  <a:schemeClr val="lt1"/>
+                </a:solidFill>
+                <a:latin typeface="微软雅黑" panose="020B0503020204020204" pitchFamily="34" charset="-122"/>
+                <a:ea typeface="微软雅黑" panose="020B0503020204020204" pitchFamily="34" charset="-122"/>
+              </a:rPr>
+              <a:t>: SYN, ACK; send: ACK</a:t>
+            </a:r>
+            <a:endParaRPr lang="zh-CN" altLang="en-US" sz="1600" dirty="0">
+              <a:solidFill>
+                <a:schemeClr val="lt1"/>
+              </a:solidFill>
+              <a:latin typeface="微软雅黑" panose="020B0503020204020204" pitchFamily="34" charset="-122"/>
+              <a:ea typeface="微软雅黑" panose="020B0503020204020204" pitchFamily="34" charset="-122"/>
+            </a:endParaRPr>
+          </a:p>
+        </p:txBody>
+      </p:sp>
+      <p:cxnSp>
+        <p:nvCxnSpPr>
+          <p:cNvPr id="50" name="直接箭头连接符 49">
+            <a:extLst>
+              <a:ext uri="{FF2B5EF4-FFF2-40B4-BE49-F238E27FC236}">
+                <a16:creationId xmlns="" xmlns:a16="http://schemas.microsoft.com/office/drawing/2014/main" id="{4842F576-6540-4131-815A-4DC26C64A81E}"/>
+              </a:ext>
+            </a:extLst>
+          </p:cNvPr>
+          <p:cNvCxnSpPr>
+            <a:cxnSpLocks/>
+          </p:cNvCxnSpPr>
+          <p:nvPr/>
+        </p:nvCxnSpPr>
+        <p:spPr bwMode="auto">
+          <a:xfrm flipH="1">
+            <a:off x="5890723" y="2364800"/>
+            <a:ext cx="2013374" cy="1801559"/>
+          </a:xfrm>
+          <a:prstGeom prst="straightConnector1">
+            <a:avLst/>
+          </a:prstGeom>
+          <a:solidFill>
+            <a:srgbClr val="FFFFFF"/>
+          </a:solidFill>
+          <a:ln w="38100" cap="flat" cmpd="sng" algn="ctr">
+            <a:solidFill>
+              <a:schemeClr val="accent1">
+                <a:lumMod val="60000"/>
+                <a:lumOff val="40000"/>
+              </a:schemeClr>
+            </a:solidFill>
+            <a:prstDash val="solid"/>
+            <a:round/>
+            <a:headEnd type="none" w="med" len="med"/>
+            <a:tailEnd type="arrow" w="sm" len="sm"/>
+          </a:ln>
+          <a:effectLst>
+            <a:outerShdw blurRad="12700" dist="12700" dir="5400000" algn="ctr" rotWithShape="0">
+              <a:srgbClr val="0070C0">
+                <a:alpha val="50000"/>
+              </a:srgbClr>
+            </a:outerShdw>
+          </a:effectLst>
+        </p:spPr>
+      </p:cxnSp>
+      <p:cxnSp>
+        <p:nvCxnSpPr>
+          <p:cNvPr id="53" name="直接箭头连接符 52">
+            <a:extLst>
+              <a:ext uri="{FF2B5EF4-FFF2-40B4-BE49-F238E27FC236}">
+                <a16:creationId xmlns="" xmlns:a16="http://schemas.microsoft.com/office/drawing/2014/main" id="{4842F576-6540-4131-815A-4DC26C64A81E}"/>
+              </a:ext>
+            </a:extLst>
+          </p:cNvPr>
+          <p:cNvCxnSpPr>
+            <a:cxnSpLocks/>
+          </p:cNvCxnSpPr>
+          <p:nvPr/>
+        </p:nvCxnSpPr>
+        <p:spPr bwMode="auto">
+          <a:xfrm flipH="1">
+            <a:off x="2360377" y="4522101"/>
+            <a:ext cx="2013374" cy="1801559"/>
+          </a:xfrm>
+          <a:prstGeom prst="straightConnector1">
+            <a:avLst/>
+          </a:prstGeom>
+          <a:solidFill>
+            <a:srgbClr val="FFFFFF"/>
+          </a:solidFill>
+          <a:ln w="38100" cap="flat" cmpd="sng" algn="ctr">
+            <a:solidFill>
+              <a:schemeClr val="accent1">
+                <a:lumMod val="60000"/>
+                <a:lumOff val="40000"/>
+              </a:schemeClr>
+            </a:solidFill>
+            <a:prstDash val="solid"/>
+            <a:round/>
+            <a:headEnd type="none" w="med" len="med"/>
+            <a:tailEnd type="arrow" w="sm" len="sm"/>
+          </a:ln>
+          <a:effectLst>
+            <a:outerShdw blurRad="12700" dist="12700" dir="5400000" algn="ctr" rotWithShape="0">
+              <a:srgbClr val="0070C0">
+                <a:alpha val="50000"/>
+              </a:srgbClr>
+            </a:outerShdw>
+          </a:effectLst>
+        </p:spPr>
+      </p:cxnSp>
+      <p:sp>
+        <p:nvSpPr>
+          <p:cNvPr id="55" name="矩形 54">
+            <a:extLst>
+              <a:ext uri="{FF2B5EF4-FFF2-40B4-BE49-F238E27FC236}">
+                <a16:creationId xmlns="" xmlns:a16="http://schemas.microsoft.com/office/drawing/2014/main" id="{52401D3F-9B60-4139-A73E-19B6B5675630}"/>
+              </a:ext>
+            </a:extLst>
+          </p:cNvPr>
+          <p:cNvSpPr/>
+          <p:nvPr/>
+        </p:nvSpPr>
+        <p:spPr>
+          <a:xfrm rot="19110346">
+            <a:off x="2775950" y="4894863"/>
+            <a:ext cx="1379539" cy="338554"/>
+          </a:xfrm>
+          <a:prstGeom prst="rect">
+            <a:avLst/>
+          </a:prstGeom>
+          <a:noFill/>
+          <a:effectLst/>
+        </p:spPr>
+        <p:txBody>
+          <a:bodyPr wrap="square">
+            <a:spAutoFit/>
+          </a:bodyPr>
+          <a:lstStyle/>
+          <a:p>
+            <a:r>
+              <a:rPr lang="en-US" altLang="zh-CN" sz="1600" dirty="0" err="1">
+                <a:solidFill>
+                  <a:srgbClr val="FFC000"/>
+                </a:solidFill>
+                <a:latin typeface="微软雅黑" panose="020B0503020204020204" pitchFamily="34" charset="-122"/>
+                <a:ea typeface="微软雅黑" panose="020B0503020204020204" pitchFamily="34" charset="-122"/>
+              </a:rPr>
+              <a:t>appl</a:t>
+            </a:r>
+            <a:r>
+              <a:rPr lang="en-US" altLang="zh-CN" sz="1600" dirty="0">
+                <a:solidFill>
+                  <a:srgbClr val="FFC000"/>
+                </a:solidFill>
+                <a:latin typeface="微软雅黑" panose="020B0503020204020204" pitchFamily="34" charset="-122"/>
+                <a:ea typeface="微软雅黑" panose="020B0503020204020204" pitchFamily="34" charset="-122"/>
+              </a:rPr>
+              <a:t>:</a:t>
+            </a:r>
+            <a:r>
+              <a:rPr lang="zh-CN" altLang="en-US" sz="1600" dirty="0">
+                <a:solidFill>
+                  <a:srgbClr val="FFC000"/>
+                </a:solidFill>
+                <a:latin typeface="微软雅黑" panose="020B0503020204020204" pitchFamily="34" charset="-122"/>
+                <a:ea typeface="微软雅黑" panose="020B0503020204020204" pitchFamily="34" charset="-122"/>
+              </a:rPr>
+              <a:t> </a:t>
+            </a:r>
+            <a:r>
+              <a:rPr lang="en-US" altLang="zh-CN" sz="1600" dirty="0">
+                <a:solidFill>
+                  <a:srgbClr val="FFC000"/>
+                </a:solidFill>
+                <a:latin typeface="微软雅黑" panose="020B0503020204020204" pitchFamily="34" charset="-122"/>
+                <a:ea typeface="微软雅黑" panose="020B0503020204020204" pitchFamily="34" charset="-122"/>
+              </a:rPr>
+              <a:t>close</a:t>
+            </a:r>
+          </a:p>
+        </p:txBody>
+      </p:sp>
+      <p:sp>
+        <p:nvSpPr>
+          <p:cNvPr id="57" name="矩形 56">
+            <a:extLst>
+              <a:ext uri="{FF2B5EF4-FFF2-40B4-BE49-F238E27FC236}">
+                <a16:creationId xmlns="" xmlns:a16="http://schemas.microsoft.com/office/drawing/2014/main" id="{52401D3F-9B60-4139-A73E-19B6B5675630}"/>
+              </a:ext>
+            </a:extLst>
+          </p:cNvPr>
+          <p:cNvSpPr/>
+          <p:nvPr/>
+        </p:nvSpPr>
+        <p:spPr>
+          <a:xfrm rot="19110346">
+            <a:off x="3224278" y="5224201"/>
+            <a:ext cx="1108131" cy="338554"/>
+          </a:xfrm>
+          <a:prstGeom prst="rect">
+            <a:avLst/>
+          </a:prstGeom>
+          <a:noFill/>
+          <a:effectLst/>
+        </p:spPr>
+        <p:txBody>
+          <a:bodyPr wrap="square">
+            <a:spAutoFit/>
+          </a:bodyPr>
+          <a:lstStyle/>
+          <a:p>
+            <a:r>
+              <a:rPr lang="en-US" altLang="zh-CN" sz="1600" dirty="0">
+                <a:solidFill>
+                  <a:schemeClr val="lt1"/>
+                </a:solidFill>
+                <a:latin typeface="微软雅黑" panose="020B0503020204020204" pitchFamily="34" charset="-122"/>
+                <a:ea typeface="微软雅黑" panose="020B0503020204020204" pitchFamily="34" charset="-122"/>
+              </a:rPr>
+              <a:t>send: FIN</a:t>
+            </a:r>
+            <a:endParaRPr lang="zh-CN" altLang="en-US" sz="1600" dirty="0">
+              <a:solidFill>
+                <a:schemeClr val="lt1"/>
+              </a:solidFill>
+              <a:latin typeface="微软雅黑" panose="020B0503020204020204" pitchFamily="34" charset="-122"/>
+              <a:ea typeface="微软雅黑" panose="020B0503020204020204" pitchFamily="34" charset="-122"/>
+            </a:endParaRPr>
+          </a:p>
+        </p:txBody>
+      </p:sp>
+      <p:cxnSp>
+        <p:nvCxnSpPr>
+          <p:cNvPr id="58" name="直接箭头连接符 57">
+            <a:extLst>
+              <a:ext uri="{FF2B5EF4-FFF2-40B4-BE49-F238E27FC236}">
+                <a16:creationId xmlns="" xmlns:a16="http://schemas.microsoft.com/office/drawing/2014/main" id="{4842F576-6540-4131-815A-4DC26C64A81E}"/>
+              </a:ext>
+            </a:extLst>
+          </p:cNvPr>
+          <p:cNvCxnSpPr>
+            <a:cxnSpLocks/>
+            <a:stCxn id="15" idx="2"/>
+          </p:cNvCxnSpPr>
+          <p:nvPr/>
+        </p:nvCxnSpPr>
+        <p:spPr bwMode="auto">
+          <a:xfrm flipH="1">
+            <a:off x="1701960" y="6678636"/>
+            <a:ext cx="2" cy="1715264"/>
+          </a:xfrm>
+          <a:prstGeom prst="straightConnector1">
+            <a:avLst/>
+          </a:prstGeom>
+          <a:solidFill>
+            <a:srgbClr val="FFFFFF"/>
+          </a:solidFill>
+          <a:ln w="38100" cap="flat" cmpd="sng" algn="ctr">
+            <a:solidFill>
+              <a:schemeClr val="accent1">
+                <a:lumMod val="60000"/>
+                <a:lumOff val="40000"/>
+              </a:schemeClr>
+            </a:solidFill>
+            <a:prstDash val="solid"/>
+            <a:round/>
+            <a:headEnd type="none" w="med" len="med"/>
+            <a:tailEnd type="arrow" w="sm" len="sm"/>
+          </a:ln>
+          <a:effectLst>
+            <a:outerShdw blurRad="12700" dist="12700" dir="5400000" algn="ctr" rotWithShape="0">
+              <a:srgbClr val="0070C0">
+                <a:alpha val="50000"/>
+              </a:srgbClr>
+            </a:outerShdw>
+          </a:effectLst>
+        </p:spPr>
+      </p:cxnSp>
+      <p:sp>
+        <p:nvSpPr>
+          <p:cNvPr id="61" name="矩形 60">
+            <a:extLst>
+              <a:ext uri="{FF2B5EF4-FFF2-40B4-BE49-F238E27FC236}">
+                <a16:creationId xmlns="" xmlns:a16="http://schemas.microsoft.com/office/drawing/2014/main" id="{52401D3F-9B60-4139-A73E-19B6B5675630}"/>
+              </a:ext>
+            </a:extLst>
+          </p:cNvPr>
+          <p:cNvSpPr/>
+          <p:nvPr/>
+        </p:nvSpPr>
+        <p:spPr>
+          <a:xfrm>
+            <a:off x="379157" y="7366991"/>
+            <a:ext cx="1224136" cy="338554"/>
+          </a:xfrm>
+          <a:prstGeom prst="rect">
+            <a:avLst/>
+          </a:prstGeom>
+          <a:noFill/>
+          <a:effectLst/>
+        </p:spPr>
+        <p:txBody>
+          <a:bodyPr wrap="square">
+            <a:spAutoFit/>
+          </a:bodyPr>
+          <a:lstStyle/>
+          <a:p>
+            <a:r>
+              <a:rPr lang="en-US" altLang="zh-CN" sz="1600" dirty="0" err="1">
+                <a:solidFill>
+                  <a:schemeClr val="lt1"/>
+                </a:solidFill>
+                <a:latin typeface="微软雅黑" panose="020B0503020204020204" pitchFamily="34" charset="-122"/>
+                <a:ea typeface="微软雅黑" panose="020B0503020204020204" pitchFamily="34" charset="-122"/>
+              </a:rPr>
+              <a:t>recv</a:t>
+            </a:r>
+            <a:r>
+              <a:rPr lang="en-US" altLang="zh-CN" sz="1600" dirty="0">
+                <a:solidFill>
+                  <a:schemeClr val="lt1"/>
+                </a:solidFill>
+                <a:latin typeface="微软雅黑" panose="020B0503020204020204" pitchFamily="34" charset="-122"/>
+                <a:ea typeface="微软雅黑" panose="020B0503020204020204" pitchFamily="34" charset="-122"/>
+              </a:rPr>
+              <a:t>: ACK </a:t>
+            </a:r>
+            <a:endParaRPr lang="zh-CN" altLang="en-US" sz="1600" dirty="0">
+              <a:solidFill>
+                <a:schemeClr val="lt1"/>
+              </a:solidFill>
+              <a:latin typeface="微软雅黑" panose="020B0503020204020204" pitchFamily="34" charset="-122"/>
+              <a:ea typeface="微软雅黑" panose="020B0503020204020204" pitchFamily="34" charset="-122"/>
+            </a:endParaRPr>
+          </a:p>
+        </p:txBody>
+      </p:sp>
+      <p:cxnSp>
+        <p:nvCxnSpPr>
+          <p:cNvPr id="62" name="直接箭头连接符 61">
+            <a:extLst>
+              <a:ext uri="{FF2B5EF4-FFF2-40B4-BE49-F238E27FC236}">
+                <a16:creationId xmlns="" xmlns:a16="http://schemas.microsoft.com/office/drawing/2014/main" id="{4842F576-6540-4131-815A-4DC26C64A81E}"/>
+              </a:ext>
+            </a:extLst>
+          </p:cNvPr>
+          <p:cNvCxnSpPr>
+            <a:cxnSpLocks/>
+            <a:stCxn id="17" idx="3"/>
+            <a:endCxn id="18" idx="1"/>
+          </p:cNvCxnSpPr>
+          <p:nvPr/>
+        </p:nvCxnSpPr>
+        <p:spPr bwMode="auto">
+          <a:xfrm flipV="1">
+            <a:off x="2489548" y="8590617"/>
+            <a:ext cx="1870163" cy="1283"/>
+          </a:xfrm>
+          <a:prstGeom prst="straightConnector1">
+            <a:avLst/>
+          </a:prstGeom>
+          <a:solidFill>
+            <a:srgbClr val="FFFFFF"/>
+          </a:solidFill>
+          <a:ln w="38100" cap="flat" cmpd="sng" algn="ctr">
+            <a:solidFill>
+              <a:schemeClr val="accent1">
+                <a:lumMod val="60000"/>
+                <a:lumOff val="40000"/>
+              </a:schemeClr>
+            </a:solidFill>
+            <a:prstDash val="solid"/>
+            <a:round/>
+            <a:headEnd type="none" w="med" len="med"/>
+            <a:tailEnd type="arrow" w="sm" len="sm"/>
+          </a:ln>
+          <a:effectLst>
+            <a:outerShdw blurRad="12700" dist="12700" dir="5400000" algn="ctr" rotWithShape="0">
+              <a:srgbClr val="0070C0">
+                <a:alpha val="50000"/>
+              </a:srgbClr>
+            </a:outerShdw>
+          </a:effectLst>
+        </p:spPr>
+      </p:cxnSp>
+      <p:sp>
+        <p:nvSpPr>
+          <p:cNvPr id="65" name="矩形 64">
+            <a:extLst>
+              <a:ext uri="{FF2B5EF4-FFF2-40B4-BE49-F238E27FC236}">
+                <a16:creationId xmlns="" xmlns:a16="http://schemas.microsoft.com/office/drawing/2014/main" id="{52401D3F-9B60-4139-A73E-19B6B5675630}"/>
+              </a:ext>
+            </a:extLst>
+          </p:cNvPr>
+          <p:cNvSpPr/>
+          <p:nvPr/>
+        </p:nvSpPr>
+        <p:spPr>
+          <a:xfrm>
+            <a:off x="2762432" y="8156954"/>
+            <a:ext cx="1224136" cy="338554"/>
+          </a:xfrm>
+          <a:prstGeom prst="rect">
+            <a:avLst/>
+          </a:prstGeom>
+          <a:noFill/>
+          <a:effectLst/>
+        </p:spPr>
+        <p:txBody>
+          <a:bodyPr wrap="square">
+            <a:spAutoFit/>
+          </a:bodyPr>
+          <a:lstStyle/>
+          <a:p>
+            <a:r>
+              <a:rPr lang="en-US" altLang="zh-CN" sz="1600" dirty="0" err="1">
+                <a:solidFill>
+                  <a:schemeClr val="lt1"/>
+                </a:solidFill>
+                <a:latin typeface="微软雅黑" panose="020B0503020204020204" pitchFamily="34" charset="-122"/>
+                <a:ea typeface="微软雅黑" panose="020B0503020204020204" pitchFamily="34" charset="-122"/>
+              </a:rPr>
+              <a:t>recv</a:t>
+            </a:r>
+            <a:r>
+              <a:rPr lang="en-US" altLang="zh-CN" sz="1600" dirty="0">
+                <a:solidFill>
+                  <a:schemeClr val="lt1"/>
+                </a:solidFill>
+                <a:latin typeface="微软雅黑" panose="020B0503020204020204" pitchFamily="34" charset="-122"/>
+                <a:ea typeface="微软雅黑" panose="020B0503020204020204" pitchFamily="34" charset="-122"/>
+              </a:rPr>
+              <a:t>: FIN </a:t>
+            </a:r>
+            <a:endParaRPr lang="zh-CN" altLang="en-US" sz="1600" dirty="0">
+              <a:solidFill>
+                <a:schemeClr val="lt1"/>
+              </a:solidFill>
+              <a:latin typeface="微软雅黑" panose="020B0503020204020204" pitchFamily="34" charset="-122"/>
+              <a:ea typeface="微软雅黑" panose="020B0503020204020204" pitchFamily="34" charset="-122"/>
+            </a:endParaRPr>
+          </a:p>
+        </p:txBody>
+      </p:sp>
+      <p:sp>
+        <p:nvSpPr>
+          <p:cNvPr id="66" name="矩形 65">
+            <a:extLst>
+              <a:ext uri="{FF2B5EF4-FFF2-40B4-BE49-F238E27FC236}">
+                <a16:creationId xmlns="" xmlns:a16="http://schemas.microsoft.com/office/drawing/2014/main" id="{52401D3F-9B60-4139-A73E-19B6B5675630}"/>
+              </a:ext>
+            </a:extLst>
+          </p:cNvPr>
+          <p:cNvSpPr/>
+          <p:nvPr/>
+        </p:nvSpPr>
+        <p:spPr>
+          <a:xfrm>
+            <a:off x="2762432" y="8683114"/>
+            <a:ext cx="1224136" cy="338554"/>
+          </a:xfrm>
+          <a:prstGeom prst="rect">
+            <a:avLst/>
+          </a:prstGeom>
+          <a:noFill/>
+          <a:effectLst/>
+        </p:spPr>
+        <p:txBody>
+          <a:bodyPr wrap="square">
+            <a:spAutoFit/>
+          </a:bodyPr>
+          <a:lstStyle/>
+          <a:p>
+            <a:r>
+              <a:rPr lang="en-US" altLang="zh-CN" sz="1600" dirty="0">
+                <a:solidFill>
+                  <a:schemeClr val="lt1"/>
+                </a:solidFill>
+                <a:latin typeface="微软雅黑" panose="020B0503020204020204" pitchFamily="34" charset="-122"/>
+                <a:ea typeface="微软雅黑" panose="020B0503020204020204" pitchFamily="34" charset="-122"/>
+              </a:rPr>
+              <a:t>send: ACK</a:t>
+            </a:r>
+            <a:endParaRPr lang="zh-CN" altLang="en-US" sz="1600" dirty="0">
+              <a:solidFill>
+                <a:schemeClr val="lt1"/>
+              </a:solidFill>
+              <a:latin typeface="微软雅黑" panose="020B0503020204020204" pitchFamily="34" charset="-122"/>
+              <a:ea typeface="微软雅黑" panose="020B0503020204020204" pitchFamily="34" charset="-122"/>
+            </a:endParaRPr>
+          </a:p>
+        </p:txBody>
+      </p:sp>
+      <p:cxnSp>
+        <p:nvCxnSpPr>
+          <p:cNvPr id="67" name="直接箭头连接符 66">
+            <a:extLst>
+              <a:ext uri="{FF2B5EF4-FFF2-40B4-BE49-F238E27FC236}">
+                <a16:creationId xmlns="" xmlns:a16="http://schemas.microsoft.com/office/drawing/2014/main" id="{4842F576-6540-4131-815A-4DC26C64A81E}"/>
+              </a:ext>
+            </a:extLst>
+          </p:cNvPr>
+          <p:cNvCxnSpPr>
+            <a:cxnSpLocks/>
+          </p:cNvCxnSpPr>
+          <p:nvPr/>
+        </p:nvCxnSpPr>
+        <p:spPr bwMode="auto">
+          <a:xfrm>
+            <a:off x="5923079" y="8591901"/>
+            <a:ext cx="6086370" cy="9591"/>
+          </a:xfrm>
+          <a:prstGeom prst="straightConnector1">
+            <a:avLst/>
+          </a:prstGeom>
+          <a:solidFill>
+            <a:srgbClr val="FFFFFF"/>
+          </a:solidFill>
+          <a:ln w="38100" cap="flat" cmpd="sng" algn="ctr">
+            <a:solidFill>
+              <a:schemeClr val="accent1">
+                <a:lumMod val="60000"/>
+                <a:lumOff val="40000"/>
+              </a:schemeClr>
+            </a:solidFill>
+            <a:prstDash val="solid"/>
+            <a:round/>
+            <a:headEnd type="none" w="med" len="med"/>
+            <a:tailEnd type="arrow" w="sm" len="sm"/>
+          </a:ln>
+          <a:effectLst>
+            <a:outerShdw blurRad="12700" dist="12700" dir="5400000" algn="ctr" rotWithShape="0">
+              <a:srgbClr val="0070C0">
+                <a:alpha val="50000"/>
+              </a:srgbClr>
+            </a:outerShdw>
+          </a:effectLst>
+        </p:spPr>
+      </p:cxnSp>
+      <p:sp>
+        <p:nvSpPr>
+          <p:cNvPr id="70" name="矩形 69">
+            <a:extLst>
+              <a:ext uri="{FF2B5EF4-FFF2-40B4-BE49-F238E27FC236}">
+                <a16:creationId xmlns="" xmlns:a16="http://schemas.microsoft.com/office/drawing/2014/main" id="{082B527D-717F-42B5-846E-7EC08E8A3787}"/>
+              </a:ext>
+            </a:extLst>
+          </p:cNvPr>
+          <p:cNvSpPr/>
+          <p:nvPr/>
+        </p:nvSpPr>
+        <p:spPr>
+          <a:xfrm>
+            <a:off x="4622311" y="393827"/>
+            <a:ext cx="1044974" cy="338554"/>
+          </a:xfrm>
+          <a:prstGeom prst="rect">
+            <a:avLst/>
+          </a:prstGeom>
+          <a:noFill/>
+          <a:effectLst/>
+        </p:spPr>
+        <p:txBody>
+          <a:bodyPr wrap="square">
+            <a:spAutoFit/>
+          </a:bodyPr>
+          <a:lstStyle/>
+          <a:p>
+            <a:r>
+              <a:rPr lang="zh-CN" altLang="en-US" sz="1600" dirty="0">
+                <a:solidFill>
+                  <a:srgbClr val="BDFFC3"/>
+                </a:solidFill>
+                <a:latin typeface="+mn-lt"/>
+                <a:ea typeface="+mn-ea"/>
+                <a:cs typeface="+mn-cs"/>
+              </a:rPr>
+              <a:t>被动打开</a:t>
+            </a:r>
+          </a:p>
+        </p:txBody>
+      </p:sp>
+      <p:cxnSp>
+        <p:nvCxnSpPr>
+          <p:cNvPr id="72" name="直接箭头连接符 71">
+            <a:extLst>
+              <a:ext uri="{FF2B5EF4-FFF2-40B4-BE49-F238E27FC236}">
+                <a16:creationId xmlns="" xmlns:a16="http://schemas.microsoft.com/office/drawing/2014/main" id="{4842F576-6540-4131-815A-4DC26C64A81E}"/>
+              </a:ext>
+            </a:extLst>
+          </p:cNvPr>
+          <p:cNvCxnSpPr>
+            <a:cxnSpLocks/>
+          </p:cNvCxnSpPr>
+          <p:nvPr/>
+        </p:nvCxnSpPr>
+        <p:spPr bwMode="auto">
+          <a:xfrm flipV="1">
+            <a:off x="2175785" y="323752"/>
+            <a:ext cx="2379940" cy="1712669"/>
+          </a:xfrm>
+          <a:prstGeom prst="straightConnector1">
+            <a:avLst/>
+          </a:prstGeom>
+          <a:solidFill>
+            <a:srgbClr val="FFFFFF"/>
+          </a:solidFill>
+          <a:ln w="25400" cap="flat" cmpd="sng" algn="ctr">
+            <a:solidFill>
+              <a:srgbClr val="B9CEFF"/>
+            </a:solidFill>
+            <a:prstDash val="solid"/>
+            <a:round/>
+            <a:headEnd type="none" w="med" len="med"/>
+            <a:tailEnd type="arrow"/>
+          </a:ln>
+          <a:effectLst>
+            <a:outerShdw blurRad="12700" dist="12700" dir="5400000" algn="ctr" rotWithShape="0">
+              <a:srgbClr val="0070C0">
+                <a:alpha val="50000"/>
+              </a:srgbClr>
+            </a:outerShdw>
+          </a:effectLst>
+        </p:spPr>
+      </p:cxnSp>
+      <p:sp>
+        <p:nvSpPr>
+          <p:cNvPr id="75" name="矩形 74">
+            <a:extLst>
+              <a:ext uri="{FF2B5EF4-FFF2-40B4-BE49-F238E27FC236}">
+                <a16:creationId xmlns="" xmlns:a16="http://schemas.microsoft.com/office/drawing/2014/main" id="{52401D3F-9B60-4139-A73E-19B6B5675630}"/>
+              </a:ext>
+            </a:extLst>
+          </p:cNvPr>
+          <p:cNvSpPr/>
+          <p:nvPr/>
+        </p:nvSpPr>
+        <p:spPr>
+          <a:xfrm rot="19520118">
+            <a:off x="2684730" y="1263465"/>
+            <a:ext cx="1379539" cy="338554"/>
+          </a:xfrm>
+          <a:prstGeom prst="rect">
+            <a:avLst/>
+          </a:prstGeom>
+          <a:noFill/>
+          <a:effectLst/>
+        </p:spPr>
+        <p:txBody>
+          <a:bodyPr wrap="square">
+            <a:spAutoFit/>
+          </a:bodyPr>
+          <a:lstStyle/>
+          <a:p>
+            <a:r>
+              <a:rPr lang="en-US" altLang="zh-CN" sz="1600" dirty="0" err="1">
+                <a:solidFill>
+                  <a:schemeClr val="lt1"/>
+                </a:solidFill>
+                <a:latin typeface="微软雅黑" panose="020B0503020204020204" pitchFamily="34" charset="-122"/>
+                <a:ea typeface="微软雅黑" panose="020B0503020204020204" pitchFamily="34" charset="-122"/>
+              </a:rPr>
+              <a:t>recv</a:t>
+            </a:r>
+            <a:r>
+              <a:rPr lang="en-US" altLang="zh-CN" sz="1600" dirty="0">
+                <a:solidFill>
+                  <a:schemeClr val="lt1"/>
+                </a:solidFill>
+                <a:latin typeface="微软雅黑" panose="020B0503020204020204" pitchFamily="34" charset="-122"/>
+                <a:ea typeface="微软雅黑" panose="020B0503020204020204" pitchFamily="34" charset="-122"/>
+              </a:rPr>
+              <a:t>: RST</a:t>
+            </a:r>
+            <a:endParaRPr lang="zh-CN" altLang="en-US" sz="1600" dirty="0">
+              <a:solidFill>
+                <a:schemeClr val="lt1"/>
+              </a:solidFill>
+              <a:latin typeface="微软雅黑" panose="020B0503020204020204" pitchFamily="34" charset="-122"/>
+              <a:ea typeface="微软雅黑" panose="020B0503020204020204" pitchFamily="34" charset="-122"/>
+            </a:endParaRPr>
+          </a:p>
+        </p:txBody>
+      </p:sp>
+      <p:sp>
+        <p:nvSpPr>
+          <p:cNvPr id="78" name="矩形 77">
+            <a:extLst>
+              <a:ext uri="{FF2B5EF4-FFF2-40B4-BE49-F238E27FC236}">
+                <a16:creationId xmlns="" xmlns:a16="http://schemas.microsoft.com/office/drawing/2014/main" id="{52401D3F-9B60-4139-A73E-19B6B5675630}"/>
+              </a:ext>
+            </a:extLst>
+          </p:cNvPr>
+          <p:cNvSpPr/>
+          <p:nvPr/>
+        </p:nvSpPr>
+        <p:spPr>
+          <a:xfrm>
+            <a:off x="-22451" y="63493"/>
+            <a:ext cx="1224136" cy="338554"/>
+          </a:xfrm>
+          <a:prstGeom prst="rect">
+            <a:avLst/>
+          </a:prstGeom>
+          <a:noFill/>
+          <a:effectLst/>
+        </p:spPr>
+        <p:txBody>
+          <a:bodyPr wrap="square">
+            <a:spAutoFit/>
+          </a:bodyPr>
+          <a:lstStyle/>
+          <a:p>
+            <a:r>
+              <a:rPr lang="en-US" altLang="zh-CN" sz="1600" dirty="0">
+                <a:solidFill>
+                  <a:schemeClr val="lt1"/>
+                </a:solidFill>
+                <a:latin typeface="微软雅黑" panose="020B0503020204020204" pitchFamily="34" charset="-122"/>
+                <a:ea typeface="微软雅黑" panose="020B0503020204020204" pitchFamily="34" charset="-122"/>
+              </a:rPr>
+              <a:t>send: RST</a:t>
+            </a:r>
+            <a:endParaRPr lang="zh-CN" altLang="en-US" sz="1600" dirty="0">
+              <a:solidFill>
+                <a:schemeClr val="lt1"/>
+              </a:solidFill>
+              <a:latin typeface="微软雅黑" panose="020B0503020204020204" pitchFamily="34" charset="-122"/>
+              <a:ea typeface="微软雅黑" panose="020B0503020204020204" pitchFamily="34" charset="-122"/>
+            </a:endParaRPr>
+          </a:p>
+        </p:txBody>
+      </p:sp>
+      <p:cxnSp>
+        <p:nvCxnSpPr>
+          <p:cNvPr id="79" name="直接箭头连接符 78">
+            <a:extLst>
+              <a:ext uri="{FF2B5EF4-FFF2-40B4-BE49-F238E27FC236}">
+                <a16:creationId xmlns="" xmlns:a16="http://schemas.microsoft.com/office/drawing/2014/main" id="{4842F576-6540-4131-815A-4DC26C64A81E}"/>
+              </a:ext>
+            </a:extLst>
+          </p:cNvPr>
+          <p:cNvCxnSpPr>
+            <a:cxnSpLocks/>
+          </p:cNvCxnSpPr>
+          <p:nvPr/>
+        </p:nvCxnSpPr>
+        <p:spPr bwMode="auto">
+          <a:xfrm flipV="1">
+            <a:off x="1239054" y="-2011384"/>
+            <a:ext cx="0" cy="4054888"/>
+          </a:xfrm>
+          <a:prstGeom prst="straightConnector1">
+            <a:avLst/>
+          </a:prstGeom>
+          <a:solidFill>
+            <a:srgbClr val="FFFFFF"/>
+          </a:solidFill>
+          <a:ln w="25400" cap="flat" cmpd="sng" algn="ctr">
+            <a:solidFill>
+              <a:srgbClr val="B9CEFF"/>
+            </a:solidFill>
+            <a:prstDash val="solid"/>
+            <a:round/>
+            <a:headEnd type="none" w="med" len="med"/>
+            <a:tailEnd type="arrow"/>
+          </a:ln>
+          <a:effectLst>
+            <a:outerShdw blurRad="12700" dist="12700" dir="5400000" algn="ctr" rotWithShape="0">
+              <a:srgbClr val="0070C0">
+                <a:alpha val="50000"/>
+              </a:srgbClr>
+            </a:outerShdw>
+          </a:effectLst>
+        </p:spPr>
+      </p:cxnSp>
+      <p:cxnSp>
+        <p:nvCxnSpPr>
+          <p:cNvPr id="82" name="直接箭头连接符 81">
+            <a:extLst>
+              <a:ext uri="{FF2B5EF4-FFF2-40B4-BE49-F238E27FC236}">
+                <a16:creationId xmlns="" xmlns:a16="http://schemas.microsoft.com/office/drawing/2014/main" id="{4842F576-6540-4131-815A-4DC26C64A81E}"/>
+              </a:ext>
+            </a:extLst>
+          </p:cNvPr>
+          <p:cNvCxnSpPr>
+            <a:cxnSpLocks/>
+          </p:cNvCxnSpPr>
+          <p:nvPr/>
+        </p:nvCxnSpPr>
+        <p:spPr bwMode="auto">
+          <a:xfrm>
+            <a:off x="1239054" y="-2001674"/>
+            <a:ext cx="3125219" cy="0"/>
+          </a:xfrm>
+          <a:prstGeom prst="straightConnector1">
+            <a:avLst/>
+          </a:prstGeom>
+          <a:solidFill>
+            <a:srgbClr val="FFFFFF"/>
+          </a:solidFill>
+          <a:ln w="25400" cap="flat" cmpd="sng" algn="ctr">
+            <a:solidFill>
+              <a:srgbClr val="B9CEFF"/>
+            </a:solidFill>
+            <a:prstDash val="solid"/>
+            <a:round/>
+            <a:headEnd type="none" w="med" len="med"/>
+            <a:tailEnd type="arrow"/>
+          </a:ln>
+          <a:effectLst>
+            <a:outerShdw blurRad="12700" dist="12700" dir="5400000" algn="ctr" rotWithShape="0">
+              <a:srgbClr val="0070C0">
+                <a:alpha val="50000"/>
+              </a:srgbClr>
+            </a:outerShdw>
+          </a:effectLst>
+        </p:spPr>
+      </p:cxnSp>
+      <p:cxnSp>
+        <p:nvCxnSpPr>
+          <p:cNvPr id="84" name="直接箭头连接符 83">
+            <a:extLst>
+              <a:ext uri="{FF2B5EF4-FFF2-40B4-BE49-F238E27FC236}">
+                <a16:creationId xmlns="" xmlns:a16="http://schemas.microsoft.com/office/drawing/2014/main" id="{4842F576-6540-4131-815A-4DC26C64A81E}"/>
+              </a:ext>
+            </a:extLst>
+          </p:cNvPr>
+          <p:cNvCxnSpPr>
+            <a:cxnSpLocks/>
+            <a:stCxn id="9" idx="2"/>
+            <a:endCxn id="15" idx="0"/>
+          </p:cNvCxnSpPr>
+          <p:nvPr/>
+        </p:nvCxnSpPr>
+        <p:spPr bwMode="auto">
+          <a:xfrm>
+            <a:off x="1701737" y="2439033"/>
+            <a:ext cx="225" cy="3843603"/>
+          </a:xfrm>
+          <a:prstGeom prst="straightConnector1">
+            <a:avLst/>
+          </a:prstGeom>
+          <a:solidFill>
+            <a:srgbClr val="FFFFFF"/>
+          </a:solidFill>
+          <a:ln w="25400" cap="flat" cmpd="sng" algn="ctr">
+            <a:solidFill>
+              <a:srgbClr val="B9CEFF"/>
+            </a:solidFill>
+            <a:prstDash val="solid"/>
+            <a:round/>
+            <a:headEnd type="none" w="med" len="med"/>
+            <a:tailEnd type="arrow"/>
+          </a:ln>
+          <a:effectLst>
+            <a:outerShdw blurRad="12700" dist="12700" dir="5400000" algn="ctr" rotWithShape="0">
+              <a:srgbClr val="0070C0">
+                <a:alpha val="50000"/>
+              </a:srgbClr>
+            </a:outerShdw>
+          </a:effectLst>
+        </p:spPr>
+      </p:cxnSp>
+      <p:sp>
+        <p:nvSpPr>
+          <p:cNvPr id="89" name="矩形 88">
+            <a:extLst>
+              <a:ext uri="{FF2B5EF4-FFF2-40B4-BE49-F238E27FC236}">
+                <a16:creationId xmlns="" xmlns:a16="http://schemas.microsoft.com/office/drawing/2014/main" id="{52401D3F-9B60-4139-A73E-19B6B5675630}"/>
+              </a:ext>
+            </a:extLst>
+          </p:cNvPr>
+          <p:cNvSpPr/>
+          <p:nvPr/>
+        </p:nvSpPr>
+        <p:spPr>
+          <a:xfrm>
+            <a:off x="119335" y="-287417"/>
+            <a:ext cx="1044981" cy="338554"/>
+          </a:xfrm>
+          <a:prstGeom prst="rect">
+            <a:avLst/>
+          </a:prstGeom>
+          <a:noFill/>
+          <a:effectLst/>
+        </p:spPr>
+        <p:txBody>
+          <a:bodyPr wrap="square">
+            <a:spAutoFit/>
+          </a:bodyPr>
+          <a:lstStyle/>
+          <a:p>
+            <a:r>
+              <a:rPr lang="en-US" altLang="zh-CN" sz="1600" dirty="0">
+                <a:solidFill>
+                  <a:srgbClr val="FFC000"/>
+                </a:solidFill>
+                <a:latin typeface="微软雅黑" panose="020B0503020204020204" pitchFamily="34" charset="-122"/>
+                <a:ea typeface="微软雅黑" panose="020B0503020204020204" pitchFamily="34" charset="-122"/>
+              </a:rPr>
+              <a:t>timeout</a:t>
+            </a:r>
+          </a:p>
+        </p:txBody>
+      </p:sp>
+      <p:sp>
+        <p:nvSpPr>
+          <p:cNvPr id="90" name="矩形 89">
+            <a:extLst>
+              <a:ext uri="{FF2B5EF4-FFF2-40B4-BE49-F238E27FC236}">
+                <a16:creationId xmlns="" xmlns:a16="http://schemas.microsoft.com/office/drawing/2014/main" id="{52401D3F-9B60-4139-A73E-19B6B5675630}"/>
+              </a:ext>
+            </a:extLst>
+          </p:cNvPr>
+          <p:cNvSpPr/>
+          <p:nvPr/>
+        </p:nvSpPr>
+        <p:spPr>
+          <a:xfrm>
+            <a:off x="379157" y="4398095"/>
+            <a:ext cx="1224136" cy="338554"/>
+          </a:xfrm>
+          <a:prstGeom prst="rect">
+            <a:avLst/>
+          </a:prstGeom>
+          <a:noFill/>
+          <a:effectLst/>
+        </p:spPr>
+        <p:txBody>
+          <a:bodyPr wrap="square">
+            <a:spAutoFit/>
+          </a:bodyPr>
+          <a:lstStyle/>
+          <a:p>
+            <a:r>
+              <a:rPr lang="en-US" altLang="zh-CN" sz="1600" dirty="0">
+                <a:solidFill>
+                  <a:schemeClr val="lt1"/>
+                </a:solidFill>
+                <a:latin typeface="微软雅黑" panose="020B0503020204020204" pitchFamily="34" charset="-122"/>
+                <a:ea typeface="微软雅黑" panose="020B0503020204020204" pitchFamily="34" charset="-122"/>
+              </a:rPr>
+              <a:t>send: FIN</a:t>
+            </a:r>
+            <a:endParaRPr lang="zh-CN" altLang="en-US" sz="1600" dirty="0">
+              <a:solidFill>
+                <a:schemeClr val="lt1"/>
+              </a:solidFill>
+              <a:latin typeface="微软雅黑" panose="020B0503020204020204" pitchFamily="34" charset="-122"/>
+              <a:ea typeface="微软雅黑" panose="020B0503020204020204" pitchFamily="34" charset="-122"/>
+            </a:endParaRPr>
+          </a:p>
+        </p:txBody>
+      </p:sp>
+      <p:sp>
+        <p:nvSpPr>
+          <p:cNvPr id="91" name="矩形 90">
+            <a:extLst>
+              <a:ext uri="{FF2B5EF4-FFF2-40B4-BE49-F238E27FC236}">
+                <a16:creationId xmlns="" xmlns:a16="http://schemas.microsoft.com/office/drawing/2014/main" id="{52401D3F-9B60-4139-A73E-19B6B5675630}"/>
+              </a:ext>
+            </a:extLst>
+          </p:cNvPr>
+          <p:cNvSpPr/>
+          <p:nvPr/>
+        </p:nvSpPr>
+        <p:spPr>
+          <a:xfrm>
+            <a:off x="360625" y="4036308"/>
+            <a:ext cx="1241602" cy="338554"/>
+          </a:xfrm>
+          <a:prstGeom prst="rect">
+            <a:avLst/>
+          </a:prstGeom>
+          <a:noFill/>
+          <a:effectLst/>
+        </p:spPr>
+        <p:txBody>
+          <a:bodyPr wrap="square">
+            <a:spAutoFit/>
+          </a:bodyPr>
+          <a:lstStyle/>
+          <a:p>
+            <a:r>
+              <a:rPr lang="en-US" altLang="zh-CN" sz="1600" dirty="0" err="1">
+                <a:solidFill>
+                  <a:srgbClr val="FFC000"/>
+                </a:solidFill>
+                <a:latin typeface="微软雅黑" panose="020B0503020204020204" pitchFamily="34" charset="-122"/>
+                <a:ea typeface="微软雅黑" panose="020B0503020204020204" pitchFamily="34" charset="-122"/>
+              </a:rPr>
+              <a:t>appl</a:t>
+            </a:r>
+            <a:r>
+              <a:rPr lang="en-US" altLang="zh-CN" sz="1600" dirty="0">
+                <a:solidFill>
+                  <a:srgbClr val="FFC000"/>
+                </a:solidFill>
+                <a:latin typeface="微软雅黑" panose="020B0503020204020204" pitchFamily="34" charset="-122"/>
+                <a:ea typeface="微软雅黑" panose="020B0503020204020204" pitchFamily="34" charset="-122"/>
+              </a:rPr>
+              <a:t>: close</a:t>
+            </a:r>
+          </a:p>
+        </p:txBody>
+      </p:sp>
+      <p:sp>
+        <p:nvSpPr>
+          <p:cNvPr id="92" name="矩形 91">
+            <a:extLst>
+              <a:ext uri="{FF2B5EF4-FFF2-40B4-BE49-F238E27FC236}">
+                <a16:creationId xmlns="" xmlns:a16="http://schemas.microsoft.com/office/drawing/2014/main" id="{52401D3F-9B60-4139-A73E-19B6B5675630}"/>
+              </a:ext>
+            </a:extLst>
+          </p:cNvPr>
+          <p:cNvSpPr/>
+          <p:nvPr/>
+        </p:nvSpPr>
+        <p:spPr>
+          <a:xfrm rot="2525271">
+            <a:off x="6157194" y="785157"/>
+            <a:ext cx="1701403" cy="338554"/>
+          </a:xfrm>
+          <a:prstGeom prst="rect">
+            <a:avLst/>
+          </a:prstGeom>
+          <a:noFill/>
+          <a:effectLst/>
+        </p:spPr>
+        <p:txBody>
+          <a:bodyPr wrap="square">
+            <a:spAutoFit/>
+          </a:bodyPr>
+          <a:lstStyle/>
+          <a:p>
+            <a:r>
+              <a:rPr lang="en-US" altLang="zh-CN" sz="1600" dirty="0" err="1">
+                <a:solidFill>
+                  <a:srgbClr val="FFC000"/>
+                </a:solidFill>
+                <a:latin typeface="微软雅黑" panose="020B0503020204020204" pitchFamily="34" charset="-122"/>
+                <a:ea typeface="微软雅黑" panose="020B0503020204020204" pitchFamily="34" charset="-122"/>
+              </a:rPr>
+              <a:t>appl</a:t>
+            </a:r>
+            <a:r>
+              <a:rPr lang="en-US" altLang="zh-CN" sz="1600" dirty="0">
+                <a:solidFill>
+                  <a:srgbClr val="FFC000"/>
+                </a:solidFill>
+                <a:latin typeface="微软雅黑" panose="020B0503020204020204" pitchFamily="34" charset="-122"/>
+                <a:ea typeface="微软雅黑" panose="020B0503020204020204" pitchFamily="34" charset="-122"/>
+              </a:rPr>
+              <a:t>: send data</a:t>
+            </a:r>
+          </a:p>
+        </p:txBody>
+      </p:sp>
+      <p:sp>
+        <p:nvSpPr>
+          <p:cNvPr id="93" name="矩形 92">
+            <a:extLst>
+              <a:ext uri="{FF2B5EF4-FFF2-40B4-BE49-F238E27FC236}">
+                <a16:creationId xmlns="" xmlns:a16="http://schemas.microsoft.com/office/drawing/2014/main" id="{52401D3F-9B60-4139-A73E-19B6B5675630}"/>
+              </a:ext>
+            </a:extLst>
+          </p:cNvPr>
+          <p:cNvSpPr/>
+          <p:nvPr/>
+        </p:nvSpPr>
+        <p:spPr>
+          <a:xfrm rot="2492503">
+            <a:off x="5984550" y="1163296"/>
+            <a:ext cx="1379539" cy="338554"/>
+          </a:xfrm>
+          <a:prstGeom prst="rect">
+            <a:avLst/>
+          </a:prstGeom>
+          <a:noFill/>
+          <a:effectLst/>
+        </p:spPr>
+        <p:txBody>
+          <a:bodyPr wrap="square">
+            <a:spAutoFit/>
+          </a:bodyPr>
+          <a:lstStyle/>
+          <a:p>
+            <a:r>
+              <a:rPr lang="en-US" altLang="zh-CN" sz="1600" dirty="0">
+                <a:solidFill>
+                  <a:schemeClr val="lt1"/>
+                </a:solidFill>
+                <a:latin typeface="微软雅黑" panose="020B0503020204020204" pitchFamily="34" charset="-122"/>
+                <a:ea typeface="微软雅黑" panose="020B0503020204020204" pitchFamily="34" charset="-122"/>
+              </a:rPr>
+              <a:t>send: SYN</a:t>
+            </a:r>
+            <a:endParaRPr lang="zh-CN" altLang="en-US" sz="1600" dirty="0">
+              <a:solidFill>
+                <a:schemeClr val="lt1"/>
+              </a:solidFill>
+              <a:latin typeface="微软雅黑" panose="020B0503020204020204" pitchFamily="34" charset="-122"/>
+              <a:ea typeface="微软雅黑" panose="020B0503020204020204" pitchFamily="34" charset="-122"/>
+            </a:endParaRPr>
+          </a:p>
+        </p:txBody>
+      </p:sp>
+      <p:cxnSp>
+        <p:nvCxnSpPr>
+          <p:cNvPr id="94" name="直接箭头连接符 93">
+            <a:extLst>
+              <a:ext uri="{FF2B5EF4-FFF2-40B4-BE49-F238E27FC236}">
+                <a16:creationId xmlns="" xmlns:a16="http://schemas.microsoft.com/office/drawing/2014/main" id="{4842F576-6540-4131-815A-4DC26C64A81E}"/>
+              </a:ext>
+            </a:extLst>
+          </p:cNvPr>
+          <p:cNvCxnSpPr>
+            <a:cxnSpLocks/>
+          </p:cNvCxnSpPr>
+          <p:nvPr/>
+        </p:nvCxnSpPr>
+        <p:spPr bwMode="auto">
+          <a:xfrm>
+            <a:off x="5889990" y="254926"/>
+            <a:ext cx="2024126" cy="1828109"/>
+          </a:xfrm>
+          <a:prstGeom prst="straightConnector1">
+            <a:avLst/>
+          </a:prstGeom>
+          <a:solidFill>
+            <a:srgbClr val="FFFFFF"/>
+          </a:solidFill>
+          <a:ln w="25400" cap="flat" cmpd="sng" algn="ctr">
+            <a:solidFill>
+              <a:srgbClr val="B9CEFF"/>
+            </a:solidFill>
+            <a:prstDash val="solid"/>
+            <a:round/>
+            <a:headEnd type="none" w="med" len="med"/>
+            <a:tailEnd type="arrow"/>
+          </a:ln>
+          <a:effectLst>
+            <a:outerShdw blurRad="12700" dist="12700" dir="5400000" algn="ctr" rotWithShape="0">
+              <a:srgbClr val="0070C0">
+                <a:alpha val="50000"/>
+              </a:srgbClr>
+            </a:outerShdw>
+          </a:effectLst>
+        </p:spPr>
+      </p:cxnSp>
+      <p:cxnSp>
+        <p:nvCxnSpPr>
+          <p:cNvPr id="97" name="直接箭头连接符 96">
+            <a:extLst>
+              <a:ext uri="{FF2B5EF4-FFF2-40B4-BE49-F238E27FC236}">
+                <a16:creationId xmlns="" xmlns:a16="http://schemas.microsoft.com/office/drawing/2014/main" id="{4842F576-6540-4131-815A-4DC26C64A81E}"/>
+              </a:ext>
+            </a:extLst>
+          </p:cNvPr>
+          <p:cNvCxnSpPr>
+            <a:cxnSpLocks/>
+            <a:endCxn id="9" idx="3"/>
+          </p:cNvCxnSpPr>
+          <p:nvPr/>
+        </p:nvCxnSpPr>
+        <p:spPr bwMode="auto">
+          <a:xfrm flipH="1">
+            <a:off x="2489100" y="2221558"/>
+            <a:ext cx="5373018" cy="19475"/>
+          </a:xfrm>
+          <a:prstGeom prst="straightConnector1">
+            <a:avLst/>
+          </a:prstGeom>
+          <a:solidFill>
+            <a:srgbClr val="FFFFFF"/>
+          </a:solidFill>
+          <a:ln w="25400" cap="flat" cmpd="sng" algn="ctr">
+            <a:solidFill>
+              <a:srgbClr val="B9CEFF"/>
+            </a:solidFill>
+            <a:prstDash val="solid"/>
+            <a:round/>
+            <a:headEnd type="none" w="med" len="med"/>
+            <a:tailEnd type="arrow"/>
+          </a:ln>
+          <a:effectLst>
+            <a:outerShdw blurRad="12700" dist="12700" dir="5400000" algn="ctr" rotWithShape="0">
+              <a:srgbClr val="0070C0">
+                <a:alpha val="50000"/>
+              </a:srgbClr>
+            </a:outerShdw>
+          </a:effectLst>
+        </p:spPr>
+      </p:cxnSp>
+      <p:sp>
+        <p:nvSpPr>
+          <p:cNvPr id="101" name="矩形 100">
+            <a:extLst>
+              <a:ext uri="{FF2B5EF4-FFF2-40B4-BE49-F238E27FC236}">
+                <a16:creationId xmlns="" xmlns:a16="http://schemas.microsoft.com/office/drawing/2014/main" id="{52401D3F-9B60-4139-A73E-19B6B5675630}"/>
+              </a:ext>
+            </a:extLst>
+          </p:cNvPr>
+          <p:cNvSpPr/>
+          <p:nvPr/>
+        </p:nvSpPr>
+        <p:spPr>
+          <a:xfrm>
+            <a:off x="3512183" y="1834986"/>
+            <a:ext cx="2928940" cy="338554"/>
+          </a:xfrm>
+          <a:prstGeom prst="rect">
+            <a:avLst/>
+          </a:prstGeom>
+          <a:noFill/>
+          <a:effectLst/>
+        </p:spPr>
+        <p:txBody>
+          <a:bodyPr wrap="square">
+            <a:spAutoFit/>
+          </a:bodyPr>
+          <a:lstStyle/>
+          <a:p>
+            <a:r>
+              <a:rPr lang="en-US" altLang="zh-CN" sz="1600" dirty="0" err="1">
+                <a:solidFill>
+                  <a:schemeClr val="lt1"/>
+                </a:solidFill>
+                <a:latin typeface="微软雅黑" panose="020B0503020204020204" pitchFamily="34" charset="-122"/>
+                <a:ea typeface="微软雅黑" panose="020B0503020204020204" pitchFamily="34" charset="-122"/>
+              </a:rPr>
+              <a:t>recv</a:t>
+            </a:r>
+            <a:r>
+              <a:rPr lang="en-US" altLang="zh-CN" sz="1600" dirty="0">
+                <a:solidFill>
+                  <a:schemeClr val="lt1"/>
+                </a:solidFill>
+                <a:latin typeface="微软雅黑" panose="020B0503020204020204" pitchFamily="34" charset="-122"/>
+                <a:ea typeface="微软雅黑" panose="020B0503020204020204" pitchFamily="34" charset="-122"/>
+              </a:rPr>
+              <a:t>: SYN; send: SYN, ACK</a:t>
+            </a:r>
+            <a:endParaRPr lang="zh-CN" altLang="en-US" sz="1600" dirty="0">
+              <a:solidFill>
+                <a:schemeClr val="lt1"/>
+              </a:solidFill>
+              <a:latin typeface="微软雅黑" panose="020B0503020204020204" pitchFamily="34" charset="-122"/>
+              <a:ea typeface="微软雅黑" panose="020B0503020204020204" pitchFamily="34" charset="-122"/>
+            </a:endParaRPr>
+          </a:p>
+        </p:txBody>
+      </p:sp>
+      <p:sp>
+        <p:nvSpPr>
+          <p:cNvPr id="103" name="矩形 102">
+            <a:extLst>
+              <a:ext uri="{FF2B5EF4-FFF2-40B4-BE49-F238E27FC236}">
+                <a16:creationId xmlns="" xmlns:a16="http://schemas.microsoft.com/office/drawing/2014/main" id="{082B527D-717F-42B5-846E-7EC08E8A3787}"/>
+              </a:ext>
+            </a:extLst>
+          </p:cNvPr>
+          <p:cNvSpPr/>
+          <p:nvPr/>
+        </p:nvSpPr>
+        <p:spPr>
+          <a:xfrm>
+            <a:off x="4452605" y="2301497"/>
+            <a:ext cx="1379539" cy="338554"/>
+          </a:xfrm>
+          <a:prstGeom prst="rect">
+            <a:avLst/>
+          </a:prstGeom>
+          <a:noFill/>
+          <a:effectLst/>
+        </p:spPr>
+        <p:txBody>
+          <a:bodyPr wrap="square">
+            <a:spAutoFit/>
+          </a:bodyPr>
+          <a:lstStyle/>
+          <a:p>
+            <a:r>
+              <a:rPr lang="zh-CN" altLang="en-US" sz="1600" dirty="0">
+                <a:solidFill>
+                  <a:srgbClr val="BDFFC3"/>
+                </a:solidFill>
+                <a:latin typeface="+mn-lt"/>
+                <a:ea typeface="+mn-ea"/>
+                <a:cs typeface="+mn-cs"/>
+              </a:rPr>
+              <a:t>同时</a:t>
+            </a:r>
+            <a:r>
+              <a:rPr lang="zh-CN" altLang="en-US" sz="1600" dirty="0" smtClean="0">
+                <a:solidFill>
+                  <a:srgbClr val="BDFFC3"/>
+                </a:solidFill>
+                <a:latin typeface="+mn-lt"/>
+                <a:ea typeface="+mn-ea"/>
+                <a:cs typeface="+mn-cs"/>
+              </a:rPr>
+              <a:t>打开</a:t>
+            </a:r>
+            <a:endParaRPr lang="zh-CN" altLang="en-US" sz="1600" dirty="0">
+              <a:solidFill>
+                <a:srgbClr val="BDFFC3"/>
+              </a:solidFill>
+              <a:latin typeface="+mn-lt"/>
+              <a:ea typeface="+mn-ea"/>
+              <a:cs typeface="+mn-cs"/>
+            </a:endParaRPr>
+          </a:p>
+        </p:txBody>
+      </p:sp>
+      <p:sp>
+        <p:nvSpPr>
+          <p:cNvPr id="104" name="矩形 103">
+            <a:extLst>
+              <a:ext uri="{FF2B5EF4-FFF2-40B4-BE49-F238E27FC236}">
+                <a16:creationId xmlns="" xmlns:a16="http://schemas.microsoft.com/office/drawing/2014/main" id="{082B527D-717F-42B5-846E-7EC08E8A3787}"/>
+              </a:ext>
+            </a:extLst>
+          </p:cNvPr>
+          <p:cNvSpPr/>
+          <p:nvPr/>
+        </p:nvSpPr>
+        <p:spPr>
+          <a:xfrm>
+            <a:off x="4499000" y="5884984"/>
+            <a:ext cx="1379539" cy="338554"/>
+          </a:xfrm>
+          <a:prstGeom prst="rect">
+            <a:avLst/>
+          </a:prstGeom>
+          <a:noFill/>
+          <a:effectLst/>
+        </p:spPr>
+        <p:txBody>
+          <a:bodyPr wrap="square">
+            <a:spAutoFit/>
+          </a:bodyPr>
+          <a:lstStyle/>
+          <a:p>
+            <a:r>
+              <a:rPr lang="zh-CN" altLang="en-US" sz="1600" dirty="0">
+                <a:solidFill>
+                  <a:srgbClr val="BDFFC3"/>
+                </a:solidFill>
+                <a:latin typeface="+mn-lt"/>
+                <a:ea typeface="+mn-ea"/>
+                <a:cs typeface="+mn-cs"/>
+              </a:rPr>
+              <a:t>同时关闭</a:t>
+            </a:r>
+          </a:p>
+        </p:txBody>
+      </p:sp>
+      <p:sp>
+        <p:nvSpPr>
+          <p:cNvPr id="105" name="矩形 104">
+            <a:extLst>
+              <a:ext uri="{FF2B5EF4-FFF2-40B4-BE49-F238E27FC236}">
+                <a16:creationId xmlns="" xmlns:a16="http://schemas.microsoft.com/office/drawing/2014/main" id="{6415C456-80C5-4ADF-9D71-F1555EF8417A}"/>
+              </a:ext>
+            </a:extLst>
+          </p:cNvPr>
+          <p:cNvSpPr/>
+          <p:nvPr/>
+        </p:nvSpPr>
+        <p:spPr bwMode="auto">
+          <a:xfrm>
+            <a:off x="391831" y="5799863"/>
+            <a:ext cx="6170951" cy="3407611"/>
+          </a:xfrm>
+          <a:prstGeom prst="rect">
+            <a:avLst/>
+          </a:prstGeom>
+          <a:noFill/>
+          <a:ln w="25400" cap="flat" cmpd="sng" algn="ctr">
+            <a:solidFill>
+              <a:schemeClr val="bg1"/>
+            </a:solidFill>
+            <a:prstDash val="dash"/>
+            <a:round/>
+            <a:headEnd type="none" w="med" len="med"/>
+            <a:tailEnd type="none"/>
+          </a:ln>
+          <a:effectLst/>
+        </p:spPr>
+        <p:txBody>
+          <a:bodyPr rtlCol="0" anchor="ctr"/>
+          <a:lstStyle/>
+          <a:p>
+            <a:endParaRPr lang="zh-CN" altLang="en-US" sz="1400" dirty="0">
+              <a:solidFill>
+                <a:schemeClr val="bg1"/>
+              </a:solidFill>
+            </a:endParaRPr>
+          </a:p>
+        </p:txBody>
+      </p:sp>
+      <p:cxnSp>
+        <p:nvCxnSpPr>
+          <p:cNvPr id="110" name="直接箭头连接符 109">
+            <a:extLst>
+              <a:ext uri="{FF2B5EF4-FFF2-40B4-BE49-F238E27FC236}">
+                <a16:creationId xmlns="" xmlns:a16="http://schemas.microsoft.com/office/drawing/2014/main" id="{4842F576-6540-4131-815A-4DC26C64A81E}"/>
+              </a:ext>
+            </a:extLst>
+          </p:cNvPr>
+          <p:cNvCxnSpPr>
+            <a:cxnSpLocks/>
+            <a:stCxn id="14" idx="2"/>
+            <a:endCxn id="18" idx="0"/>
+          </p:cNvCxnSpPr>
+          <p:nvPr/>
+        </p:nvCxnSpPr>
+        <p:spPr bwMode="auto">
+          <a:xfrm flipH="1">
+            <a:off x="5147299" y="6669398"/>
+            <a:ext cx="7888" cy="1723219"/>
+          </a:xfrm>
+          <a:prstGeom prst="straightConnector1">
+            <a:avLst/>
+          </a:prstGeom>
+          <a:solidFill>
+            <a:srgbClr val="FFFFFF"/>
+          </a:solidFill>
+          <a:ln w="25400" cap="flat" cmpd="sng" algn="ctr">
+            <a:solidFill>
+              <a:srgbClr val="B9CEFF"/>
+            </a:solidFill>
+            <a:prstDash val="solid"/>
+            <a:round/>
+            <a:headEnd type="none" w="med" len="med"/>
+            <a:tailEnd type="arrow"/>
+          </a:ln>
+          <a:effectLst>
+            <a:outerShdw blurRad="12700" dist="12700" dir="5400000" algn="ctr" rotWithShape="0">
+              <a:srgbClr val="0070C0">
+                <a:alpha val="50000"/>
+              </a:srgbClr>
+            </a:outerShdw>
+          </a:effectLst>
+        </p:spPr>
+      </p:cxnSp>
+      <p:sp>
+        <p:nvSpPr>
+          <p:cNvPr id="113" name="矩形 112">
+            <a:extLst>
+              <a:ext uri="{FF2B5EF4-FFF2-40B4-BE49-F238E27FC236}">
+                <a16:creationId xmlns="" xmlns:a16="http://schemas.microsoft.com/office/drawing/2014/main" id="{52401D3F-9B60-4139-A73E-19B6B5675630}"/>
+              </a:ext>
+            </a:extLst>
+          </p:cNvPr>
+          <p:cNvSpPr/>
+          <p:nvPr/>
+        </p:nvSpPr>
+        <p:spPr>
+          <a:xfrm>
+            <a:off x="5220442" y="7332023"/>
+            <a:ext cx="1224136" cy="338554"/>
+          </a:xfrm>
+          <a:prstGeom prst="rect">
+            <a:avLst/>
+          </a:prstGeom>
+          <a:noFill/>
+          <a:effectLst/>
+        </p:spPr>
+        <p:txBody>
+          <a:bodyPr wrap="square">
+            <a:spAutoFit/>
+          </a:bodyPr>
+          <a:lstStyle/>
+          <a:p>
+            <a:r>
+              <a:rPr lang="en-US" altLang="zh-CN" sz="1600" dirty="0" err="1">
+                <a:solidFill>
+                  <a:schemeClr val="lt1"/>
+                </a:solidFill>
+              </a:rPr>
+              <a:t>recv</a:t>
+            </a:r>
+            <a:r>
+              <a:rPr lang="en-US" altLang="zh-CN" sz="1600" dirty="0">
+                <a:solidFill>
+                  <a:schemeClr val="lt1"/>
+                </a:solidFill>
+              </a:rPr>
+              <a:t>: ACK </a:t>
+            </a:r>
+            <a:endParaRPr lang="zh-CN" altLang="en-US" sz="1600" dirty="0">
+              <a:solidFill>
+                <a:schemeClr val="lt1"/>
+              </a:solidFill>
+            </a:endParaRPr>
+          </a:p>
+        </p:txBody>
+      </p:sp>
+      <p:cxnSp>
+        <p:nvCxnSpPr>
+          <p:cNvPr id="114" name="直接箭头连接符 113">
+            <a:extLst>
+              <a:ext uri="{FF2B5EF4-FFF2-40B4-BE49-F238E27FC236}">
+                <a16:creationId xmlns="" xmlns:a16="http://schemas.microsoft.com/office/drawing/2014/main" id="{4842F576-6540-4131-815A-4DC26C64A81E}"/>
+              </a:ext>
+            </a:extLst>
+          </p:cNvPr>
+          <p:cNvCxnSpPr>
+            <a:cxnSpLocks/>
+            <a:stCxn id="15" idx="3"/>
+            <a:endCxn id="14" idx="1"/>
+          </p:cNvCxnSpPr>
+          <p:nvPr/>
+        </p:nvCxnSpPr>
+        <p:spPr bwMode="auto">
+          <a:xfrm flipV="1">
+            <a:off x="2489549" y="6471398"/>
+            <a:ext cx="1878050" cy="9238"/>
+          </a:xfrm>
+          <a:prstGeom prst="straightConnector1">
+            <a:avLst/>
+          </a:prstGeom>
+          <a:solidFill>
+            <a:srgbClr val="FFFFFF"/>
+          </a:solidFill>
+          <a:ln w="25400" cap="flat" cmpd="sng" algn="ctr">
+            <a:solidFill>
+              <a:srgbClr val="B9CEFF"/>
+            </a:solidFill>
+            <a:prstDash val="solid"/>
+            <a:round/>
+            <a:headEnd type="none" w="med" len="med"/>
+            <a:tailEnd type="arrow"/>
+          </a:ln>
+          <a:effectLst>
+            <a:outerShdw blurRad="12700" dist="12700" dir="5400000" algn="ctr" rotWithShape="0">
+              <a:srgbClr val="0070C0">
+                <a:alpha val="50000"/>
+              </a:srgbClr>
+            </a:outerShdw>
+          </a:effectLst>
+        </p:spPr>
+      </p:cxnSp>
+      <p:sp>
+        <p:nvSpPr>
+          <p:cNvPr id="117" name="矩形 116">
+            <a:extLst>
+              <a:ext uri="{FF2B5EF4-FFF2-40B4-BE49-F238E27FC236}">
+                <a16:creationId xmlns="" xmlns:a16="http://schemas.microsoft.com/office/drawing/2014/main" id="{52401D3F-9B60-4139-A73E-19B6B5675630}"/>
+              </a:ext>
+            </a:extLst>
+          </p:cNvPr>
+          <p:cNvSpPr/>
+          <p:nvPr/>
+        </p:nvSpPr>
+        <p:spPr>
+          <a:xfrm>
+            <a:off x="2762432" y="6076730"/>
+            <a:ext cx="1224136" cy="338554"/>
+          </a:xfrm>
+          <a:prstGeom prst="rect">
+            <a:avLst/>
+          </a:prstGeom>
+          <a:noFill/>
+          <a:effectLst/>
+        </p:spPr>
+        <p:txBody>
+          <a:bodyPr wrap="square">
+            <a:spAutoFit/>
+          </a:bodyPr>
+          <a:lstStyle/>
+          <a:p>
+            <a:r>
+              <a:rPr lang="en-US" altLang="zh-CN" sz="1600" dirty="0" err="1">
+                <a:solidFill>
+                  <a:schemeClr val="lt1"/>
+                </a:solidFill>
+                <a:latin typeface="微软雅黑" panose="020B0503020204020204" pitchFamily="34" charset="-122"/>
+                <a:ea typeface="微软雅黑" panose="020B0503020204020204" pitchFamily="34" charset="-122"/>
+              </a:rPr>
+              <a:t>recv</a:t>
+            </a:r>
+            <a:r>
+              <a:rPr lang="en-US" altLang="zh-CN" sz="1600" dirty="0">
+                <a:solidFill>
+                  <a:schemeClr val="lt1"/>
+                </a:solidFill>
+                <a:latin typeface="微软雅黑" panose="020B0503020204020204" pitchFamily="34" charset="-122"/>
+                <a:ea typeface="微软雅黑" panose="020B0503020204020204" pitchFamily="34" charset="-122"/>
+              </a:rPr>
+              <a:t>: FIN</a:t>
+            </a:r>
+            <a:endParaRPr lang="zh-CN" altLang="en-US" sz="1600" dirty="0">
+              <a:solidFill>
+                <a:schemeClr val="lt1"/>
+              </a:solidFill>
+              <a:latin typeface="微软雅黑" panose="020B0503020204020204" pitchFamily="34" charset="-122"/>
+              <a:ea typeface="微软雅黑" panose="020B0503020204020204" pitchFamily="34" charset="-122"/>
+            </a:endParaRPr>
+          </a:p>
+        </p:txBody>
+      </p:sp>
+      <p:sp>
+        <p:nvSpPr>
+          <p:cNvPr id="118" name="矩形 117">
+            <a:extLst>
+              <a:ext uri="{FF2B5EF4-FFF2-40B4-BE49-F238E27FC236}">
+                <a16:creationId xmlns="" xmlns:a16="http://schemas.microsoft.com/office/drawing/2014/main" id="{52401D3F-9B60-4139-A73E-19B6B5675630}"/>
+              </a:ext>
+            </a:extLst>
+          </p:cNvPr>
+          <p:cNvSpPr/>
+          <p:nvPr/>
+        </p:nvSpPr>
+        <p:spPr>
+          <a:xfrm>
+            <a:off x="2762432" y="6529774"/>
+            <a:ext cx="1224136" cy="338554"/>
+          </a:xfrm>
+          <a:prstGeom prst="rect">
+            <a:avLst/>
+          </a:prstGeom>
+          <a:noFill/>
+          <a:effectLst/>
+        </p:spPr>
+        <p:txBody>
+          <a:bodyPr wrap="square">
+            <a:spAutoFit/>
+          </a:bodyPr>
+          <a:lstStyle/>
+          <a:p>
+            <a:r>
+              <a:rPr lang="en-US" altLang="zh-CN" sz="1600" dirty="0">
+                <a:solidFill>
+                  <a:schemeClr val="lt1"/>
+                </a:solidFill>
+                <a:latin typeface="微软雅黑" panose="020B0503020204020204" pitchFamily="34" charset="-122"/>
+                <a:ea typeface="微软雅黑" panose="020B0503020204020204" pitchFamily="34" charset="-122"/>
+              </a:rPr>
+              <a:t>send: ACK</a:t>
+            </a:r>
+            <a:endParaRPr lang="zh-CN" altLang="en-US" sz="1600" dirty="0">
+              <a:solidFill>
+                <a:schemeClr val="lt1"/>
+              </a:solidFill>
+              <a:latin typeface="微软雅黑" panose="020B0503020204020204" pitchFamily="34" charset="-122"/>
+              <a:ea typeface="微软雅黑" panose="020B0503020204020204" pitchFamily="34" charset="-122"/>
+            </a:endParaRPr>
+          </a:p>
+        </p:txBody>
+      </p:sp>
+      <p:cxnSp>
+        <p:nvCxnSpPr>
+          <p:cNvPr id="120" name="直接箭头连接符 119">
+            <a:extLst>
+              <a:ext uri="{FF2B5EF4-FFF2-40B4-BE49-F238E27FC236}">
+                <a16:creationId xmlns="" xmlns:a16="http://schemas.microsoft.com/office/drawing/2014/main" id="{4842F576-6540-4131-815A-4DC26C64A81E}"/>
+              </a:ext>
+            </a:extLst>
+          </p:cNvPr>
+          <p:cNvCxnSpPr>
+            <a:cxnSpLocks/>
+          </p:cNvCxnSpPr>
+          <p:nvPr/>
+        </p:nvCxnSpPr>
+        <p:spPr bwMode="auto">
+          <a:xfrm>
+            <a:off x="2401450" y="6609404"/>
+            <a:ext cx="2026904" cy="1824237"/>
+          </a:xfrm>
+          <a:prstGeom prst="straightConnector1">
+            <a:avLst/>
+          </a:prstGeom>
+          <a:solidFill>
+            <a:srgbClr val="FFFFFF"/>
+          </a:solidFill>
+          <a:ln w="25400" cap="flat" cmpd="sng" algn="ctr">
+            <a:solidFill>
+              <a:srgbClr val="B9CEFF"/>
+            </a:solidFill>
+            <a:prstDash val="solid"/>
+            <a:round/>
+            <a:headEnd type="none" w="med" len="med"/>
+            <a:tailEnd type="arrow"/>
+          </a:ln>
+          <a:effectLst>
+            <a:outerShdw blurRad="12700" dist="12700" dir="5400000" algn="ctr" rotWithShape="0">
+              <a:srgbClr val="0070C0">
+                <a:alpha val="50000"/>
+              </a:srgbClr>
+            </a:outerShdw>
+          </a:effectLst>
+        </p:spPr>
+      </p:cxnSp>
+      <p:sp>
+        <p:nvSpPr>
+          <p:cNvPr id="125" name="矩形 124">
+            <a:extLst>
+              <a:ext uri="{FF2B5EF4-FFF2-40B4-BE49-F238E27FC236}">
+                <a16:creationId xmlns="" xmlns:a16="http://schemas.microsoft.com/office/drawing/2014/main" id="{52401D3F-9B60-4139-A73E-19B6B5675630}"/>
+              </a:ext>
+            </a:extLst>
+          </p:cNvPr>
+          <p:cNvSpPr/>
+          <p:nvPr/>
+        </p:nvSpPr>
+        <p:spPr>
+          <a:xfrm rot="2500768">
+            <a:off x="2863508" y="7297859"/>
+            <a:ext cx="1618962" cy="338554"/>
+          </a:xfrm>
+          <a:prstGeom prst="rect">
+            <a:avLst/>
+          </a:prstGeom>
+          <a:noFill/>
+          <a:effectLst/>
+        </p:spPr>
+        <p:txBody>
+          <a:bodyPr wrap="square">
+            <a:spAutoFit/>
+          </a:bodyPr>
+          <a:lstStyle/>
+          <a:p>
+            <a:r>
+              <a:rPr lang="en-US" altLang="zh-CN" sz="1600" dirty="0" err="1">
+                <a:solidFill>
+                  <a:schemeClr val="lt1"/>
+                </a:solidFill>
+                <a:latin typeface="微软雅黑" panose="020B0503020204020204" pitchFamily="34" charset="-122"/>
+                <a:ea typeface="微软雅黑" panose="020B0503020204020204" pitchFamily="34" charset="-122"/>
+              </a:rPr>
+              <a:t>recv</a:t>
+            </a:r>
+            <a:r>
+              <a:rPr lang="en-US" altLang="zh-CN" sz="1600" dirty="0">
+                <a:solidFill>
+                  <a:schemeClr val="lt1"/>
+                </a:solidFill>
+                <a:latin typeface="微软雅黑" panose="020B0503020204020204" pitchFamily="34" charset="-122"/>
+                <a:ea typeface="微软雅黑" panose="020B0503020204020204" pitchFamily="34" charset="-122"/>
+              </a:rPr>
+              <a:t>: FIN, ACK</a:t>
+            </a:r>
+            <a:endParaRPr lang="zh-CN" altLang="en-US" sz="1600" dirty="0">
+              <a:solidFill>
+                <a:schemeClr val="lt1"/>
+              </a:solidFill>
+              <a:latin typeface="微软雅黑" panose="020B0503020204020204" pitchFamily="34" charset="-122"/>
+              <a:ea typeface="微软雅黑" panose="020B0503020204020204" pitchFamily="34" charset="-122"/>
+            </a:endParaRPr>
+          </a:p>
+        </p:txBody>
+      </p:sp>
+      <p:sp>
+        <p:nvSpPr>
+          <p:cNvPr id="126" name="矩形 125">
+            <a:extLst>
+              <a:ext uri="{FF2B5EF4-FFF2-40B4-BE49-F238E27FC236}">
+                <a16:creationId xmlns="" xmlns:a16="http://schemas.microsoft.com/office/drawing/2014/main" id="{52401D3F-9B60-4139-A73E-19B6B5675630}"/>
+              </a:ext>
+            </a:extLst>
+          </p:cNvPr>
+          <p:cNvSpPr/>
+          <p:nvPr/>
+        </p:nvSpPr>
+        <p:spPr>
+          <a:xfrm rot="2467084">
+            <a:off x="2622817" y="7491521"/>
+            <a:ext cx="1224136" cy="338554"/>
+          </a:xfrm>
+          <a:prstGeom prst="rect">
+            <a:avLst/>
+          </a:prstGeom>
+          <a:noFill/>
+          <a:effectLst/>
+        </p:spPr>
+        <p:txBody>
+          <a:bodyPr wrap="square">
+            <a:spAutoFit/>
+          </a:bodyPr>
+          <a:lstStyle/>
+          <a:p>
+            <a:r>
+              <a:rPr lang="en-US" altLang="zh-CN" sz="1600" dirty="0">
+                <a:solidFill>
+                  <a:schemeClr val="lt1"/>
+                </a:solidFill>
+                <a:latin typeface="微软雅黑" panose="020B0503020204020204" pitchFamily="34" charset="-122"/>
+                <a:ea typeface="微软雅黑" panose="020B0503020204020204" pitchFamily="34" charset="-122"/>
+              </a:rPr>
+              <a:t>send: ACK</a:t>
+            </a:r>
+            <a:endParaRPr lang="zh-CN" altLang="en-US" sz="1600" dirty="0">
+              <a:solidFill>
+                <a:schemeClr val="lt1"/>
+              </a:solidFill>
+              <a:latin typeface="微软雅黑" panose="020B0503020204020204" pitchFamily="34" charset="-122"/>
+              <a:ea typeface="微软雅黑" panose="020B0503020204020204" pitchFamily="34" charset="-122"/>
+            </a:endParaRPr>
+          </a:p>
+        </p:txBody>
+      </p:sp>
+      <p:sp>
+        <p:nvSpPr>
+          <p:cNvPr id="127" name="矩形 126">
+            <a:extLst>
+              <a:ext uri="{FF2B5EF4-FFF2-40B4-BE49-F238E27FC236}">
+                <a16:creationId xmlns="" xmlns:a16="http://schemas.microsoft.com/office/drawing/2014/main" id="{52401D3F-9B60-4139-A73E-19B6B5675630}"/>
+              </a:ext>
+            </a:extLst>
+          </p:cNvPr>
+          <p:cNvSpPr/>
+          <p:nvPr/>
+        </p:nvSpPr>
+        <p:spPr>
+          <a:xfrm>
+            <a:off x="9423000" y="1795017"/>
+            <a:ext cx="2456461" cy="338554"/>
+          </a:xfrm>
+          <a:prstGeom prst="rect">
+            <a:avLst/>
+          </a:prstGeom>
+          <a:noFill/>
+          <a:effectLst/>
+        </p:spPr>
+        <p:txBody>
+          <a:bodyPr wrap="square">
+            <a:spAutoFit/>
+          </a:bodyPr>
+          <a:lstStyle/>
+          <a:p>
+            <a:r>
+              <a:rPr lang="en-US" altLang="zh-CN" sz="1600" dirty="0" err="1">
+                <a:solidFill>
+                  <a:srgbClr val="FFC000"/>
+                </a:solidFill>
+                <a:latin typeface="微软雅黑" panose="020B0503020204020204" pitchFamily="34" charset="-122"/>
+                <a:ea typeface="微软雅黑" panose="020B0503020204020204" pitchFamily="34" charset="-122"/>
+              </a:rPr>
+              <a:t>appl</a:t>
+            </a:r>
+            <a:r>
+              <a:rPr lang="en-US" altLang="zh-CN" sz="1600" dirty="0">
+                <a:solidFill>
+                  <a:srgbClr val="FFC000"/>
+                </a:solidFill>
+                <a:latin typeface="微软雅黑" panose="020B0503020204020204" pitchFamily="34" charset="-122"/>
+                <a:ea typeface="微软雅黑" panose="020B0503020204020204" pitchFamily="34" charset="-122"/>
+              </a:rPr>
+              <a:t>:</a:t>
+            </a:r>
+            <a:r>
+              <a:rPr lang="zh-CN" altLang="en-US" sz="1600" dirty="0">
+                <a:solidFill>
+                  <a:srgbClr val="FFC000"/>
+                </a:solidFill>
+                <a:latin typeface="微软雅黑" panose="020B0503020204020204" pitchFamily="34" charset="-122"/>
+                <a:ea typeface="微软雅黑" panose="020B0503020204020204" pitchFamily="34" charset="-122"/>
+              </a:rPr>
+              <a:t> </a:t>
+            </a:r>
+            <a:r>
+              <a:rPr lang="en-US" altLang="zh-CN" sz="1600" dirty="0" smtClean="0">
+                <a:solidFill>
+                  <a:srgbClr val="FFC000"/>
+                </a:solidFill>
+                <a:latin typeface="微软雅黑" panose="020B0503020204020204" pitchFamily="34" charset="-122"/>
+                <a:ea typeface="微软雅黑" panose="020B0503020204020204" pitchFamily="34" charset="-122"/>
+              </a:rPr>
+              <a:t>close or </a:t>
+            </a:r>
+            <a:r>
+              <a:rPr lang="en-US" altLang="zh-CN" sz="1600" dirty="0" err="1" smtClean="0">
+                <a:solidFill>
+                  <a:srgbClr val="FFC000"/>
+                </a:solidFill>
+                <a:latin typeface="微软雅黑" panose="020B0503020204020204" pitchFamily="34" charset="-122"/>
+                <a:ea typeface="微软雅黑" panose="020B0503020204020204" pitchFamily="34" charset="-122"/>
+              </a:rPr>
+              <a:t>timout</a:t>
+            </a:r>
+            <a:endParaRPr lang="en-US" altLang="zh-CN" sz="1600" dirty="0">
+              <a:solidFill>
+                <a:srgbClr val="FFC000"/>
+              </a:solidFill>
+              <a:latin typeface="微软雅黑" panose="020B0503020204020204" pitchFamily="34" charset="-122"/>
+              <a:ea typeface="微软雅黑" panose="020B0503020204020204" pitchFamily="34" charset="-122"/>
+            </a:endParaRPr>
+          </a:p>
+        </p:txBody>
+      </p:sp>
+      <p:cxnSp>
+        <p:nvCxnSpPr>
+          <p:cNvPr id="129" name="直接箭头连接符 128">
+            <a:extLst>
+              <a:ext uri="{FF2B5EF4-FFF2-40B4-BE49-F238E27FC236}">
+                <a16:creationId xmlns="" xmlns:a16="http://schemas.microsoft.com/office/drawing/2014/main" id="{4842F576-6540-4131-815A-4DC26C64A81E}"/>
+              </a:ext>
+            </a:extLst>
+          </p:cNvPr>
+          <p:cNvCxnSpPr>
+            <a:cxnSpLocks/>
+            <a:endCxn id="3" idx="3"/>
+          </p:cNvCxnSpPr>
+          <p:nvPr/>
+        </p:nvCxnSpPr>
+        <p:spPr bwMode="auto">
+          <a:xfrm flipH="1">
+            <a:off x="5942774" y="-2011384"/>
+            <a:ext cx="6066676" cy="9710"/>
+          </a:xfrm>
+          <a:prstGeom prst="straightConnector1">
+            <a:avLst/>
+          </a:prstGeom>
+          <a:solidFill>
+            <a:srgbClr val="FFFFFF"/>
+          </a:solidFill>
+          <a:ln w="25400" cap="flat" cmpd="sng" algn="ctr">
+            <a:solidFill>
+              <a:srgbClr val="B9CEFF"/>
+            </a:solidFill>
+            <a:prstDash val="solid"/>
+            <a:round/>
+            <a:headEnd type="none" w="med" len="med"/>
+            <a:tailEnd type="arrow"/>
+          </a:ln>
+          <a:effectLst>
+            <a:outerShdw blurRad="12700" dist="12700" dir="5400000" algn="ctr" rotWithShape="0">
+              <a:srgbClr val="0070C0">
+                <a:alpha val="50000"/>
+              </a:srgbClr>
+            </a:outerShdw>
+          </a:effectLst>
+        </p:spPr>
+      </p:cxnSp>
+      <p:cxnSp>
+        <p:nvCxnSpPr>
+          <p:cNvPr id="131" name="直接箭头连接符 130">
+            <a:extLst>
+              <a:ext uri="{FF2B5EF4-FFF2-40B4-BE49-F238E27FC236}">
+                <a16:creationId xmlns="" xmlns:a16="http://schemas.microsoft.com/office/drawing/2014/main" id="{4842F576-6540-4131-815A-4DC26C64A81E}"/>
+              </a:ext>
+            </a:extLst>
+          </p:cNvPr>
+          <p:cNvCxnSpPr>
+            <a:cxnSpLocks/>
+          </p:cNvCxnSpPr>
+          <p:nvPr/>
+        </p:nvCxnSpPr>
+        <p:spPr bwMode="auto">
+          <a:xfrm flipV="1">
+            <a:off x="12009449" y="-2011384"/>
+            <a:ext cx="0" cy="10612876"/>
+          </a:xfrm>
+          <a:prstGeom prst="straightConnector1">
+            <a:avLst/>
+          </a:prstGeom>
+          <a:solidFill>
+            <a:srgbClr val="FFFFFF"/>
+          </a:solidFill>
+          <a:ln w="25400" cap="flat" cmpd="sng" algn="ctr">
+            <a:solidFill>
+              <a:srgbClr val="B9CEFF"/>
+            </a:solidFill>
+            <a:prstDash val="solid"/>
+            <a:round/>
+            <a:headEnd type="none" w="med" len="med"/>
+            <a:tailEnd type="arrow"/>
+          </a:ln>
+          <a:effectLst>
+            <a:outerShdw blurRad="12700" dist="12700" dir="5400000" algn="ctr" rotWithShape="0">
+              <a:srgbClr val="0070C0">
+                <a:alpha val="50000"/>
+              </a:srgbClr>
+            </a:outerShdw>
+          </a:effectLst>
+        </p:spPr>
+      </p:cxnSp>
+      <p:cxnSp>
+        <p:nvCxnSpPr>
+          <p:cNvPr id="134" name="直接箭头连接符 133">
+            <a:extLst>
+              <a:ext uri="{FF2B5EF4-FFF2-40B4-BE49-F238E27FC236}">
+                <a16:creationId xmlns="" xmlns:a16="http://schemas.microsoft.com/office/drawing/2014/main" id="{4842F576-6540-4131-815A-4DC26C64A81E}"/>
+              </a:ext>
+            </a:extLst>
+          </p:cNvPr>
+          <p:cNvCxnSpPr>
+            <a:cxnSpLocks/>
+          </p:cNvCxnSpPr>
+          <p:nvPr/>
+        </p:nvCxnSpPr>
+        <p:spPr bwMode="auto">
+          <a:xfrm>
+            <a:off x="9384005" y="2212747"/>
+            <a:ext cx="2625444" cy="9591"/>
+          </a:xfrm>
+          <a:prstGeom prst="straightConnector1">
+            <a:avLst/>
+          </a:prstGeom>
+          <a:solidFill>
+            <a:srgbClr val="FFFFFF"/>
+          </a:solidFill>
+          <a:ln w="25400" cap="flat" cmpd="sng" algn="ctr">
+            <a:solidFill>
+              <a:srgbClr val="B9CEFF"/>
+            </a:solidFill>
+            <a:prstDash val="solid"/>
+            <a:round/>
+            <a:headEnd type="none" w="med" len="med"/>
+            <a:tailEnd type="arrow"/>
+          </a:ln>
+          <a:effectLst>
+            <a:outerShdw blurRad="12700" dist="12700" dir="5400000" algn="ctr" rotWithShape="0">
+              <a:srgbClr val="0070C0">
+                <a:alpha val="50000"/>
+              </a:srgbClr>
+            </a:outerShdw>
+          </a:effectLst>
+        </p:spPr>
+      </p:cxnSp>
+      <p:sp>
+        <p:nvSpPr>
+          <p:cNvPr id="138" name="矩形 137">
+            <a:extLst>
+              <a:ext uri="{FF2B5EF4-FFF2-40B4-BE49-F238E27FC236}">
+                <a16:creationId xmlns="" xmlns:a16="http://schemas.microsoft.com/office/drawing/2014/main" id="{1222BFF6-8EE7-4480-B2A3-17DCCE92BAF9}"/>
+              </a:ext>
+            </a:extLst>
+          </p:cNvPr>
+          <p:cNvSpPr/>
+          <p:nvPr/>
+        </p:nvSpPr>
+        <p:spPr>
+          <a:xfrm>
+            <a:off x="2545115" y="9242115"/>
+            <a:ext cx="1379539" cy="338554"/>
+          </a:xfrm>
+          <a:prstGeom prst="rect">
+            <a:avLst/>
+          </a:prstGeom>
+          <a:noFill/>
+          <a:effectLst/>
+        </p:spPr>
+        <p:txBody>
+          <a:bodyPr wrap="square">
+            <a:spAutoFit/>
+          </a:bodyPr>
+          <a:lstStyle/>
+          <a:p>
+            <a:r>
+              <a:rPr lang="zh-CN" altLang="en-US" sz="1600" dirty="0">
+                <a:solidFill>
+                  <a:srgbClr val="BDFFC3"/>
+                </a:solidFill>
+                <a:latin typeface="+mn-lt"/>
+                <a:ea typeface="+mn-ea"/>
+                <a:cs typeface="+mn-cs"/>
+              </a:rPr>
+              <a:t>主动</a:t>
+            </a:r>
+            <a:r>
+              <a:rPr lang="zh-CN" altLang="en-US" sz="1600" dirty="0" smtClean="0">
+                <a:solidFill>
+                  <a:srgbClr val="BDFFC3"/>
+                </a:solidFill>
+                <a:latin typeface="+mn-lt"/>
+                <a:ea typeface="+mn-ea"/>
+                <a:cs typeface="+mn-cs"/>
+              </a:rPr>
+              <a:t>关闭</a:t>
+            </a:r>
+            <a:endParaRPr lang="zh-CN" altLang="en-US" sz="1600" dirty="0">
+              <a:solidFill>
+                <a:srgbClr val="BDFFC3"/>
+              </a:solidFill>
+              <a:latin typeface="+mn-lt"/>
+              <a:ea typeface="+mn-ea"/>
+              <a:cs typeface="+mn-cs"/>
+            </a:endParaRPr>
+          </a:p>
+        </p:txBody>
+      </p:sp>
+      <p:sp>
+        <p:nvSpPr>
+          <p:cNvPr id="139" name="矩形 138">
+            <a:extLst>
+              <a:ext uri="{FF2B5EF4-FFF2-40B4-BE49-F238E27FC236}">
+                <a16:creationId xmlns="" xmlns:a16="http://schemas.microsoft.com/office/drawing/2014/main" id="{082B527D-717F-42B5-846E-7EC08E8A3787}"/>
+              </a:ext>
+            </a:extLst>
+          </p:cNvPr>
+          <p:cNvSpPr/>
+          <p:nvPr/>
+        </p:nvSpPr>
+        <p:spPr>
+          <a:xfrm>
+            <a:off x="4263284" y="8817299"/>
+            <a:ext cx="1758180" cy="338554"/>
+          </a:xfrm>
+          <a:prstGeom prst="rect">
+            <a:avLst/>
+          </a:prstGeom>
+          <a:noFill/>
+          <a:effectLst/>
+        </p:spPr>
+        <p:txBody>
+          <a:bodyPr wrap="square">
+            <a:spAutoFit/>
+          </a:bodyPr>
+          <a:lstStyle/>
+          <a:p>
+            <a:r>
+              <a:rPr lang="en-US" altLang="zh-CN" sz="1600" dirty="0" smtClean="0">
+                <a:solidFill>
+                  <a:srgbClr val="BDFFC3"/>
+                </a:solidFill>
+                <a:latin typeface="+mn-lt"/>
+                <a:ea typeface="+mn-ea"/>
+                <a:cs typeface="+mn-cs"/>
+              </a:rPr>
+              <a:t>2MSL timeout</a:t>
+            </a:r>
+            <a:endParaRPr lang="zh-CN" altLang="en-US" sz="1600" dirty="0">
+              <a:solidFill>
+                <a:srgbClr val="BDFFC3"/>
+              </a:solidFill>
+              <a:latin typeface="+mn-lt"/>
+              <a:ea typeface="+mn-ea"/>
+              <a:cs typeface="+mn-cs"/>
+            </a:endParaRPr>
+          </a:p>
+        </p:txBody>
+      </p:sp>
+      <p:cxnSp>
+        <p:nvCxnSpPr>
+          <p:cNvPr id="147" name="直接箭头连接符 146">
+            <a:extLst>
+              <a:ext uri="{FF2B5EF4-FFF2-40B4-BE49-F238E27FC236}">
+                <a16:creationId xmlns="" xmlns:a16="http://schemas.microsoft.com/office/drawing/2014/main" id="{4842F576-6540-4131-815A-4DC26C64A81E}"/>
+              </a:ext>
+            </a:extLst>
+          </p:cNvPr>
+          <p:cNvCxnSpPr>
+            <a:cxnSpLocks/>
+          </p:cNvCxnSpPr>
+          <p:nvPr/>
+        </p:nvCxnSpPr>
+        <p:spPr bwMode="auto">
+          <a:xfrm flipV="1">
+            <a:off x="376238" y="10251890"/>
+            <a:ext cx="847223" cy="1284"/>
+          </a:xfrm>
+          <a:prstGeom prst="straightConnector1">
+            <a:avLst/>
+          </a:prstGeom>
+          <a:solidFill>
+            <a:srgbClr val="FFFFFF"/>
+          </a:solidFill>
+          <a:ln w="38100" cap="flat" cmpd="sng" algn="ctr">
+            <a:solidFill>
+              <a:schemeClr val="accent1">
+                <a:lumMod val="60000"/>
+                <a:lumOff val="40000"/>
+              </a:schemeClr>
+            </a:solidFill>
+            <a:prstDash val="solid"/>
+            <a:round/>
+            <a:headEnd type="none" w="med" len="med"/>
+            <a:tailEnd type="arrow" w="sm" len="sm"/>
+          </a:ln>
+          <a:effectLst>
+            <a:outerShdw blurRad="12700" dist="12700" dir="5400000" algn="ctr" rotWithShape="0">
+              <a:srgbClr val="0070C0">
+                <a:alpha val="50000"/>
+              </a:srgbClr>
+            </a:outerShdw>
+          </a:effectLst>
+        </p:spPr>
+      </p:cxnSp>
+      <p:sp>
+        <p:nvSpPr>
+          <p:cNvPr id="149" name="矩形 148">
+            <a:extLst>
+              <a:ext uri="{FF2B5EF4-FFF2-40B4-BE49-F238E27FC236}">
+                <a16:creationId xmlns="" xmlns:a16="http://schemas.microsoft.com/office/drawing/2014/main" id="{52401D3F-9B60-4139-A73E-19B6B5675630}"/>
+              </a:ext>
+            </a:extLst>
+          </p:cNvPr>
+          <p:cNvSpPr/>
+          <p:nvPr/>
+        </p:nvSpPr>
+        <p:spPr>
+          <a:xfrm>
+            <a:off x="1281296" y="10101527"/>
+            <a:ext cx="2727047" cy="338554"/>
+          </a:xfrm>
+          <a:prstGeom prst="rect">
+            <a:avLst/>
+          </a:prstGeom>
+          <a:noFill/>
+          <a:effectLst/>
+        </p:spPr>
+        <p:txBody>
+          <a:bodyPr wrap="square">
+            <a:spAutoFit/>
+          </a:bodyPr>
+          <a:lstStyle/>
+          <a:p>
+            <a:pPr algn="l"/>
+            <a:r>
+              <a:rPr lang="zh-CN" altLang="en-US" sz="1600" dirty="0">
+                <a:solidFill>
+                  <a:schemeClr val="lt1"/>
+                </a:solidFill>
+                <a:latin typeface="微软雅黑" panose="020B0503020204020204" pitchFamily="34" charset="-122"/>
+                <a:ea typeface="微软雅黑" panose="020B0503020204020204" pitchFamily="34" charset="-122"/>
+              </a:rPr>
+              <a:t>客户</a:t>
+            </a:r>
+            <a:r>
+              <a:rPr lang="zh-CN" altLang="en-US" sz="1600" dirty="0" smtClean="0">
+                <a:solidFill>
+                  <a:schemeClr val="lt1"/>
+                </a:solidFill>
+                <a:latin typeface="微软雅黑" panose="020B0503020204020204" pitchFamily="34" charset="-122"/>
+                <a:ea typeface="微软雅黑" panose="020B0503020204020204" pitchFamily="34" charset="-122"/>
+              </a:rPr>
+              <a:t>端正常状态变迁 </a:t>
+            </a:r>
+            <a:r>
+              <a:rPr lang="en-US" altLang="zh-CN" sz="1600" dirty="0" smtClean="0">
+                <a:solidFill>
+                  <a:schemeClr val="lt1"/>
+                </a:solidFill>
+                <a:latin typeface="微软雅黑" panose="020B0503020204020204" pitchFamily="34" charset="-122"/>
+                <a:ea typeface="微软雅黑" panose="020B0503020204020204" pitchFamily="34" charset="-122"/>
+              </a:rPr>
+              <a:t>(</a:t>
+            </a:r>
+            <a:r>
+              <a:rPr lang="zh-CN" altLang="en-US" sz="1600" dirty="0" smtClean="0">
+                <a:solidFill>
+                  <a:schemeClr val="lt1"/>
+                </a:solidFill>
+                <a:latin typeface="微软雅黑" panose="020B0503020204020204" pitchFamily="34" charset="-122"/>
+                <a:ea typeface="微软雅黑" panose="020B0503020204020204" pitchFamily="34" charset="-122"/>
+              </a:rPr>
+              <a:t>主干</a:t>
+            </a:r>
+            <a:r>
+              <a:rPr lang="en-US" altLang="zh-CN" sz="1600" dirty="0" smtClean="0">
+                <a:solidFill>
+                  <a:schemeClr val="lt1"/>
+                </a:solidFill>
+                <a:latin typeface="微软雅黑" panose="020B0503020204020204" pitchFamily="34" charset="-122"/>
+                <a:ea typeface="微软雅黑" panose="020B0503020204020204" pitchFamily="34" charset="-122"/>
+              </a:rPr>
+              <a:t>)</a:t>
+            </a:r>
+            <a:endParaRPr lang="zh-CN" altLang="en-US" sz="1600" dirty="0">
+              <a:solidFill>
+                <a:schemeClr val="lt1"/>
+              </a:solidFill>
+              <a:latin typeface="微软雅黑" panose="020B0503020204020204" pitchFamily="34" charset="-122"/>
+              <a:ea typeface="微软雅黑" panose="020B0503020204020204" pitchFamily="34" charset="-122"/>
+            </a:endParaRPr>
+          </a:p>
+        </p:txBody>
+      </p:sp>
+      <p:cxnSp>
+        <p:nvCxnSpPr>
+          <p:cNvPr id="150" name="直接箭头连接符 149">
+            <a:extLst>
+              <a:ext uri="{FF2B5EF4-FFF2-40B4-BE49-F238E27FC236}">
+                <a16:creationId xmlns="" xmlns:a16="http://schemas.microsoft.com/office/drawing/2014/main" id="{4842F576-6540-4131-815A-4DC26C64A81E}"/>
+              </a:ext>
+            </a:extLst>
+          </p:cNvPr>
+          <p:cNvCxnSpPr>
+            <a:cxnSpLocks/>
+          </p:cNvCxnSpPr>
+          <p:nvPr/>
+        </p:nvCxnSpPr>
+        <p:spPr bwMode="auto">
+          <a:xfrm flipV="1">
+            <a:off x="386178" y="10695437"/>
+            <a:ext cx="847223" cy="1284"/>
+          </a:xfrm>
+          <a:prstGeom prst="straightConnector1">
+            <a:avLst/>
+          </a:prstGeom>
+          <a:solidFill>
+            <a:srgbClr val="FFFFFF"/>
+          </a:solidFill>
+          <a:ln w="25400" cap="flat" cmpd="sng" algn="ctr">
+            <a:solidFill>
+              <a:srgbClr val="B9CEFF"/>
+            </a:solidFill>
+            <a:prstDash val="solid"/>
+            <a:round/>
+            <a:headEnd type="none" w="med" len="med"/>
+            <a:tailEnd type="arrow"/>
+          </a:ln>
+          <a:effectLst>
+            <a:outerShdw blurRad="12700" dist="12700" dir="5400000" algn="ctr" rotWithShape="0">
+              <a:srgbClr val="0070C0">
+                <a:alpha val="50000"/>
+              </a:srgbClr>
+            </a:outerShdw>
+          </a:effectLst>
+        </p:spPr>
+      </p:cxnSp>
+      <p:sp>
+        <p:nvSpPr>
+          <p:cNvPr id="151" name="矩形 150">
+            <a:extLst>
+              <a:ext uri="{FF2B5EF4-FFF2-40B4-BE49-F238E27FC236}">
+                <a16:creationId xmlns="" xmlns:a16="http://schemas.microsoft.com/office/drawing/2014/main" id="{52401D3F-9B60-4139-A73E-19B6B5675630}"/>
+              </a:ext>
+            </a:extLst>
+          </p:cNvPr>
+          <p:cNvSpPr/>
+          <p:nvPr/>
+        </p:nvSpPr>
+        <p:spPr>
+          <a:xfrm>
+            <a:off x="1253867" y="10547991"/>
+            <a:ext cx="2872276" cy="338554"/>
+          </a:xfrm>
+          <a:prstGeom prst="rect">
+            <a:avLst/>
+          </a:prstGeom>
+          <a:noFill/>
+          <a:effectLst/>
+        </p:spPr>
+        <p:txBody>
+          <a:bodyPr wrap="square">
+            <a:spAutoFit/>
+          </a:bodyPr>
+          <a:lstStyle/>
+          <a:p>
+            <a:pPr algn="l"/>
+            <a:r>
+              <a:rPr lang="zh-CN" altLang="en-US" sz="1600" dirty="0">
+                <a:solidFill>
+                  <a:schemeClr val="lt1"/>
+                </a:solidFill>
+                <a:latin typeface="微软雅黑" panose="020B0503020204020204" pitchFamily="34" charset="-122"/>
+                <a:ea typeface="微软雅黑" panose="020B0503020204020204" pitchFamily="34" charset="-122"/>
+              </a:rPr>
+              <a:t>客户</a:t>
+            </a:r>
+            <a:r>
+              <a:rPr lang="zh-CN" altLang="en-US" sz="1600" dirty="0" smtClean="0">
+                <a:solidFill>
+                  <a:schemeClr val="lt1"/>
+                </a:solidFill>
+                <a:latin typeface="微软雅黑" panose="020B0503020204020204" pitchFamily="34" charset="-122"/>
+                <a:ea typeface="微软雅黑" panose="020B0503020204020204" pitchFamily="34" charset="-122"/>
+              </a:rPr>
+              <a:t>端正常状态变迁 </a:t>
+            </a:r>
+            <a:r>
+              <a:rPr lang="en-US" altLang="zh-CN" sz="1600" dirty="0" smtClean="0">
+                <a:solidFill>
+                  <a:schemeClr val="lt1"/>
+                </a:solidFill>
+                <a:latin typeface="微软雅黑" panose="020B0503020204020204" pitchFamily="34" charset="-122"/>
+                <a:ea typeface="微软雅黑" panose="020B0503020204020204" pitchFamily="34" charset="-122"/>
+              </a:rPr>
+              <a:t>(</a:t>
+            </a:r>
+            <a:r>
+              <a:rPr lang="zh-CN" altLang="en-US" sz="1600" dirty="0" smtClean="0">
+                <a:solidFill>
+                  <a:schemeClr val="lt1"/>
+                </a:solidFill>
+                <a:latin typeface="微软雅黑" panose="020B0503020204020204" pitchFamily="34" charset="-122"/>
+                <a:ea typeface="微软雅黑" panose="020B0503020204020204" pitchFamily="34" charset="-122"/>
+              </a:rPr>
+              <a:t>非主干</a:t>
+            </a:r>
+            <a:r>
+              <a:rPr lang="en-US" altLang="zh-CN" sz="1600" dirty="0" smtClean="0">
+                <a:solidFill>
+                  <a:schemeClr val="lt1"/>
+                </a:solidFill>
+                <a:latin typeface="微软雅黑" panose="020B0503020204020204" pitchFamily="34" charset="-122"/>
+                <a:ea typeface="微软雅黑" panose="020B0503020204020204" pitchFamily="34" charset="-122"/>
+              </a:rPr>
+              <a:t>)</a:t>
+            </a:r>
+            <a:endParaRPr lang="zh-CN" altLang="en-US" sz="1600" dirty="0">
+              <a:solidFill>
+                <a:schemeClr val="lt1"/>
+              </a:solidFill>
+              <a:latin typeface="微软雅黑" panose="020B0503020204020204" pitchFamily="34" charset="-122"/>
+              <a:ea typeface="微软雅黑" panose="020B0503020204020204" pitchFamily="34" charset="-122"/>
+            </a:endParaRPr>
+          </a:p>
+        </p:txBody>
+      </p:sp>
+      <p:cxnSp>
+        <p:nvCxnSpPr>
+          <p:cNvPr id="152" name="直接箭头连接符 151">
+            <a:extLst>
+              <a:ext uri="{FF2B5EF4-FFF2-40B4-BE49-F238E27FC236}">
+                <a16:creationId xmlns="" xmlns:a16="http://schemas.microsoft.com/office/drawing/2014/main" id="{4842F576-6540-4131-815A-4DC26C64A81E}"/>
+              </a:ext>
+            </a:extLst>
+          </p:cNvPr>
+          <p:cNvCxnSpPr>
+            <a:cxnSpLocks/>
+          </p:cNvCxnSpPr>
+          <p:nvPr/>
+        </p:nvCxnSpPr>
+        <p:spPr bwMode="auto">
+          <a:xfrm flipV="1">
+            <a:off x="355772" y="9839621"/>
+            <a:ext cx="847223" cy="1284"/>
+          </a:xfrm>
+          <a:prstGeom prst="straightConnector1">
+            <a:avLst/>
+          </a:prstGeom>
+          <a:solidFill>
+            <a:srgbClr val="FFFFFF"/>
+          </a:solidFill>
+          <a:ln w="38100" cap="flat" cmpd="sng" algn="ctr">
+            <a:solidFill>
+              <a:schemeClr val="bg1"/>
+            </a:solidFill>
+            <a:prstDash val="solid"/>
+            <a:round/>
+            <a:headEnd type="none" w="med" len="med"/>
+            <a:tailEnd type="arrow" w="sm" len="sm"/>
+          </a:ln>
+          <a:effectLst>
+            <a:outerShdw blurRad="12700" dist="12700" dir="5400000" algn="ctr" rotWithShape="0">
+              <a:srgbClr val="0070C0">
+                <a:alpha val="50000"/>
+              </a:srgbClr>
+            </a:outerShdw>
+          </a:effectLst>
+        </p:spPr>
+      </p:cxnSp>
+      <p:sp>
+        <p:nvSpPr>
+          <p:cNvPr id="153" name="矩形 152">
+            <a:extLst>
+              <a:ext uri="{FF2B5EF4-FFF2-40B4-BE49-F238E27FC236}">
+                <a16:creationId xmlns="" xmlns:a16="http://schemas.microsoft.com/office/drawing/2014/main" id="{52401D3F-9B60-4139-A73E-19B6B5675630}"/>
+              </a:ext>
+            </a:extLst>
+          </p:cNvPr>
+          <p:cNvSpPr/>
+          <p:nvPr/>
+        </p:nvSpPr>
+        <p:spPr>
+          <a:xfrm>
+            <a:off x="1260830" y="9689258"/>
+            <a:ext cx="2727047" cy="338554"/>
+          </a:xfrm>
+          <a:prstGeom prst="rect">
+            <a:avLst/>
+          </a:prstGeom>
+          <a:noFill/>
+          <a:effectLst/>
+        </p:spPr>
+        <p:txBody>
+          <a:bodyPr wrap="square">
+            <a:spAutoFit/>
+          </a:bodyPr>
+          <a:lstStyle/>
+          <a:p>
+            <a:pPr algn="l"/>
+            <a:r>
+              <a:rPr lang="zh-CN" altLang="en-US" sz="1600" dirty="0">
+                <a:solidFill>
+                  <a:schemeClr val="lt1"/>
+                </a:solidFill>
+                <a:latin typeface="微软雅黑" panose="020B0503020204020204" pitchFamily="34" charset="-122"/>
+                <a:ea typeface="微软雅黑" panose="020B0503020204020204" pitchFamily="34" charset="-122"/>
+              </a:rPr>
+              <a:t>服务</a:t>
+            </a:r>
+            <a:r>
+              <a:rPr lang="zh-CN" altLang="en-US" sz="1600" dirty="0" smtClean="0">
+                <a:solidFill>
+                  <a:schemeClr val="lt1"/>
+                </a:solidFill>
+                <a:latin typeface="微软雅黑" panose="020B0503020204020204" pitchFamily="34" charset="-122"/>
+                <a:ea typeface="微软雅黑" panose="020B0503020204020204" pitchFamily="34" charset="-122"/>
+              </a:rPr>
+              <a:t>端正常状态变迁</a:t>
+            </a:r>
+            <a:endParaRPr lang="zh-CN" altLang="en-US" sz="1600" dirty="0">
+              <a:solidFill>
+                <a:schemeClr val="lt1"/>
+              </a:solidFill>
+              <a:latin typeface="微软雅黑" panose="020B0503020204020204" pitchFamily="34" charset="-122"/>
+              <a:ea typeface="微软雅黑" panose="020B0503020204020204" pitchFamily="34" charset="-122"/>
+            </a:endParaRPr>
+          </a:p>
+        </p:txBody>
+      </p:sp>
+      <p:sp>
+        <p:nvSpPr>
+          <p:cNvPr id="154" name="矩形 153">
+            <a:extLst>
+              <a:ext uri="{FF2B5EF4-FFF2-40B4-BE49-F238E27FC236}">
+                <a16:creationId xmlns="" xmlns:a16="http://schemas.microsoft.com/office/drawing/2014/main" id="{52401D3F-9B60-4139-A73E-19B6B5675630}"/>
+              </a:ext>
+            </a:extLst>
+          </p:cNvPr>
+          <p:cNvSpPr/>
+          <p:nvPr/>
+        </p:nvSpPr>
+        <p:spPr>
+          <a:xfrm>
+            <a:off x="386178" y="11009805"/>
+            <a:ext cx="5545754" cy="338554"/>
+          </a:xfrm>
+          <a:prstGeom prst="rect">
+            <a:avLst/>
+          </a:prstGeom>
+          <a:noFill/>
+          <a:effectLst/>
+        </p:spPr>
+        <p:txBody>
+          <a:bodyPr wrap="square">
+            <a:spAutoFit/>
+          </a:bodyPr>
+          <a:lstStyle/>
+          <a:p>
+            <a:pPr algn="l"/>
+            <a:r>
+              <a:rPr lang="en-US" altLang="zh-CN" sz="1600" dirty="0" smtClean="0">
+                <a:solidFill>
+                  <a:schemeClr val="lt1"/>
+                </a:solidFill>
+                <a:latin typeface="微软雅黑" panose="020B0503020204020204" pitchFamily="34" charset="-122"/>
+                <a:ea typeface="微软雅黑" panose="020B0503020204020204" pitchFamily="34" charset="-122"/>
+              </a:rPr>
+              <a:t>     </a:t>
+            </a:r>
+            <a:r>
+              <a:rPr lang="en-US" altLang="zh-CN" sz="1600" dirty="0" err="1" smtClean="0">
+                <a:solidFill>
+                  <a:schemeClr val="lt1"/>
+                </a:solidFill>
+                <a:latin typeface="微软雅黑" panose="020B0503020204020204" pitchFamily="34" charset="-122"/>
+                <a:ea typeface="微软雅黑" panose="020B0503020204020204" pitchFamily="34" charset="-122"/>
+              </a:rPr>
+              <a:t>appl</a:t>
+            </a:r>
+            <a:r>
+              <a:rPr lang="en-US" altLang="zh-CN" sz="1600" dirty="0" smtClean="0">
+                <a:solidFill>
+                  <a:schemeClr val="lt1"/>
+                </a:solidFill>
+                <a:latin typeface="微软雅黑" panose="020B0503020204020204" pitchFamily="34" charset="-122"/>
+                <a:ea typeface="微软雅黑" panose="020B0503020204020204" pitchFamily="34" charset="-122"/>
+              </a:rPr>
+              <a:t>  </a:t>
+            </a:r>
+            <a:r>
+              <a:rPr lang="zh-CN" altLang="en-US" sz="1600" dirty="0" smtClean="0">
+                <a:solidFill>
+                  <a:schemeClr val="lt1"/>
+                </a:solidFill>
+                <a:latin typeface="微软雅黑" panose="020B0503020204020204" pitchFamily="34" charset="-122"/>
+                <a:ea typeface="微软雅黑" panose="020B0503020204020204" pitchFamily="34" charset="-122"/>
+              </a:rPr>
+              <a:t>正在执行某种操作的</a:t>
+            </a:r>
+            <a:r>
+              <a:rPr lang="zh-CN" altLang="en-US" sz="1600" dirty="0">
+                <a:solidFill>
+                  <a:schemeClr val="lt1"/>
+                </a:solidFill>
+                <a:latin typeface="微软雅黑" panose="020B0503020204020204" pitchFamily="34" charset="-122"/>
+                <a:ea typeface="微软雅黑" panose="020B0503020204020204" pitchFamily="34" charset="-122"/>
+              </a:rPr>
+              <a:t>服务</a:t>
+            </a:r>
+            <a:r>
+              <a:rPr lang="zh-CN" altLang="en-US" sz="1600" dirty="0" smtClean="0">
+                <a:solidFill>
+                  <a:schemeClr val="lt1"/>
+                </a:solidFill>
+                <a:latin typeface="微软雅黑" panose="020B0503020204020204" pitchFamily="34" charset="-122"/>
+                <a:ea typeface="微软雅黑" panose="020B0503020204020204" pitchFamily="34" charset="-122"/>
+              </a:rPr>
+              <a:t>端或客户端应用程序</a:t>
+            </a:r>
+            <a:endParaRPr lang="zh-CN" altLang="en-US" sz="1600" dirty="0">
+              <a:solidFill>
+                <a:schemeClr val="lt1"/>
+              </a:solidFill>
+              <a:latin typeface="微软雅黑" panose="020B0503020204020204" pitchFamily="34" charset="-122"/>
+              <a:ea typeface="微软雅黑" panose="020B0503020204020204" pitchFamily="34" charset="-122"/>
+            </a:endParaRPr>
+          </a:p>
+        </p:txBody>
+      </p:sp>
+      <p:sp>
+        <p:nvSpPr>
+          <p:cNvPr id="155" name="矩形 154">
+            <a:extLst>
+              <a:ext uri="{FF2B5EF4-FFF2-40B4-BE49-F238E27FC236}">
+                <a16:creationId xmlns="" xmlns:a16="http://schemas.microsoft.com/office/drawing/2014/main" id="{52401D3F-9B60-4139-A73E-19B6B5675630}"/>
+              </a:ext>
+            </a:extLst>
+          </p:cNvPr>
+          <p:cNvSpPr/>
+          <p:nvPr/>
+        </p:nvSpPr>
+        <p:spPr>
+          <a:xfrm>
+            <a:off x="355772" y="11471619"/>
+            <a:ext cx="3797800" cy="338554"/>
+          </a:xfrm>
+          <a:prstGeom prst="rect">
+            <a:avLst/>
+          </a:prstGeom>
+          <a:noFill/>
+          <a:effectLst/>
+        </p:spPr>
+        <p:txBody>
+          <a:bodyPr wrap="square">
+            <a:spAutoFit/>
+          </a:bodyPr>
+          <a:lstStyle/>
+          <a:p>
+            <a:pPr algn="l"/>
+            <a:r>
+              <a:rPr lang="en-US" altLang="zh-CN" sz="1600" dirty="0" smtClean="0">
+                <a:solidFill>
+                  <a:schemeClr val="lt1"/>
+                </a:solidFill>
+                <a:latin typeface="微软雅黑" panose="020B0503020204020204" pitchFamily="34" charset="-122"/>
+                <a:ea typeface="微软雅黑" panose="020B0503020204020204" pitchFamily="34" charset="-122"/>
+              </a:rPr>
+              <a:t>     send  </a:t>
+            </a:r>
+            <a:r>
+              <a:rPr lang="zh-CN" altLang="en-US" sz="1600" dirty="0" smtClean="0">
+                <a:solidFill>
+                  <a:schemeClr val="lt1"/>
+                </a:solidFill>
+                <a:latin typeface="微软雅黑" panose="020B0503020204020204" pitchFamily="34" charset="-122"/>
+                <a:ea typeface="微软雅黑" panose="020B0503020204020204" pitchFamily="34" charset="-122"/>
+              </a:rPr>
+              <a:t>发送数据</a:t>
+            </a:r>
+            <a:endParaRPr lang="zh-CN" altLang="en-US" sz="1600" dirty="0">
+              <a:solidFill>
+                <a:schemeClr val="lt1"/>
+              </a:solidFill>
+              <a:latin typeface="微软雅黑" panose="020B0503020204020204" pitchFamily="34" charset="-122"/>
+              <a:ea typeface="微软雅黑" panose="020B0503020204020204" pitchFamily="34" charset="-122"/>
+            </a:endParaRPr>
+          </a:p>
+        </p:txBody>
+      </p:sp>
+      <p:sp>
+        <p:nvSpPr>
+          <p:cNvPr id="156" name="矩形 155">
+            <a:extLst>
+              <a:ext uri="{FF2B5EF4-FFF2-40B4-BE49-F238E27FC236}">
+                <a16:creationId xmlns="" xmlns:a16="http://schemas.microsoft.com/office/drawing/2014/main" id="{52401D3F-9B60-4139-A73E-19B6B5675630}"/>
+              </a:ext>
+            </a:extLst>
+          </p:cNvPr>
+          <p:cNvSpPr/>
+          <p:nvPr/>
+        </p:nvSpPr>
+        <p:spPr>
+          <a:xfrm>
+            <a:off x="655009" y="11933433"/>
+            <a:ext cx="3498563" cy="338554"/>
+          </a:xfrm>
+          <a:prstGeom prst="rect">
+            <a:avLst/>
+          </a:prstGeom>
+          <a:noFill/>
+          <a:effectLst/>
+        </p:spPr>
+        <p:txBody>
+          <a:bodyPr wrap="square">
+            <a:spAutoFit/>
+          </a:bodyPr>
+          <a:lstStyle/>
+          <a:p>
+            <a:pPr algn="l"/>
+            <a:r>
+              <a:rPr lang="en-US" altLang="zh-CN" sz="1600" dirty="0" smtClean="0">
+                <a:solidFill>
+                  <a:schemeClr val="lt1"/>
+                </a:solidFill>
+                <a:latin typeface="微软雅黑" panose="020B0503020204020204" pitchFamily="34" charset="-122"/>
+                <a:ea typeface="微软雅黑" panose="020B0503020204020204" pitchFamily="34" charset="-122"/>
+              </a:rPr>
+              <a:t> </a:t>
+            </a:r>
+            <a:r>
+              <a:rPr lang="en-US" altLang="zh-CN" sz="1600" dirty="0" err="1" smtClean="0">
+                <a:solidFill>
+                  <a:schemeClr val="lt1"/>
+                </a:solidFill>
+                <a:latin typeface="微软雅黑" panose="020B0503020204020204" pitchFamily="34" charset="-122"/>
+                <a:ea typeface="微软雅黑" panose="020B0503020204020204" pitchFamily="34" charset="-122"/>
+              </a:rPr>
+              <a:t>recv</a:t>
+            </a:r>
+            <a:r>
+              <a:rPr lang="en-US" altLang="zh-CN" sz="1600" dirty="0" smtClean="0">
+                <a:solidFill>
+                  <a:schemeClr val="lt1"/>
+                </a:solidFill>
+                <a:latin typeface="微软雅黑" panose="020B0503020204020204" pitchFamily="34" charset="-122"/>
+                <a:ea typeface="微软雅黑" panose="020B0503020204020204" pitchFamily="34" charset="-122"/>
+              </a:rPr>
+              <a:t>  </a:t>
+            </a:r>
+            <a:r>
+              <a:rPr lang="zh-CN" altLang="en-US" sz="1600" dirty="0" smtClean="0">
+                <a:solidFill>
+                  <a:schemeClr val="lt1"/>
+                </a:solidFill>
+                <a:latin typeface="微软雅黑" panose="020B0503020204020204" pitchFamily="34" charset="-122"/>
+                <a:ea typeface="微软雅黑" panose="020B0503020204020204" pitchFamily="34" charset="-122"/>
+              </a:rPr>
+              <a:t>接收数据</a:t>
+            </a:r>
+            <a:endParaRPr lang="zh-CN" altLang="en-US" sz="1600" dirty="0">
+              <a:solidFill>
+                <a:schemeClr val="lt1"/>
+              </a:solidFill>
+              <a:latin typeface="微软雅黑" panose="020B0503020204020204" pitchFamily="34" charset="-122"/>
+              <a:ea typeface="微软雅黑" panose="020B0503020204020204" pitchFamily="34" charset="-122"/>
+            </a:endParaRPr>
+          </a:p>
+        </p:txBody>
+      </p:sp>
+      <p:sp>
+        <p:nvSpPr>
+          <p:cNvPr id="157" name="矩形 156">
+            <a:extLst>
+              <a:ext uri="{FF2B5EF4-FFF2-40B4-BE49-F238E27FC236}">
+                <a16:creationId xmlns="" xmlns:a16="http://schemas.microsoft.com/office/drawing/2014/main" id="{276C898D-0BD3-4299-A808-9012AD9385A2}"/>
+              </a:ext>
+            </a:extLst>
+          </p:cNvPr>
+          <p:cNvSpPr/>
+          <p:nvPr/>
+        </p:nvSpPr>
+        <p:spPr>
+          <a:xfrm>
+            <a:off x="4815472" y="12565235"/>
+            <a:ext cx="2460628" cy="369332"/>
+          </a:xfrm>
+          <a:prstGeom prst="rect">
+            <a:avLst/>
+          </a:prstGeom>
+          <a:effectLst/>
+        </p:spPr>
+        <p:txBody>
+          <a:bodyPr wrap="square">
+            <a:spAutoFit/>
+          </a:bodyPr>
+          <a:lstStyle/>
+          <a:p>
+            <a:r>
+              <a:rPr lang="en-US" altLang="zh-CN" sz="1800" dirty="0" smtClean="0">
+                <a:solidFill>
+                  <a:schemeClr val="lt1"/>
+                </a:solidFill>
+                <a:latin typeface="+mn-lt"/>
+                <a:ea typeface="+mn-ea"/>
+                <a:cs typeface="+mn-cs"/>
+              </a:rPr>
+              <a:t>TCP</a:t>
+            </a:r>
+            <a:r>
+              <a:rPr lang="zh-CN" altLang="en-US" sz="1800" dirty="0" smtClean="0">
+                <a:solidFill>
+                  <a:schemeClr val="lt1"/>
+                </a:solidFill>
+                <a:latin typeface="+mn-lt"/>
+                <a:ea typeface="+mn-ea"/>
+                <a:cs typeface="+mn-cs"/>
+              </a:rPr>
+              <a:t>状态变迁图</a:t>
+            </a:r>
+            <a:endParaRPr lang="zh-CN" altLang="en-US" sz="1800" dirty="0">
+              <a:solidFill>
+                <a:schemeClr val="lt1"/>
+              </a:solidFill>
+              <a:latin typeface="+mn-lt"/>
+              <a:ea typeface="+mn-ea"/>
+              <a:cs typeface="+mn-cs"/>
+            </a:endParaRPr>
+          </a:p>
+        </p:txBody>
+      </p:sp>
+    </p:spTree>
+    <p:extLst>
+      <p:ext uri="{BB962C8B-B14F-4D97-AF65-F5344CB8AC3E}">
+        <p14:creationId xmlns:p14="http://schemas.microsoft.com/office/powerpoint/2010/main" val="2618768438"/>
       </p:ext>
     </p:extLst>
   </p:cSld>

--- a/计算机网络/TCP和HTTP/示意图.pptx
+++ b/计算机网络/TCP和HTTP/示意图.pptx
@@ -1296,7 +1296,7 @@
           <p:cNvPr id="4097" name="Rectangle 1">
             <a:extLst>
               <a:ext uri="{FF2B5EF4-FFF2-40B4-BE49-F238E27FC236}">
-                <a16:creationId xmlns="" xmlns:a16="http://schemas.microsoft.com/office/drawing/2014/main" id="{565A64E7-9CD6-4CA0-BB1F-239A37432A4C}"/>
+                <a16:creationId xmlns:a16="http://schemas.microsoft.com/office/drawing/2014/main" xmlns="" id="{565A64E7-9CD6-4CA0-BB1F-239A37432A4C}"/>
               </a:ext>
             </a:extLst>
           </p:cNvPr>
@@ -1356,7 +1356,7 @@
           <p:cNvPr id="4098" name="Rectangle 2">
             <a:extLst>
               <a:ext uri="{FF2B5EF4-FFF2-40B4-BE49-F238E27FC236}">
-                <a16:creationId xmlns="" xmlns:a16="http://schemas.microsoft.com/office/drawing/2014/main" id="{BEC89F56-1C5B-450B-BA44-8C5C6738B526}"/>
+                <a16:creationId xmlns:a16="http://schemas.microsoft.com/office/drawing/2014/main" xmlns="" id="{BEC89F56-1C5B-450B-BA44-8C5C6738B526}"/>
               </a:ext>
             </a:extLst>
           </p:cNvPr>
@@ -1639,7 +1639,7 @@
           <p:cNvPr id="2" name="标题 1">
             <a:extLst>
               <a:ext uri="{FF2B5EF4-FFF2-40B4-BE49-F238E27FC236}">
-                <a16:creationId xmlns="" xmlns:a16="http://schemas.microsoft.com/office/drawing/2014/main" id="{33920F4C-4250-4125-8984-E27C967C7C91}"/>
+                <a16:creationId xmlns:a16="http://schemas.microsoft.com/office/drawing/2014/main" xmlns="" id="{33920F4C-4250-4125-8984-E27C967C7C91}"/>
               </a:ext>
             </a:extLst>
           </p:cNvPr>
@@ -1679,7 +1679,7 @@
           <p:cNvPr id="3" name="副标题 2">
             <a:extLst>
               <a:ext uri="{FF2B5EF4-FFF2-40B4-BE49-F238E27FC236}">
-                <a16:creationId xmlns="" xmlns:a16="http://schemas.microsoft.com/office/drawing/2014/main" id="{CCF65E6E-81FD-4631-BDBA-343341FD9BED}"/>
+                <a16:creationId xmlns:a16="http://schemas.microsoft.com/office/drawing/2014/main" xmlns="" id="{CCF65E6E-81FD-4631-BDBA-343341FD9BED}"/>
               </a:ext>
             </a:extLst>
           </p:cNvPr>
@@ -1752,7 +1752,7 @@
           <p:cNvPr id="4" name="灯片编号占位符 3">
             <a:extLst>
               <a:ext uri="{FF2B5EF4-FFF2-40B4-BE49-F238E27FC236}">
-                <a16:creationId xmlns="" xmlns:a16="http://schemas.microsoft.com/office/drawing/2014/main" id="{47937965-0035-43F3-A8F9-BA99A5C466AA}"/>
+                <a16:creationId xmlns:a16="http://schemas.microsoft.com/office/drawing/2014/main" xmlns="" id="{47937965-0035-43F3-A8F9-BA99A5C466AA}"/>
               </a:ext>
             </a:extLst>
           </p:cNvPr>
@@ -1816,7 +1816,7 @@
           <p:cNvPr id="2" name="标题 1">
             <a:extLst>
               <a:ext uri="{FF2B5EF4-FFF2-40B4-BE49-F238E27FC236}">
-                <a16:creationId xmlns="" xmlns:a16="http://schemas.microsoft.com/office/drawing/2014/main" id="{5B0188C7-8DF4-45E6-BB0A-3DE8FA47D954}"/>
+                <a16:creationId xmlns:a16="http://schemas.microsoft.com/office/drawing/2014/main" xmlns="" id="{5B0188C7-8DF4-45E6-BB0A-3DE8FA47D954}"/>
               </a:ext>
             </a:extLst>
           </p:cNvPr>
@@ -1852,7 +1852,7 @@
           <p:cNvPr id="3" name="竖排文字占位符 2">
             <a:extLst>
               <a:ext uri="{FF2B5EF4-FFF2-40B4-BE49-F238E27FC236}">
-                <a16:creationId xmlns="" xmlns:a16="http://schemas.microsoft.com/office/drawing/2014/main" id="{332766E8-BF75-446A-964B-9715DDF66D28}"/>
+                <a16:creationId xmlns:a16="http://schemas.microsoft.com/office/drawing/2014/main" xmlns="" id="{332766E8-BF75-446A-964B-9715DDF66D28}"/>
               </a:ext>
             </a:extLst>
           </p:cNvPr>
@@ -1917,7 +1917,7 @@
           <p:cNvPr id="4" name="灯片编号占位符 3">
             <a:extLst>
               <a:ext uri="{FF2B5EF4-FFF2-40B4-BE49-F238E27FC236}">
-                <a16:creationId xmlns="" xmlns:a16="http://schemas.microsoft.com/office/drawing/2014/main" id="{553A1DE0-A6FD-4D1F-A299-AD52DB77F17D}"/>
+                <a16:creationId xmlns:a16="http://schemas.microsoft.com/office/drawing/2014/main" xmlns="" id="{553A1DE0-A6FD-4D1F-A299-AD52DB77F17D}"/>
               </a:ext>
             </a:extLst>
           </p:cNvPr>
@@ -1981,7 +1981,7 @@
           <p:cNvPr id="2" name="竖排标题 1">
             <a:extLst>
               <a:ext uri="{FF2B5EF4-FFF2-40B4-BE49-F238E27FC236}">
-                <a16:creationId xmlns="" xmlns:a16="http://schemas.microsoft.com/office/drawing/2014/main" id="{91216533-0BD7-4F3B-AC52-7D59BF32C6B7}"/>
+                <a16:creationId xmlns:a16="http://schemas.microsoft.com/office/drawing/2014/main" xmlns="" id="{91216533-0BD7-4F3B-AC52-7D59BF32C6B7}"/>
               </a:ext>
             </a:extLst>
           </p:cNvPr>
@@ -2017,7 +2017,7 @@
           <p:cNvPr id="3" name="竖排文字占位符 2">
             <a:extLst>
               <a:ext uri="{FF2B5EF4-FFF2-40B4-BE49-F238E27FC236}">
-                <a16:creationId xmlns="" xmlns:a16="http://schemas.microsoft.com/office/drawing/2014/main" id="{4B9DCB10-4EE5-4A4E-A344-9273E798B8A0}"/>
+                <a16:creationId xmlns:a16="http://schemas.microsoft.com/office/drawing/2014/main" xmlns="" id="{4B9DCB10-4EE5-4A4E-A344-9273E798B8A0}"/>
               </a:ext>
             </a:extLst>
           </p:cNvPr>
@@ -2082,7 +2082,7 @@
           <p:cNvPr id="4" name="灯片编号占位符 3">
             <a:extLst>
               <a:ext uri="{FF2B5EF4-FFF2-40B4-BE49-F238E27FC236}">
-                <a16:creationId xmlns="" xmlns:a16="http://schemas.microsoft.com/office/drawing/2014/main" id="{36606AC1-ADDE-49A6-9E3D-5F936A179597}"/>
+                <a16:creationId xmlns:a16="http://schemas.microsoft.com/office/drawing/2014/main" xmlns="" id="{36606AC1-ADDE-49A6-9E3D-5F936A179597}"/>
               </a:ext>
             </a:extLst>
           </p:cNvPr>
@@ -2146,7 +2146,7 @@
           <p:cNvPr id="2" name="标题 1">
             <a:extLst>
               <a:ext uri="{FF2B5EF4-FFF2-40B4-BE49-F238E27FC236}">
-                <a16:creationId xmlns="" xmlns:a16="http://schemas.microsoft.com/office/drawing/2014/main" id="{1AB45643-41E5-4F8A-A3FB-70282E6F91E4}"/>
+                <a16:creationId xmlns:a16="http://schemas.microsoft.com/office/drawing/2014/main" xmlns="" id="{1AB45643-41E5-4F8A-A3FB-70282E6F91E4}"/>
               </a:ext>
             </a:extLst>
           </p:cNvPr>
@@ -2182,7 +2182,7 @@
           <p:cNvPr id="3" name="内容占位符 2">
             <a:extLst>
               <a:ext uri="{FF2B5EF4-FFF2-40B4-BE49-F238E27FC236}">
-                <a16:creationId xmlns="" xmlns:a16="http://schemas.microsoft.com/office/drawing/2014/main" id="{E635A896-792B-4191-811D-D0D9BE8A97FD}"/>
+                <a16:creationId xmlns:a16="http://schemas.microsoft.com/office/drawing/2014/main" xmlns="" id="{E635A896-792B-4191-811D-D0D9BE8A97FD}"/>
               </a:ext>
             </a:extLst>
           </p:cNvPr>
@@ -2247,7 +2247,7 @@
           <p:cNvPr id="4" name="灯片编号占位符 3">
             <a:extLst>
               <a:ext uri="{FF2B5EF4-FFF2-40B4-BE49-F238E27FC236}">
-                <a16:creationId xmlns="" xmlns:a16="http://schemas.microsoft.com/office/drawing/2014/main" id="{2752FF08-65C9-4F66-835B-7EDC0DD8252F}"/>
+                <a16:creationId xmlns:a16="http://schemas.microsoft.com/office/drawing/2014/main" xmlns="" id="{2752FF08-65C9-4F66-835B-7EDC0DD8252F}"/>
               </a:ext>
             </a:extLst>
           </p:cNvPr>
@@ -2311,7 +2311,7 @@
           <p:cNvPr id="2" name="标题 1">
             <a:extLst>
               <a:ext uri="{FF2B5EF4-FFF2-40B4-BE49-F238E27FC236}">
-                <a16:creationId xmlns="" xmlns:a16="http://schemas.microsoft.com/office/drawing/2014/main" id="{DEF0F9E6-6E4E-4C9E-A98D-EF8DABD21CAB}"/>
+                <a16:creationId xmlns:a16="http://schemas.microsoft.com/office/drawing/2014/main" xmlns="" id="{DEF0F9E6-6E4E-4C9E-A98D-EF8DABD21CAB}"/>
               </a:ext>
             </a:extLst>
           </p:cNvPr>
@@ -2351,7 +2351,7 @@
           <p:cNvPr id="3" name="文本占位符 2">
             <a:extLst>
               <a:ext uri="{FF2B5EF4-FFF2-40B4-BE49-F238E27FC236}">
-                <a16:creationId xmlns="" xmlns:a16="http://schemas.microsoft.com/office/drawing/2014/main" id="{8D9ABEE6-AE6E-4050-8164-5EBC00252ACF}"/>
+                <a16:creationId xmlns:a16="http://schemas.microsoft.com/office/drawing/2014/main" xmlns="" id="{8D9ABEE6-AE6E-4050-8164-5EBC00252ACF}"/>
               </a:ext>
             </a:extLst>
           </p:cNvPr>
@@ -2425,7 +2425,7 @@
           <p:cNvPr id="4" name="灯片编号占位符 3">
             <a:extLst>
               <a:ext uri="{FF2B5EF4-FFF2-40B4-BE49-F238E27FC236}">
-                <a16:creationId xmlns="" xmlns:a16="http://schemas.microsoft.com/office/drawing/2014/main" id="{8E786AA7-4871-4B03-B855-2BCA04E63482}"/>
+                <a16:creationId xmlns:a16="http://schemas.microsoft.com/office/drawing/2014/main" xmlns="" id="{8E786AA7-4871-4B03-B855-2BCA04E63482}"/>
               </a:ext>
             </a:extLst>
           </p:cNvPr>
@@ -2489,7 +2489,7 @@
           <p:cNvPr id="2" name="标题 1">
             <a:extLst>
               <a:ext uri="{FF2B5EF4-FFF2-40B4-BE49-F238E27FC236}">
-                <a16:creationId xmlns="" xmlns:a16="http://schemas.microsoft.com/office/drawing/2014/main" id="{757AFEB8-002C-464E-9FC8-10826243CD30}"/>
+                <a16:creationId xmlns:a16="http://schemas.microsoft.com/office/drawing/2014/main" xmlns="" id="{757AFEB8-002C-464E-9FC8-10826243CD30}"/>
               </a:ext>
             </a:extLst>
           </p:cNvPr>
@@ -2525,7 +2525,7 @@
           <p:cNvPr id="3" name="内容占位符 2">
             <a:extLst>
               <a:ext uri="{FF2B5EF4-FFF2-40B4-BE49-F238E27FC236}">
-                <a16:creationId xmlns="" xmlns:a16="http://schemas.microsoft.com/office/drawing/2014/main" id="{343C147F-0E80-4BC5-88C0-0B13AB1C0E8E}"/>
+                <a16:creationId xmlns:a16="http://schemas.microsoft.com/office/drawing/2014/main" xmlns="" id="{343C147F-0E80-4BC5-88C0-0B13AB1C0E8E}"/>
               </a:ext>
             </a:extLst>
           </p:cNvPr>
@@ -2590,7 +2590,7 @@
           <p:cNvPr id="4" name="内容占位符 3">
             <a:extLst>
               <a:ext uri="{FF2B5EF4-FFF2-40B4-BE49-F238E27FC236}">
-                <a16:creationId xmlns="" xmlns:a16="http://schemas.microsoft.com/office/drawing/2014/main" id="{ABE29A0D-470A-4D24-B5E4-D69B45AFAA1A}"/>
+                <a16:creationId xmlns:a16="http://schemas.microsoft.com/office/drawing/2014/main" xmlns="" id="{ABE29A0D-470A-4D24-B5E4-D69B45AFAA1A}"/>
               </a:ext>
             </a:extLst>
           </p:cNvPr>
@@ -2655,7 +2655,7 @@
           <p:cNvPr id="5" name="灯片编号占位符 4">
             <a:extLst>
               <a:ext uri="{FF2B5EF4-FFF2-40B4-BE49-F238E27FC236}">
-                <a16:creationId xmlns="" xmlns:a16="http://schemas.microsoft.com/office/drawing/2014/main" id="{3D4E71FC-FA32-40B2-A781-96D870E3A664}"/>
+                <a16:creationId xmlns:a16="http://schemas.microsoft.com/office/drawing/2014/main" xmlns="" id="{3D4E71FC-FA32-40B2-A781-96D870E3A664}"/>
               </a:ext>
             </a:extLst>
           </p:cNvPr>
@@ -2719,7 +2719,7 @@
           <p:cNvPr id="2" name="标题 1">
             <a:extLst>
               <a:ext uri="{FF2B5EF4-FFF2-40B4-BE49-F238E27FC236}">
-                <a16:creationId xmlns="" xmlns:a16="http://schemas.microsoft.com/office/drawing/2014/main" id="{D088E822-3460-4549-B734-2357F8BD35D2}"/>
+                <a16:creationId xmlns:a16="http://schemas.microsoft.com/office/drawing/2014/main" xmlns="" id="{D088E822-3460-4549-B734-2357F8BD35D2}"/>
               </a:ext>
             </a:extLst>
           </p:cNvPr>
@@ -2755,7 +2755,7 @@
           <p:cNvPr id="3" name="文本占位符 2">
             <a:extLst>
               <a:ext uri="{FF2B5EF4-FFF2-40B4-BE49-F238E27FC236}">
-                <a16:creationId xmlns="" xmlns:a16="http://schemas.microsoft.com/office/drawing/2014/main" id="{25F6B7B6-AAD1-46DE-812D-E279B2BA4CAA}"/>
+                <a16:creationId xmlns:a16="http://schemas.microsoft.com/office/drawing/2014/main" xmlns="" id="{25F6B7B6-AAD1-46DE-812D-E279B2BA4CAA}"/>
               </a:ext>
             </a:extLst>
           </p:cNvPr>
@@ -2829,7 +2829,7 @@
           <p:cNvPr id="4" name="内容占位符 3">
             <a:extLst>
               <a:ext uri="{FF2B5EF4-FFF2-40B4-BE49-F238E27FC236}">
-                <a16:creationId xmlns="" xmlns:a16="http://schemas.microsoft.com/office/drawing/2014/main" id="{E6EF8512-4BCF-429F-98B6-A40F21E02F3B}"/>
+                <a16:creationId xmlns:a16="http://schemas.microsoft.com/office/drawing/2014/main" xmlns="" id="{E6EF8512-4BCF-429F-98B6-A40F21E02F3B}"/>
               </a:ext>
             </a:extLst>
           </p:cNvPr>
@@ -2894,7 +2894,7 @@
           <p:cNvPr id="5" name="文本占位符 4">
             <a:extLst>
               <a:ext uri="{FF2B5EF4-FFF2-40B4-BE49-F238E27FC236}">
-                <a16:creationId xmlns="" xmlns:a16="http://schemas.microsoft.com/office/drawing/2014/main" id="{2E43955C-CB2E-44EA-8DEC-762EDA6D8F57}"/>
+                <a16:creationId xmlns:a16="http://schemas.microsoft.com/office/drawing/2014/main" xmlns="" id="{2E43955C-CB2E-44EA-8DEC-762EDA6D8F57}"/>
               </a:ext>
             </a:extLst>
           </p:cNvPr>
@@ -2968,7 +2968,7 @@
           <p:cNvPr id="6" name="内容占位符 5">
             <a:extLst>
               <a:ext uri="{FF2B5EF4-FFF2-40B4-BE49-F238E27FC236}">
-                <a16:creationId xmlns="" xmlns:a16="http://schemas.microsoft.com/office/drawing/2014/main" id="{FF04F6E5-926D-46BC-967B-30BA700C57B5}"/>
+                <a16:creationId xmlns:a16="http://schemas.microsoft.com/office/drawing/2014/main" xmlns="" id="{FF04F6E5-926D-46BC-967B-30BA700C57B5}"/>
               </a:ext>
             </a:extLst>
           </p:cNvPr>
@@ -3033,7 +3033,7 @@
           <p:cNvPr id="7" name="灯片编号占位符 6">
             <a:extLst>
               <a:ext uri="{FF2B5EF4-FFF2-40B4-BE49-F238E27FC236}">
-                <a16:creationId xmlns="" xmlns:a16="http://schemas.microsoft.com/office/drawing/2014/main" id="{A67352EA-DCBA-42ED-B669-CF6A9048E629}"/>
+                <a16:creationId xmlns:a16="http://schemas.microsoft.com/office/drawing/2014/main" xmlns="" id="{A67352EA-DCBA-42ED-B669-CF6A9048E629}"/>
               </a:ext>
             </a:extLst>
           </p:cNvPr>
@@ -3097,7 +3097,7 @@
           <p:cNvPr id="2" name="标题 1">
             <a:extLst>
               <a:ext uri="{FF2B5EF4-FFF2-40B4-BE49-F238E27FC236}">
-                <a16:creationId xmlns="" xmlns:a16="http://schemas.microsoft.com/office/drawing/2014/main" id="{566439B8-A890-4BF3-A5FC-9269282A0AA1}"/>
+                <a16:creationId xmlns:a16="http://schemas.microsoft.com/office/drawing/2014/main" xmlns="" id="{566439B8-A890-4BF3-A5FC-9269282A0AA1}"/>
               </a:ext>
             </a:extLst>
           </p:cNvPr>
@@ -3133,7 +3133,7 @@
           <p:cNvPr id="3" name="灯片编号占位符 2">
             <a:extLst>
               <a:ext uri="{FF2B5EF4-FFF2-40B4-BE49-F238E27FC236}">
-                <a16:creationId xmlns="" xmlns:a16="http://schemas.microsoft.com/office/drawing/2014/main" id="{DC232DAC-B15C-46F2-8CAE-846C4A5E236A}"/>
+                <a16:creationId xmlns:a16="http://schemas.microsoft.com/office/drawing/2014/main" xmlns="" id="{DC232DAC-B15C-46F2-8CAE-846C4A5E236A}"/>
               </a:ext>
             </a:extLst>
           </p:cNvPr>
@@ -3197,7 +3197,7 @@
           <p:cNvPr id="2" name="灯片编号占位符 1">
             <a:extLst>
               <a:ext uri="{FF2B5EF4-FFF2-40B4-BE49-F238E27FC236}">
-                <a16:creationId xmlns="" xmlns:a16="http://schemas.microsoft.com/office/drawing/2014/main" id="{97A36CCC-2ABB-464B-82A7-289602FB00C7}"/>
+                <a16:creationId xmlns:a16="http://schemas.microsoft.com/office/drawing/2014/main" xmlns="" id="{97A36CCC-2ABB-464B-82A7-289602FB00C7}"/>
               </a:ext>
             </a:extLst>
           </p:cNvPr>
@@ -3261,7 +3261,7 @@
           <p:cNvPr id="2" name="标题 1">
             <a:extLst>
               <a:ext uri="{FF2B5EF4-FFF2-40B4-BE49-F238E27FC236}">
-                <a16:creationId xmlns="" xmlns:a16="http://schemas.microsoft.com/office/drawing/2014/main" id="{34A01729-8E96-427E-B87C-84725AC1F1A2}"/>
+                <a16:creationId xmlns:a16="http://schemas.microsoft.com/office/drawing/2014/main" xmlns="" id="{34A01729-8E96-427E-B87C-84725AC1F1A2}"/>
               </a:ext>
             </a:extLst>
           </p:cNvPr>
@@ -3301,7 +3301,7 @@
           <p:cNvPr id="3" name="内容占位符 2">
             <a:extLst>
               <a:ext uri="{FF2B5EF4-FFF2-40B4-BE49-F238E27FC236}">
-                <a16:creationId xmlns="" xmlns:a16="http://schemas.microsoft.com/office/drawing/2014/main" id="{E129B704-0C29-4DA0-AAE3-8730A27EC2C3}"/>
+                <a16:creationId xmlns:a16="http://schemas.microsoft.com/office/drawing/2014/main" xmlns="" id="{E129B704-0C29-4DA0-AAE3-8730A27EC2C3}"/>
               </a:ext>
             </a:extLst>
           </p:cNvPr>
@@ -3394,7 +3394,7 @@
           <p:cNvPr id="4" name="文本占位符 3">
             <a:extLst>
               <a:ext uri="{FF2B5EF4-FFF2-40B4-BE49-F238E27FC236}">
-                <a16:creationId xmlns="" xmlns:a16="http://schemas.microsoft.com/office/drawing/2014/main" id="{BD61614F-03CD-4D7C-AB94-0D876667233E}"/>
+                <a16:creationId xmlns:a16="http://schemas.microsoft.com/office/drawing/2014/main" xmlns="" id="{BD61614F-03CD-4D7C-AB94-0D876667233E}"/>
               </a:ext>
             </a:extLst>
           </p:cNvPr>
@@ -3468,7 +3468,7 @@
           <p:cNvPr id="5" name="灯片编号占位符 4">
             <a:extLst>
               <a:ext uri="{FF2B5EF4-FFF2-40B4-BE49-F238E27FC236}">
-                <a16:creationId xmlns="" xmlns:a16="http://schemas.microsoft.com/office/drawing/2014/main" id="{5F584EEA-F424-4D5A-9512-C341C6F74527}"/>
+                <a16:creationId xmlns:a16="http://schemas.microsoft.com/office/drawing/2014/main" xmlns="" id="{5F584EEA-F424-4D5A-9512-C341C6F74527}"/>
               </a:ext>
             </a:extLst>
           </p:cNvPr>
@@ -3532,7 +3532,7 @@
           <p:cNvPr id="2" name="标题 1">
             <a:extLst>
               <a:ext uri="{FF2B5EF4-FFF2-40B4-BE49-F238E27FC236}">
-                <a16:creationId xmlns="" xmlns:a16="http://schemas.microsoft.com/office/drawing/2014/main" id="{8AC0D9A2-D4AA-4901-B563-F938E76BA47B}"/>
+                <a16:creationId xmlns:a16="http://schemas.microsoft.com/office/drawing/2014/main" xmlns="" id="{8AC0D9A2-D4AA-4901-B563-F938E76BA47B}"/>
               </a:ext>
             </a:extLst>
           </p:cNvPr>
@@ -3572,7 +3572,7 @@
           <p:cNvPr id="3" name="图片占位符 2">
             <a:extLst>
               <a:ext uri="{FF2B5EF4-FFF2-40B4-BE49-F238E27FC236}">
-                <a16:creationId xmlns="" xmlns:a16="http://schemas.microsoft.com/office/drawing/2014/main" id="{55B52424-42FD-4880-9E96-0C7B44DF59E6}"/>
+                <a16:creationId xmlns:a16="http://schemas.microsoft.com/office/drawing/2014/main" xmlns="" id="{55B52424-42FD-4880-9E96-0C7B44DF59E6}"/>
               </a:ext>
             </a:extLst>
           </p:cNvPr>
@@ -3642,7 +3642,7 @@
           <p:cNvPr id="4" name="文本占位符 3">
             <a:extLst>
               <a:ext uri="{FF2B5EF4-FFF2-40B4-BE49-F238E27FC236}">
-                <a16:creationId xmlns="" xmlns:a16="http://schemas.microsoft.com/office/drawing/2014/main" id="{A9ACC898-B51A-4746-96CF-9C1B90950FE9}"/>
+                <a16:creationId xmlns:a16="http://schemas.microsoft.com/office/drawing/2014/main" xmlns="" id="{A9ACC898-B51A-4746-96CF-9C1B90950FE9}"/>
               </a:ext>
             </a:extLst>
           </p:cNvPr>
@@ -3716,7 +3716,7 @@
           <p:cNvPr id="5" name="灯片编号占位符 4">
             <a:extLst>
               <a:ext uri="{FF2B5EF4-FFF2-40B4-BE49-F238E27FC236}">
-                <a16:creationId xmlns="" xmlns:a16="http://schemas.microsoft.com/office/drawing/2014/main" id="{FF76DA64-88F7-483C-AE16-E94C47973A01}"/>
+                <a16:creationId xmlns:a16="http://schemas.microsoft.com/office/drawing/2014/main" xmlns="" id="{FF76DA64-88F7-483C-AE16-E94C47973A01}"/>
               </a:ext>
             </a:extLst>
           </p:cNvPr>
@@ -3788,7 +3788,7 @@
           <p:cNvPr id="2049" name="Picture 1" descr="ppt元素-11.png">
             <a:extLst>
               <a:ext uri="{FF2B5EF4-FFF2-40B4-BE49-F238E27FC236}">
-                <a16:creationId xmlns="" xmlns:a16="http://schemas.microsoft.com/office/drawing/2014/main" id="{4CBE4F7A-DF60-480C-A0F2-6DFBCF878D11}"/>
+                <a16:creationId xmlns:a16="http://schemas.microsoft.com/office/drawing/2014/main" xmlns="" id="{4CBE4F7A-DF60-480C-A0F2-6DFBCF878D11}"/>
               </a:ext>
             </a:extLst>
           </p:cNvPr>
@@ -3859,7 +3859,7 @@
           <p:cNvPr id="2050" name="Rectangle 2">
             <a:extLst>
               <a:ext uri="{FF2B5EF4-FFF2-40B4-BE49-F238E27FC236}">
-                <a16:creationId xmlns="" xmlns:a16="http://schemas.microsoft.com/office/drawing/2014/main" id="{8C0EE73C-67BB-4C42-8BD8-750C3733AD42}"/>
+                <a16:creationId xmlns:a16="http://schemas.microsoft.com/office/drawing/2014/main" xmlns="" id="{8C0EE73C-67BB-4C42-8BD8-750C3733AD42}"/>
               </a:ext>
             </a:extLst>
           </p:cNvPr>
@@ -4410,7 +4410,7 @@
           <p:cNvPr id="38" name="图片 37">
             <a:extLst>
               <a:ext uri="{FF2B5EF4-FFF2-40B4-BE49-F238E27FC236}">
-                <a16:creationId xmlns="" xmlns:a16="http://schemas.microsoft.com/office/drawing/2014/main" id="{C49BA596-B860-41A3-9734-D1BA0CD74A42}"/>
+                <a16:creationId xmlns:a16="http://schemas.microsoft.com/office/drawing/2014/main" xmlns="" id="{C49BA596-B860-41A3-9734-D1BA0CD74A42}"/>
               </a:ext>
             </a:extLst>
           </p:cNvPr>
@@ -4507,7 +4507,7 @@
             <p:cNvPr id="16" name="图片 15">
               <a:extLst>
                 <a:ext uri="{FF2B5EF4-FFF2-40B4-BE49-F238E27FC236}">
-                  <a16:creationId xmlns="" xmlns:a16="http://schemas.microsoft.com/office/drawing/2014/main" id="{C49BA596-B860-41A3-9734-D1BA0CD74A42}"/>
+                  <a16:creationId xmlns:a16="http://schemas.microsoft.com/office/drawing/2014/main" xmlns="" id="{C49BA596-B860-41A3-9734-D1BA0CD74A42}"/>
                 </a:ext>
               </a:extLst>
             </p:cNvPr>
@@ -4547,7 +4547,7 @@
             <p:cNvPr id="17" name="图片 16">
               <a:extLst>
                 <a:ext uri="{FF2B5EF4-FFF2-40B4-BE49-F238E27FC236}">
-                  <a16:creationId xmlns="" xmlns:a16="http://schemas.microsoft.com/office/drawing/2014/main" id="{C49BA596-B860-41A3-9734-D1BA0CD74A42}"/>
+                  <a16:creationId xmlns:a16="http://schemas.microsoft.com/office/drawing/2014/main" xmlns="" id="{C49BA596-B860-41A3-9734-D1BA0CD74A42}"/>
                 </a:ext>
               </a:extLst>
             </p:cNvPr>
@@ -4588,7 +4588,7 @@
           <p:cNvPr id="19" name="流程图: 过程 18">
             <a:extLst>
               <a:ext uri="{FF2B5EF4-FFF2-40B4-BE49-F238E27FC236}">
-                <a16:creationId xmlns="" xmlns:a16="http://schemas.microsoft.com/office/drawing/2014/main" id="{DEE6F68B-D383-4456-A945-5D2426316FC6}"/>
+                <a16:creationId xmlns:a16="http://schemas.microsoft.com/office/drawing/2014/main" xmlns="" id="{DEE6F68B-D383-4456-A945-5D2426316FC6}"/>
               </a:ext>
             </a:extLst>
           </p:cNvPr>
@@ -4649,7 +4649,7 @@
           <p:cNvPr id="20" name="流程图: 过程 19">
             <a:extLst>
               <a:ext uri="{FF2B5EF4-FFF2-40B4-BE49-F238E27FC236}">
-                <a16:creationId xmlns="" xmlns:a16="http://schemas.microsoft.com/office/drawing/2014/main" id="{DEE6F68B-D383-4456-A945-5D2426316FC6}"/>
+                <a16:creationId xmlns:a16="http://schemas.microsoft.com/office/drawing/2014/main" xmlns="" id="{DEE6F68B-D383-4456-A945-5D2426316FC6}"/>
               </a:ext>
             </a:extLst>
           </p:cNvPr>
@@ -4815,7 +4815,7 @@
           <p:cNvPr id="32" name="流程图: 过程 31">
             <a:extLst>
               <a:ext uri="{FF2B5EF4-FFF2-40B4-BE49-F238E27FC236}">
-                <a16:creationId xmlns="" xmlns:a16="http://schemas.microsoft.com/office/drawing/2014/main" id="{DEE6F68B-D383-4456-A945-5D2426316FC6}"/>
+                <a16:creationId xmlns:a16="http://schemas.microsoft.com/office/drawing/2014/main" xmlns="" id="{DEE6F68B-D383-4456-A945-5D2426316FC6}"/>
               </a:ext>
             </a:extLst>
           </p:cNvPr>
@@ -4884,7 +4884,7 @@
           <p:cNvPr id="34" name="流程图: 过程 33">
             <a:extLst>
               <a:ext uri="{FF2B5EF4-FFF2-40B4-BE49-F238E27FC236}">
-                <a16:creationId xmlns="" xmlns:a16="http://schemas.microsoft.com/office/drawing/2014/main" id="{DEE6F68B-D383-4456-A945-5D2426316FC6}"/>
+                <a16:creationId xmlns:a16="http://schemas.microsoft.com/office/drawing/2014/main" xmlns="" id="{DEE6F68B-D383-4456-A945-5D2426316FC6}"/>
               </a:ext>
             </a:extLst>
           </p:cNvPr>
@@ -5207,7 +5207,7 @@
           <p:cNvPr id="42" name="流程图: 过程 41">
             <a:extLst>
               <a:ext uri="{FF2B5EF4-FFF2-40B4-BE49-F238E27FC236}">
-                <a16:creationId xmlns="" xmlns:a16="http://schemas.microsoft.com/office/drawing/2014/main" id="{DEE6F68B-D383-4456-A945-5D2426316FC6}"/>
+                <a16:creationId xmlns:a16="http://schemas.microsoft.com/office/drawing/2014/main" xmlns="" id="{DEE6F68B-D383-4456-A945-5D2426316FC6}"/>
               </a:ext>
             </a:extLst>
           </p:cNvPr>
@@ -5272,7 +5272,7 @@
           <p:cNvPr id="43" name="流程图: 过程 42">
             <a:extLst>
               <a:ext uri="{FF2B5EF4-FFF2-40B4-BE49-F238E27FC236}">
-                <a16:creationId xmlns="" xmlns:a16="http://schemas.microsoft.com/office/drawing/2014/main" id="{DEE6F68B-D383-4456-A945-5D2426316FC6}"/>
+                <a16:creationId xmlns:a16="http://schemas.microsoft.com/office/drawing/2014/main" xmlns="" id="{DEE6F68B-D383-4456-A945-5D2426316FC6}"/>
               </a:ext>
             </a:extLst>
           </p:cNvPr>
@@ -5423,7 +5423,7 @@
           <p:cNvPr id="38" name="图片 37">
             <a:extLst>
               <a:ext uri="{FF2B5EF4-FFF2-40B4-BE49-F238E27FC236}">
-                <a16:creationId xmlns="" xmlns:a16="http://schemas.microsoft.com/office/drawing/2014/main" id="{C49BA596-B860-41A3-9734-D1BA0CD74A42}"/>
+                <a16:creationId xmlns:a16="http://schemas.microsoft.com/office/drawing/2014/main" xmlns="" id="{C49BA596-B860-41A3-9734-D1BA0CD74A42}"/>
               </a:ext>
             </a:extLst>
           </p:cNvPr>
@@ -5520,7 +5520,7 @@
             <p:cNvPr id="16" name="图片 15">
               <a:extLst>
                 <a:ext uri="{FF2B5EF4-FFF2-40B4-BE49-F238E27FC236}">
-                  <a16:creationId xmlns="" xmlns:a16="http://schemas.microsoft.com/office/drawing/2014/main" id="{C49BA596-B860-41A3-9734-D1BA0CD74A42}"/>
+                  <a16:creationId xmlns:a16="http://schemas.microsoft.com/office/drawing/2014/main" xmlns="" id="{C49BA596-B860-41A3-9734-D1BA0CD74A42}"/>
                 </a:ext>
               </a:extLst>
             </p:cNvPr>
@@ -5560,7 +5560,7 @@
             <p:cNvPr id="17" name="图片 16">
               <a:extLst>
                 <a:ext uri="{FF2B5EF4-FFF2-40B4-BE49-F238E27FC236}">
-                  <a16:creationId xmlns="" xmlns:a16="http://schemas.microsoft.com/office/drawing/2014/main" id="{C49BA596-B860-41A3-9734-D1BA0CD74A42}"/>
+                  <a16:creationId xmlns:a16="http://schemas.microsoft.com/office/drawing/2014/main" xmlns="" id="{C49BA596-B860-41A3-9734-D1BA0CD74A42}"/>
                 </a:ext>
               </a:extLst>
             </p:cNvPr>
@@ -5601,7 +5601,7 @@
           <p:cNvPr id="19" name="流程图: 过程 18">
             <a:extLst>
               <a:ext uri="{FF2B5EF4-FFF2-40B4-BE49-F238E27FC236}">
-                <a16:creationId xmlns="" xmlns:a16="http://schemas.microsoft.com/office/drawing/2014/main" id="{DEE6F68B-D383-4456-A945-5D2426316FC6}"/>
+                <a16:creationId xmlns:a16="http://schemas.microsoft.com/office/drawing/2014/main" xmlns="" id="{DEE6F68B-D383-4456-A945-5D2426316FC6}"/>
               </a:ext>
             </a:extLst>
           </p:cNvPr>
@@ -5662,7 +5662,7 @@
           <p:cNvPr id="20" name="流程图: 过程 19">
             <a:extLst>
               <a:ext uri="{FF2B5EF4-FFF2-40B4-BE49-F238E27FC236}">
-                <a16:creationId xmlns="" xmlns:a16="http://schemas.microsoft.com/office/drawing/2014/main" id="{DEE6F68B-D383-4456-A945-5D2426316FC6}"/>
+                <a16:creationId xmlns:a16="http://schemas.microsoft.com/office/drawing/2014/main" xmlns="" id="{DEE6F68B-D383-4456-A945-5D2426316FC6}"/>
               </a:ext>
             </a:extLst>
           </p:cNvPr>
@@ -5828,7 +5828,7 @@
           <p:cNvPr id="32" name="流程图: 过程 31">
             <a:extLst>
               <a:ext uri="{FF2B5EF4-FFF2-40B4-BE49-F238E27FC236}">
-                <a16:creationId xmlns="" xmlns:a16="http://schemas.microsoft.com/office/drawing/2014/main" id="{DEE6F68B-D383-4456-A945-5D2426316FC6}"/>
+                <a16:creationId xmlns:a16="http://schemas.microsoft.com/office/drawing/2014/main" xmlns="" id="{DEE6F68B-D383-4456-A945-5D2426316FC6}"/>
               </a:ext>
             </a:extLst>
           </p:cNvPr>
@@ -5897,7 +5897,7 @@
           <p:cNvPr id="33" name="流程图: 过程 32">
             <a:extLst>
               <a:ext uri="{FF2B5EF4-FFF2-40B4-BE49-F238E27FC236}">
-                <a16:creationId xmlns="" xmlns:a16="http://schemas.microsoft.com/office/drawing/2014/main" id="{DEE6F68B-D383-4456-A945-5D2426316FC6}"/>
+                <a16:creationId xmlns:a16="http://schemas.microsoft.com/office/drawing/2014/main" xmlns="" id="{DEE6F68B-D383-4456-A945-5D2426316FC6}"/>
               </a:ext>
             </a:extLst>
           </p:cNvPr>
@@ -5974,7 +5974,7 @@
           <p:cNvPr id="34" name="流程图: 过程 33">
             <a:extLst>
               <a:ext uri="{FF2B5EF4-FFF2-40B4-BE49-F238E27FC236}">
-                <a16:creationId xmlns="" xmlns:a16="http://schemas.microsoft.com/office/drawing/2014/main" id="{DEE6F68B-D383-4456-A945-5D2426316FC6}"/>
+                <a16:creationId xmlns:a16="http://schemas.microsoft.com/office/drawing/2014/main" xmlns="" id="{DEE6F68B-D383-4456-A945-5D2426316FC6}"/>
               </a:ext>
             </a:extLst>
           </p:cNvPr>
@@ -6104,7 +6104,7 @@
           <p:cNvPr id="42" name="流程图: 过程 41">
             <a:extLst>
               <a:ext uri="{FF2B5EF4-FFF2-40B4-BE49-F238E27FC236}">
-                <a16:creationId xmlns="" xmlns:a16="http://schemas.microsoft.com/office/drawing/2014/main" id="{DEE6F68B-D383-4456-A945-5D2426316FC6}"/>
+                <a16:creationId xmlns:a16="http://schemas.microsoft.com/office/drawing/2014/main" xmlns="" id="{DEE6F68B-D383-4456-A945-5D2426316FC6}"/>
               </a:ext>
             </a:extLst>
           </p:cNvPr>
@@ -6169,7 +6169,7 @@
           <p:cNvPr id="22" name="流程图: 过程 21">
             <a:extLst>
               <a:ext uri="{FF2B5EF4-FFF2-40B4-BE49-F238E27FC236}">
-                <a16:creationId xmlns="" xmlns:a16="http://schemas.microsoft.com/office/drawing/2014/main" id="{DEE6F68B-D383-4456-A945-5D2426316FC6}"/>
+                <a16:creationId xmlns:a16="http://schemas.microsoft.com/office/drawing/2014/main" xmlns="" id="{DEE6F68B-D383-4456-A945-5D2426316FC6}"/>
               </a:ext>
             </a:extLst>
           </p:cNvPr>
@@ -6257,7 +6257,7 @@
           <p:cNvPr id="24" name="流程图: 过程 23">
             <a:extLst>
               <a:ext uri="{FF2B5EF4-FFF2-40B4-BE49-F238E27FC236}">
-                <a16:creationId xmlns="" xmlns:a16="http://schemas.microsoft.com/office/drawing/2014/main" id="{DEE6F68B-D383-4456-A945-5D2426316FC6}"/>
+                <a16:creationId xmlns:a16="http://schemas.microsoft.com/office/drawing/2014/main" xmlns="" id="{DEE6F68B-D383-4456-A945-5D2426316FC6}"/>
               </a:ext>
             </a:extLst>
           </p:cNvPr>
@@ -6361,7 +6361,7 @@
           <p:cNvPr id="28" name="流程图: 过程 27">
             <a:extLst>
               <a:ext uri="{FF2B5EF4-FFF2-40B4-BE49-F238E27FC236}">
-                <a16:creationId xmlns="" xmlns:a16="http://schemas.microsoft.com/office/drawing/2014/main" id="{DEE6F68B-D383-4456-A945-5D2426316FC6}"/>
+                <a16:creationId xmlns:a16="http://schemas.microsoft.com/office/drawing/2014/main" xmlns="" id="{DEE6F68B-D383-4456-A945-5D2426316FC6}"/>
               </a:ext>
             </a:extLst>
           </p:cNvPr>
@@ -6510,7 +6510,7 @@
           <p:cNvPr id="38" name="图片 37">
             <a:extLst>
               <a:ext uri="{FF2B5EF4-FFF2-40B4-BE49-F238E27FC236}">
-                <a16:creationId xmlns="" xmlns:a16="http://schemas.microsoft.com/office/drawing/2014/main" id="{C49BA596-B860-41A3-9734-D1BA0CD74A42}"/>
+                <a16:creationId xmlns:a16="http://schemas.microsoft.com/office/drawing/2014/main" xmlns="" id="{C49BA596-B860-41A3-9734-D1BA0CD74A42}"/>
               </a:ext>
             </a:extLst>
           </p:cNvPr>
@@ -6608,7 +6608,7 @@
             <p:cNvPr id="16" name="图片 15">
               <a:extLst>
                 <a:ext uri="{FF2B5EF4-FFF2-40B4-BE49-F238E27FC236}">
-                  <a16:creationId xmlns="" xmlns:a16="http://schemas.microsoft.com/office/drawing/2014/main" id="{C49BA596-B860-41A3-9734-D1BA0CD74A42}"/>
+                  <a16:creationId xmlns:a16="http://schemas.microsoft.com/office/drawing/2014/main" xmlns="" id="{C49BA596-B860-41A3-9734-D1BA0CD74A42}"/>
                 </a:ext>
               </a:extLst>
             </p:cNvPr>
@@ -6648,7 +6648,7 @@
             <p:cNvPr id="17" name="图片 16">
               <a:extLst>
                 <a:ext uri="{FF2B5EF4-FFF2-40B4-BE49-F238E27FC236}">
-                  <a16:creationId xmlns="" xmlns:a16="http://schemas.microsoft.com/office/drawing/2014/main" id="{C49BA596-B860-41A3-9734-D1BA0CD74A42}"/>
+                  <a16:creationId xmlns:a16="http://schemas.microsoft.com/office/drawing/2014/main" xmlns="" id="{C49BA596-B860-41A3-9734-D1BA0CD74A42}"/>
                 </a:ext>
               </a:extLst>
             </p:cNvPr>
@@ -6689,7 +6689,7 @@
           <p:cNvPr id="19" name="流程图: 过程 18">
             <a:extLst>
               <a:ext uri="{FF2B5EF4-FFF2-40B4-BE49-F238E27FC236}">
-                <a16:creationId xmlns="" xmlns:a16="http://schemas.microsoft.com/office/drawing/2014/main" id="{DEE6F68B-D383-4456-A945-5D2426316FC6}"/>
+                <a16:creationId xmlns:a16="http://schemas.microsoft.com/office/drawing/2014/main" xmlns="" id="{DEE6F68B-D383-4456-A945-5D2426316FC6}"/>
               </a:ext>
             </a:extLst>
           </p:cNvPr>
@@ -6750,7 +6750,7 @@
           <p:cNvPr id="20" name="流程图: 过程 19">
             <a:extLst>
               <a:ext uri="{FF2B5EF4-FFF2-40B4-BE49-F238E27FC236}">
-                <a16:creationId xmlns="" xmlns:a16="http://schemas.microsoft.com/office/drawing/2014/main" id="{DEE6F68B-D383-4456-A945-5D2426316FC6}"/>
+                <a16:creationId xmlns:a16="http://schemas.microsoft.com/office/drawing/2014/main" xmlns="" id="{DEE6F68B-D383-4456-A945-5D2426316FC6}"/>
               </a:ext>
             </a:extLst>
           </p:cNvPr>
@@ -6916,7 +6916,7 @@
           <p:cNvPr id="32" name="流程图: 过程 31">
             <a:extLst>
               <a:ext uri="{FF2B5EF4-FFF2-40B4-BE49-F238E27FC236}">
-                <a16:creationId xmlns="" xmlns:a16="http://schemas.microsoft.com/office/drawing/2014/main" id="{DEE6F68B-D383-4456-A945-5D2426316FC6}"/>
+                <a16:creationId xmlns:a16="http://schemas.microsoft.com/office/drawing/2014/main" xmlns="" id="{DEE6F68B-D383-4456-A945-5D2426316FC6}"/>
               </a:ext>
             </a:extLst>
           </p:cNvPr>
@@ -6985,7 +6985,7 @@
           <p:cNvPr id="33" name="流程图: 过程 32">
             <a:extLst>
               <a:ext uri="{FF2B5EF4-FFF2-40B4-BE49-F238E27FC236}">
-                <a16:creationId xmlns="" xmlns:a16="http://schemas.microsoft.com/office/drawing/2014/main" id="{DEE6F68B-D383-4456-A945-5D2426316FC6}"/>
+                <a16:creationId xmlns:a16="http://schemas.microsoft.com/office/drawing/2014/main" xmlns="" id="{DEE6F68B-D383-4456-A945-5D2426316FC6}"/>
               </a:ext>
             </a:extLst>
           </p:cNvPr>
@@ -7062,7 +7062,7 @@
           <p:cNvPr id="34" name="流程图: 过程 33">
             <a:extLst>
               <a:ext uri="{FF2B5EF4-FFF2-40B4-BE49-F238E27FC236}">
-                <a16:creationId xmlns="" xmlns:a16="http://schemas.microsoft.com/office/drawing/2014/main" id="{DEE6F68B-D383-4456-A945-5D2426316FC6}"/>
+                <a16:creationId xmlns:a16="http://schemas.microsoft.com/office/drawing/2014/main" xmlns="" id="{DEE6F68B-D383-4456-A945-5D2426316FC6}"/>
               </a:ext>
             </a:extLst>
           </p:cNvPr>
@@ -7399,7 +7399,7 @@
           <p:cNvPr id="29" name="流程图: 过程 28">
             <a:extLst>
               <a:ext uri="{FF2B5EF4-FFF2-40B4-BE49-F238E27FC236}">
-                <a16:creationId xmlns="" xmlns:a16="http://schemas.microsoft.com/office/drawing/2014/main" id="{DEE6F68B-D383-4456-A945-5D2426316FC6}"/>
+                <a16:creationId xmlns:a16="http://schemas.microsoft.com/office/drawing/2014/main" xmlns="" id="{DEE6F68B-D383-4456-A945-5D2426316FC6}"/>
               </a:ext>
             </a:extLst>
           </p:cNvPr>
@@ -7493,7 +7493,7 @@
           <p:cNvPr id="35" name="流程图: 过程 34">
             <a:extLst>
               <a:ext uri="{FF2B5EF4-FFF2-40B4-BE49-F238E27FC236}">
-                <a16:creationId xmlns="" xmlns:a16="http://schemas.microsoft.com/office/drawing/2014/main" id="{DEE6F68B-D383-4456-A945-5D2426316FC6}"/>
+                <a16:creationId xmlns:a16="http://schemas.microsoft.com/office/drawing/2014/main" xmlns="" id="{DEE6F68B-D383-4456-A945-5D2426316FC6}"/>
               </a:ext>
             </a:extLst>
           </p:cNvPr>
@@ -7593,7 +7593,7 @@
           <p:cNvPr id="37" name="流程图: 过程 36">
             <a:extLst>
               <a:ext uri="{FF2B5EF4-FFF2-40B4-BE49-F238E27FC236}">
-                <a16:creationId xmlns="" xmlns:a16="http://schemas.microsoft.com/office/drawing/2014/main" id="{DEE6F68B-D383-4456-A945-5D2426316FC6}"/>
+                <a16:creationId xmlns:a16="http://schemas.microsoft.com/office/drawing/2014/main" xmlns="" id="{DEE6F68B-D383-4456-A945-5D2426316FC6}"/>
               </a:ext>
             </a:extLst>
           </p:cNvPr>
@@ -7987,7 +7987,7 @@
           <p:cNvPr id="52" name="流程图: 过程 51">
             <a:extLst>
               <a:ext uri="{FF2B5EF4-FFF2-40B4-BE49-F238E27FC236}">
-                <a16:creationId xmlns="" xmlns:a16="http://schemas.microsoft.com/office/drawing/2014/main" id="{DEE6F68B-D383-4456-A945-5D2426316FC6}"/>
+                <a16:creationId xmlns:a16="http://schemas.microsoft.com/office/drawing/2014/main" xmlns="" id="{DEE6F68B-D383-4456-A945-5D2426316FC6}"/>
               </a:ext>
             </a:extLst>
           </p:cNvPr>
@@ -8052,7 +8052,7 @@
           <p:cNvPr id="53" name="流程图: 过程 52">
             <a:extLst>
               <a:ext uri="{FF2B5EF4-FFF2-40B4-BE49-F238E27FC236}">
-                <a16:creationId xmlns="" xmlns:a16="http://schemas.microsoft.com/office/drawing/2014/main" id="{DEE6F68B-D383-4456-A945-5D2426316FC6}"/>
+                <a16:creationId xmlns:a16="http://schemas.microsoft.com/office/drawing/2014/main" xmlns="" id="{DEE6F68B-D383-4456-A945-5D2426316FC6}"/>
               </a:ext>
             </a:extLst>
           </p:cNvPr>
@@ -8117,7 +8117,7 @@
           <p:cNvPr id="54" name="流程图: 过程 53">
             <a:extLst>
               <a:ext uri="{FF2B5EF4-FFF2-40B4-BE49-F238E27FC236}">
-                <a16:creationId xmlns="" xmlns:a16="http://schemas.microsoft.com/office/drawing/2014/main" id="{DEE6F68B-D383-4456-A945-5D2426316FC6}"/>
+                <a16:creationId xmlns:a16="http://schemas.microsoft.com/office/drawing/2014/main" xmlns="" id="{DEE6F68B-D383-4456-A945-5D2426316FC6}"/>
               </a:ext>
             </a:extLst>
           </p:cNvPr>
@@ -8309,7 +8309,7 @@
           <p:cNvPr id="79" name="图片 78">
             <a:extLst>
               <a:ext uri="{FF2B5EF4-FFF2-40B4-BE49-F238E27FC236}">
-                <a16:creationId xmlns="" xmlns:a16="http://schemas.microsoft.com/office/drawing/2014/main" id="{E2D1C9F4-9C3D-45B1-AFD5-7C10A6DFE41C}"/>
+                <a16:creationId xmlns:a16="http://schemas.microsoft.com/office/drawing/2014/main" xmlns="" id="{E2D1C9F4-9C3D-45B1-AFD5-7C10A6DFE41C}"/>
               </a:ext>
             </a:extLst>
           </p:cNvPr>
@@ -8351,7 +8351,7 @@
           <p:cNvPr id="30" name="矩形 29">
             <a:extLst>
               <a:ext uri="{FF2B5EF4-FFF2-40B4-BE49-F238E27FC236}">
-                <a16:creationId xmlns="" xmlns:a16="http://schemas.microsoft.com/office/drawing/2014/main" id="{4765E529-4A59-4ECE-9314-B29D263FFE19}"/>
+                <a16:creationId xmlns:a16="http://schemas.microsoft.com/office/drawing/2014/main" xmlns="" id="{4765E529-4A59-4ECE-9314-B29D263FFE19}"/>
               </a:ext>
             </a:extLst>
           </p:cNvPr>
@@ -8395,7 +8395,7 @@
           <p:cNvPr id="41" name="矩形 40">
             <a:extLst>
               <a:ext uri="{FF2B5EF4-FFF2-40B4-BE49-F238E27FC236}">
-                <a16:creationId xmlns="" xmlns:a16="http://schemas.microsoft.com/office/drawing/2014/main" id="{ADC9A9BF-7504-44BC-AEED-726E4ADC2956}"/>
+                <a16:creationId xmlns:a16="http://schemas.microsoft.com/office/drawing/2014/main" xmlns="" id="{ADC9A9BF-7504-44BC-AEED-726E4ADC2956}"/>
               </a:ext>
             </a:extLst>
           </p:cNvPr>
@@ -8442,7 +8442,7 @@
           <p:cNvPr id="42" name="矩形 41">
             <a:extLst>
               <a:ext uri="{FF2B5EF4-FFF2-40B4-BE49-F238E27FC236}">
-                <a16:creationId xmlns="" xmlns:a16="http://schemas.microsoft.com/office/drawing/2014/main" id="{7AAA25DC-23F1-4047-B85C-90717541729E}"/>
+                <a16:creationId xmlns:a16="http://schemas.microsoft.com/office/drawing/2014/main" xmlns="" id="{7AAA25DC-23F1-4047-B85C-90717541729E}"/>
               </a:ext>
             </a:extLst>
           </p:cNvPr>
@@ -8491,7 +8491,7 @@
           <p:cNvPr id="44" name="矩形 43">
             <a:extLst>
               <a:ext uri="{FF2B5EF4-FFF2-40B4-BE49-F238E27FC236}">
-                <a16:creationId xmlns="" xmlns:a16="http://schemas.microsoft.com/office/drawing/2014/main" id="{E6A040D5-86AE-4D08-87CB-86CA50F84E9F}"/>
+                <a16:creationId xmlns:a16="http://schemas.microsoft.com/office/drawing/2014/main" xmlns="" id="{E6A040D5-86AE-4D08-87CB-86CA50F84E9F}"/>
               </a:ext>
             </a:extLst>
           </p:cNvPr>
@@ -8543,7 +8543,7 @@
           <p:cNvPr id="56" name="矩形 55">
             <a:extLst>
               <a:ext uri="{FF2B5EF4-FFF2-40B4-BE49-F238E27FC236}">
-                <a16:creationId xmlns="" xmlns:a16="http://schemas.microsoft.com/office/drawing/2014/main" id="{B79A3CB5-0323-48E0-9FC3-39878229CB51}"/>
+                <a16:creationId xmlns:a16="http://schemas.microsoft.com/office/drawing/2014/main" xmlns="" id="{B79A3CB5-0323-48E0-9FC3-39878229CB51}"/>
               </a:ext>
             </a:extLst>
           </p:cNvPr>
@@ -8597,7 +8597,7 @@
           <p:cNvPr id="57" name="矩形 56">
             <a:extLst>
               <a:ext uri="{FF2B5EF4-FFF2-40B4-BE49-F238E27FC236}">
-                <a16:creationId xmlns="" xmlns:a16="http://schemas.microsoft.com/office/drawing/2014/main" id="{6C93715E-5AFD-44E7-9BC2-C0DA887AF135}"/>
+                <a16:creationId xmlns:a16="http://schemas.microsoft.com/office/drawing/2014/main" xmlns="" id="{6C93715E-5AFD-44E7-9BC2-C0DA887AF135}"/>
               </a:ext>
             </a:extLst>
           </p:cNvPr>
@@ -8644,7 +8644,7 @@
           <p:cNvPr id="58" name="矩形 57">
             <a:extLst>
               <a:ext uri="{FF2B5EF4-FFF2-40B4-BE49-F238E27FC236}">
-                <a16:creationId xmlns="" xmlns:a16="http://schemas.microsoft.com/office/drawing/2014/main" id="{C702CE14-A385-4F9B-8E80-574B680F9DEB}"/>
+                <a16:creationId xmlns:a16="http://schemas.microsoft.com/office/drawing/2014/main" xmlns="" id="{C702CE14-A385-4F9B-8E80-574B680F9DEB}"/>
               </a:ext>
             </a:extLst>
           </p:cNvPr>
@@ -8693,7 +8693,7 @@
           <p:cNvPr id="59" name="矩形 58">
             <a:extLst>
               <a:ext uri="{FF2B5EF4-FFF2-40B4-BE49-F238E27FC236}">
-                <a16:creationId xmlns="" xmlns:a16="http://schemas.microsoft.com/office/drawing/2014/main" id="{3F458595-BBB6-422A-B4A5-EE5C497A5AC2}"/>
+                <a16:creationId xmlns:a16="http://schemas.microsoft.com/office/drawing/2014/main" xmlns="" id="{3F458595-BBB6-422A-B4A5-EE5C497A5AC2}"/>
               </a:ext>
             </a:extLst>
           </p:cNvPr>
@@ -8745,7 +8745,7 @@
           <p:cNvPr id="61" name="矩形 60">
             <a:extLst>
               <a:ext uri="{FF2B5EF4-FFF2-40B4-BE49-F238E27FC236}">
-                <a16:creationId xmlns="" xmlns:a16="http://schemas.microsoft.com/office/drawing/2014/main" id="{60842DCB-35D3-4AF9-8C4E-EADF456FEC4D}"/>
+                <a16:creationId xmlns:a16="http://schemas.microsoft.com/office/drawing/2014/main" xmlns="" id="{60842DCB-35D3-4AF9-8C4E-EADF456FEC4D}"/>
               </a:ext>
             </a:extLst>
           </p:cNvPr>
@@ -8797,7 +8797,7 @@
           <p:cNvPr id="62" name="矩形 61">
             <a:extLst>
               <a:ext uri="{FF2B5EF4-FFF2-40B4-BE49-F238E27FC236}">
-                <a16:creationId xmlns="" xmlns:a16="http://schemas.microsoft.com/office/drawing/2014/main" id="{BB0DA1DF-1197-4E2D-8F82-1E6EDFB87542}"/>
+                <a16:creationId xmlns:a16="http://schemas.microsoft.com/office/drawing/2014/main" xmlns="" id="{BB0DA1DF-1197-4E2D-8F82-1E6EDFB87542}"/>
               </a:ext>
             </a:extLst>
           </p:cNvPr>
@@ -8846,7 +8846,7 @@
           <p:cNvPr id="63" name="矩形 62">
             <a:extLst>
               <a:ext uri="{FF2B5EF4-FFF2-40B4-BE49-F238E27FC236}">
-                <a16:creationId xmlns="" xmlns:a16="http://schemas.microsoft.com/office/drawing/2014/main" id="{22FEBFDB-12E0-43DE-88E0-BFF4C94B6FEE}"/>
+                <a16:creationId xmlns:a16="http://schemas.microsoft.com/office/drawing/2014/main" xmlns="" id="{22FEBFDB-12E0-43DE-88E0-BFF4C94B6FEE}"/>
               </a:ext>
             </a:extLst>
           </p:cNvPr>
@@ -8898,7 +8898,7 @@
           <p:cNvPr id="69" name="矩形 68">
             <a:extLst>
               <a:ext uri="{FF2B5EF4-FFF2-40B4-BE49-F238E27FC236}">
-                <a16:creationId xmlns="" xmlns:a16="http://schemas.microsoft.com/office/drawing/2014/main" id="{9038F008-DF0C-4AFC-A78A-DFE4BB3DDCFA}"/>
+                <a16:creationId xmlns:a16="http://schemas.microsoft.com/office/drawing/2014/main" xmlns="" id="{9038F008-DF0C-4AFC-A78A-DFE4BB3DDCFA}"/>
               </a:ext>
             </a:extLst>
           </p:cNvPr>
@@ -8950,7 +8950,7 @@
           <p:cNvPr id="72" name="矩形 71">
             <a:extLst>
               <a:ext uri="{FF2B5EF4-FFF2-40B4-BE49-F238E27FC236}">
-                <a16:creationId xmlns="" xmlns:a16="http://schemas.microsoft.com/office/drawing/2014/main" id="{9E18071A-C812-412C-9403-F656BF6F6B81}"/>
+                <a16:creationId xmlns:a16="http://schemas.microsoft.com/office/drawing/2014/main" xmlns="" id="{9E18071A-C812-412C-9403-F656BF6F6B81}"/>
               </a:ext>
             </a:extLst>
           </p:cNvPr>
@@ -8999,7 +8999,7 @@
           <p:cNvPr id="74" name="矩形 73">
             <a:extLst>
               <a:ext uri="{FF2B5EF4-FFF2-40B4-BE49-F238E27FC236}">
-                <a16:creationId xmlns="" xmlns:a16="http://schemas.microsoft.com/office/drawing/2014/main" id="{4765E529-4A59-4ECE-9314-B29D263FFE19}"/>
+                <a16:creationId xmlns:a16="http://schemas.microsoft.com/office/drawing/2014/main" xmlns="" id="{4765E529-4A59-4ECE-9314-B29D263FFE19}"/>
               </a:ext>
             </a:extLst>
           </p:cNvPr>
@@ -9043,7 +9043,7 @@
           <p:cNvPr id="60" name="矩形 59">
             <a:extLst>
               <a:ext uri="{FF2B5EF4-FFF2-40B4-BE49-F238E27FC236}">
-                <a16:creationId xmlns="" xmlns:a16="http://schemas.microsoft.com/office/drawing/2014/main" id="{CD1D7140-71FB-44E5-9E57-1EA0FC395444}"/>
+                <a16:creationId xmlns:a16="http://schemas.microsoft.com/office/drawing/2014/main" xmlns="" id="{CD1D7140-71FB-44E5-9E57-1EA0FC395444}"/>
               </a:ext>
             </a:extLst>
           </p:cNvPr>
@@ -9092,7 +9092,7 @@
           <p:cNvPr id="75" name="矩形 74">
             <a:extLst>
               <a:ext uri="{FF2B5EF4-FFF2-40B4-BE49-F238E27FC236}">
-                <a16:creationId xmlns="" xmlns:a16="http://schemas.microsoft.com/office/drawing/2014/main" id="{DABA7181-CB8A-4EDD-A07C-C561AD7165B2}"/>
+                <a16:creationId xmlns:a16="http://schemas.microsoft.com/office/drawing/2014/main" xmlns="" id="{DABA7181-CB8A-4EDD-A07C-C561AD7165B2}"/>
               </a:ext>
             </a:extLst>
           </p:cNvPr>
@@ -9137,7 +9137,7 @@
           <p:cNvPr id="76" name="矩形 75">
             <a:extLst>
               <a:ext uri="{FF2B5EF4-FFF2-40B4-BE49-F238E27FC236}">
-                <a16:creationId xmlns="" xmlns:a16="http://schemas.microsoft.com/office/drawing/2014/main" id="{689364AF-5767-4976-A47E-56EDF0C6E921}"/>
+                <a16:creationId xmlns:a16="http://schemas.microsoft.com/office/drawing/2014/main" xmlns="" id="{689364AF-5767-4976-A47E-56EDF0C6E921}"/>
               </a:ext>
             </a:extLst>
           </p:cNvPr>
@@ -9182,7 +9182,7 @@
           <p:cNvPr id="77" name="矩形 76">
             <a:extLst>
               <a:ext uri="{FF2B5EF4-FFF2-40B4-BE49-F238E27FC236}">
-                <a16:creationId xmlns="" xmlns:a16="http://schemas.microsoft.com/office/drawing/2014/main" id="{E0E8F088-E60D-409C-A73A-D3B36653BB39}"/>
+                <a16:creationId xmlns:a16="http://schemas.microsoft.com/office/drawing/2014/main" xmlns="" id="{E0E8F088-E60D-409C-A73A-D3B36653BB39}"/>
               </a:ext>
             </a:extLst>
           </p:cNvPr>
@@ -9227,7 +9227,7 @@
           <p:cNvPr id="4" name="右大括号 3">
             <a:extLst>
               <a:ext uri="{FF2B5EF4-FFF2-40B4-BE49-F238E27FC236}">
-                <a16:creationId xmlns="" xmlns:a16="http://schemas.microsoft.com/office/drawing/2014/main" id="{6BB5328E-5970-47C6-BE90-532B638150F7}"/>
+                <a16:creationId xmlns:a16="http://schemas.microsoft.com/office/drawing/2014/main" xmlns="" id="{6BB5328E-5970-47C6-BE90-532B638150F7}"/>
               </a:ext>
             </a:extLst>
           </p:cNvPr>
@@ -9459,7 +9459,7 @@
           <p:cNvPr id="78" name="矩形 77">
             <a:extLst>
               <a:ext uri="{FF2B5EF4-FFF2-40B4-BE49-F238E27FC236}">
-                <a16:creationId xmlns="" xmlns:a16="http://schemas.microsoft.com/office/drawing/2014/main" id="{E51BE21F-652A-4A4C-B1FB-63B87926C658}"/>
+                <a16:creationId xmlns:a16="http://schemas.microsoft.com/office/drawing/2014/main" xmlns="" id="{E51BE21F-652A-4A4C-B1FB-63B87926C658}"/>
               </a:ext>
             </a:extLst>
           </p:cNvPr>
@@ -9509,7 +9509,7 @@
           <p:cNvPr id="80" name="矩形 79">
             <a:extLst>
               <a:ext uri="{FF2B5EF4-FFF2-40B4-BE49-F238E27FC236}">
-                <a16:creationId xmlns="" xmlns:a16="http://schemas.microsoft.com/office/drawing/2014/main" id="{276C898D-0BD3-4299-A808-9012AD9385A2}"/>
+                <a16:creationId xmlns:a16="http://schemas.microsoft.com/office/drawing/2014/main" xmlns="" id="{276C898D-0BD3-4299-A808-9012AD9385A2}"/>
               </a:ext>
             </a:extLst>
           </p:cNvPr>
@@ -9562,7 +9562,7 @@
           <p:cNvPr id="27" name="矩形 26">
             <a:extLst>
               <a:ext uri="{FF2B5EF4-FFF2-40B4-BE49-F238E27FC236}">
-                <a16:creationId xmlns="" xmlns:a16="http://schemas.microsoft.com/office/drawing/2014/main" id="{BB0DA1DF-1197-4E2D-8F82-1E6EDFB87542}"/>
+                <a16:creationId xmlns:a16="http://schemas.microsoft.com/office/drawing/2014/main" xmlns="" id="{BB0DA1DF-1197-4E2D-8F82-1E6EDFB87542}"/>
               </a:ext>
             </a:extLst>
           </p:cNvPr>
@@ -9611,7 +9611,7 @@
           <p:cNvPr id="28" name="矩形 27">
             <a:extLst>
               <a:ext uri="{FF2B5EF4-FFF2-40B4-BE49-F238E27FC236}">
-                <a16:creationId xmlns="" xmlns:a16="http://schemas.microsoft.com/office/drawing/2014/main" id="{CD1D7140-71FB-44E5-9E57-1EA0FC395444}"/>
+                <a16:creationId xmlns:a16="http://schemas.microsoft.com/office/drawing/2014/main" xmlns="" id="{CD1D7140-71FB-44E5-9E57-1EA0FC395444}"/>
               </a:ext>
             </a:extLst>
           </p:cNvPr>
@@ -9660,7 +9660,7 @@
           <p:cNvPr id="32" name="矩形 31">
             <a:extLst>
               <a:ext uri="{FF2B5EF4-FFF2-40B4-BE49-F238E27FC236}">
-                <a16:creationId xmlns="" xmlns:a16="http://schemas.microsoft.com/office/drawing/2014/main" id="{22FEBFDB-12E0-43DE-88E0-BFF4C94B6FEE}"/>
+                <a16:creationId xmlns:a16="http://schemas.microsoft.com/office/drawing/2014/main" xmlns="" id="{22FEBFDB-12E0-43DE-88E0-BFF4C94B6FEE}"/>
               </a:ext>
             </a:extLst>
           </p:cNvPr>
@@ -9712,7 +9712,7 @@
           <p:cNvPr id="33" name="矩形 32">
             <a:extLst>
               <a:ext uri="{FF2B5EF4-FFF2-40B4-BE49-F238E27FC236}">
-                <a16:creationId xmlns="" xmlns:a16="http://schemas.microsoft.com/office/drawing/2014/main" id="{7AAA25DC-23F1-4047-B85C-90717541729E}"/>
+                <a16:creationId xmlns:a16="http://schemas.microsoft.com/office/drawing/2014/main" xmlns="" id="{7AAA25DC-23F1-4047-B85C-90717541729E}"/>
               </a:ext>
             </a:extLst>
           </p:cNvPr>
@@ -9801,7 +9801,7 @@
           <p:cNvPr id="79" name="图片 78">
             <a:extLst>
               <a:ext uri="{FF2B5EF4-FFF2-40B4-BE49-F238E27FC236}">
-                <a16:creationId xmlns="" xmlns:a16="http://schemas.microsoft.com/office/drawing/2014/main" id="{E2D1C9F4-9C3D-45B1-AFD5-7C10A6DFE41C}"/>
+                <a16:creationId xmlns:a16="http://schemas.microsoft.com/office/drawing/2014/main" xmlns="" id="{E2D1C9F4-9C3D-45B1-AFD5-7C10A6DFE41C}"/>
               </a:ext>
             </a:extLst>
           </p:cNvPr>
@@ -9843,7 +9843,7 @@
           <p:cNvPr id="41" name="矩形 40">
             <a:extLst>
               <a:ext uri="{FF2B5EF4-FFF2-40B4-BE49-F238E27FC236}">
-                <a16:creationId xmlns="" xmlns:a16="http://schemas.microsoft.com/office/drawing/2014/main" id="{ADC9A9BF-7504-44BC-AEED-726E4ADC2956}"/>
+                <a16:creationId xmlns:a16="http://schemas.microsoft.com/office/drawing/2014/main" xmlns="" id="{ADC9A9BF-7504-44BC-AEED-726E4ADC2956}"/>
               </a:ext>
             </a:extLst>
           </p:cNvPr>
@@ -9890,7 +9890,7 @@
           <p:cNvPr id="42" name="矩形 41">
             <a:extLst>
               <a:ext uri="{FF2B5EF4-FFF2-40B4-BE49-F238E27FC236}">
-                <a16:creationId xmlns="" xmlns:a16="http://schemas.microsoft.com/office/drawing/2014/main" id="{7AAA25DC-23F1-4047-B85C-90717541729E}"/>
+                <a16:creationId xmlns:a16="http://schemas.microsoft.com/office/drawing/2014/main" xmlns="" id="{7AAA25DC-23F1-4047-B85C-90717541729E}"/>
               </a:ext>
             </a:extLst>
           </p:cNvPr>
@@ -9939,7 +9939,7 @@
           <p:cNvPr id="44" name="矩形 43">
             <a:extLst>
               <a:ext uri="{FF2B5EF4-FFF2-40B4-BE49-F238E27FC236}">
-                <a16:creationId xmlns="" xmlns:a16="http://schemas.microsoft.com/office/drawing/2014/main" id="{E6A040D5-86AE-4D08-87CB-86CA50F84E9F}"/>
+                <a16:creationId xmlns:a16="http://schemas.microsoft.com/office/drawing/2014/main" xmlns="" id="{E6A040D5-86AE-4D08-87CB-86CA50F84E9F}"/>
               </a:ext>
             </a:extLst>
           </p:cNvPr>
@@ -9991,7 +9991,7 @@
           <p:cNvPr id="56" name="矩形 55">
             <a:extLst>
               <a:ext uri="{FF2B5EF4-FFF2-40B4-BE49-F238E27FC236}">
-                <a16:creationId xmlns="" xmlns:a16="http://schemas.microsoft.com/office/drawing/2014/main" id="{B79A3CB5-0323-48E0-9FC3-39878229CB51}"/>
+                <a16:creationId xmlns:a16="http://schemas.microsoft.com/office/drawing/2014/main" xmlns="" id="{B79A3CB5-0323-48E0-9FC3-39878229CB51}"/>
               </a:ext>
             </a:extLst>
           </p:cNvPr>
@@ -10040,7 +10040,7 @@
           <p:cNvPr id="57" name="矩形 56">
             <a:extLst>
               <a:ext uri="{FF2B5EF4-FFF2-40B4-BE49-F238E27FC236}">
-                <a16:creationId xmlns="" xmlns:a16="http://schemas.microsoft.com/office/drawing/2014/main" id="{6C93715E-5AFD-44E7-9BC2-C0DA887AF135}"/>
+                <a16:creationId xmlns:a16="http://schemas.microsoft.com/office/drawing/2014/main" xmlns="" id="{6C93715E-5AFD-44E7-9BC2-C0DA887AF135}"/>
               </a:ext>
             </a:extLst>
           </p:cNvPr>
@@ -10087,7 +10087,7 @@
           <p:cNvPr id="58" name="矩形 57">
             <a:extLst>
               <a:ext uri="{FF2B5EF4-FFF2-40B4-BE49-F238E27FC236}">
-                <a16:creationId xmlns="" xmlns:a16="http://schemas.microsoft.com/office/drawing/2014/main" id="{C702CE14-A385-4F9B-8E80-574B680F9DEB}"/>
+                <a16:creationId xmlns:a16="http://schemas.microsoft.com/office/drawing/2014/main" xmlns="" id="{C702CE14-A385-4F9B-8E80-574B680F9DEB}"/>
               </a:ext>
             </a:extLst>
           </p:cNvPr>
@@ -10136,7 +10136,7 @@
           <p:cNvPr id="59" name="矩形 58">
             <a:extLst>
               <a:ext uri="{FF2B5EF4-FFF2-40B4-BE49-F238E27FC236}">
-                <a16:creationId xmlns="" xmlns:a16="http://schemas.microsoft.com/office/drawing/2014/main" id="{3F458595-BBB6-422A-B4A5-EE5C497A5AC2}"/>
+                <a16:creationId xmlns:a16="http://schemas.microsoft.com/office/drawing/2014/main" xmlns="" id="{3F458595-BBB6-422A-B4A5-EE5C497A5AC2}"/>
               </a:ext>
             </a:extLst>
           </p:cNvPr>
@@ -10188,7 +10188,7 @@
           <p:cNvPr id="63" name="矩形 62">
             <a:extLst>
               <a:ext uri="{FF2B5EF4-FFF2-40B4-BE49-F238E27FC236}">
-                <a16:creationId xmlns="" xmlns:a16="http://schemas.microsoft.com/office/drawing/2014/main" id="{22FEBFDB-12E0-43DE-88E0-BFF4C94B6FEE}"/>
+                <a16:creationId xmlns:a16="http://schemas.microsoft.com/office/drawing/2014/main" xmlns="" id="{22FEBFDB-12E0-43DE-88E0-BFF4C94B6FEE}"/>
               </a:ext>
             </a:extLst>
           </p:cNvPr>
@@ -10240,7 +10240,7 @@
           <p:cNvPr id="69" name="矩形 68">
             <a:extLst>
               <a:ext uri="{FF2B5EF4-FFF2-40B4-BE49-F238E27FC236}">
-                <a16:creationId xmlns="" xmlns:a16="http://schemas.microsoft.com/office/drawing/2014/main" id="{9038F008-DF0C-4AFC-A78A-DFE4BB3DDCFA}"/>
+                <a16:creationId xmlns:a16="http://schemas.microsoft.com/office/drawing/2014/main" xmlns="" id="{9038F008-DF0C-4AFC-A78A-DFE4BB3DDCFA}"/>
               </a:ext>
             </a:extLst>
           </p:cNvPr>
@@ -10292,7 +10292,7 @@
           <p:cNvPr id="72" name="矩形 71">
             <a:extLst>
               <a:ext uri="{FF2B5EF4-FFF2-40B4-BE49-F238E27FC236}">
-                <a16:creationId xmlns="" xmlns:a16="http://schemas.microsoft.com/office/drawing/2014/main" id="{9E18071A-C812-412C-9403-F656BF6F6B81}"/>
+                <a16:creationId xmlns:a16="http://schemas.microsoft.com/office/drawing/2014/main" xmlns="" id="{9E18071A-C812-412C-9403-F656BF6F6B81}"/>
               </a:ext>
             </a:extLst>
           </p:cNvPr>
@@ -10349,7 +10349,7 @@
           <p:cNvPr id="60" name="矩形 59">
             <a:extLst>
               <a:ext uri="{FF2B5EF4-FFF2-40B4-BE49-F238E27FC236}">
-                <a16:creationId xmlns="" xmlns:a16="http://schemas.microsoft.com/office/drawing/2014/main" id="{CD1D7140-71FB-44E5-9E57-1EA0FC395444}"/>
+                <a16:creationId xmlns:a16="http://schemas.microsoft.com/office/drawing/2014/main" xmlns="" id="{CD1D7140-71FB-44E5-9E57-1EA0FC395444}"/>
               </a:ext>
             </a:extLst>
           </p:cNvPr>
@@ -10398,7 +10398,7 @@
           <p:cNvPr id="75" name="矩形 74">
             <a:extLst>
               <a:ext uri="{FF2B5EF4-FFF2-40B4-BE49-F238E27FC236}">
-                <a16:creationId xmlns="" xmlns:a16="http://schemas.microsoft.com/office/drawing/2014/main" id="{DABA7181-CB8A-4EDD-A07C-C561AD7165B2}"/>
+                <a16:creationId xmlns:a16="http://schemas.microsoft.com/office/drawing/2014/main" xmlns="" id="{DABA7181-CB8A-4EDD-A07C-C561AD7165B2}"/>
               </a:ext>
             </a:extLst>
           </p:cNvPr>
@@ -10443,7 +10443,7 @@
           <p:cNvPr id="76" name="矩形 75">
             <a:extLst>
               <a:ext uri="{FF2B5EF4-FFF2-40B4-BE49-F238E27FC236}">
-                <a16:creationId xmlns="" xmlns:a16="http://schemas.microsoft.com/office/drawing/2014/main" id="{689364AF-5767-4976-A47E-56EDF0C6E921}"/>
+                <a16:creationId xmlns:a16="http://schemas.microsoft.com/office/drawing/2014/main" xmlns="" id="{689364AF-5767-4976-A47E-56EDF0C6E921}"/>
               </a:ext>
             </a:extLst>
           </p:cNvPr>
@@ -10488,7 +10488,7 @@
           <p:cNvPr id="77" name="矩形 76">
             <a:extLst>
               <a:ext uri="{FF2B5EF4-FFF2-40B4-BE49-F238E27FC236}">
-                <a16:creationId xmlns="" xmlns:a16="http://schemas.microsoft.com/office/drawing/2014/main" id="{E0E8F088-E60D-409C-A73A-D3B36653BB39}"/>
+                <a16:creationId xmlns:a16="http://schemas.microsoft.com/office/drawing/2014/main" xmlns="" id="{E0E8F088-E60D-409C-A73A-D3B36653BB39}"/>
               </a:ext>
             </a:extLst>
           </p:cNvPr>
@@ -10541,7 +10541,7 @@
           <p:cNvPr id="4" name="右大括号 3">
             <a:extLst>
               <a:ext uri="{FF2B5EF4-FFF2-40B4-BE49-F238E27FC236}">
-                <a16:creationId xmlns="" xmlns:a16="http://schemas.microsoft.com/office/drawing/2014/main" id="{6BB5328E-5970-47C6-BE90-532B638150F7}"/>
+                <a16:creationId xmlns:a16="http://schemas.microsoft.com/office/drawing/2014/main" xmlns="" id="{6BB5328E-5970-47C6-BE90-532B638150F7}"/>
               </a:ext>
             </a:extLst>
           </p:cNvPr>
@@ -10773,7 +10773,7 @@
           <p:cNvPr id="78" name="矩形 77">
             <a:extLst>
               <a:ext uri="{FF2B5EF4-FFF2-40B4-BE49-F238E27FC236}">
-                <a16:creationId xmlns="" xmlns:a16="http://schemas.microsoft.com/office/drawing/2014/main" id="{E51BE21F-652A-4A4C-B1FB-63B87926C658}"/>
+                <a16:creationId xmlns:a16="http://schemas.microsoft.com/office/drawing/2014/main" xmlns="" id="{E51BE21F-652A-4A4C-B1FB-63B87926C658}"/>
               </a:ext>
             </a:extLst>
           </p:cNvPr>
@@ -10823,7 +10823,7 @@
           <p:cNvPr id="80" name="矩形 79">
             <a:extLst>
               <a:ext uri="{FF2B5EF4-FFF2-40B4-BE49-F238E27FC236}">
-                <a16:creationId xmlns="" xmlns:a16="http://schemas.microsoft.com/office/drawing/2014/main" id="{276C898D-0BD3-4299-A808-9012AD9385A2}"/>
+                <a16:creationId xmlns:a16="http://schemas.microsoft.com/office/drawing/2014/main" xmlns="" id="{276C898D-0BD3-4299-A808-9012AD9385A2}"/>
               </a:ext>
             </a:extLst>
           </p:cNvPr>
@@ -10876,7 +10876,7 @@
           <p:cNvPr id="28" name="矩形 27">
             <a:extLst>
               <a:ext uri="{FF2B5EF4-FFF2-40B4-BE49-F238E27FC236}">
-                <a16:creationId xmlns="" xmlns:a16="http://schemas.microsoft.com/office/drawing/2014/main" id="{CD1D7140-71FB-44E5-9E57-1EA0FC395444}"/>
+                <a16:creationId xmlns:a16="http://schemas.microsoft.com/office/drawing/2014/main" xmlns="" id="{CD1D7140-71FB-44E5-9E57-1EA0FC395444}"/>
               </a:ext>
             </a:extLst>
           </p:cNvPr>
@@ -10925,7 +10925,7 @@
           <p:cNvPr id="31" name="矩形 30">
             <a:extLst>
               <a:ext uri="{FF2B5EF4-FFF2-40B4-BE49-F238E27FC236}">
-                <a16:creationId xmlns="" xmlns:a16="http://schemas.microsoft.com/office/drawing/2014/main" id="{60842DCB-35D3-4AF9-8C4E-EADF456FEC4D}"/>
+                <a16:creationId xmlns:a16="http://schemas.microsoft.com/office/drawing/2014/main" xmlns="" id="{60842DCB-35D3-4AF9-8C4E-EADF456FEC4D}"/>
               </a:ext>
             </a:extLst>
           </p:cNvPr>
@@ -10977,7 +10977,7 @@
           <p:cNvPr id="32" name="矩形 31">
             <a:extLst>
               <a:ext uri="{FF2B5EF4-FFF2-40B4-BE49-F238E27FC236}">
-                <a16:creationId xmlns="" xmlns:a16="http://schemas.microsoft.com/office/drawing/2014/main" id="{BB0DA1DF-1197-4E2D-8F82-1E6EDFB87542}"/>
+                <a16:creationId xmlns:a16="http://schemas.microsoft.com/office/drawing/2014/main" xmlns="" id="{BB0DA1DF-1197-4E2D-8F82-1E6EDFB87542}"/>
               </a:ext>
             </a:extLst>
           </p:cNvPr>
@@ -11026,7 +11026,7 @@
           <p:cNvPr id="33" name="矩形 32">
             <a:extLst>
               <a:ext uri="{FF2B5EF4-FFF2-40B4-BE49-F238E27FC236}">
-                <a16:creationId xmlns="" xmlns:a16="http://schemas.microsoft.com/office/drawing/2014/main" id="{BB0DA1DF-1197-4E2D-8F82-1E6EDFB87542}"/>
+                <a16:creationId xmlns:a16="http://schemas.microsoft.com/office/drawing/2014/main" xmlns="" id="{BB0DA1DF-1197-4E2D-8F82-1E6EDFB87542}"/>
               </a:ext>
             </a:extLst>
           </p:cNvPr>
@@ -11075,7 +11075,7 @@
           <p:cNvPr id="34" name="矩形 33">
             <a:extLst>
               <a:ext uri="{FF2B5EF4-FFF2-40B4-BE49-F238E27FC236}">
-                <a16:creationId xmlns="" xmlns:a16="http://schemas.microsoft.com/office/drawing/2014/main" id="{22FEBFDB-12E0-43DE-88E0-BFF4C94B6FEE}"/>
+                <a16:creationId xmlns:a16="http://schemas.microsoft.com/office/drawing/2014/main" xmlns="" id="{22FEBFDB-12E0-43DE-88E0-BFF4C94B6FEE}"/>
               </a:ext>
             </a:extLst>
           </p:cNvPr>
@@ -11125,7 +11125,7 @@
           <p:cNvPr id="35" name="矩形 34">
             <a:extLst>
               <a:ext uri="{FF2B5EF4-FFF2-40B4-BE49-F238E27FC236}">
-                <a16:creationId xmlns="" xmlns:a16="http://schemas.microsoft.com/office/drawing/2014/main" id="{7AAA25DC-23F1-4047-B85C-90717541729E}"/>
+                <a16:creationId xmlns:a16="http://schemas.microsoft.com/office/drawing/2014/main" xmlns="" id="{7AAA25DC-23F1-4047-B85C-90717541729E}"/>
               </a:ext>
             </a:extLst>
           </p:cNvPr>
@@ -11169,7 +11169,7 @@
           <p:cNvPr id="37" name="矩形 36">
             <a:extLst>
               <a:ext uri="{FF2B5EF4-FFF2-40B4-BE49-F238E27FC236}">
-                <a16:creationId xmlns="" xmlns:a16="http://schemas.microsoft.com/office/drawing/2014/main" id="{7AAA25DC-23F1-4047-B85C-90717541729E}"/>
+                <a16:creationId xmlns:a16="http://schemas.microsoft.com/office/drawing/2014/main" xmlns="" id="{7AAA25DC-23F1-4047-B85C-90717541729E}"/>
               </a:ext>
             </a:extLst>
           </p:cNvPr>
@@ -11258,7 +11258,7 @@
           <p:cNvPr id="136" name="图片 135">
             <a:extLst>
               <a:ext uri="{FF2B5EF4-FFF2-40B4-BE49-F238E27FC236}">
-                <a16:creationId xmlns="" xmlns:a16="http://schemas.microsoft.com/office/drawing/2014/main" id="{E2D1C9F4-9C3D-45B1-AFD5-7C10A6DFE41C}"/>
+                <a16:creationId xmlns:a16="http://schemas.microsoft.com/office/drawing/2014/main" xmlns="" id="{E2D1C9F4-9C3D-45B1-AFD5-7C10A6DFE41C}"/>
               </a:ext>
             </a:extLst>
           </p:cNvPr>
@@ -11287,7 +11287,11 @@
           <a:prstGeom prst="rect">
             <a:avLst/>
           </a:prstGeom>
-          <a:noFill/>
+          <a:ln>
+            <a:solidFill>
+              <a:schemeClr val="bg1"/>
+            </a:solidFill>
+          </a:ln>
           <a:effectLst/>
         </p:spPr>
       </p:pic>
@@ -11296,7 +11300,7 @@
           <p:cNvPr id="48" name="矩形 47">
             <a:extLst>
               <a:ext uri="{FF2B5EF4-FFF2-40B4-BE49-F238E27FC236}">
-                <a16:creationId xmlns="" xmlns:a16="http://schemas.microsoft.com/office/drawing/2014/main" id="{6415C456-80C5-4ADF-9D71-F1555EF8417A}"/>
+                <a16:creationId xmlns:a16="http://schemas.microsoft.com/office/drawing/2014/main" xmlns="" id="{6415C456-80C5-4ADF-9D71-F1555EF8417A}"/>
               </a:ext>
             </a:extLst>
           </p:cNvPr>
@@ -11340,7 +11344,7 @@
           <p:cNvPr id="3" name="流程图: 终止 2">
             <a:extLst>
               <a:ext uri="{FF2B5EF4-FFF2-40B4-BE49-F238E27FC236}">
-                <a16:creationId xmlns="" xmlns:a16="http://schemas.microsoft.com/office/drawing/2014/main" id="{28A2712F-D7BB-49AB-8BA9-66570E032AC4}"/>
+                <a16:creationId xmlns:a16="http://schemas.microsoft.com/office/drawing/2014/main" xmlns="" id="{28A2712F-D7BB-49AB-8BA9-66570E032AC4}"/>
               </a:ext>
             </a:extLst>
           </p:cNvPr>
@@ -11393,7 +11397,7 @@
           <p:cNvPr id="7" name="流程图: 终止 6">
             <a:extLst>
               <a:ext uri="{FF2B5EF4-FFF2-40B4-BE49-F238E27FC236}">
-                <a16:creationId xmlns="" xmlns:a16="http://schemas.microsoft.com/office/drawing/2014/main" id="{68265EB3-3203-4C69-ABD8-9B4B94B45016}"/>
+                <a16:creationId xmlns:a16="http://schemas.microsoft.com/office/drawing/2014/main" xmlns="" id="{68265EB3-3203-4C69-ABD8-9B4B94B45016}"/>
               </a:ext>
             </a:extLst>
           </p:cNvPr>
@@ -11445,7 +11449,7 @@
           <p:cNvPr id="9" name="流程图: 终止 8">
             <a:extLst>
               <a:ext uri="{FF2B5EF4-FFF2-40B4-BE49-F238E27FC236}">
-                <a16:creationId xmlns="" xmlns:a16="http://schemas.microsoft.com/office/drawing/2014/main" id="{5A78EDE1-14C6-4896-B022-6A874065200C}"/>
+                <a16:creationId xmlns:a16="http://schemas.microsoft.com/office/drawing/2014/main" xmlns="" id="{5A78EDE1-14C6-4896-B022-6A874065200C}"/>
               </a:ext>
             </a:extLst>
           </p:cNvPr>
@@ -11497,7 +11501,7 @@
           <p:cNvPr id="10" name="流程图: 终止 9">
             <a:extLst>
               <a:ext uri="{FF2B5EF4-FFF2-40B4-BE49-F238E27FC236}">
-                <a16:creationId xmlns="" xmlns:a16="http://schemas.microsoft.com/office/drawing/2014/main" id="{087324AD-1D8D-4491-AED4-CABDEF8EC56D}"/>
+                <a16:creationId xmlns:a16="http://schemas.microsoft.com/office/drawing/2014/main" xmlns="" id="{087324AD-1D8D-4491-AED4-CABDEF8EC56D}"/>
               </a:ext>
             </a:extLst>
           </p:cNvPr>
@@ -11549,7 +11553,7 @@
           <p:cNvPr id="11" name="流程图: 终止 10">
             <a:extLst>
               <a:ext uri="{FF2B5EF4-FFF2-40B4-BE49-F238E27FC236}">
-                <a16:creationId xmlns="" xmlns:a16="http://schemas.microsoft.com/office/drawing/2014/main" id="{1B7442A7-29B0-44B2-B42A-731599828A44}"/>
+                <a16:creationId xmlns:a16="http://schemas.microsoft.com/office/drawing/2014/main" xmlns="" id="{1B7442A7-29B0-44B2-B42A-731599828A44}"/>
               </a:ext>
             </a:extLst>
           </p:cNvPr>
@@ -11601,7 +11605,7 @@
           <p:cNvPr id="12" name="流程图: 终止 11">
             <a:extLst>
               <a:ext uri="{FF2B5EF4-FFF2-40B4-BE49-F238E27FC236}">
-                <a16:creationId xmlns="" xmlns:a16="http://schemas.microsoft.com/office/drawing/2014/main" id="{7C6E238D-E596-49A8-88D6-C7824CB86730}"/>
+                <a16:creationId xmlns:a16="http://schemas.microsoft.com/office/drawing/2014/main" xmlns="" id="{7C6E238D-E596-49A8-88D6-C7824CB86730}"/>
               </a:ext>
             </a:extLst>
           </p:cNvPr>
@@ -11653,7 +11657,7 @@
           <p:cNvPr id="13" name="流程图: 终止 12">
             <a:extLst>
               <a:ext uri="{FF2B5EF4-FFF2-40B4-BE49-F238E27FC236}">
-                <a16:creationId xmlns="" xmlns:a16="http://schemas.microsoft.com/office/drawing/2014/main" id="{35E28E8C-CC6C-4F7A-80C6-930DEC6DD356}"/>
+                <a16:creationId xmlns:a16="http://schemas.microsoft.com/office/drawing/2014/main" xmlns="" id="{35E28E8C-CC6C-4F7A-80C6-930DEC6DD356}"/>
               </a:ext>
             </a:extLst>
           </p:cNvPr>
@@ -11705,7 +11709,7 @@
           <p:cNvPr id="14" name="流程图: 终止 13">
             <a:extLst>
               <a:ext uri="{FF2B5EF4-FFF2-40B4-BE49-F238E27FC236}">
-                <a16:creationId xmlns="" xmlns:a16="http://schemas.microsoft.com/office/drawing/2014/main" id="{23DEEBB8-9B50-4D55-9399-FE8A155227F1}"/>
+                <a16:creationId xmlns:a16="http://schemas.microsoft.com/office/drawing/2014/main" xmlns="" id="{23DEEBB8-9B50-4D55-9399-FE8A155227F1}"/>
               </a:ext>
             </a:extLst>
           </p:cNvPr>
@@ -11757,7 +11761,7 @@
           <p:cNvPr id="15" name="流程图: 终止 14">
             <a:extLst>
               <a:ext uri="{FF2B5EF4-FFF2-40B4-BE49-F238E27FC236}">
-                <a16:creationId xmlns="" xmlns:a16="http://schemas.microsoft.com/office/drawing/2014/main" id="{0498B651-E7C8-42FB-85DF-FE482ACBDC2F}"/>
+                <a16:creationId xmlns:a16="http://schemas.microsoft.com/office/drawing/2014/main" xmlns="" id="{0498B651-E7C8-42FB-85DF-FE482ACBDC2F}"/>
               </a:ext>
             </a:extLst>
           </p:cNvPr>
@@ -11809,7 +11813,7 @@
           <p:cNvPr id="17" name="流程图: 终止 16">
             <a:extLst>
               <a:ext uri="{FF2B5EF4-FFF2-40B4-BE49-F238E27FC236}">
-                <a16:creationId xmlns="" xmlns:a16="http://schemas.microsoft.com/office/drawing/2014/main" id="{697848AA-5FBC-45C3-B9EB-EEAD4B3507D0}"/>
+                <a16:creationId xmlns:a16="http://schemas.microsoft.com/office/drawing/2014/main" xmlns="" id="{697848AA-5FBC-45C3-B9EB-EEAD4B3507D0}"/>
               </a:ext>
             </a:extLst>
           </p:cNvPr>
@@ -11861,7 +11865,7 @@
           <p:cNvPr id="18" name="流程图: 终止 17">
             <a:extLst>
               <a:ext uri="{FF2B5EF4-FFF2-40B4-BE49-F238E27FC236}">
-                <a16:creationId xmlns="" xmlns:a16="http://schemas.microsoft.com/office/drawing/2014/main" id="{0BBF17B0-E17B-4BEA-889E-9E6234C4218D}"/>
+                <a16:creationId xmlns:a16="http://schemas.microsoft.com/office/drawing/2014/main" xmlns="" id="{0BBF17B0-E17B-4BEA-889E-9E6234C4218D}"/>
               </a:ext>
             </a:extLst>
           </p:cNvPr>
@@ -11913,7 +11917,7 @@
           <p:cNvPr id="20" name="矩形 19">
             <a:extLst>
               <a:ext uri="{FF2B5EF4-FFF2-40B4-BE49-F238E27FC236}">
-                <a16:creationId xmlns="" xmlns:a16="http://schemas.microsoft.com/office/drawing/2014/main" id="{8309130A-5FCB-4F7E-9831-D66050D45046}"/>
+                <a16:creationId xmlns:a16="http://schemas.microsoft.com/office/drawing/2014/main" xmlns="" id="{8309130A-5FCB-4F7E-9831-D66050D45046}"/>
               </a:ext>
             </a:extLst>
           </p:cNvPr>
@@ -11965,7 +11969,7 @@
           <p:cNvPr id="5" name="直接箭头连接符 4">
             <a:extLst>
               <a:ext uri="{FF2B5EF4-FFF2-40B4-BE49-F238E27FC236}">
-                <a16:creationId xmlns="" xmlns:a16="http://schemas.microsoft.com/office/drawing/2014/main" id="{4842F576-6540-4131-815A-4DC26C64A81E}"/>
+                <a16:creationId xmlns:a16="http://schemas.microsoft.com/office/drawing/2014/main" xmlns="" id="{4842F576-6540-4131-815A-4DC26C64A81E}"/>
               </a:ext>
             </a:extLst>
           </p:cNvPr>
@@ -12008,7 +12012,7 @@
           <p:cNvPr id="21" name="直接箭头连接符 20">
             <a:extLst>
               <a:ext uri="{FF2B5EF4-FFF2-40B4-BE49-F238E27FC236}">
-                <a16:creationId xmlns="" xmlns:a16="http://schemas.microsoft.com/office/drawing/2014/main" id="{7B9CFACB-1992-4481-92FD-154DE0A3FB5B}"/>
+                <a16:creationId xmlns:a16="http://schemas.microsoft.com/office/drawing/2014/main" xmlns="" id="{7B9CFACB-1992-4481-92FD-154DE0A3FB5B}"/>
               </a:ext>
             </a:extLst>
           </p:cNvPr>
@@ -12053,7 +12057,7 @@
           <p:cNvPr id="24" name="矩形 23">
             <a:extLst>
               <a:ext uri="{FF2B5EF4-FFF2-40B4-BE49-F238E27FC236}">
-                <a16:creationId xmlns="" xmlns:a16="http://schemas.microsoft.com/office/drawing/2014/main" id="{400ACC72-3EA6-4B44-BF0D-674AD2849C51}"/>
+                <a16:creationId xmlns:a16="http://schemas.microsoft.com/office/drawing/2014/main" xmlns="" id="{400ACC72-3EA6-4B44-BF0D-674AD2849C51}"/>
               </a:ext>
             </a:extLst>
           </p:cNvPr>
@@ -12112,7 +12116,7 @@
           <p:cNvPr id="25" name="直接箭头连接符 24">
             <a:extLst>
               <a:ext uri="{FF2B5EF4-FFF2-40B4-BE49-F238E27FC236}">
-                <a16:creationId xmlns="" xmlns:a16="http://schemas.microsoft.com/office/drawing/2014/main" id="{0EA6859D-C6FF-4622-A2AF-2F1ECEEF937A}"/>
+                <a16:creationId xmlns:a16="http://schemas.microsoft.com/office/drawing/2014/main" xmlns="" id="{0EA6859D-C6FF-4622-A2AF-2F1ECEEF937A}"/>
               </a:ext>
             </a:extLst>
           </p:cNvPr>
@@ -12155,7 +12159,7 @@
           <p:cNvPr id="30" name="矩形 29">
             <a:extLst>
               <a:ext uri="{FF2B5EF4-FFF2-40B4-BE49-F238E27FC236}">
-                <a16:creationId xmlns="" xmlns:a16="http://schemas.microsoft.com/office/drawing/2014/main" id="{D80E72AC-28F0-48CA-8DD8-2915084917FA}"/>
+                <a16:creationId xmlns:a16="http://schemas.microsoft.com/office/drawing/2014/main" xmlns="" id="{D80E72AC-28F0-48CA-8DD8-2915084917FA}"/>
               </a:ext>
             </a:extLst>
           </p:cNvPr>
@@ -12214,7 +12218,7 @@
           <p:cNvPr id="31" name="直接箭头连接符 30">
             <a:extLst>
               <a:ext uri="{FF2B5EF4-FFF2-40B4-BE49-F238E27FC236}">
-                <a16:creationId xmlns="" xmlns:a16="http://schemas.microsoft.com/office/drawing/2014/main" id="{D50B7A65-C4EE-44FB-8255-92C8EF9DA8DA}"/>
+                <a16:creationId xmlns:a16="http://schemas.microsoft.com/office/drawing/2014/main" xmlns="" id="{D50B7A65-C4EE-44FB-8255-92C8EF9DA8DA}"/>
               </a:ext>
             </a:extLst>
           </p:cNvPr>
@@ -12259,7 +12263,7 @@
           <p:cNvPr id="34" name="矩形 33">
             <a:extLst>
               <a:ext uri="{FF2B5EF4-FFF2-40B4-BE49-F238E27FC236}">
-                <a16:creationId xmlns="" xmlns:a16="http://schemas.microsoft.com/office/drawing/2014/main" id="{81D66A7A-7CB9-4252-A8F8-F29A6F7E4F76}"/>
+                <a16:creationId xmlns:a16="http://schemas.microsoft.com/office/drawing/2014/main" xmlns="" id="{81D66A7A-7CB9-4252-A8F8-F29A6F7E4F76}"/>
               </a:ext>
             </a:extLst>
           </p:cNvPr>
@@ -12318,7 +12322,7 @@
           <p:cNvPr id="35" name="矩形 34">
             <a:extLst>
               <a:ext uri="{FF2B5EF4-FFF2-40B4-BE49-F238E27FC236}">
-                <a16:creationId xmlns="" xmlns:a16="http://schemas.microsoft.com/office/drawing/2014/main" id="{CD3416B1-33C4-4FD5-85D1-D09AE4017614}"/>
+                <a16:creationId xmlns:a16="http://schemas.microsoft.com/office/drawing/2014/main" xmlns="" id="{CD3416B1-33C4-4FD5-85D1-D09AE4017614}"/>
               </a:ext>
             </a:extLst>
           </p:cNvPr>
@@ -12367,7 +12371,7 @@
           <p:cNvPr id="36" name="矩形 35">
             <a:extLst>
               <a:ext uri="{FF2B5EF4-FFF2-40B4-BE49-F238E27FC236}">
-                <a16:creationId xmlns="" xmlns:a16="http://schemas.microsoft.com/office/drawing/2014/main" id="{52401D3F-9B60-4139-A73E-19B6B5675630}"/>
+                <a16:creationId xmlns:a16="http://schemas.microsoft.com/office/drawing/2014/main" xmlns="" id="{52401D3F-9B60-4139-A73E-19B6B5675630}"/>
               </a:ext>
             </a:extLst>
           </p:cNvPr>
@@ -12439,7 +12443,7 @@
           <p:cNvPr id="37" name="矩形 36">
             <a:extLst>
               <a:ext uri="{FF2B5EF4-FFF2-40B4-BE49-F238E27FC236}">
-                <a16:creationId xmlns="" xmlns:a16="http://schemas.microsoft.com/office/drawing/2014/main" id="{1222BFF6-8EE7-4480-B2A3-17DCCE92BAF9}"/>
+                <a16:creationId xmlns:a16="http://schemas.microsoft.com/office/drawing/2014/main" xmlns="" id="{1222BFF6-8EE7-4480-B2A3-17DCCE92BAF9}"/>
               </a:ext>
             </a:extLst>
           </p:cNvPr>
@@ -12501,7 +12505,7 @@
           <p:cNvPr id="38" name="矩形 37">
             <a:extLst>
               <a:ext uri="{FF2B5EF4-FFF2-40B4-BE49-F238E27FC236}">
-                <a16:creationId xmlns="" xmlns:a16="http://schemas.microsoft.com/office/drawing/2014/main" id="{082B527D-717F-42B5-846E-7EC08E8A3787}"/>
+                <a16:creationId xmlns:a16="http://schemas.microsoft.com/office/drawing/2014/main" xmlns="" id="{082B527D-717F-42B5-846E-7EC08E8A3787}"/>
               </a:ext>
             </a:extLst>
           </p:cNvPr>
@@ -12544,7 +12548,7 @@
           <p:cNvPr id="41" name="直接箭头连接符 40">
             <a:extLst>
               <a:ext uri="{FF2B5EF4-FFF2-40B4-BE49-F238E27FC236}">
-                <a16:creationId xmlns="" xmlns:a16="http://schemas.microsoft.com/office/drawing/2014/main" id="{DE9EE2C3-58C6-46A0-890B-70AFAF2EE6EA}"/>
+                <a16:creationId xmlns:a16="http://schemas.microsoft.com/office/drawing/2014/main" xmlns="" id="{DE9EE2C3-58C6-46A0-890B-70AFAF2EE6EA}"/>
               </a:ext>
             </a:extLst>
           </p:cNvPr>
@@ -12589,7 +12593,7 @@
           <p:cNvPr id="44" name="直接箭头连接符 43">
             <a:extLst>
               <a:ext uri="{FF2B5EF4-FFF2-40B4-BE49-F238E27FC236}">
-                <a16:creationId xmlns="" xmlns:a16="http://schemas.microsoft.com/office/drawing/2014/main" id="{14F58F91-4B4B-440B-99E5-DA3004EB4D02}"/>
+                <a16:creationId xmlns:a16="http://schemas.microsoft.com/office/drawing/2014/main" xmlns="" id="{14F58F91-4B4B-440B-99E5-DA3004EB4D02}"/>
               </a:ext>
             </a:extLst>
           </p:cNvPr>
@@ -12633,7 +12637,7 @@
           <p:cNvPr id="47" name="矩形 46">
             <a:extLst>
               <a:ext uri="{FF2B5EF4-FFF2-40B4-BE49-F238E27FC236}">
-                <a16:creationId xmlns="" xmlns:a16="http://schemas.microsoft.com/office/drawing/2014/main" id="{C1F74C4A-F505-4A77-B963-8C26CEED2C7A}"/>
+                <a16:creationId xmlns:a16="http://schemas.microsoft.com/office/drawing/2014/main" xmlns="" id="{C1F74C4A-F505-4A77-B963-8C26CEED2C7A}"/>
               </a:ext>
             </a:extLst>
           </p:cNvPr>
@@ -12692,7 +12696,7 @@
           <p:cNvPr id="32" name="矩形 31">
             <a:extLst>
               <a:ext uri="{FF2B5EF4-FFF2-40B4-BE49-F238E27FC236}">
-                <a16:creationId xmlns="" xmlns:a16="http://schemas.microsoft.com/office/drawing/2014/main" id="{52401D3F-9B60-4139-A73E-19B6B5675630}"/>
+                <a16:creationId xmlns:a16="http://schemas.microsoft.com/office/drawing/2014/main" xmlns="" id="{52401D3F-9B60-4139-A73E-19B6B5675630}"/>
               </a:ext>
             </a:extLst>
           </p:cNvPr>
@@ -12745,7 +12749,7 @@
           <p:cNvPr id="39" name="矩形 38">
             <a:extLst>
               <a:ext uri="{FF2B5EF4-FFF2-40B4-BE49-F238E27FC236}">
-                <a16:creationId xmlns="" xmlns:a16="http://schemas.microsoft.com/office/drawing/2014/main" id="{52401D3F-9B60-4139-A73E-19B6B5675630}"/>
+                <a16:creationId xmlns:a16="http://schemas.microsoft.com/office/drawing/2014/main" xmlns="" id="{52401D3F-9B60-4139-A73E-19B6B5675630}"/>
               </a:ext>
             </a:extLst>
           </p:cNvPr>
@@ -12794,7 +12798,7 @@
           <p:cNvPr id="40" name="矩形 39">
             <a:extLst>
               <a:ext uri="{FF2B5EF4-FFF2-40B4-BE49-F238E27FC236}">
-                <a16:creationId xmlns="" xmlns:a16="http://schemas.microsoft.com/office/drawing/2014/main" id="{52401D3F-9B60-4139-A73E-19B6B5675630}"/>
+                <a16:creationId xmlns:a16="http://schemas.microsoft.com/office/drawing/2014/main" xmlns="" id="{52401D3F-9B60-4139-A73E-19B6B5675630}"/>
               </a:ext>
             </a:extLst>
           </p:cNvPr>
@@ -12863,7 +12867,7 @@
           <p:cNvPr id="42" name="直接箭头连接符 41">
             <a:extLst>
               <a:ext uri="{FF2B5EF4-FFF2-40B4-BE49-F238E27FC236}">
-                <a16:creationId xmlns="" xmlns:a16="http://schemas.microsoft.com/office/drawing/2014/main" id="{4842F576-6540-4131-815A-4DC26C64A81E}"/>
+                <a16:creationId xmlns:a16="http://schemas.microsoft.com/office/drawing/2014/main" xmlns="" id="{4842F576-6540-4131-815A-4DC26C64A81E}"/>
               </a:ext>
             </a:extLst>
           </p:cNvPr>
@@ -12910,7 +12914,7 @@
           <p:cNvPr id="45" name="矩形 44">
             <a:extLst>
               <a:ext uri="{FF2B5EF4-FFF2-40B4-BE49-F238E27FC236}">
-                <a16:creationId xmlns="" xmlns:a16="http://schemas.microsoft.com/office/drawing/2014/main" id="{52401D3F-9B60-4139-A73E-19B6B5675630}"/>
+                <a16:creationId xmlns:a16="http://schemas.microsoft.com/office/drawing/2014/main" xmlns="" id="{52401D3F-9B60-4139-A73E-19B6B5675630}"/>
               </a:ext>
             </a:extLst>
           </p:cNvPr>
@@ -12969,7 +12973,7 @@
           <p:cNvPr id="50" name="直接箭头连接符 49">
             <a:extLst>
               <a:ext uri="{FF2B5EF4-FFF2-40B4-BE49-F238E27FC236}">
-                <a16:creationId xmlns="" xmlns:a16="http://schemas.microsoft.com/office/drawing/2014/main" id="{4842F576-6540-4131-815A-4DC26C64A81E}"/>
+                <a16:creationId xmlns:a16="http://schemas.microsoft.com/office/drawing/2014/main" xmlns="" id="{4842F576-6540-4131-815A-4DC26C64A81E}"/>
               </a:ext>
             </a:extLst>
           </p:cNvPr>
@@ -13015,7 +13019,7 @@
           <p:cNvPr id="53" name="直接箭头连接符 52">
             <a:extLst>
               <a:ext uri="{FF2B5EF4-FFF2-40B4-BE49-F238E27FC236}">
-                <a16:creationId xmlns="" xmlns:a16="http://schemas.microsoft.com/office/drawing/2014/main" id="{4842F576-6540-4131-815A-4DC26C64A81E}"/>
+                <a16:creationId xmlns:a16="http://schemas.microsoft.com/office/drawing/2014/main" xmlns="" id="{4842F576-6540-4131-815A-4DC26C64A81E}"/>
               </a:ext>
             </a:extLst>
           </p:cNvPr>
@@ -13061,7 +13065,7 @@
           <p:cNvPr id="55" name="矩形 54">
             <a:extLst>
               <a:ext uri="{FF2B5EF4-FFF2-40B4-BE49-F238E27FC236}">
-                <a16:creationId xmlns="" xmlns:a16="http://schemas.microsoft.com/office/drawing/2014/main" id="{52401D3F-9B60-4139-A73E-19B6B5675630}"/>
+                <a16:creationId xmlns:a16="http://schemas.microsoft.com/office/drawing/2014/main" xmlns="" id="{52401D3F-9B60-4139-A73E-19B6B5675630}"/>
               </a:ext>
             </a:extLst>
           </p:cNvPr>
@@ -13133,7 +13137,7 @@
           <p:cNvPr id="57" name="矩形 56">
             <a:extLst>
               <a:ext uri="{FF2B5EF4-FFF2-40B4-BE49-F238E27FC236}">
-                <a16:creationId xmlns="" xmlns:a16="http://schemas.microsoft.com/office/drawing/2014/main" id="{52401D3F-9B60-4139-A73E-19B6B5675630}"/>
+                <a16:creationId xmlns:a16="http://schemas.microsoft.com/office/drawing/2014/main" xmlns="" id="{52401D3F-9B60-4139-A73E-19B6B5675630}"/>
               </a:ext>
             </a:extLst>
           </p:cNvPr>
@@ -13182,7 +13186,7 @@
           <p:cNvPr id="58" name="直接箭头连接符 57">
             <a:extLst>
               <a:ext uri="{FF2B5EF4-FFF2-40B4-BE49-F238E27FC236}">
-                <a16:creationId xmlns="" xmlns:a16="http://schemas.microsoft.com/office/drawing/2014/main" id="{4842F576-6540-4131-815A-4DC26C64A81E}"/>
+                <a16:creationId xmlns:a16="http://schemas.microsoft.com/office/drawing/2014/main" xmlns="" id="{4842F576-6540-4131-815A-4DC26C64A81E}"/>
               </a:ext>
             </a:extLst>
           </p:cNvPr>
@@ -13229,7 +13233,7 @@
           <p:cNvPr id="61" name="矩形 60">
             <a:extLst>
               <a:ext uri="{FF2B5EF4-FFF2-40B4-BE49-F238E27FC236}">
-                <a16:creationId xmlns="" xmlns:a16="http://schemas.microsoft.com/office/drawing/2014/main" id="{52401D3F-9B60-4139-A73E-19B6B5675630}"/>
+                <a16:creationId xmlns:a16="http://schemas.microsoft.com/office/drawing/2014/main" xmlns="" id="{52401D3F-9B60-4139-A73E-19B6B5675630}"/>
               </a:ext>
             </a:extLst>
           </p:cNvPr>
@@ -13288,7 +13292,7 @@
           <p:cNvPr id="62" name="直接箭头连接符 61">
             <a:extLst>
               <a:ext uri="{FF2B5EF4-FFF2-40B4-BE49-F238E27FC236}">
-                <a16:creationId xmlns="" xmlns:a16="http://schemas.microsoft.com/office/drawing/2014/main" id="{4842F576-6540-4131-815A-4DC26C64A81E}"/>
+                <a16:creationId xmlns:a16="http://schemas.microsoft.com/office/drawing/2014/main" xmlns="" id="{4842F576-6540-4131-815A-4DC26C64A81E}"/>
               </a:ext>
             </a:extLst>
           </p:cNvPr>
@@ -13336,7 +13340,7 @@
           <p:cNvPr id="65" name="矩形 64">
             <a:extLst>
               <a:ext uri="{FF2B5EF4-FFF2-40B4-BE49-F238E27FC236}">
-                <a16:creationId xmlns="" xmlns:a16="http://schemas.microsoft.com/office/drawing/2014/main" id="{52401D3F-9B60-4139-A73E-19B6B5675630}"/>
+                <a16:creationId xmlns:a16="http://schemas.microsoft.com/office/drawing/2014/main" xmlns="" id="{52401D3F-9B60-4139-A73E-19B6B5675630}"/>
               </a:ext>
             </a:extLst>
           </p:cNvPr>
@@ -13395,7 +13399,7 @@
           <p:cNvPr id="66" name="矩形 65">
             <a:extLst>
               <a:ext uri="{FF2B5EF4-FFF2-40B4-BE49-F238E27FC236}">
-                <a16:creationId xmlns="" xmlns:a16="http://schemas.microsoft.com/office/drawing/2014/main" id="{52401D3F-9B60-4139-A73E-19B6B5675630}"/>
+                <a16:creationId xmlns:a16="http://schemas.microsoft.com/office/drawing/2014/main" xmlns="" id="{52401D3F-9B60-4139-A73E-19B6B5675630}"/>
               </a:ext>
             </a:extLst>
           </p:cNvPr>
@@ -13444,7 +13448,7 @@
           <p:cNvPr id="67" name="直接箭头连接符 66">
             <a:extLst>
               <a:ext uri="{FF2B5EF4-FFF2-40B4-BE49-F238E27FC236}">
-                <a16:creationId xmlns="" xmlns:a16="http://schemas.microsoft.com/office/drawing/2014/main" id="{4842F576-6540-4131-815A-4DC26C64A81E}"/>
+                <a16:creationId xmlns:a16="http://schemas.microsoft.com/office/drawing/2014/main" xmlns="" id="{4842F576-6540-4131-815A-4DC26C64A81E}"/>
               </a:ext>
             </a:extLst>
           </p:cNvPr>
@@ -13490,7 +13494,7 @@
           <p:cNvPr id="70" name="矩形 69">
             <a:extLst>
               <a:ext uri="{FF2B5EF4-FFF2-40B4-BE49-F238E27FC236}">
-                <a16:creationId xmlns="" xmlns:a16="http://schemas.microsoft.com/office/drawing/2014/main" id="{082B527D-717F-42B5-846E-7EC08E8A3787}"/>
+                <a16:creationId xmlns:a16="http://schemas.microsoft.com/office/drawing/2014/main" xmlns="" id="{082B527D-717F-42B5-846E-7EC08E8A3787}"/>
               </a:ext>
             </a:extLst>
           </p:cNvPr>
@@ -13533,7 +13537,7 @@
           <p:cNvPr id="72" name="直接箭头连接符 71">
             <a:extLst>
               <a:ext uri="{FF2B5EF4-FFF2-40B4-BE49-F238E27FC236}">
-                <a16:creationId xmlns="" xmlns:a16="http://schemas.microsoft.com/office/drawing/2014/main" id="{4842F576-6540-4131-815A-4DC26C64A81E}"/>
+                <a16:creationId xmlns:a16="http://schemas.microsoft.com/office/drawing/2014/main" xmlns="" id="{4842F576-6540-4131-815A-4DC26C64A81E}"/>
               </a:ext>
             </a:extLst>
           </p:cNvPr>
@@ -13576,7 +13580,7 @@
           <p:cNvPr id="75" name="矩形 74">
             <a:extLst>
               <a:ext uri="{FF2B5EF4-FFF2-40B4-BE49-F238E27FC236}">
-                <a16:creationId xmlns="" xmlns:a16="http://schemas.microsoft.com/office/drawing/2014/main" id="{52401D3F-9B60-4139-A73E-19B6B5675630}"/>
+                <a16:creationId xmlns:a16="http://schemas.microsoft.com/office/drawing/2014/main" xmlns="" id="{52401D3F-9B60-4139-A73E-19B6B5675630}"/>
               </a:ext>
             </a:extLst>
           </p:cNvPr>
@@ -13635,7 +13639,7 @@
           <p:cNvPr id="78" name="矩形 77">
             <a:extLst>
               <a:ext uri="{FF2B5EF4-FFF2-40B4-BE49-F238E27FC236}">
-                <a16:creationId xmlns="" xmlns:a16="http://schemas.microsoft.com/office/drawing/2014/main" id="{52401D3F-9B60-4139-A73E-19B6B5675630}"/>
+                <a16:creationId xmlns:a16="http://schemas.microsoft.com/office/drawing/2014/main" xmlns="" id="{52401D3F-9B60-4139-A73E-19B6B5675630}"/>
               </a:ext>
             </a:extLst>
           </p:cNvPr>
@@ -13684,7 +13688,7 @@
           <p:cNvPr id="79" name="直接箭头连接符 78">
             <a:extLst>
               <a:ext uri="{FF2B5EF4-FFF2-40B4-BE49-F238E27FC236}">
-                <a16:creationId xmlns="" xmlns:a16="http://schemas.microsoft.com/office/drawing/2014/main" id="{4842F576-6540-4131-815A-4DC26C64A81E}"/>
+                <a16:creationId xmlns:a16="http://schemas.microsoft.com/office/drawing/2014/main" xmlns="" id="{4842F576-6540-4131-815A-4DC26C64A81E}"/>
               </a:ext>
             </a:extLst>
           </p:cNvPr>
@@ -13727,7 +13731,7 @@
           <p:cNvPr id="82" name="直接箭头连接符 81">
             <a:extLst>
               <a:ext uri="{FF2B5EF4-FFF2-40B4-BE49-F238E27FC236}">
-                <a16:creationId xmlns="" xmlns:a16="http://schemas.microsoft.com/office/drawing/2014/main" id="{4842F576-6540-4131-815A-4DC26C64A81E}"/>
+                <a16:creationId xmlns:a16="http://schemas.microsoft.com/office/drawing/2014/main" xmlns="" id="{4842F576-6540-4131-815A-4DC26C64A81E}"/>
               </a:ext>
             </a:extLst>
           </p:cNvPr>
@@ -13770,7 +13774,7 @@
           <p:cNvPr id="84" name="直接箭头连接符 83">
             <a:extLst>
               <a:ext uri="{FF2B5EF4-FFF2-40B4-BE49-F238E27FC236}">
-                <a16:creationId xmlns="" xmlns:a16="http://schemas.microsoft.com/office/drawing/2014/main" id="{4842F576-6540-4131-815A-4DC26C64A81E}"/>
+                <a16:creationId xmlns:a16="http://schemas.microsoft.com/office/drawing/2014/main" xmlns="" id="{4842F576-6540-4131-815A-4DC26C64A81E}"/>
               </a:ext>
             </a:extLst>
           </p:cNvPr>
@@ -13815,7 +13819,7 @@
           <p:cNvPr id="89" name="矩形 88">
             <a:extLst>
               <a:ext uri="{FF2B5EF4-FFF2-40B4-BE49-F238E27FC236}">
-                <a16:creationId xmlns="" xmlns:a16="http://schemas.microsoft.com/office/drawing/2014/main" id="{52401D3F-9B60-4139-A73E-19B6B5675630}"/>
+                <a16:creationId xmlns:a16="http://schemas.microsoft.com/office/drawing/2014/main" xmlns="" id="{52401D3F-9B60-4139-A73E-19B6B5675630}"/>
               </a:ext>
             </a:extLst>
           </p:cNvPr>
@@ -13857,7 +13861,7 @@
           <p:cNvPr id="90" name="矩形 89">
             <a:extLst>
               <a:ext uri="{FF2B5EF4-FFF2-40B4-BE49-F238E27FC236}">
-                <a16:creationId xmlns="" xmlns:a16="http://schemas.microsoft.com/office/drawing/2014/main" id="{52401D3F-9B60-4139-A73E-19B6B5675630}"/>
+                <a16:creationId xmlns:a16="http://schemas.microsoft.com/office/drawing/2014/main" xmlns="" id="{52401D3F-9B60-4139-A73E-19B6B5675630}"/>
               </a:ext>
             </a:extLst>
           </p:cNvPr>
@@ -13906,7 +13910,7 @@
           <p:cNvPr id="91" name="矩形 90">
             <a:extLst>
               <a:ext uri="{FF2B5EF4-FFF2-40B4-BE49-F238E27FC236}">
-                <a16:creationId xmlns="" xmlns:a16="http://schemas.microsoft.com/office/drawing/2014/main" id="{52401D3F-9B60-4139-A73E-19B6B5675630}"/>
+                <a16:creationId xmlns:a16="http://schemas.microsoft.com/office/drawing/2014/main" xmlns="" id="{52401D3F-9B60-4139-A73E-19B6B5675630}"/>
               </a:ext>
             </a:extLst>
           </p:cNvPr>
@@ -13958,7 +13962,7 @@
           <p:cNvPr id="92" name="矩形 91">
             <a:extLst>
               <a:ext uri="{FF2B5EF4-FFF2-40B4-BE49-F238E27FC236}">
-                <a16:creationId xmlns="" xmlns:a16="http://schemas.microsoft.com/office/drawing/2014/main" id="{52401D3F-9B60-4139-A73E-19B6B5675630}"/>
+                <a16:creationId xmlns:a16="http://schemas.microsoft.com/office/drawing/2014/main" xmlns="" id="{52401D3F-9B60-4139-A73E-19B6B5675630}"/>
               </a:ext>
             </a:extLst>
           </p:cNvPr>
@@ -14010,7 +14014,7 @@
           <p:cNvPr id="93" name="矩形 92">
             <a:extLst>
               <a:ext uri="{FF2B5EF4-FFF2-40B4-BE49-F238E27FC236}">
-                <a16:creationId xmlns="" xmlns:a16="http://schemas.microsoft.com/office/drawing/2014/main" id="{52401D3F-9B60-4139-A73E-19B6B5675630}"/>
+                <a16:creationId xmlns:a16="http://schemas.microsoft.com/office/drawing/2014/main" xmlns="" id="{52401D3F-9B60-4139-A73E-19B6B5675630}"/>
               </a:ext>
             </a:extLst>
           </p:cNvPr>
@@ -14059,7 +14063,7 @@
           <p:cNvPr id="94" name="直接箭头连接符 93">
             <a:extLst>
               <a:ext uri="{FF2B5EF4-FFF2-40B4-BE49-F238E27FC236}">
-                <a16:creationId xmlns="" xmlns:a16="http://schemas.microsoft.com/office/drawing/2014/main" id="{4842F576-6540-4131-815A-4DC26C64A81E}"/>
+                <a16:creationId xmlns:a16="http://schemas.microsoft.com/office/drawing/2014/main" xmlns="" id="{4842F576-6540-4131-815A-4DC26C64A81E}"/>
               </a:ext>
             </a:extLst>
           </p:cNvPr>
@@ -14102,7 +14106,7 @@
           <p:cNvPr id="97" name="直接箭头连接符 96">
             <a:extLst>
               <a:ext uri="{FF2B5EF4-FFF2-40B4-BE49-F238E27FC236}">
-                <a16:creationId xmlns="" xmlns:a16="http://schemas.microsoft.com/office/drawing/2014/main" id="{4842F576-6540-4131-815A-4DC26C64A81E}"/>
+                <a16:creationId xmlns:a16="http://schemas.microsoft.com/office/drawing/2014/main" xmlns="" id="{4842F576-6540-4131-815A-4DC26C64A81E}"/>
               </a:ext>
             </a:extLst>
           </p:cNvPr>
@@ -14146,7 +14150,7 @@
           <p:cNvPr id="101" name="矩形 100">
             <a:extLst>
               <a:ext uri="{FF2B5EF4-FFF2-40B4-BE49-F238E27FC236}">
-                <a16:creationId xmlns="" xmlns:a16="http://schemas.microsoft.com/office/drawing/2014/main" id="{52401D3F-9B60-4139-A73E-19B6B5675630}"/>
+                <a16:creationId xmlns:a16="http://schemas.microsoft.com/office/drawing/2014/main" xmlns="" id="{52401D3F-9B60-4139-A73E-19B6B5675630}"/>
               </a:ext>
             </a:extLst>
           </p:cNvPr>
@@ -14205,7 +14209,7 @@
           <p:cNvPr id="103" name="矩形 102">
             <a:extLst>
               <a:ext uri="{FF2B5EF4-FFF2-40B4-BE49-F238E27FC236}">
-                <a16:creationId xmlns="" xmlns:a16="http://schemas.microsoft.com/office/drawing/2014/main" id="{082B527D-717F-42B5-846E-7EC08E8A3787}"/>
+                <a16:creationId xmlns:a16="http://schemas.microsoft.com/office/drawing/2014/main" xmlns="" id="{082B527D-717F-42B5-846E-7EC08E8A3787}"/>
               </a:ext>
             </a:extLst>
           </p:cNvPr>
@@ -14267,7 +14271,7 @@
           <p:cNvPr id="104" name="矩形 103">
             <a:extLst>
               <a:ext uri="{FF2B5EF4-FFF2-40B4-BE49-F238E27FC236}">
-                <a16:creationId xmlns="" xmlns:a16="http://schemas.microsoft.com/office/drawing/2014/main" id="{082B527D-717F-42B5-846E-7EC08E8A3787}"/>
+                <a16:creationId xmlns:a16="http://schemas.microsoft.com/office/drawing/2014/main" xmlns="" id="{082B527D-717F-42B5-846E-7EC08E8A3787}"/>
               </a:ext>
             </a:extLst>
           </p:cNvPr>
@@ -14310,7 +14314,7 @@
           <p:cNvPr id="105" name="矩形 104">
             <a:extLst>
               <a:ext uri="{FF2B5EF4-FFF2-40B4-BE49-F238E27FC236}">
-                <a16:creationId xmlns="" xmlns:a16="http://schemas.microsoft.com/office/drawing/2014/main" id="{6415C456-80C5-4ADF-9D71-F1555EF8417A}"/>
+                <a16:creationId xmlns:a16="http://schemas.microsoft.com/office/drawing/2014/main" xmlns="" id="{6415C456-80C5-4ADF-9D71-F1555EF8417A}"/>
               </a:ext>
             </a:extLst>
           </p:cNvPr>
@@ -14354,7 +14358,7 @@
           <p:cNvPr id="110" name="直接箭头连接符 109">
             <a:extLst>
               <a:ext uri="{FF2B5EF4-FFF2-40B4-BE49-F238E27FC236}">
-                <a16:creationId xmlns="" xmlns:a16="http://schemas.microsoft.com/office/drawing/2014/main" id="{4842F576-6540-4131-815A-4DC26C64A81E}"/>
+                <a16:creationId xmlns:a16="http://schemas.microsoft.com/office/drawing/2014/main" xmlns="" id="{4842F576-6540-4131-815A-4DC26C64A81E}"/>
               </a:ext>
             </a:extLst>
           </p:cNvPr>
@@ -14399,7 +14403,7 @@
           <p:cNvPr id="113" name="矩形 112">
             <a:extLst>
               <a:ext uri="{FF2B5EF4-FFF2-40B4-BE49-F238E27FC236}">
-                <a16:creationId xmlns="" xmlns:a16="http://schemas.microsoft.com/office/drawing/2014/main" id="{52401D3F-9B60-4139-A73E-19B6B5675630}"/>
+                <a16:creationId xmlns:a16="http://schemas.microsoft.com/office/drawing/2014/main" xmlns="" id="{52401D3F-9B60-4139-A73E-19B6B5675630}"/>
               </a:ext>
             </a:extLst>
           </p:cNvPr>
@@ -14452,7 +14456,7 @@
           <p:cNvPr id="114" name="直接箭头连接符 113">
             <a:extLst>
               <a:ext uri="{FF2B5EF4-FFF2-40B4-BE49-F238E27FC236}">
-                <a16:creationId xmlns="" xmlns:a16="http://schemas.microsoft.com/office/drawing/2014/main" id="{4842F576-6540-4131-815A-4DC26C64A81E}"/>
+                <a16:creationId xmlns:a16="http://schemas.microsoft.com/office/drawing/2014/main" xmlns="" id="{4842F576-6540-4131-815A-4DC26C64A81E}"/>
               </a:ext>
             </a:extLst>
           </p:cNvPr>
@@ -14497,7 +14501,7 @@
           <p:cNvPr id="117" name="矩形 116">
             <a:extLst>
               <a:ext uri="{FF2B5EF4-FFF2-40B4-BE49-F238E27FC236}">
-                <a16:creationId xmlns="" xmlns:a16="http://schemas.microsoft.com/office/drawing/2014/main" id="{52401D3F-9B60-4139-A73E-19B6B5675630}"/>
+                <a16:creationId xmlns:a16="http://schemas.microsoft.com/office/drawing/2014/main" xmlns="" id="{52401D3F-9B60-4139-A73E-19B6B5675630}"/>
               </a:ext>
             </a:extLst>
           </p:cNvPr>
@@ -14556,7 +14560,7 @@
           <p:cNvPr id="118" name="矩形 117">
             <a:extLst>
               <a:ext uri="{FF2B5EF4-FFF2-40B4-BE49-F238E27FC236}">
-                <a16:creationId xmlns="" xmlns:a16="http://schemas.microsoft.com/office/drawing/2014/main" id="{52401D3F-9B60-4139-A73E-19B6B5675630}"/>
+                <a16:creationId xmlns:a16="http://schemas.microsoft.com/office/drawing/2014/main" xmlns="" id="{52401D3F-9B60-4139-A73E-19B6B5675630}"/>
               </a:ext>
             </a:extLst>
           </p:cNvPr>
@@ -14605,7 +14609,7 @@
           <p:cNvPr id="120" name="直接箭头连接符 119">
             <a:extLst>
               <a:ext uri="{FF2B5EF4-FFF2-40B4-BE49-F238E27FC236}">
-                <a16:creationId xmlns="" xmlns:a16="http://schemas.microsoft.com/office/drawing/2014/main" id="{4842F576-6540-4131-815A-4DC26C64A81E}"/>
+                <a16:creationId xmlns:a16="http://schemas.microsoft.com/office/drawing/2014/main" xmlns="" id="{4842F576-6540-4131-815A-4DC26C64A81E}"/>
               </a:ext>
             </a:extLst>
           </p:cNvPr>
@@ -14648,7 +14652,7 @@
           <p:cNvPr id="125" name="矩形 124">
             <a:extLst>
               <a:ext uri="{FF2B5EF4-FFF2-40B4-BE49-F238E27FC236}">
-                <a16:creationId xmlns="" xmlns:a16="http://schemas.microsoft.com/office/drawing/2014/main" id="{52401D3F-9B60-4139-A73E-19B6B5675630}"/>
+                <a16:creationId xmlns:a16="http://schemas.microsoft.com/office/drawing/2014/main" xmlns="" id="{52401D3F-9B60-4139-A73E-19B6B5675630}"/>
               </a:ext>
             </a:extLst>
           </p:cNvPr>
@@ -14707,7 +14711,7 @@
           <p:cNvPr id="126" name="矩形 125">
             <a:extLst>
               <a:ext uri="{FF2B5EF4-FFF2-40B4-BE49-F238E27FC236}">
-                <a16:creationId xmlns="" xmlns:a16="http://schemas.microsoft.com/office/drawing/2014/main" id="{52401D3F-9B60-4139-A73E-19B6B5675630}"/>
+                <a16:creationId xmlns:a16="http://schemas.microsoft.com/office/drawing/2014/main" xmlns="" id="{52401D3F-9B60-4139-A73E-19B6B5675630}"/>
               </a:ext>
             </a:extLst>
           </p:cNvPr>
@@ -14756,7 +14760,7 @@
           <p:cNvPr id="127" name="矩形 126">
             <a:extLst>
               <a:ext uri="{FF2B5EF4-FFF2-40B4-BE49-F238E27FC236}">
-                <a16:creationId xmlns="" xmlns:a16="http://schemas.microsoft.com/office/drawing/2014/main" id="{52401D3F-9B60-4139-A73E-19B6B5675630}"/>
+                <a16:creationId xmlns:a16="http://schemas.microsoft.com/office/drawing/2014/main" xmlns="" id="{52401D3F-9B60-4139-A73E-19B6B5675630}"/>
               </a:ext>
             </a:extLst>
           </p:cNvPr>
@@ -14845,7 +14849,7 @@
           <p:cNvPr id="129" name="直接箭头连接符 128">
             <a:extLst>
               <a:ext uri="{FF2B5EF4-FFF2-40B4-BE49-F238E27FC236}">
-                <a16:creationId xmlns="" xmlns:a16="http://schemas.microsoft.com/office/drawing/2014/main" id="{4842F576-6540-4131-815A-4DC26C64A81E}"/>
+                <a16:creationId xmlns:a16="http://schemas.microsoft.com/office/drawing/2014/main" xmlns="" id="{4842F576-6540-4131-815A-4DC26C64A81E}"/>
               </a:ext>
             </a:extLst>
           </p:cNvPr>
@@ -14889,7 +14893,7 @@
           <p:cNvPr id="131" name="直接箭头连接符 130">
             <a:extLst>
               <a:ext uri="{FF2B5EF4-FFF2-40B4-BE49-F238E27FC236}">
-                <a16:creationId xmlns="" xmlns:a16="http://schemas.microsoft.com/office/drawing/2014/main" id="{4842F576-6540-4131-815A-4DC26C64A81E}"/>
+                <a16:creationId xmlns:a16="http://schemas.microsoft.com/office/drawing/2014/main" xmlns="" id="{4842F576-6540-4131-815A-4DC26C64A81E}"/>
               </a:ext>
             </a:extLst>
           </p:cNvPr>
@@ -14932,7 +14936,7 @@
           <p:cNvPr id="134" name="直接箭头连接符 133">
             <a:extLst>
               <a:ext uri="{FF2B5EF4-FFF2-40B4-BE49-F238E27FC236}">
-                <a16:creationId xmlns="" xmlns:a16="http://schemas.microsoft.com/office/drawing/2014/main" id="{4842F576-6540-4131-815A-4DC26C64A81E}"/>
+                <a16:creationId xmlns:a16="http://schemas.microsoft.com/office/drawing/2014/main" xmlns="" id="{4842F576-6540-4131-815A-4DC26C64A81E}"/>
               </a:ext>
             </a:extLst>
           </p:cNvPr>
@@ -14975,7 +14979,7 @@
           <p:cNvPr id="138" name="矩形 137">
             <a:extLst>
               <a:ext uri="{FF2B5EF4-FFF2-40B4-BE49-F238E27FC236}">
-                <a16:creationId xmlns="" xmlns:a16="http://schemas.microsoft.com/office/drawing/2014/main" id="{1222BFF6-8EE7-4480-B2A3-17DCCE92BAF9}"/>
+                <a16:creationId xmlns:a16="http://schemas.microsoft.com/office/drawing/2014/main" xmlns="" id="{1222BFF6-8EE7-4480-B2A3-17DCCE92BAF9}"/>
               </a:ext>
             </a:extLst>
           </p:cNvPr>
@@ -15037,7 +15041,7 @@
           <p:cNvPr id="139" name="矩形 138">
             <a:extLst>
               <a:ext uri="{FF2B5EF4-FFF2-40B4-BE49-F238E27FC236}">
-                <a16:creationId xmlns="" xmlns:a16="http://schemas.microsoft.com/office/drawing/2014/main" id="{082B527D-717F-42B5-846E-7EC08E8A3787}"/>
+                <a16:creationId xmlns:a16="http://schemas.microsoft.com/office/drawing/2014/main" xmlns="" id="{082B527D-717F-42B5-846E-7EC08E8A3787}"/>
               </a:ext>
             </a:extLst>
           </p:cNvPr>
@@ -15088,7 +15092,7 @@
           <p:cNvPr id="147" name="直接箭头连接符 146">
             <a:extLst>
               <a:ext uri="{FF2B5EF4-FFF2-40B4-BE49-F238E27FC236}">
-                <a16:creationId xmlns="" xmlns:a16="http://schemas.microsoft.com/office/drawing/2014/main" id="{4842F576-6540-4131-815A-4DC26C64A81E}"/>
+                <a16:creationId xmlns:a16="http://schemas.microsoft.com/office/drawing/2014/main" xmlns="" id="{4842F576-6540-4131-815A-4DC26C64A81E}"/>
               </a:ext>
             </a:extLst>
           </p:cNvPr>
@@ -15134,7 +15138,7 @@
           <p:cNvPr id="149" name="矩形 148">
             <a:extLst>
               <a:ext uri="{FF2B5EF4-FFF2-40B4-BE49-F238E27FC236}">
-                <a16:creationId xmlns="" xmlns:a16="http://schemas.microsoft.com/office/drawing/2014/main" id="{52401D3F-9B60-4139-A73E-19B6B5675630}"/>
+                <a16:creationId xmlns:a16="http://schemas.microsoft.com/office/drawing/2014/main" xmlns="" id="{52401D3F-9B60-4139-A73E-19B6B5675630}"/>
               </a:ext>
             </a:extLst>
           </p:cNvPr>
@@ -15224,7 +15228,7 @@
           <p:cNvPr id="150" name="直接箭头连接符 149">
             <a:extLst>
               <a:ext uri="{FF2B5EF4-FFF2-40B4-BE49-F238E27FC236}">
-                <a16:creationId xmlns="" xmlns:a16="http://schemas.microsoft.com/office/drawing/2014/main" id="{4842F576-6540-4131-815A-4DC26C64A81E}"/>
+                <a16:creationId xmlns:a16="http://schemas.microsoft.com/office/drawing/2014/main" xmlns="" id="{4842F576-6540-4131-815A-4DC26C64A81E}"/>
               </a:ext>
             </a:extLst>
           </p:cNvPr>
@@ -15267,7 +15271,7 @@
           <p:cNvPr id="151" name="矩形 150">
             <a:extLst>
               <a:ext uri="{FF2B5EF4-FFF2-40B4-BE49-F238E27FC236}">
-                <a16:creationId xmlns="" xmlns:a16="http://schemas.microsoft.com/office/drawing/2014/main" id="{52401D3F-9B60-4139-A73E-19B6B5675630}"/>
+                <a16:creationId xmlns:a16="http://schemas.microsoft.com/office/drawing/2014/main" xmlns="" id="{52401D3F-9B60-4139-A73E-19B6B5675630}"/>
               </a:ext>
             </a:extLst>
           </p:cNvPr>
@@ -15357,7 +15361,7 @@
           <p:cNvPr id="152" name="直接箭头连接符 151">
             <a:extLst>
               <a:ext uri="{FF2B5EF4-FFF2-40B4-BE49-F238E27FC236}">
-                <a16:creationId xmlns="" xmlns:a16="http://schemas.microsoft.com/office/drawing/2014/main" id="{4842F576-6540-4131-815A-4DC26C64A81E}"/>
+                <a16:creationId xmlns:a16="http://schemas.microsoft.com/office/drawing/2014/main" xmlns="" id="{4842F576-6540-4131-815A-4DC26C64A81E}"/>
               </a:ext>
             </a:extLst>
           </p:cNvPr>
@@ -15400,7 +15404,7 @@
           <p:cNvPr id="153" name="矩形 152">
             <a:extLst>
               <a:ext uri="{FF2B5EF4-FFF2-40B4-BE49-F238E27FC236}">
-                <a16:creationId xmlns="" xmlns:a16="http://schemas.microsoft.com/office/drawing/2014/main" id="{52401D3F-9B60-4139-A73E-19B6B5675630}"/>
+                <a16:creationId xmlns:a16="http://schemas.microsoft.com/office/drawing/2014/main" xmlns="" id="{52401D3F-9B60-4139-A73E-19B6B5675630}"/>
               </a:ext>
             </a:extLst>
           </p:cNvPr>
@@ -15460,7 +15464,7 @@
           <p:cNvPr id="154" name="矩形 153">
             <a:extLst>
               <a:ext uri="{FF2B5EF4-FFF2-40B4-BE49-F238E27FC236}">
-                <a16:creationId xmlns="" xmlns:a16="http://schemas.microsoft.com/office/drawing/2014/main" id="{52401D3F-9B60-4139-A73E-19B6B5675630}"/>
+                <a16:creationId xmlns:a16="http://schemas.microsoft.com/office/drawing/2014/main" xmlns="" id="{52401D3F-9B60-4139-A73E-19B6B5675630}"/>
               </a:ext>
             </a:extLst>
           </p:cNvPr>
@@ -15560,7 +15564,7 @@
           <p:cNvPr id="155" name="矩形 154">
             <a:extLst>
               <a:ext uri="{FF2B5EF4-FFF2-40B4-BE49-F238E27FC236}">
-                <a16:creationId xmlns="" xmlns:a16="http://schemas.microsoft.com/office/drawing/2014/main" id="{52401D3F-9B60-4139-A73E-19B6B5675630}"/>
+                <a16:creationId xmlns:a16="http://schemas.microsoft.com/office/drawing/2014/main" xmlns="" id="{52401D3F-9B60-4139-A73E-19B6B5675630}"/>
               </a:ext>
             </a:extLst>
           </p:cNvPr>
@@ -15620,7 +15624,7 @@
           <p:cNvPr id="156" name="矩形 155">
             <a:extLst>
               <a:ext uri="{FF2B5EF4-FFF2-40B4-BE49-F238E27FC236}">
-                <a16:creationId xmlns="" xmlns:a16="http://schemas.microsoft.com/office/drawing/2014/main" id="{52401D3F-9B60-4139-A73E-19B6B5675630}"/>
+                <a16:creationId xmlns:a16="http://schemas.microsoft.com/office/drawing/2014/main" xmlns="" id="{52401D3F-9B60-4139-A73E-19B6B5675630}"/>
               </a:ext>
             </a:extLst>
           </p:cNvPr>
@@ -15700,7 +15704,7 @@
           <p:cNvPr id="157" name="矩形 156">
             <a:extLst>
               <a:ext uri="{FF2B5EF4-FFF2-40B4-BE49-F238E27FC236}">
-                <a16:creationId xmlns="" xmlns:a16="http://schemas.microsoft.com/office/drawing/2014/main" id="{276C898D-0BD3-4299-A808-9012AD9385A2}"/>
+                <a16:creationId xmlns:a16="http://schemas.microsoft.com/office/drawing/2014/main" xmlns="" id="{276C898D-0BD3-4299-A808-9012AD9385A2}"/>
               </a:ext>
             </a:extLst>
           </p:cNvPr>

--- a/计算机网络/TCP和HTTP/示意图.pptx
+++ b/计算机网络/TCP和HTTP/示意图.pptx
@@ -1296,7 +1296,7 @@
           <p:cNvPr id="4097" name="Rectangle 1">
             <a:extLst>
               <a:ext uri="{FF2B5EF4-FFF2-40B4-BE49-F238E27FC236}">
-                <a16:creationId xmlns:a16="http://schemas.microsoft.com/office/drawing/2014/main" xmlns="" id="{565A64E7-9CD6-4CA0-BB1F-239A37432A4C}"/>
+                <a16:creationId xmlns="" xmlns:a16="http://schemas.microsoft.com/office/drawing/2014/main" id="{565A64E7-9CD6-4CA0-BB1F-239A37432A4C}"/>
               </a:ext>
             </a:extLst>
           </p:cNvPr>
@@ -1356,7 +1356,7 @@
           <p:cNvPr id="4098" name="Rectangle 2">
             <a:extLst>
               <a:ext uri="{FF2B5EF4-FFF2-40B4-BE49-F238E27FC236}">
-                <a16:creationId xmlns:a16="http://schemas.microsoft.com/office/drawing/2014/main" xmlns="" id="{BEC89F56-1C5B-450B-BA44-8C5C6738B526}"/>
+                <a16:creationId xmlns="" xmlns:a16="http://schemas.microsoft.com/office/drawing/2014/main" id="{BEC89F56-1C5B-450B-BA44-8C5C6738B526}"/>
               </a:ext>
             </a:extLst>
           </p:cNvPr>
@@ -1639,7 +1639,7 @@
           <p:cNvPr id="2" name="标题 1">
             <a:extLst>
               <a:ext uri="{FF2B5EF4-FFF2-40B4-BE49-F238E27FC236}">
-                <a16:creationId xmlns:a16="http://schemas.microsoft.com/office/drawing/2014/main" xmlns="" id="{33920F4C-4250-4125-8984-E27C967C7C91}"/>
+                <a16:creationId xmlns="" xmlns:a16="http://schemas.microsoft.com/office/drawing/2014/main" id="{33920F4C-4250-4125-8984-E27C967C7C91}"/>
               </a:ext>
             </a:extLst>
           </p:cNvPr>
@@ -1679,7 +1679,7 @@
           <p:cNvPr id="3" name="副标题 2">
             <a:extLst>
               <a:ext uri="{FF2B5EF4-FFF2-40B4-BE49-F238E27FC236}">
-                <a16:creationId xmlns:a16="http://schemas.microsoft.com/office/drawing/2014/main" xmlns="" id="{CCF65E6E-81FD-4631-BDBA-343341FD9BED}"/>
+                <a16:creationId xmlns="" xmlns:a16="http://schemas.microsoft.com/office/drawing/2014/main" id="{CCF65E6E-81FD-4631-BDBA-343341FD9BED}"/>
               </a:ext>
             </a:extLst>
           </p:cNvPr>
@@ -1752,7 +1752,7 @@
           <p:cNvPr id="4" name="灯片编号占位符 3">
             <a:extLst>
               <a:ext uri="{FF2B5EF4-FFF2-40B4-BE49-F238E27FC236}">
-                <a16:creationId xmlns:a16="http://schemas.microsoft.com/office/drawing/2014/main" xmlns="" id="{47937965-0035-43F3-A8F9-BA99A5C466AA}"/>
+                <a16:creationId xmlns="" xmlns:a16="http://schemas.microsoft.com/office/drawing/2014/main" id="{47937965-0035-43F3-A8F9-BA99A5C466AA}"/>
               </a:ext>
             </a:extLst>
           </p:cNvPr>
@@ -1816,7 +1816,7 @@
           <p:cNvPr id="2" name="标题 1">
             <a:extLst>
               <a:ext uri="{FF2B5EF4-FFF2-40B4-BE49-F238E27FC236}">
-                <a16:creationId xmlns:a16="http://schemas.microsoft.com/office/drawing/2014/main" xmlns="" id="{5B0188C7-8DF4-45E6-BB0A-3DE8FA47D954}"/>
+                <a16:creationId xmlns="" xmlns:a16="http://schemas.microsoft.com/office/drawing/2014/main" id="{5B0188C7-8DF4-45E6-BB0A-3DE8FA47D954}"/>
               </a:ext>
             </a:extLst>
           </p:cNvPr>
@@ -1852,7 +1852,7 @@
           <p:cNvPr id="3" name="竖排文字占位符 2">
             <a:extLst>
               <a:ext uri="{FF2B5EF4-FFF2-40B4-BE49-F238E27FC236}">
-                <a16:creationId xmlns:a16="http://schemas.microsoft.com/office/drawing/2014/main" xmlns="" id="{332766E8-BF75-446A-964B-9715DDF66D28}"/>
+                <a16:creationId xmlns="" xmlns:a16="http://schemas.microsoft.com/office/drawing/2014/main" id="{332766E8-BF75-446A-964B-9715DDF66D28}"/>
               </a:ext>
             </a:extLst>
           </p:cNvPr>
@@ -1917,7 +1917,7 @@
           <p:cNvPr id="4" name="灯片编号占位符 3">
             <a:extLst>
               <a:ext uri="{FF2B5EF4-FFF2-40B4-BE49-F238E27FC236}">
-                <a16:creationId xmlns:a16="http://schemas.microsoft.com/office/drawing/2014/main" xmlns="" id="{553A1DE0-A6FD-4D1F-A299-AD52DB77F17D}"/>
+                <a16:creationId xmlns="" xmlns:a16="http://schemas.microsoft.com/office/drawing/2014/main" id="{553A1DE0-A6FD-4D1F-A299-AD52DB77F17D}"/>
               </a:ext>
             </a:extLst>
           </p:cNvPr>
@@ -1981,7 +1981,7 @@
           <p:cNvPr id="2" name="竖排标题 1">
             <a:extLst>
               <a:ext uri="{FF2B5EF4-FFF2-40B4-BE49-F238E27FC236}">
-                <a16:creationId xmlns:a16="http://schemas.microsoft.com/office/drawing/2014/main" xmlns="" id="{91216533-0BD7-4F3B-AC52-7D59BF32C6B7}"/>
+                <a16:creationId xmlns="" xmlns:a16="http://schemas.microsoft.com/office/drawing/2014/main" id="{91216533-0BD7-4F3B-AC52-7D59BF32C6B7}"/>
               </a:ext>
             </a:extLst>
           </p:cNvPr>
@@ -2017,7 +2017,7 @@
           <p:cNvPr id="3" name="竖排文字占位符 2">
             <a:extLst>
               <a:ext uri="{FF2B5EF4-FFF2-40B4-BE49-F238E27FC236}">
-                <a16:creationId xmlns:a16="http://schemas.microsoft.com/office/drawing/2014/main" xmlns="" id="{4B9DCB10-4EE5-4A4E-A344-9273E798B8A0}"/>
+                <a16:creationId xmlns="" xmlns:a16="http://schemas.microsoft.com/office/drawing/2014/main" id="{4B9DCB10-4EE5-4A4E-A344-9273E798B8A0}"/>
               </a:ext>
             </a:extLst>
           </p:cNvPr>
@@ -2082,7 +2082,7 @@
           <p:cNvPr id="4" name="灯片编号占位符 3">
             <a:extLst>
               <a:ext uri="{FF2B5EF4-FFF2-40B4-BE49-F238E27FC236}">
-                <a16:creationId xmlns:a16="http://schemas.microsoft.com/office/drawing/2014/main" xmlns="" id="{36606AC1-ADDE-49A6-9E3D-5F936A179597}"/>
+                <a16:creationId xmlns="" xmlns:a16="http://schemas.microsoft.com/office/drawing/2014/main" id="{36606AC1-ADDE-49A6-9E3D-5F936A179597}"/>
               </a:ext>
             </a:extLst>
           </p:cNvPr>
@@ -2146,7 +2146,7 @@
           <p:cNvPr id="2" name="标题 1">
             <a:extLst>
               <a:ext uri="{FF2B5EF4-FFF2-40B4-BE49-F238E27FC236}">
-                <a16:creationId xmlns:a16="http://schemas.microsoft.com/office/drawing/2014/main" xmlns="" id="{1AB45643-41E5-4F8A-A3FB-70282E6F91E4}"/>
+                <a16:creationId xmlns="" xmlns:a16="http://schemas.microsoft.com/office/drawing/2014/main" id="{1AB45643-41E5-4F8A-A3FB-70282E6F91E4}"/>
               </a:ext>
             </a:extLst>
           </p:cNvPr>
@@ -2182,7 +2182,7 @@
           <p:cNvPr id="3" name="内容占位符 2">
             <a:extLst>
               <a:ext uri="{FF2B5EF4-FFF2-40B4-BE49-F238E27FC236}">
-                <a16:creationId xmlns:a16="http://schemas.microsoft.com/office/drawing/2014/main" xmlns="" id="{E635A896-792B-4191-811D-D0D9BE8A97FD}"/>
+                <a16:creationId xmlns="" xmlns:a16="http://schemas.microsoft.com/office/drawing/2014/main" id="{E635A896-792B-4191-811D-D0D9BE8A97FD}"/>
               </a:ext>
             </a:extLst>
           </p:cNvPr>
@@ -2247,7 +2247,7 @@
           <p:cNvPr id="4" name="灯片编号占位符 3">
             <a:extLst>
               <a:ext uri="{FF2B5EF4-FFF2-40B4-BE49-F238E27FC236}">
-                <a16:creationId xmlns:a16="http://schemas.microsoft.com/office/drawing/2014/main" xmlns="" id="{2752FF08-65C9-4F66-835B-7EDC0DD8252F}"/>
+                <a16:creationId xmlns="" xmlns:a16="http://schemas.microsoft.com/office/drawing/2014/main" id="{2752FF08-65C9-4F66-835B-7EDC0DD8252F}"/>
               </a:ext>
             </a:extLst>
           </p:cNvPr>
@@ -2311,7 +2311,7 @@
           <p:cNvPr id="2" name="标题 1">
             <a:extLst>
               <a:ext uri="{FF2B5EF4-FFF2-40B4-BE49-F238E27FC236}">
-                <a16:creationId xmlns:a16="http://schemas.microsoft.com/office/drawing/2014/main" xmlns="" id="{DEF0F9E6-6E4E-4C9E-A98D-EF8DABD21CAB}"/>
+                <a16:creationId xmlns="" xmlns:a16="http://schemas.microsoft.com/office/drawing/2014/main" id="{DEF0F9E6-6E4E-4C9E-A98D-EF8DABD21CAB}"/>
               </a:ext>
             </a:extLst>
           </p:cNvPr>
@@ -2351,7 +2351,7 @@
           <p:cNvPr id="3" name="文本占位符 2">
             <a:extLst>
               <a:ext uri="{FF2B5EF4-FFF2-40B4-BE49-F238E27FC236}">
-                <a16:creationId xmlns:a16="http://schemas.microsoft.com/office/drawing/2014/main" xmlns="" id="{8D9ABEE6-AE6E-4050-8164-5EBC00252ACF}"/>
+                <a16:creationId xmlns="" xmlns:a16="http://schemas.microsoft.com/office/drawing/2014/main" id="{8D9ABEE6-AE6E-4050-8164-5EBC00252ACF}"/>
               </a:ext>
             </a:extLst>
           </p:cNvPr>
@@ -2425,7 +2425,7 @@
           <p:cNvPr id="4" name="灯片编号占位符 3">
             <a:extLst>
               <a:ext uri="{FF2B5EF4-FFF2-40B4-BE49-F238E27FC236}">
-                <a16:creationId xmlns:a16="http://schemas.microsoft.com/office/drawing/2014/main" xmlns="" id="{8E786AA7-4871-4B03-B855-2BCA04E63482}"/>
+                <a16:creationId xmlns="" xmlns:a16="http://schemas.microsoft.com/office/drawing/2014/main" id="{8E786AA7-4871-4B03-B855-2BCA04E63482}"/>
               </a:ext>
             </a:extLst>
           </p:cNvPr>
@@ -2489,7 +2489,7 @@
           <p:cNvPr id="2" name="标题 1">
             <a:extLst>
               <a:ext uri="{FF2B5EF4-FFF2-40B4-BE49-F238E27FC236}">
-                <a16:creationId xmlns:a16="http://schemas.microsoft.com/office/drawing/2014/main" xmlns="" id="{757AFEB8-002C-464E-9FC8-10826243CD30}"/>
+                <a16:creationId xmlns="" xmlns:a16="http://schemas.microsoft.com/office/drawing/2014/main" id="{757AFEB8-002C-464E-9FC8-10826243CD30}"/>
               </a:ext>
             </a:extLst>
           </p:cNvPr>
@@ -2525,7 +2525,7 @@
           <p:cNvPr id="3" name="内容占位符 2">
             <a:extLst>
               <a:ext uri="{FF2B5EF4-FFF2-40B4-BE49-F238E27FC236}">
-                <a16:creationId xmlns:a16="http://schemas.microsoft.com/office/drawing/2014/main" xmlns="" id="{343C147F-0E80-4BC5-88C0-0B13AB1C0E8E}"/>
+                <a16:creationId xmlns="" xmlns:a16="http://schemas.microsoft.com/office/drawing/2014/main" id="{343C147F-0E80-4BC5-88C0-0B13AB1C0E8E}"/>
               </a:ext>
             </a:extLst>
           </p:cNvPr>
@@ -2590,7 +2590,7 @@
           <p:cNvPr id="4" name="内容占位符 3">
             <a:extLst>
               <a:ext uri="{FF2B5EF4-FFF2-40B4-BE49-F238E27FC236}">
-                <a16:creationId xmlns:a16="http://schemas.microsoft.com/office/drawing/2014/main" xmlns="" id="{ABE29A0D-470A-4D24-B5E4-D69B45AFAA1A}"/>
+                <a16:creationId xmlns="" xmlns:a16="http://schemas.microsoft.com/office/drawing/2014/main" id="{ABE29A0D-470A-4D24-B5E4-D69B45AFAA1A}"/>
               </a:ext>
             </a:extLst>
           </p:cNvPr>
@@ -2655,7 +2655,7 @@
           <p:cNvPr id="5" name="灯片编号占位符 4">
             <a:extLst>
               <a:ext uri="{FF2B5EF4-FFF2-40B4-BE49-F238E27FC236}">
-                <a16:creationId xmlns:a16="http://schemas.microsoft.com/office/drawing/2014/main" xmlns="" id="{3D4E71FC-FA32-40B2-A781-96D870E3A664}"/>
+                <a16:creationId xmlns="" xmlns:a16="http://schemas.microsoft.com/office/drawing/2014/main" id="{3D4E71FC-FA32-40B2-A781-96D870E3A664}"/>
               </a:ext>
             </a:extLst>
           </p:cNvPr>
@@ -2719,7 +2719,7 @@
           <p:cNvPr id="2" name="标题 1">
             <a:extLst>
               <a:ext uri="{FF2B5EF4-FFF2-40B4-BE49-F238E27FC236}">
-                <a16:creationId xmlns:a16="http://schemas.microsoft.com/office/drawing/2014/main" xmlns="" id="{D088E822-3460-4549-B734-2357F8BD35D2}"/>
+                <a16:creationId xmlns="" xmlns:a16="http://schemas.microsoft.com/office/drawing/2014/main" id="{D088E822-3460-4549-B734-2357F8BD35D2}"/>
               </a:ext>
             </a:extLst>
           </p:cNvPr>
@@ -2755,7 +2755,7 @@
           <p:cNvPr id="3" name="文本占位符 2">
             <a:extLst>
               <a:ext uri="{FF2B5EF4-FFF2-40B4-BE49-F238E27FC236}">
-                <a16:creationId xmlns:a16="http://schemas.microsoft.com/office/drawing/2014/main" xmlns="" id="{25F6B7B6-AAD1-46DE-812D-E279B2BA4CAA}"/>
+                <a16:creationId xmlns="" xmlns:a16="http://schemas.microsoft.com/office/drawing/2014/main" id="{25F6B7B6-AAD1-46DE-812D-E279B2BA4CAA}"/>
               </a:ext>
             </a:extLst>
           </p:cNvPr>
@@ -2829,7 +2829,7 @@
           <p:cNvPr id="4" name="内容占位符 3">
             <a:extLst>
               <a:ext uri="{FF2B5EF4-FFF2-40B4-BE49-F238E27FC236}">
-                <a16:creationId xmlns:a16="http://schemas.microsoft.com/office/drawing/2014/main" xmlns="" id="{E6EF8512-4BCF-429F-98B6-A40F21E02F3B}"/>
+                <a16:creationId xmlns="" xmlns:a16="http://schemas.microsoft.com/office/drawing/2014/main" id="{E6EF8512-4BCF-429F-98B6-A40F21E02F3B}"/>
               </a:ext>
             </a:extLst>
           </p:cNvPr>
@@ -2894,7 +2894,7 @@
           <p:cNvPr id="5" name="文本占位符 4">
             <a:extLst>
               <a:ext uri="{FF2B5EF4-FFF2-40B4-BE49-F238E27FC236}">
-                <a16:creationId xmlns:a16="http://schemas.microsoft.com/office/drawing/2014/main" xmlns="" id="{2E43955C-CB2E-44EA-8DEC-762EDA6D8F57}"/>
+                <a16:creationId xmlns="" xmlns:a16="http://schemas.microsoft.com/office/drawing/2014/main" id="{2E43955C-CB2E-44EA-8DEC-762EDA6D8F57}"/>
               </a:ext>
             </a:extLst>
           </p:cNvPr>
@@ -2968,7 +2968,7 @@
           <p:cNvPr id="6" name="内容占位符 5">
             <a:extLst>
               <a:ext uri="{FF2B5EF4-FFF2-40B4-BE49-F238E27FC236}">
-                <a16:creationId xmlns:a16="http://schemas.microsoft.com/office/drawing/2014/main" xmlns="" id="{FF04F6E5-926D-46BC-967B-30BA700C57B5}"/>
+                <a16:creationId xmlns="" xmlns:a16="http://schemas.microsoft.com/office/drawing/2014/main" id="{FF04F6E5-926D-46BC-967B-30BA700C57B5}"/>
               </a:ext>
             </a:extLst>
           </p:cNvPr>
@@ -3033,7 +3033,7 @@
           <p:cNvPr id="7" name="灯片编号占位符 6">
             <a:extLst>
               <a:ext uri="{FF2B5EF4-FFF2-40B4-BE49-F238E27FC236}">
-                <a16:creationId xmlns:a16="http://schemas.microsoft.com/office/drawing/2014/main" xmlns="" id="{A67352EA-DCBA-42ED-B669-CF6A9048E629}"/>
+                <a16:creationId xmlns="" xmlns:a16="http://schemas.microsoft.com/office/drawing/2014/main" id="{A67352EA-DCBA-42ED-B669-CF6A9048E629}"/>
               </a:ext>
             </a:extLst>
           </p:cNvPr>
@@ -3097,7 +3097,7 @@
           <p:cNvPr id="2" name="标题 1">
             <a:extLst>
               <a:ext uri="{FF2B5EF4-FFF2-40B4-BE49-F238E27FC236}">
-                <a16:creationId xmlns:a16="http://schemas.microsoft.com/office/drawing/2014/main" xmlns="" id="{566439B8-A890-4BF3-A5FC-9269282A0AA1}"/>
+                <a16:creationId xmlns="" xmlns:a16="http://schemas.microsoft.com/office/drawing/2014/main" id="{566439B8-A890-4BF3-A5FC-9269282A0AA1}"/>
               </a:ext>
             </a:extLst>
           </p:cNvPr>
@@ -3133,7 +3133,7 @@
           <p:cNvPr id="3" name="灯片编号占位符 2">
             <a:extLst>
               <a:ext uri="{FF2B5EF4-FFF2-40B4-BE49-F238E27FC236}">
-                <a16:creationId xmlns:a16="http://schemas.microsoft.com/office/drawing/2014/main" xmlns="" id="{DC232DAC-B15C-46F2-8CAE-846C4A5E236A}"/>
+                <a16:creationId xmlns="" xmlns:a16="http://schemas.microsoft.com/office/drawing/2014/main" id="{DC232DAC-B15C-46F2-8CAE-846C4A5E236A}"/>
               </a:ext>
             </a:extLst>
           </p:cNvPr>
@@ -3197,7 +3197,7 @@
           <p:cNvPr id="2" name="灯片编号占位符 1">
             <a:extLst>
               <a:ext uri="{FF2B5EF4-FFF2-40B4-BE49-F238E27FC236}">
-                <a16:creationId xmlns:a16="http://schemas.microsoft.com/office/drawing/2014/main" xmlns="" id="{97A36CCC-2ABB-464B-82A7-289602FB00C7}"/>
+                <a16:creationId xmlns="" xmlns:a16="http://schemas.microsoft.com/office/drawing/2014/main" id="{97A36CCC-2ABB-464B-82A7-289602FB00C7}"/>
               </a:ext>
             </a:extLst>
           </p:cNvPr>
@@ -3261,7 +3261,7 @@
           <p:cNvPr id="2" name="标题 1">
             <a:extLst>
               <a:ext uri="{FF2B5EF4-FFF2-40B4-BE49-F238E27FC236}">
-                <a16:creationId xmlns:a16="http://schemas.microsoft.com/office/drawing/2014/main" xmlns="" id="{34A01729-8E96-427E-B87C-84725AC1F1A2}"/>
+                <a16:creationId xmlns="" xmlns:a16="http://schemas.microsoft.com/office/drawing/2014/main" id="{34A01729-8E96-427E-B87C-84725AC1F1A2}"/>
               </a:ext>
             </a:extLst>
           </p:cNvPr>
@@ -3301,7 +3301,7 @@
           <p:cNvPr id="3" name="内容占位符 2">
             <a:extLst>
               <a:ext uri="{FF2B5EF4-FFF2-40B4-BE49-F238E27FC236}">
-                <a16:creationId xmlns:a16="http://schemas.microsoft.com/office/drawing/2014/main" xmlns="" id="{E129B704-0C29-4DA0-AAE3-8730A27EC2C3}"/>
+                <a16:creationId xmlns="" xmlns:a16="http://schemas.microsoft.com/office/drawing/2014/main" id="{E129B704-0C29-4DA0-AAE3-8730A27EC2C3}"/>
               </a:ext>
             </a:extLst>
           </p:cNvPr>
@@ -3394,7 +3394,7 @@
           <p:cNvPr id="4" name="文本占位符 3">
             <a:extLst>
               <a:ext uri="{FF2B5EF4-FFF2-40B4-BE49-F238E27FC236}">
-                <a16:creationId xmlns:a16="http://schemas.microsoft.com/office/drawing/2014/main" xmlns="" id="{BD61614F-03CD-4D7C-AB94-0D876667233E}"/>
+                <a16:creationId xmlns="" xmlns:a16="http://schemas.microsoft.com/office/drawing/2014/main" id="{BD61614F-03CD-4D7C-AB94-0D876667233E}"/>
               </a:ext>
             </a:extLst>
           </p:cNvPr>
@@ -3468,7 +3468,7 @@
           <p:cNvPr id="5" name="灯片编号占位符 4">
             <a:extLst>
               <a:ext uri="{FF2B5EF4-FFF2-40B4-BE49-F238E27FC236}">
-                <a16:creationId xmlns:a16="http://schemas.microsoft.com/office/drawing/2014/main" xmlns="" id="{5F584EEA-F424-4D5A-9512-C341C6F74527}"/>
+                <a16:creationId xmlns="" xmlns:a16="http://schemas.microsoft.com/office/drawing/2014/main" id="{5F584EEA-F424-4D5A-9512-C341C6F74527}"/>
               </a:ext>
             </a:extLst>
           </p:cNvPr>
@@ -3532,7 +3532,7 @@
           <p:cNvPr id="2" name="标题 1">
             <a:extLst>
               <a:ext uri="{FF2B5EF4-FFF2-40B4-BE49-F238E27FC236}">
-                <a16:creationId xmlns:a16="http://schemas.microsoft.com/office/drawing/2014/main" xmlns="" id="{8AC0D9A2-D4AA-4901-B563-F938E76BA47B}"/>
+                <a16:creationId xmlns="" xmlns:a16="http://schemas.microsoft.com/office/drawing/2014/main" id="{8AC0D9A2-D4AA-4901-B563-F938E76BA47B}"/>
               </a:ext>
             </a:extLst>
           </p:cNvPr>
@@ -3572,7 +3572,7 @@
           <p:cNvPr id="3" name="图片占位符 2">
             <a:extLst>
               <a:ext uri="{FF2B5EF4-FFF2-40B4-BE49-F238E27FC236}">
-                <a16:creationId xmlns:a16="http://schemas.microsoft.com/office/drawing/2014/main" xmlns="" id="{55B52424-42FD-4880-9E96-0C7B44DF59E6}"/>
+                <a16:creationId xmlns="" xmlns:a16="http://schemas.microsoft.com/office/drawing/2014/main" id="{55B52424-42FD-4880-9E96-0C7B44DF59E6}"/>
               </a:ext>
             </a:extLst>
           </p:cNvPr>
@@ -3642,7 +3642,7 @@
           <p:cNvPr id="4" name="文本占位符 3">
             <a:extLst>
               <a:ext uri="{FF2B5EF4-FFF2-40B4-BE49-F238E27FC236}">
-                <a16:creationId xmlns:a16="http://schemas.microsoft.com/office/drawing/2014/main" xmlns="" id="{A9ACC898-B51A-4746-96CF-9C1B90950FE9}"/>
+                <a16:creationId xmlns="" xmlns:a16="http://schemas.microsoft.com/office/drawing/2014/main" id="{A9ACC898-B51A-4746-96CF-9C1B90950FE9}"/>
               </a:ext>
             </a:extLst>
           </p:cNvPr>
@@ -3716,7 +3716,7 @@
           <p:cNvPr id="5" name="灯片编号占位符 4">
             <a:extLst>
               <a:ext uri="{FF2B5EF4-FFF2-40B4-BE49-F238E27FC236}">
-                <a16:creationId xmlns:a16="http://schemas.microsoft.com/office/drawing/2014/main" xmlns="" id="{FF76DA64-88F7-483C-AE16-E94C47973A01}"/>
+                <a16:creationId xmlns="" xmlns:a16="http://schemas.microsoft.com/office/drawing/2014/main" id="{FF76DA64-88F7-483C-AE16-E94C47973A01}"/>
               </a:ext>
             </a:extLst>
           </p:cNvPr>
@@ -3788,7 +3788,7 @@
           <p:cNvPr id="2049" name="Picture 1" descr="ppt元素-11.png">
             <a:extLst>
               <a:ext uri="{FF2B5EF4-FFF2-40B4-BE49-F238E27FC236}">
-                <a16:creationId xmlns:a16="http://schemas.microsoft.com/office/drawing/2014/main" xmlns="" id="{4CBE4F7A-DF60-480C-A0F2-6DFBCF878D11}"/>
+                <a16:creationId xmlns="" xmlns:a16="http://schemas.microsoft.com/office/drawing/2014/main" id="{4CBE4F7A-DF60-480C-A0F2-6DFBCF878D11}"/>
               </a:ext>
             </a:extLst>
           </p:cNvPr>
@@ -3859,7 +3859,7 @@
           <p:cNvPr id="2050" name="Rectangle 2">
             <a:extLst>
               <a:ext uri="{FF2B5EF4-FFF2-40B4-BE49-F238E27FC236}">
-                <a16:creationId xmlns:a16="http://schemas.microsoft.com/office/drawing/2014/main" xmlns="" id="{8C0EE73C-67BB-4C42-8BD8-750C3733AD42}"/>
+                <a16:creationId xmlns="" xmlns:a16="http://schemas.microsoft.com/office/drawing/2014/main" id="{8C0EE73C-67BB-4C42-8BD8-750C3733AD42}"/>
               </a:ext>
             </a:extLst>
           </p:cNvPr>
@@ -4410,7 +4410,7 @@
           <p:cNvPr id="38" name="图片 37">
             <a:extLst>
               <a:ext uri="{FF2B5EF4-FFF2-40B4-BE49-F238E27FC236}">
-                <a16:creationId xmlns:a16="http://schemas.microsoft.com/office/drawing/2014/main" xmlns="" id="{C49BA596-B860-41A3-9734-D1BA0CD74A42}"/>
+                <a16:creationId xmlns="" xmlns:a16="http://schemas.microsoft.com/office/drawing/2014/main" id="{C49BA596-B860-41A3-9734-D1BA0CD74A42}"/>
               </a:ext>
             </a:extLst>
           </p:cNvPr>
@@ -4507,7 +4507,7 @@
             <p:cNvPr id="16" name="图片 15">
               <a:extLst>
                 <a:ext uri="{FF2B5EF4-FFF2-40B4-BE49-F238E27FC236}">
-                  <a16:creationId xmlns:a16="http://schemas.microsoft.com/office/drawing/2014/main" xmlns="" id="{C49BA596-B860-41A3-9734-D1BA0CD74A42}"/>
+                  <a16:creationId xmlns="" xmlns:a16="http://schemas.microsoft.com/office/drawing/2014/main" id="{C49BA596-B860-41A3-9734-D1BA0CD74A42}"/>
                 </a:ext>
               </a:extLst>
             </p:cNvPr>
@@ -4547,7 +4547,7 @@
             <p:cNvPr id="17" name="图片 16">
               <a:extLst>
                 <a:ext uri="{FF2B5EF4-FFF2-40B4-BE49-F238E27FC236}">
-                  <a16:creationId xmlns:a16="http://schemas.microsoft.com/office/drawing/2014/main" xmlns="" id="{C49BA596-B860-41A3-9734-D1BA0CD74A42}"/>
+                  <a16:creationId xmlns="" xmlns:a16="http://schemas.microsoft.com/office/drawing/2014/main" id="{C49BA596-B860-41A3-9734-D1BA0CD74A42}"/>
                 </a:ext>
               </a:extLst>
             </p:cNvPr>
@@ -4588,7 +4588,7 @@
           <p:cNvPr id="19" name="流程图: 过程 18">
             <a:extLst>
               <a:ext uri="{FF2B5EF4-FFF2-40B4-BE49-F238E27FC236}">
-                <a16:creationId xmlns:a16="http://schemas.microsoft.com/office/drawing/2014/main" xmlns="" id="{DEE6F68B-D383-4456-A945-5D2426316FC6}"/>
+                <a16:creationId xmlns="" xmlns:a16="http://schemas.microsoft.com/office/drawing/2014/main" id="{DEE6F68B-D383-4456-A945-5D2426316FC6}"/>
               </a:ext>
             </a:extLst>
           </p:cNvPr>
@@ -4649,7 +4649,7 @@
           <p:cNvPr id="20" name="流程图: 过程 19">
             <a:extLst>
               <a:ext uri="{FF2B5EF4-FFF2-40B4-BE49-F238E27FC236}">
-                <a16:creationId xmlns:a16="http://schemas.microsoft.com/office/drawing/2014/main" xmlns="" id="{DEE6F68B-D383-4456-A945-5D2426316FC6}"/>
+                <a16:creationId xmlns="" xmlns:a16="http://schemas.microsoft.com/office/drawing/2014/main" id="{DEE6F68B-D383-4456-A945-5D2426316FC6}"/>
               </a:ext>
             </a:extLst>
           </p:cNvPr>
@@ -4815,7 +4815,7 @@
           <p:cNvPr id="32" name="流程图: 过程 31">
             <a:extLst>
               <a:ext uri="{FF2B5EF4-FFF2-40B4-BE49-F238E27FC236}">
-                <a16:creationId xmlns:a16="http://schemas.microsoft.com/office/drawing/2014/main" xmlns="" id="{DEE6F68B-D383-4456-A945-5D2426316FC6}"/>
+                <a16:creationId xmlns="" xmlns:a16="http://schemas.microsoft.com/office/drawing/2014/main" id="{DEE6F68B-D383-4456-A945-5D2426316FC6}"/>
               </a:ext>
             </a:extLst>
           </p:cNvPr>
@@ -4884,7 +4884,7 @@
           <p:cNvPr id="34" name="流程图: 过程 33">
             <a:extLst>
               <a:ext uri="{FF2B5EF4-FFF2-40B4-BE49-F238E27FC236}">
-                <a16:creationId xmlns:a16="http://schemas.microsoft.com/office/drawing/2014/main" xmlns="" id="{DEE6F68B-D383-4456-A945-5D2426316FC6}"/>
+                <a16:creationId xmlns="" xmlns:a16="http://schemas.microsoft.com/office/drawing/2014/main" id="{DEE6F68B-D383-4456-A945-5D2426316FC6}"/>
               </a:ext>
             </a:extLst>
           </p:cNvPr>
@@ -5207,7 +5207,7 @@
           <p:cNvPr id="42" name="流程图: 过程 41">
             <a:extLst>
               <a:ext uri="{FF2B5EF4-FFF2-40B4-BE49-F238E27FC236}">
-                <a16:creationId xmlns:a16="http://schemas.microsoft.com/office/drawing/2014/main" xmlns="" id="{DEE6F68B-D383-4456-A945-5D2426316FC6}"/>
+                <a16:creationId xmlns="" xmlns:a16="http://schemas.microsoft.com/office/drawing/2014/main" id="{DEE6F68B-D383-4456-A945-5D2426316FC6}"/>
               </a:ext>
             </a:extLst>
           </p:cNvPr>
@@ -5272,7 +5272,7 @@
           <p:cNvPr id="43" name="流程图: 过程 42">
             <a:extLst>
               <a:ext uri="{FF2B5EF4-FFF2-40B4-BE49-F238E27FC236}">
-                <a16:creationId xmlns:a16="http://schemas.microsoft.com/office/drawing/2014/main" xmlns="" id="{DEE6F68B-D383-4456-A945-5D2426316FC6}"/>
+                <a16:creationId xmlns="" xmlns:a16="http://schemas.microsoft.com/office/drawing/2014/main" id="{DEE6F68B-D383-4456-A945-5D2426316FC6}"/>
               </a:ext>
             </a:extLst>
           </p:cNvPr>
@@ -5423,7 +5423,7 @@
           <p:cNvPr id="38" name="图片 37">
             <a:extLst>
               <a:ext uri="{FF2B5EF4-FFF2-40B4-BE49-F238E27FC236}">
-                <a16:creationId xmlns:a16="http://schemas.microsoft.com/office/drawing/2014/main" xmlns="" id="{C49BA596-B860-41A3-9734-D1BA0CD74A42}"/>
+                <a16:creationId xmlns="" xmlns:a16="http://schemas.microsoft.com/office/drawing/2014/main" id="{C49BA596-B860-41A3-9734-D1BA0CD74A42}"/>
               </a:ext>
             </a:extLst>
           </p:cNvPr>
@@ -5520,7 +5520,7 @@
             <p:cNvPr id="16" name="图片 15">
               <a:extLst>
                 <a:ext uri="{FF2B5EF4-FFF2-40B4-BE49-F238E27FC236}">
-                  <a16:creationId xmlns:a16="http://schemas.microsoft.com/office/drawing/2014/main" xmlns="" id="{C49BA596-B860-41A3-9734-D1BA0CD74A42}"/>
+                  <a16:creationId xmlns="" xmlns:a16="http://schemas.microsoft.com/office/drawing/2014/main" id="{C49BA596-B860-41A3-9734-D1BA0CD74A42}"/>
                 </a:ext>
               </a:extLst>
             </p:cNvPr>
@@ -5560,7 +5560,7 @@
             <p:cNvPr id="17" name="图片 16">
               <a:extLst>
                 <a:ext uri="{FF2B5EF4-FFF2-40B4-BE49-F238E27FC236}">
-                  <a16:creationId xmlns:a16="http://schemas.microsoft.com/office/drawing/2014/main" xmlns="" id="{C49BA596-B860-41A3-9734-D1BA0CD74A42}"/>
+                  <a16:creationId xmlns="" xmlns:a16="http://schemas.microsoft.com/office/drawing/2014/main" id="{C49BA596-B860-41A3-9734-D1BA0CD74A42}"/>
                 </a:ext>
               </a:extLst>
             </p:cNvPr>
@@ -5601,7 +5601,7 @@
           <p:cNvPr id="19" name="流程图: 过程 18">
             <a:extLst>
               <a:ext uri="{FF2B5EF4-FFF2-40B4-BE49-F238E27FC236}">
-                <a16:creationId xmlns:a16="http://schemas.microsoft.com/office/drawing/2014/main" xmlns="" id="{DEE6F68B-D383-4456-A945-5D2426316FC6}"/>
+                <a16:creationId xmlns="" xmlns:a16="http://schemas.microsoft.com/office/drawing/2014/main" id="{DEE6F68B-D383-4456-A945-5D2426316FC6}"/>
               </a:ext>
             </a:extLst>
           </p:cNvPr>
@@ -5662,7 +5662,7 @@
           <p:cNvPr id="20" name="流程图: 过程 19">
             <a:extLst>
               <a:ext uri="{FF2B5EF4-FFF2-40B4-BE49-F238E27FC236}">
-                <a16:creationId xmlns:a16="http://schemas.microsoft.com/office/drawing/2014/main" xmlns="" id="{DEE6F68B-D383-4456-A945-5D2426316FC6}"/>
+                <a16:creationId xmlns="" xmlns:a16="http://schemas.microsoft.com/office/drawing/2014/main" id="{DEE6F68B-D383-4456-A945-5D2426316FC6}"/>
               </a:ext>
             </a:extLst>
           </p:cNvPr>
@@ -5828,7 +5828,7 @@
           <p:cNvPr id="32" name="流程图: 过程 31">
             <a:extLst>
               <a:ext uri="{FF2B5EF4-FFF2-40B4-BE49-F238E27FC236}">
-                <a16:creationId xmlns:a16="http://schemas.microsoft.com/office/drawing/2014/main" xmlns="" id="{DEE6F68B-D383-4456-A945-5D2426316FC6}"/>
+                <a16:creationId xmlns="" xmlns:a16="http://schemas.microsoft.com/office/drawing/2014/main" id="{DEE6F68B-D383-4456-A945-5D2426316FC6}"/>
               </a:ext>
             </a:extLst>
           </p:cNvPr>
@@ -5897,7 +5897,7 @@
           <p:cNvPr id="33" name="流程图: 过程 32">
             <a:extLst>
               <a:ext uri="{FF2B5EF4-FFF2-40B4-BE49-F238E27FC236}">
-                <a16:creationId xmlns:a16="http://schemas.microsoft.com/office/drawing/2014/main" xmlns="" id="{DEE6F68B-D383-4456-A945-5D2426316FC6}"/>
+                <a16:creationId xmlns="" xmlns:a16="http://schemas.microsoft.com/office/drawing/2014/main" id="{DEE6F68B-D383-4456-A945-5D2426316FC6}"/>
               </a:ext>
             </a:extLst>
           </p:cNvPr>
@@ -5974,7 +5974,7 @@
           <p:cNvPr id="34" name="流程图: 过程 33">
             <a:extLst>
               <a:ext uri="{FF2B5EF4-FFF2-40B4-BE49-F238E27FC236}">
-                <a16:creationId xmlns:a16="http://schemas.microsoft.com/office/drawing/2014/main" xmlns="" id="{DEE6F68B-D383-4456-A945-5D2426316FC6}"/>
+                <a16:creationId xmlns="" xmlns:a16="http://schemas.microsoft.com/office/drawing/2014/main" id="{DEE6F68B-D383-4456-A945-5D2426316FC6}"/>
               </a:ext>
             </a:extLst>
           </p:cNvPr>
@@ -6104,7 +6104,7 @@
           <p:cNvPr id="42" name="流程图: 过程 41">
             <a:extLst>
               <a:ext uri="{FF2B5EF4-FFF2-40B4-BE49-F238E27FC236}">
-                <a16:creationId xmlns:a16="http://schemas.microsoft.com/office/drawing/2014/main" xmlns="" id="{DEE6F68B-D383-4456-A945-5D2426316FC6}"/>
+                <a16:creationId xmlns="" xmlns:a16="http://schemas.microsoft.com/office/drawing/2014/main" id="{DEE6F68B-D383-4456-A945-5D2426316FC6}"/>
               </a:ext>
             </a:extLst>
           </p:cNvPr>
@@ -6169,7 +6169,7 @@
           <p:cNvPr id="22" name="流程图: 过程 21">
             <a:extLst>
               <a:ext uri="{FF2B5EF4-FFF2-40B4-BE49-F238E27FC236}">
-                <a16:creationId xmlns:a16="http://schemas.microsoft.com/office/drawing/2014/main" xmlns="" id="{DEE6F68B-D383-4456-A945-5D2426316FC6}"/>
+                <a16:creationId xmlns="" xmlns:a16="http://schemas.microsoft.com/office/drawing/2014/main" id="{DEE6F68B-D383-4456-A945-5D2426316FC6}"/>
               </a:ext>
             </a:extLst>
           </p:cNvPr>
@@ -6257,7 +6257,7 @@
           <p:cNvPr id="24" name="流程图: 过程 23">
             <a:extLst>
               <a:ext uri="{FF2B5EF4-FFF2-40B4-BE49-F238E27FC236}">
-                <a16:creationId xmlns:a16="http://schemas.microsoft.com/office/drawing/2014/main" xmlns="" id="{DEE6F68B-D383-4456-A945-5D2426316FC6}"/>
+                <a16:creationId xmlns="" xmlns:a16="http://schemas.microsoft.com/office/drawing/2014/main" id="{DEE6F68B-D383-4456-A945-5D2426316FC6}"/>
               </a:ext>
             </a:extLst>
           </p:cNvPr>
@@ -6361,7 +6361,7 @@
           <p:cNvPr id="28" name="流程图: 过程 27">
             <a:extLst>
               <a:ext uri="{FF2B5EF4-FFF2-40B4-BE49-F238E27FC236}">
-                <a16:creationId xmlns:a16="http://schemas.microsoft.com/office/drawing/2014/main" xmlns="" id="{DEE6F68B-D383-4456-A945-5D2426316FC6}"/>
+                <a16:creationId xmlns="" xmlns:a16="http://schemas.microsoft.com/office/drawing/2014/main" id="{DEE6F68B-D383-4456-A945-5D2426316FC6}"/>
               </a:ext>
             </a:extLst>
           </p:cNvPr>
@@ -6510,7 +6510,7 @@
           <p:cNvPr id="38" name="图片 37">
             <a:extLst>
               <a:ext uri="{FF2B5EF4-FFF2-40B4-BE49-F238E27FC236}">
-                <a16:creationId xmlns:a16="http://schemas.microsoft.com/office/drawing/2014/main" xmlns="" id="{C49BA596-B860-41A3-9734-D1BA0CD74A42}"/>
+                <a16:creationId xmlns="" xmlns:a16="http://schemas.microsoft.com/office/drawing/2014/main" id="{C49BA596-B860-41A3-9734-D1BA0CD74A42}"/>
               </a:ext>
             </a:extLst>
           </p:cNvPr>
@@ -6608,7 +6608,7 @@
             <p:cNvPr id="16" name="图片 15">
               <a:extLst>
                 <a:ext uri="{FF2B5EF4-FFF2-40B4-BE49-F238E27FC236}">
-                  <a16:creationId xmlns:a16="http://schemas.microsoft.com/office/drawing/2014/main" xmlns="" id="{C49BA596-B860-41A3-9734-D1BA0CD74A42}"/>
+                  <a16:creationId xmlns="" xmlns:a16="http://schemas.microsoft.com/office/drawing/2014/main" id="{C49BA596-B860-41A3-9734-D1BA0CD74A42}"/>
                 </a:ext>
               </a:extLst>
             </p:cNvPr>
@@ -6648,7 +6648,7 @@
             <p:cNvPr id="17" name="图片 16">
               <a:extLst>
                 <a:ext uri="{FF2B5EF4-FFF2-40B4-BE49-F238E27FC236}">
-                  <a16:creationId xmlns:a16="http://schemas.microsoft.com/office/drawing/2014/main" xmlns="" id="{C49BA596-B860-41A3-9734-D1BA0CD74A42}"/>
+                  <a16:creationId xmlns="" xmlns:a16="http://schemas.microsoft.com/office/drawing/2014/main" id="{C49BA596-B860-41A3-9734-D1BA0CD74A42}"/>
                 </a:ext>
               </a:extLst>
             </p:cNvPr>
@@ -6689,7 +6689,7 @@
           <p:cNvPr id="19" name="流程图: 过程 18">
             <a:extLst>
               <a:ext uri="{FF2B5EF4-FFF2-40B4-BE49-F238E27FC236}">
-                <a16:creationId xmlns:a16="http://schemas.microsoft.com/office/drawing/2014/main" xmlns="" id="{DEE6F68B-D383-4456-A945-5D2426316FC6}"/>
+                <a16:creationId xmlns="" xmlns:a16="http://schemas.microsoft.com/office/drawing/2014/main" id="{DEE6F68B-D383-4456-A945-5D2426316FC6}"/>
               </a:ext>
             </a:extLst>
           </p:cNvPr>
@@ -6750,7 +6750,7 @@
           <p:cNvPr id="20" name="流程图: 过程 19">
             <a:extLst>
               <a:ext uri="{FF2B5EF4-FFF2-40B4-BE49-F238E27FC236}">
-                <a16:creationId xmlns:a16="http://schemas.microsoft.com/office/drawing/2014/main" xmlns="" id="{DEE6F68B-D383-4456-A945-5D2426316FC6}"/>
+                <a16:creationId xmlns="" xmlns:a16="http://schemas.microsoft.com/office/drawing/2014/main" id="{DEE6F68B-D383-4456-A945-5D2426316FC6}"/>
               </a:ext>
             </a:extLst>
           </p:cNvPr>
@@ -6916,7 +6916,7 @@
           <p:cNvPr id="32" name="流程图: 过程 31">
             <a:extLst>
               <a:ext uri="{FF2B5EF4-FFF2-40B4-BE49-F238E27FC236}">
-                <a16:creationId xmlns:a16="http://schemas.microsoft.com/office/drawing/2014/main" xmlns="" id="{DEE6F68B-D383-4456-A945-5D2426316FC6}"/>
+                <a16:creationId xmlns="" xmlns:a16="http://schemas.microsoft.com/office/drawing/2014/main" id="{DEE6F68B-D383-4456-A945-5D2426316FC6}"/>
               </a:ext>
             </a:extLst>
           </p:cNvPr>
@@ -6985,7 +6985,7 @@
           <p:cNvPr id="33" name="流程图: 过程 32">
             <a:extLst>
               <a:ext uri="{FF2B5EF4-FFF2-40B4-BE49-F238E27FC236}">
-                <a16:creationId xmlns:a16="http://schemas.microsoft.com/office/drawing/2014/main" xmlns="" id="{DEE6F68B-D383-4456-A945-5D2426316FC6}"/>
+                <a16:creationId xmlns="" xmlns:a16="http://schemas.microsoft.com/office/drawing/2014/main" id="{DEE6F68B-D383-4456-A945-5D2426316FC6}"/>
               </a:ext>
             </a:extLst>
           </p:cNvPr>
@@ -7062,7 +7062,7 @@
           <p:cNvPr id="34" name="流程图: 过程 33">
             <a:extLst>
               <a:ext uri="{FF2B5EF4-FFF2-40B4-BE49-F238E27FC236}">
-                <a16:creationId xmlns:a16="http://schemas.microsoft.com/office/drawing/2014/main" xmlns="" id="{DEE6F68B-D383-4456-A945-5D2426316FC6}"/>
+                <a16:creationId xmlns="" xmlns:a16="http://schemas.microsoft.com/office/drawing/2014/main" id="{DEE6F68B-D383-4456-A945-5D2426316FC6}"/>
               </a:ext>
             </a:extLst>
           </p:cNvPr>
@@ -7399,7 +7399,7 @@
           <p:cNvPr id="29" name="流程图: 过程 28">
             <a:extLst>
               <a:ext uri="{FF2B5EF4-FFF2-40B4-BE49-F238E27FC236}">
-                <a16:creationId xmlns:a16="http://schemas.microsoft.com/office/drawing/2014/main" xmlns="" id="{DEE6F68B-D383-4456-A945-5D2426316FC6}"/>
+                <a16:creationId xmlns="" xmlns:a16="http://schemas.microsoft.com/office/drawing/2014/main" id="{DEE6F68B-D383-4456-A945-5D2426316FC6}"/>
               </a:ext>
             </a:extLst>
           </p:cNvPr>
@@ -7493,7 +7493,7 @@
           <p:cNvPr id="35" name="流程图: 过程 34">
             <a:extLst>
               <a:ext uri="{FF2B5EF4-FFF2-40B4-BE49-F238E27FC236}">
-                <a16:creationId xmlns:a16="http://schemas.microsoft.com/office/drawing/2014/main" xmlns="" id="{DEE6F68B-D383-4456-A945-5D2426316FC6}"/>
+                <a16:creationId xmlns="" xmlns:a16="http://schemas.microsoft.com/office/drawing/2014/main" id="{DEE6F68B-D383-4456-A945-5D2426316FC6}"/>
               </a:ext>
             </a:extLst>
           </p:cNvPr>
@@ -7593,7 +7593,7 @@
           <p:cNvPr id="37" name="流程图: 过程 36">
             <a:extLst>
               <a:ext uri="{FF2B5EF4-FFF2-40B4-BE49-F238E27FC236}">
-                <a16:creationId xmlns:a16="http://schemas.microsoft.com/office/drawing/2014/main" xmlns="" id="{DEE6F68B-D383-4456-A945-5D2426316FC6}"/>
+                <a16:creationId xmlns="" xmlns:a16="http://schemas.microsoft.com/office/drawing/2014/main" id="{DEE6F68B-D383-4456-A945-5D2426316FC6}"/>
               </a:ext>
             </a:extLst>
           </p:cNvPr>
@@ -7987,7 +7987,7 @@
           <p:cNvPr id="52" name="流程图: 过程 51">
             <a:extLst>
               <a:ext uri="{FF2B5EF4-FFF2-40B4-BE49-F238E27FC236}">
-                <a16:creationId xmlns:a16="http://schemas.microsoft.com/office/drawing/2014/main" xmlns="" id="{DEE6F68B-D383-4456-A945-5D2426316FC6}"/>
+                <a16:creationId xmlns="" xmlns:a16="http://schemas.microsoft.com/office/drawing/2014/main" id="{DEE6F68B-D383-4456-A945-5D2426316FC6}"/>
               </a:ext>
             </a:extLst>
           </p:cNvPr>
@@ -8052,7 +8052,7 @@
           <p:cNvPr id="53" name="流程图: 过程 52">
             <a:extLst>
               <a:ext uri="{FF2B5EF4-FFF2-40B4-BE49-F238E27FC236}">
-                <a16:creationId xmlns:a16="http://schemas.microsoft.com/office/drawing/2014/main" xmlns="" id="{DEE6F68B-D383-4456-A945-5D2426316FC6}"/>
+                <a16:creationId xmlns="" xmlns:a16="http://schemas.microsoft.com/office/drawing/2014/main" id="{DEE6F68B-D383-4456-A945-5D2426316FC6}"/>
               </a:ext>
             </a:extLst>
           </p:cNvPr>
@@ -8117,7 +8117,7 @@
           <p:cNvPr id="54" name="流程图: 过程 53">
             <a:extLst>
               <a:ext uri="{FF2B5EF4-FFF2-40B4-BE49-F238E27FC236}">
-                <a16:creationId xmlns:a16="http://schemas.microsoft.com/office/drawing/2014/main" xmlns="" id="{DEE6F68B-D383-4456-A945-5D2426316FC6}"/>
+                <a16:creationId xmlns="" xmlns:a16="http://schemas.microsoft.com/office/drawing/2014/main" id="{DEE6F68B-D383-4456-A945-5D2426316FC6}"/>
               </a:ext>
             </a:extLst>
           </p:cNvPr>
@@ -8309,7 +8309,7 @@
           <p:cNvPr id="79" name="图片 78">
             <a:extLst>
               <a:ext uri="{FF2B5EF4-FFF2-40B4-BE49-F238E27FC236}">
-                <a16:creationId xmlns:a16="http://schemas.microsoft.com/office/drawing/2014/main" xmlns="" id="{E2D1C9F4-9C3D-45B1-AFD5-7C10A6DFE41C}"/>
+                <a16:creationId xmlns="" xmlns:a16="http://schemas.microsoft.com/office/drawing/2014/main" id="{E2D1C9F4-9C3D-45B1-AFD5-7C10A6DFE41C}"/>
               </a:ext>
             </a:extLst>
           </p:cNvPr>
@@ -8351,7 +8351,7 @@
           <p:cNvPr id="30" name="矩形 29">
             <a:extLst>
               <a:ext uri="{FF2B5EF4-FFF2-40B4-BE49-F238E27FC236}">
-                <a16:creationId xmlns:a16="http://schemas.microsoft.com/office/drawing/2014/main" xmlns="" id="{4765E529-4A59-4ECE-9314-B29D263FFE19}"/>
+                <a16:creationId xmlns="" xmlns:a16="http://schemas.microsoft.com/office/drawing/2014/main" id="{4765E529-4A59-4ECE-9314-B29D263FFE19}"/>
               </a:ext>
             </a:extLst>
           </p:cNvPr>
@@ -8395,7 +8395,7 @@
           <p:cNvPr id="41" name="矩形 40">
             <a:extLst>
               <a:ext uri="{FF2B5EF4-FFF2-40B4-BE49-F238E27FC236}">
-                <a16:creationId xmlns:a16="http://schemas.microsoft.com/office/drawing/2014/main" xmlns="" id="{ADC9A9BF-7504-44BC-AEED-726E4ADC2956}"/>
+                <a16:creationId xmlns="" xmlns:a16="http://schemas.microsoft.com/office/drawing/2014/main" id="{ADC9A9BF-7504-44BC-AEED-726E4ADC2956}"/>
               </a:ext>
             </a:extLst>
           </p:cNvPr>
@@ -8442,7 +8442,7 @@
           <p:cNvPr id="42" name="矩形 41">
             <a:extLst>
               <a:ext uri="{FF2B5EF4-FFF2-40B4-BE49-F238E27FC236}">
-                <a16:creationId xmlns:a16="http://schemas.microsoft.com/office/drawing/2014/main" xmlns="" id="{7AAA25DC-23F1-4047-B85C-90717541729E}"/>
+                <a16:creationId xmlns="" xmlns:a16="http://schemas.microsoft.com/office/drawing/2014/main" id="{7AAA25DC-23F1-4047-B85C-90717541729E}"/>
               </a:ext>
             </a:extLst>
           </p:cNvPr>
@@ -8491,7 +8491,7 @@
           <p:cNvPr id="44" name="矩形 43">
             <a:extLst>
               <a:ext uri="{FF2B5EF4-FFF2-40B4-BE49-F238E27FC236}">
-                <a16:creationId xmlns:a16="http://schemas.microsoft.com/office/drawing/2014/main" xmlns="" id="{E6A040D5-86AE-4D08-87CB-86CA50F84E9F}"/>
+                <a16:creationId xmlns="" xmlns:a16="http://schemas.microsoft.com/office/drawing/2014/main" id="{E6A040D5-86AE-4D08-87CB-86CA50F84E9F}"/>
               </a:ext>
             </a:extLst>
           </p:cNvPr>
@@ -8543,7 +8543,7 @@
           <p:cNvPr id="56" name="矩形 55">
             <a:extLst>
               <a:ext uri="{FF2B5EF4-FFF2-40B4-BE49-F238E27FC236}">
-                <a16:creationId xmlns:a16="http://schemas.microsoft.com/office/drawing/2014/main" xmlns="" id="{B79A3CB5-0323-48E0-9FC3-39878229CB51}"/>
+                <a16:creationId xmlns="" xmlns:a16="http://schemas.microsoft.com/office/drawing/2014/main" id="{B79A3CB5-0323-48E0-9FC3-39878229CB51}"/>
               </a:ext>
             </a:extLst>
           </p:cNvPr>
@@ -8597,7 +8597,7 @@
           <p:cNvPr id="57" name="矩形 56">
             <a:extLst>
               <a:ext uri="{FF2B5EF4-FFF2-40B4-BE49-F238E27FC236}">
-                <a16:creationId xmlns:a16="http://schemas.microsoft.com/office/drawing/2014/main" xmlns="" id="{6C93715E-5AFD-44E7-9BC2-C0DA887AF135}"/>
+                <a16:creationId xmlns="" xmlns:a16="http://schemas.microsoft.com/office/drawing/2014/main" id="{6C93715E-5AFD-44E7-9BC2-C0DA887AF135}"/>
               </a:ext>
             </a:extLst>
           </p:cNvPr>
@@ -8644,7 +8644,7 @@
           <p:cNvPr id="58" name="矩形 57">
             <a:extLst>
               <a:ext uri="{FF2B5EF4-FFF2-40B4-BE49-F238E27FC236}">
-                <a16:creationId xmlns:a16="http://schemas.microsoft.com/office/drawing/2014/main" xmlns="" id="{C702CE14-A385-4F9B-8E80-574B680F9DEB}"/>
+                <a16:creationId xmlns="" xmlns:a16="http://schemas.microsoft.com/office/drawing/2014/main" id="{C702CE14-A385-4F9B-8E80-574B680F9DEB}"/>
               </a:ext>
             </a:extLst>
           </p:cNvPr>
@@ -8693,7 +8693,7 @@
           <p:cNvPr id="59" name="矩形 58">
             <a:extLst>
               <a:ext uri="{FF2B5EF4-FFF2-40B4-BE49-F238E27FC236}">
-                <a16:creationId xmlns:a16="http://schemas.microsoft.com/office/drawing/2014/main" xmlns="" id="{3F458595-BBB6-422A-B4A5-EE5C497A5AC2}"/>
+                <a16:creationId xmlns="" xmlns:a16="http://schemas.microsoft.com/office/drawing/2014/main" id="{3F458595-BBB6-422A-B4A5-EE5C497A5AC2}"/>
               </a:ext>
             </a:extLst>
           </p:cNvPr>
@@ -8745,7 +8745,7 @@
           <p:cNvPr id="61" name="矩形 60">
             <a:extLst>
               <a:ext uri="{FF2B5EF4-FFF2-40B4-BE49-F238E27FC236}">
-                <a16:creationId xmlns:a16="http://schemas.microsoft.com/office/drawing/2014/main" xmlns="" id="{60842DCB-35D3-4AF9-8C4E-EADF456FEC4D}"/>
+                <a16:creationId xmlns="" xmlns:a16="http://schemas.microsoft.com/office/drawing/2014/main" id="{60842DCB-35D3-4AF9-8C4E-EADF456FEC4D}"/>
               </a:ext>
             </a:extLst>
           </p:cNvPr>
@@ -8797,7 +8797,7 @@
           <p:cNvPr id="62" name="矩形 61">
             <a:extLst>
               <a:ext uri="{FF2B5EF4-FFF2-40B4-BE49-F238E27FC236}">
-                <a16:creationId xmlns:a16="http://schemas.microsoft.com/office/drawing/2014/main" xmlns="" id="{BB0DA1DF-1197-4E2D-8F82-1E6EDFB87542}"/>
+                <a16:creationId xmlns="" xmlns:a16="http://schemas.microsoft.com/office/drawing/2014/main" id="{BB0DA1DF-1197-4E2D-8F82-1E6EDFB87542}"/>
               </a:ext>
             </a:extLst>
           </p:cNvPr>
@@ -8846,7 +8846,7 @@
           <p:cNvPr id="63" name="矩形 62">
             <a:extLst>
               <a:ext uri="{FF2B5EF4-FFF2-40B4-BE49-F238E27FC236}">
-                <a16:creationId xmlns:a16="http://schemas.microsoft.com/office/drawing/2014/main" xmlns="" id="{22FEBFDB-12E0-43DE-88E0-BFF4C94B6FEE}"/>
+                <a16:creationId xmlns="" xmlns:a16="http://schemas.microsoft.com/office/drawing/2014/main" id="{22FEBFDB-12E0-43DE-88E0-BFF4C94B6FEE}"/>
               </a:ext>
             </a:extLst>
           </p:cNvPr>
@@ -8898,7 +8898,7 @@
           <p:cNvPr id="69" name="矩形 68">
             <a:extLst>
               <a:ext uri="{FF2B5EF4-FFF2-40B4-BE49-F238E27FC236}">
-                <a16:creationId xmlns:a16="http://schemas.microsoft.com/office/drawing/2014/main" xmlns="" id="{9038F008-DF0C-4AFC-A78A-DFE4BB3DDCFA}"/>
+                <a16:creationId xmlns="" xmlns:a16="http://schemas.microsoft.com/office/drawing/2014/main" id="{9038F008-DF0C-4AFC-A78A-DFE4BB3DDCFA}"/>
               </a:ext>
             </a:extLst>
           </p:cNvPr>
@@ -8950,7 +8950,7 @@
           <p:cNvPr id="72" name="矩形 71">
             <a:extLst>
               <a:ext uri="{FF2B5EF4-FFF2-40B4-BE49-F238E27FC236}">
-                <a16:creationId xmlns:a16="http://schemas.microsoft.com/office/drawing/2014/main" xmlns="" id="{9E18071A-C812-412C-9403-F656BF6F6B81}"/>
+                <a16:creationId xmlns="" xmlns:a16="http://schemas.microsoft.com/office/drawing/2014/main" id="{9E18071A-C812-412C-9403-F656BF6F6B81}"/>
               </a:ext>
             </a:extLst>
           </p:cNvPr>
@@ -8999,7 +8999,7 @@
           <p:cNvPr id="74" name="矩形 73">
             <a:extLst>
               <a:ext uri="{FF2B5EF4-FFF2-40B4-BE49-F238E27FC236}">
-                <a16:creationId xmlns:a16="http://schemas.microsoft.com/office/drawing/2014/main" xmlns="" id="{4765E529-4A59-4ECE-9314-B29D263FFE19}"/>
+                <a16:creationId xmlns="" xmlns:a16="http://schemas.microsoft.com/office/drawing/2014/main" id="{4765E529-4A59-4ECE-9314-B29D263FFE19}"/>
               </a:ext>
             </a:extLst>
           </p:cNvPr>
@@ -9043,7 +9043,7 @@
           <p:cNvPr id="60" name="矩形 59">
             <a:extLst>
               <a:ext uri="{FF2B5EF4-FFF2-40B4-BE49-F238E27FC236}">
-                <a16:creationId xmlns:a16="http://schemas.microsoft.com/office/drawing/2014/main" xmlns="" id="{CD1D7140-71FB-44E5-9E57-1EA0FC395444}"/>
+                <a16:creationId xmlns="" xmlns:a16="http://schemas.microsoft.com/office/drawing/2014/main" id="{CD1D7140-71FB-44E5-9E57-1EA0FC395444}"/>
               </a:ext>
             </a:extLst>
           </p:cNvPr>
@@ -9092,7 +9092,7 @@
           <p:cNvPr id="75" name="矩形 74">
             <a:extLst>
               <a:ext uri="{FF2B5EF4-FFF2-40B4-BE49-F238E27FC236}">
-                <a16:creationId xmlns:a16="http://schemas.microsoft.com/office/drawing/2014/main" xmlns="" id="{DABA7181-CB8A-4EDD-A07C-C561AD7165B2}"/>
+                <a16:creationId xmlns="" xmlns:a16="http://schemas.microsoft.com/office/drawing/2014/main" id="{DABA7181-CB8A-4EDD-A07C-C561AD7165B2}"/>
               </a:ext>
             </a:extLst>
           </p:cNvPr>
@@ -9137,7 +9137,7 @@
           <p:cNvPr id="76" name="矩形 75">
             <a:extLst>
               <a:ext uri="{FF2B5EF4-FFF2-40B4-BE49-F238E27FC236}">
-                <a16:creationId xmlns:a16="http://schemas.microsoft.com/office/drawing/2014/main" xmlns="" id="{689364AF-5767-4976-A47E-56EDF0C6E921}"/>
+                <a16:creationId xmlns="" xmlns:a16="http://schemas.microsoft.com/office/drawing/2014/main" id="{689364AF-5767-4976-A47E-56EDF0C6E921}"/>
               </a:ext>
             </a:extLst>
           </p:cNvPr>
@@ -9182,7 +9182,7 @@
           <p:cNvPr id="77" name="矩形 76">
             <a:extLst>
               <a:ext uri="{FF2B5EF4-FFF2-40B4-BE49-F238E27FC236}">
-                <a16:creationId xmlns:a16="http://schemas.microsoft.com/office/drawing/2014/main" xmlns="" id="{E0E8F088-E60D-409C-A73A-D3B36653BB39}"/>
+                <a16:creationId xmlns="" xmlns:a16="http://schemas.microsoft.com/office/drawing/2014/main" id="{E0E8F088-E60D-409C-A73A-D3B36653BB39}"/>
               </a:ext>
             </a:extLst>
           </p:cNvPr>
@@ -9227,7 +9227,7 @@
           <p:cNvPr id="4" name="右大括号 3">
             <a:extLst>
               <a:ext uri="{FF2B5EF4-FFF2-40B4-BE49-F238E27FC236}">
-                <a16:creationId xmlns:a16="http://schemas.microsoft.com/office/drawing/2014/main" xmlns="" id="{6BB5328E-5970-47C6-BE90-532B638150F7}"/>
+                <a16:creationId xmlns="" xmlns:a16="http://schemas.microsoft.com/office/drawing/2014/main" id="{6BB5328E-5970-47C6-BE90-532B638150F7}"/>
               </a:ext>
             </a:extLst>
           </p:cNvPr>
@@ -9459,7 +9459,7 @@
           <p:cNvPr id="78" name="矩形 77">
             <a:extLst>
               <a:ext uri="{FF2B5EF4-FFF2-40B4-BE49-F238E27FC236}">
-                <a16:creationId xmlns:a16="http://schemas.microsoft.com/office/drawing/2014/main" xmlns="" id="{E51BE21F-652A-4A4C-B1FB-63B87926C658}"/>
+                <a16:creationId xmlns="" xmlns:a16="http://schemas.microsoft.com/office/drawing/2014/main" id="{E51BE21F-652A-4A4C-B1FB-63B87926C658}"/>
               </a:ext>
             </a:extLst>
           </p:cNvPr>
@@ -9509,7 +9509,7 @@
           <p:cNvPr id="80" name="矩形 79">
             <a:extLst>
               <a:ext uri="{FF2B5EF4-FFF2-40B4-BE49-F238E27FC236}">
-                <a16:creationId xmlns:a16="http://schemas.microsoft.com/office/drawing/2014/main" xmlns="" id="{276C898D-0BD3-4299-A808-9012AD9385A2}"/>
+                <a16:creationId xmlns="" xmlns:a16="http://schemas.microsoft.com/office/drawing/2014/main" id="{276C898D-0BD3-4299-A808-9012AD9385A2}"/>
               </a:ext>
             </a:extLst>
           </p:cNvPr>
@@ -9562,7 +9562,7 @@
           <p:cNvPr id="27" name="矩形 26">
             <a:extLst>
               <a:ext uri="{FF2B5EF4-FFF2-40B4-BE49-F238E27FC236}">
-                <a16:creationId xmlns:a16="http://schemas.microsoft.com/office/drawing/2014/main" xmlns="" id="{BB0DA1DF-1197-4E2D-8F82-1E6EDFB87542}"/>
+                <a16:creationId xmlns="" xmlns:a16="http://schemas.microsoft.com/office/drawing/2014/main" id="{BB0DA1DF-1197-4E2D-8F82-1E6EDFB87542}"/>
               </a:ext>
             </a:extLst>
           </p:cNvPr>
@@ -9611,7 +9611,7 @@
           <p:cNvPr id="28" name="矩形 27">
             <a:extLst>
               <a:ext uri="{FF2B5EF4-FFF2-40B4-BE49-F238E27FC236}">
-                <a16:creationId xmlns:a16="http://schemas.microsoft.com/office/drawing/2014/main" xmlns="" id="{CD1D7140-71FB-44E5-9E57-1EA0FC395444}"/>
+                <a16:creationId xmlns="" xmlns:a16="http://schemas.microsoft.com/office/drawing/2014/main" id="{CD1D7140-71FB-44E5-9E57-1EA0FC395444}"/>
               </a:ext>
             </a:extLst>
           </p:cNvPr>
@@ -9660,7 +9660,7 @@
           <p:cNvPr id="32" name="矩形 31">
             <a:extLst>
               <a:ext uri="{FF2B5EF4-FFF2-40B4-BE49-F238E27FC236}">
-                <a16:creationId xmlns:a16="http://schemas.microsoft.com/office/drawing/2014/main" xmlns="" id="{22FEBFDB-12E0-43DE-88E0-BFF4C94B6FEE}"/>
+                <a16:creationId xmlns="" xmlns:a16="http://schemas.microsoft.com/office/drawing/2014/main" id="{22FEBFDB-12E0-43DE-88E0-BFF4C94B6FEE}"/>
               </a:ext>
             </a:extLst>
           </p:cNvPr>
@@ -9712,7 +9712,7 @@
           <p:cNvPr id="33" name="矩形 32">
             <a:extLst>
               <a:ext uri="{FF2B5EF4-FFF2-40B4-BE49-F238E27FC236}">
-                <a16:creationId xmlns:a16="http://schemas.microsoft.com/office/drawing/2014/main" xmlns="" id="{7AAA25DC-23F1-4047-B85C-90717541729E}"/>
+                <a16:creationId xmlns="" xmlns:a16="http://schemas.microsoft.com/office/drawing/2014/main" id="{7AAA25DC-23F1-4047-B85C-90717541729E}"/>
               </a:ext>
             </a:extLst>
           </p:cNvPr>
@@ -9801,7 +9801,7 @@
           <p:cNvPr id="79" name="图片 78">
             <a:extLst>
               <a:ext uri="{FF2B5EF4-FFF2-40B4-BE49-F238E27FC236}">
-                <a16:creationId xmlns:a16="http://schemas.microsoft.com/office/drawing/2014/main" xmlns="" id="{E2D1C9F4-9C3D-45B1-AFD5-7C10A6DFE41C}"/>
+                <a16:creationId xmlns="" xmlns:a16="http://schemas.microsoft.com/office/drawing/2014/main" id="{E2D1C9F4-9C3D-45B1-AFD5-7C10A6DFE41C}"/>
               </a:ext>
             </a:extLst>
           </p:cNvPr>
@@ -9843,7 +9843,7 @@
           <p:cNvPr id="41" name="矩形 40">
             <a:extLst>
               <a:ext uri="{FF2B5EF4-FFF2-40B4-BE49-F238E27FC236}">
-                <a16:creationId xmlns:a16="http://schemas.microsoft.com/office/drawing/2014/main" xmlns="" id="{ADC9A9BF-7504-44BC-AEED-726E4ADC2956}"/>
+                <a16:creationId xmlns="" xmlns:a16="http://schemas.microsoft.com/office/drawing/2014/main" id="{ADC9A9BF-7504-44BC-AEED-726E4ADC2956}"/>
               </a:ext>
             </a:extLst>
           </p:cNvPr>
@@ -9890,7 +9890,7 @@
           <p:cNvPr id="42" name="矩形 41">
             <a:extLst>
               <a:ext uri="{FF2B5EF4-FFF2-40B4-BE49-F238E27FC236}">
-                <a16:creationId xmlns:a16="http://schemas.microsoft.com/office/drawing/2014/main" xmlns="" id="{7AAA25DC-23F1-4047-B85C-90717541729E}"/>
+                <a16:creationId xmlns="" xmlns:a16="http://schemas.microsoft.com/office/drawing/2014/main" id="{7AAA25DC-23F1-4047-B85C-90717541729E}"/>
               </a:ext>
             </a:extLst>
           </p:cNvPr>
@@ -9939,7 +9939,7 @@
           <p:cNvPr id="44" name="矩形 43">
             <a:extLst>
               <a:ext uri="{FF2B5EF4-FFF2-40B4-BE49-F238E27FC236}">
-                <a16:creationId xmlns:a16="http://schemas.microsoft.com/office/drawing/2014/main" xmlns="" id="{E6A040D5-86AE-4D08-87CB-86CA50F84E9F}"/>
+                <a16:creationId xmlns="" xmlns:a16="http://schemas.microsoft.com/office/drawing/2014/main" id="{E6A040D5-86AE-4D08-87CB-86CA50F84E9F}"/>
               </a:ext>
             </a:extLst>
           </p:cNvPr>
@@ -9991,7 +9991,7 @@
           <p:cNvPr id="56" name="矩形 55">
             <a:extLst>
               <a:ext uri="{FF2B5EF4-FFF2-40B4-BE49-F238E27FC236}">
-                <a16:creationId xmlns:a16="http://schemas.microsoft.com/office/drawing/2014/main" xmlns="" id="{B79A3CB5-0323-48E0-9FC3-39878229CB51}"/>
+                <a16:creationId xmlns="" xmlns:a16="http://schemas.microsoft.com/office/drawing/2014/main" id="{B79A3CB5-0323-48E0-9FC3-39878229CB51}"/>
               </a:ext>
             </a:extLst>
           </p:cNvPr>
@@ -10040,7 +10040,7 @@
           <p:cNvPr id="57" name="矩形 56">
             <a:extLst>
               <a:ext uri="{FF2B5EF4-FFF2-40B4-BE49-F238E27FC236}">
-                <a16:creationId xmlns:a16="http://schemas.microsoft.com/office/drawing/2014/main" xmlns="" id="{6C93715E-5AFD-44E7-9BC2-C0DA887AF135}"/>
+                <a16:creationId xmlns="" xmlns:a16="http://schemas.microsoft.com/office/drawing/2014/main" id="{6C93715E-5AFD-44E7-9BC2-C0DA887AF135}"/>
               </a:ext>
             </a:extLst>
           </p:cNvPr>
@@ -10087,7 +10087,7 @@
           <p:cNvPr id="58" name="矩形 57">
             <a:extLst>
               <a:ext uri="{FF2B5EF4-FFF2-40B4-BE49-F238E27FC236}">
-                <a16:creationId xmlns:a16="http://schemas.microsoft.com/office/drawing/2014/main" xmlns="" id="{C702CE14-A385-4F9B-8E80-574B680F9DEB}"/>
+                <a16:creationId xmlns="" xmlns:a16="http://schemas.microsoft.com/office/drawing/2014/main" id="{C702CE14-A385-4F9B-8E80-574B680F9DEB}"/>
               </a:ext>
             </a:extLst>
           </p:cNvPr>
@@ -10136,7 +10136,7 @@
           <p:cNvPr id="59" name="矩形 58">
             <a:extLst>
               <a:ext uri="{FF2B5EF4-FFF2-40B4-BE49-F238E27FC236}">
-                <a16:creationId xmlns:a16="http://schemas.microsoft.com/office/drawing/2014/main" xmlns="" id="{3F458595-BBB6-422A-B4A5-EE5C497A5AC2}"/>
+                <a16:creationId xmlns="" xmlns:a16="http://schemas.microsoft.com/office/drawing/2014/main" id="{3F458595-BBB6-422A-B4A5-EE5C497A5AC2}"/>
               </a:ext>
             </a:extLst>
           </p:cNvPr>
@@ -10188,7 +10188,7 @@
           <p:cNvPr id="63" name="矩形 62">
             <a:extLst>
               <a:ext uri="{FF2B5EF4-FFF2-40B4-BE49-F238E27FC236}">
-                <a16:creationId xmlns:a16="http://schemas.microsoft.com/office/drawing/2014/main" xmlns="" id="{22FEBFDB-12E0-43DE-88E0-BFF4C94B6FEE}"/>
+                <a16:creationId xmlns="" xmlns:a16="http://schemas.microsoft.com/office/drawing/2014/main" id="{22FEBFDB-12E0-43DE-88E0-BFF4C94B6FEE}"/>
               </a:ext>
             </a:extLst>
           </p:cNvPr>
@@ -10240,7 +10240,7 @@
           <p:cNvPr id="69" name="矩形 68">
             <a:extLst>
               <a:ext uri="{FF2B5EF4-FFF2-40B4-BE49-F238E27FC236}">
-                <a16:creationId xmlns:a16="http://schemas.microsoft.com/office/drawing/2014/main" xmlns="" id="{9038F008-DF0C-4AFC-A78A-DFE4BB3DDCFA}"/>
+                <a16:creationId xmlns="" xmlns:a16="http://schemas.microsoft.com/office/drawing/2014/main" id="{9038F008-DF0C-4AFC-A78A-DFE4BB3DDCFA}"/>
               </a:ext>
             </a:extLst>
           </p:cNvPr>
@@ -10292,7 +10292,7 @@
           <p:cNvPr id="72" name="矩形 71">
             <a:extLst>
               <a:ext uri="{FF2B5EF4-FFF2-40B4-BE49-F238E27FC236}">
-                <a16:creationId xmlns:a16="http://schemas.microsoft.com/office/drawing/2014/main" xmlns="" id="{9E18071A-C812-412C-9403-F656BF6F6B81}"/>
+                <a16:creationId xmlns="" xmlns:a16="http://schemas.microsoft.com/office/drawing/2014/main" id="{9E18071A-C812-412C-9403-F656BF6F6B81}"/>
               </a:ext>
             </a:extLst>
           </p:cNvPr>
@@ -10349,7 +10349,7 @@
           <p:cNvPr id="60" name="矩形 59">
             <a:extLst>
               <a:ext uri="{FF2B5EF4-FFF2-40B4-BE49-F238E27FC236}">
-                <a16:creationId xmlns:a16="http://schemas.microsoft.com/office/drawing/2014/main" xmlns="" id="{CD1D7140-71FB-44E5-9E57-1EA0FC395444}"/>
+                <a16:creationId xmlns="" xmlns:a16="http://schemas.microsoft.com/office/drawing/2014/main" id="{CD1D7140-71FB-44E5-9E57-1EA0FC395444}"/>
               </a:ext>
             </a:extLst>
           </p:cNvPr>
@@ -10398,7 +10398,7 @@
           <p:cNvPr id="75" name="矩形 74">
             <a:extLst>
               <a:ext uri="{FF2B5EF4-FFF2-40B4-BE49-F238E27FC236}">
-                <a16:creationId xmlns:a16="http://schemas.microsoft.com/office/drawing/2014/main" xmlns="" id="{DABA7181-CB8A-4EDD-A07C-C561AD7165B2}"/>
+                <a16:creationId xmlns="" xmlns:a16="http://schemas.microsoft.com/office/drawing/2014/main" id="{DABA7181-CB8A-4EDD-A07C-C561AD7165B2}"/>
               </a:ext>
             </a:extLst>
           </p:cNvPr>
@@ -10443,7 +10443,7 @@
           <p:cNvPr id="76" name="矩形 75">
             <a:extLst>
               <a:ext uri="{FF2B5EF4-FFF2-40B4-BE49-F238E27FC236}">
-                <a16:creationId xmlns:a16="http://schemas.microsoft.com/office/drawing/2014/main" xmlns="" id="{689364AF-5767-4976-A47E-56EDF0C6E921}"/>
+                <a16:creationId xmlns="" xmlns:a16="http://schemas.microsoft.com/office/drawing/2014/main" id="{689364AF-5767-4976-A47E-56EDF0C6E921}"/>
               </a:ext>
             </a:extLst>
           </p:cNvPr>
@@ -10488,7 +10488,7 @@
           <p:cNvPr id="77" name="矩形 76">
             <a:extLst>
               <a:ext uri="{FF2B5EF4-FFF2-40B4-BE49-F238E27FC236}">
-                <a16:creationId xmlns:a16="http://schemas.microsoft.com/office/drawing/2014/main" xmlns="" id="{E0E8F088-E60D-409C-A73A-D3B36653BB39}"/>
+                <a16:creationId xmlns="" xmlns:a16="http://schemas.microsoft.com/office/drawing/2014/main" id="{E0E8F088-E60D-409C-A73A-D3B36653BB39}"/>
               </a:ext>
             </a:extLst>
           </p:cNvPr>
@@ -10541,7 +10541,7 @@
           <p:cNvPr id="4" name="右大括号 3">
             <a:extLst>
               <a:ext uri="{FF2B5EF4-FFF2-40B4-BE49-F238E27FC236}">
-                <a16:creationId xmlns:a16="http://schemas.microsoft.com/office/drawing/2014/main" xmlns="" id="{6BB5328E-5970-47C6-BE90-532B638150F7}"/>
+                <a16:creationId xmlns="" xmlns:a16="http://schemas.microsoft.com/office/drawing/2014/main" id="{6BB5328E-5970-47C6-BE90-532B638150F7}"/>
               </a:ext>
             </a:extLst>
           </p:cNvPr>
@@ -10773,7 +10773,7 @@
           <p:cNvPr id="78" name="矩形 77">
             <a:extLst>
               <a:ext uri="{FF2B5EF4-FFF2-40B4-BE49-F238E27FC236}">
-                <a16:creationId xmlns:a16="http://schemas.microsoft.com/office/drawing/2014/main" xmlns="" id="{E51BE21F-652A-4A4C-B1FB-63B87926C658}"/>
+                <a16:creationId xmlns="" xmlns:a16="http://schemas.microsoft.com/office/drawing/2014/main" id="{E51BE21F-652A-4A4C-B1FB-63B87926C658}"/>
               </a:ext>
             </a:extLst>
           </p:cNvPr>
@@ -10823,7 +10823,7 @@
           <p:cNvPr id="80" name="矩形 79">
             <a:extLst>
               <a:ext uri="{FF2B5EF4-FFF2-40B4-BE49-F238E27FC236}">
-                <a16:creationId xmlns:a16="http://schemas.microsoft.com/office/drawing/2014/main" xmlns="" id="{276C898D-0BD3-4299-A808-9012AD9385A2}"/>
+                <a16:creationId xmlns="" xmlns:a16="http://schemas.microsoft.com/office/drawing/2014/main" id="{276C898D-0BD3-4299-A808-9012AD9385A2}"/>
               </a:ext>
             </a:extLst>
           </p:cNvPr>
@@ -10876,7 +10876,7 @@
           <p:cNvPr id="28" name="矩形 27">
             <a:extLst>
               <a:ext uri="{FF2B5EF4-FFF2-40B4-BE49-F238E27FC236}">
-                <a16:creationId xmlns:a16="http://schemas.microsoft.com/office/drawing/2014/main" xmlns="" id="{CD1D7140-71FB-44E5-9E57-1EA0FC395444}"/>
+                <a16:creationId xmlns="" xmlns:a16="http://schemas.microsoft.com/office/drawing/2014/main" id="{CD1D7140-71FB-44E5-9E57-1EA0FC395444}"/>
               </a:ext>
             </a:extLst>
           </p:cNvPr>
@@ -10925,7 +10925,7 @@
           <p:cNvPr id="31" name="矩形 30">
             <a:extLst>
               <a:ext uri="{FF2B5EF4-FFF2-40B4-BE49-F238E27FC236}">
-                <a16:creationId xmlns:a16="http://schemas.microsoft.com/office/drawing/2014/main" xmlns="" id="{60842DCB-35D3-4AF9-8C4E-EADF456FEC4D}"/>
+                <a16:creationId xmlns="" xmlns:a16="http://schemas.microsoft.com/office/drawing/2014/main" id="{60842DCB-35D3-4AF9-8C4E-EADF456FEC4D}"/>
               </a:ext>
             </a:extLst>
           </p:cNvPr>
@@ -10977,7 +10977,7 @@
           <p:cNvPr id="32" name="矩形 31">
             <a:extLst>
               <a:ext uri="{FF2B5EF4-FFF2-40B4-BE49-F238E27FC236}">
-                <a16:creationId xmlns:a16="http://schemas.microsoft.com/office/drawing/2014/main" xmlns="" id="{BB0DA1DF-1197-4E2D-8F82-1E6EDFB87542}"/>
+                <a16:creationId xmlns="" xmlns:a16="http://schemas.microsoft.com/office/drawing/2014/main" id="{BB0DA1DF-1197-4E2D-8F82-1E6EDFB87542}"/>
               </a:ext>
             </a:extLst>
           </p:cNvPr>
@@ -11026,7 +11026,7 @@
           <p:cNvPr id="33" name="矩形 32">
             <a:extLst>
               <a:ext uri="{FF2B5EF4-FFF2-40B4-BE49-F238E27FC236}">
-                <a16:creationId xmlns:a16="http://schemas.microsoft.com/office/drawing/2014/main" xmlns="" id="{BB0DA1DF-1197-4E2D-8F82-1E6EDFB87542}"/>
+                <a16:creationId xmlns="" xmlns:a16="http://schemas.microsoft.com/office/drawing/2014/main" id="{BB0DA1DF-1197-4E2D-8F82-1E6EDFB87542}"/>
               </a:ext>
             </a:extLst>
           </p:cNvPr>
@@ -11075,7 +11075,7 @@
           <p:cNvPr id="34" name="矩形 33">
             <a:extLst>
               <a:ext uri="{FF2B5EF4-FFF2-40B4-BE49-F238E27FC236}">
-                <a16:creationId xmlns:a16="http://schemas.microsoft.com/office/drawing/2014/main" xmlns="" id="{22FEBFDB-12E0-43DE-88E0-BFF4C94B6FEE}"/>
+                <a16:creationId xmlns="" xmlns:a16="http://schemas.microsoft.com/office/drawing/2014/main" id="{22FEBFDB-12E0-43DE-88E0-BFF4C94B6FEE}"/>
               </a:ext>
             </a:extLst>
           </p:cNvPr>
@@ -11125,7 +11125,7 @@
           <p:cNvPr id="35" name="矩形 34">
             <a:extLst>
               <a:ext uri="{FF2B5EF4-FFF2-40B4-BE49-F238E27FC236}">
-                <a16:creationId xmlns:a16="http://schemas.microsoft.com/office/drawing/2014/main" xmlns="" id="{7AAA25DC-23F1-4047-B85C-90717541729E}"/>
+                <a16:creationId xmlns="" xmlns:a16="http://schemas.microsoft.com/office/drawing/2014/main" id="{7AAA25DC-23F1-4047-B85C-90717541729E}"/>
               </a:ext>
             </a:extLst>
           </p:cNvPr>
@@ -11169,7 +11169,7 @@
           <p:cNvPr id="37" name="矩形 36">
             <a:extLst>
               <a:ext uri="{FF2B5EF4-FFF2-40B4-BE49-F238E27FC236}">
-                <a16:creationId xmlns:a16="http://schemas.microsoft.com/office/drawing/2014/main" xmlns="" id="{7AAA25DC-23F1-4047-B85C-90717541729E}"/>
+                <a16:creationId xmlns="" xmlns:a16="http://schemas.microsoft.com/office/drawing/2014/main" id="{7AAA25DC-23F1-4047-B85C-90717541729E}"/>
               </a:ext>
             </a:extLst>
           </p:cNvPr>
@@ -11258,7 +11258,7 @@
           <p:cNvPr id="136" name="图片 135">
             <a:extLst>
               <a:ext uri="{FF2B5EF4-FFF2-40B4-BE49-F238E27FC236}">
-                <a16:creationId xmlns:a16="http://schemas.microsoft.com/office/drawing/2014/main" xmlns="" id="{E2D1C9F4-9C3D-45B1-AFD5-7C10A6DFE41C}"/>
+                <a16:creationId xmlns="" xmlns:a16="http://schemas.microsoft.com/office/drawing/2014/main" id="{E2D1C9F4-9C3D-45B1-AFD5-7C10A6DFE41C}"/>
               </a:ext>
             </a:extLst>
           </p:cNvPr>
@@ -11300,7 +11300,7 @@
           <p:cNvPr id="48" name="矩形 47">
             <a:extLst>
               <a:ext uri="{FF2B5EF4-FFF2-40B4-BE49-F238E27FC236}">
-                <a16:creationId xmlns:a16="http://schemas.microsoft.com/office/drawing/2014/main" xmlns="" id="{6415C456-80C5-4ADF-9D71-F1555EF8417A}"/>
+                <a16:creationId xmlns="" xmlns:a16="http://schemas.microsoft.com/office/drawing/2014/main" id="{6415C456-80C5-4ADF-9D71-F1555EF8417A}"/>
               </a:ext>
             </a:extLst>
           </p:cNvPr>
@@ -11344,7 +11344,7 @@
           <p:cNvPr id="3" name="流程图: 终止 2">
             <a:extLst>
               <a:ext uri="{FF2B5EF4-FFF2-40B4-BE49-F238E27FC236}">
-                <a16:creationId xmlns:a16="http://schemas.microsoft.com/office/drawing/2014/main" xmlns="" id="{28A2712F-D7BB-49AB-8BA9-66570E032AC4}"/>
+                <a16:creationId xmlns="" xmlns:a16="http://schemas.microsoft.com/office/drawing/2014/main" id="{28A2712F-D7BB-49AB-8BA9-66570E032AC4}"/>
               </a:ext>
             </a:extLst>
           </p:cNvPr>
@@ -11397,7 +11397,7 @@
           <p:cNvPr id="7" name="流程图: 终止 6">
             <a:extLst>
               <a:ext uri="{FF2B5EF4-FFF2-40B4-BE49-F238E27FC236}">
-                <a16:creationId xmlns:a16="http://schemas.microsoft.com/office/drawing/2014/main" xmlns="" id="{68265EB3-3203-4C69-ABD8-9B4B94B45016}"/>
+                <a16:creationId xmlns="" xmlns:a16="http://schemas.microsoft.com/office/drawing/2014/main" id="{68265EB3-3203-4C69-ABD8-9B4B94B45016}"/>
               </a:ext>
             </a:extLst>
           </p:cNvPr>
@@ -11449,7 +11449,7 @@
           <p:cNvPr id="9" name="流程图: 终止 8">
             <a:extLst>
               <a:ext uri="{FF2B5EF4-FFF2-40B4-BE49-F238E27FC236}">
-                <a16:creationId xmlns:a16="http://schemas.microsoft.com/office/drawing/2014/main" xmlns="" id="{5A78EDE1-14C6-4896-B022-6A874065200C}"/>
+                <a16:creationId xmlns="" xmlns:a16="http://schemas.microsoft.com/office/drawing/2014/main" id="{5A78EDE1-14C6-4896-B022-6A874065200C}"/>
               </a:ext>
             </a:extLst>
           </p:cNvPr>
@@ -11501,7 +11501,7 @@
           <p:cNvPr id="10" name="流程图: 终止 9">
             <a:extLst>
               <a:ext uri="{FF2B5EF4-FFF2-40B4-BE49-F238E27FC236}">
-                <a16:creationId xmlns:a16="http://schemas.microsoft.com/office/drawing/2014/main" xmlns="" id="{087324AD-1D8D-4491-AED4-CABDEF8EC56D}"/>
+                <a16:creationId xmlns="" xmlns:a16="http://schemas.microsoft.com/office/drawing/2014/main" id="{087324AD-1D8D-4491-AED4-CABDEF8EC56D}"/>
               </a:ext>
             </a:extLst>
           </p:cNvPr>
@@ -11553,7 +11553,7 @@
           <p:cNvPr id="11" name="流程图: 终止 10">
             <a:extLst>
               <a:ext uri="{FF2B5EF4-FFF2-40B4-BE49-F238E27FC236}">
-                <a16:creationId xmlns:a16="http://schemas.microsoft.com/office/drawing/2014/main" xmlns="" id="{1B7442A7-29B0-44B2-B42A-731599828A44}"/>
+                <a16:creationId xmlns="" xmlns:a16="http://schemas.microsoft.com/office/drawing/2014/main" id="{1B7442A7-29B0-44B2-B42A-731599828A44}"/>
               </a:ext>
             </a:extLst>
           </p:cNvPr>
@@ -11605,7 +11605,7 @@
           <p:cNvPr id="12" name="流程图: 终止 11">
             <a:extLst>
               <a:ext uri="{FF2B5EF4-FFF2-40B4-BE49-F238E27FC236}">
-                <a16:creationId xmlns:a16="http://schemas.microsoft.com/office/drawing/2014/main" xmlns="" id="{7C6E238D-E596-49A8-88D6-C7824CB86730}"/>
+                <a16:creationId xmlns="" xmlns:a16="http://schemas.microsoft.com/office/drawing/2014/main" id="{7C6E238D-E596-49A8-88D6-C7824CB86730}"/>
               </a:ext>
             </a:extLst>
           </p:cNvPr>
@@ -11657,7 +11657,7 @@
           <p:cNvPr id="13" name="流程图: 终止 12">
             <a:extLst>
               <a:ext uri="{FF2B5EF4-FFF2-40B4-BE49-F238E27FC236}">
-                <a16:creationId xmlns:a16="http://schemas.microsoft.com/office/drawing/2014/main" xmlns="" id="{35E28E8C-CC6C-4F7A-80C6-930DEC6DD356}"/>
+                <a16:creationId xmlns="" xmlns:a16="http://schemas.microsoft.com/office/drawing/2014/main" id="{35E28E8C-CC6C-4F7A-80C6-930DEC6DD356}"/>
               </a:ext>
             </a:extLst>
           </p:cNvPr>
@@ -11709,7 +11709,7 @@
           <p:cNvPr id="14" name="流程图: 终止 13">
             <a:extLst>
               <a:ext uri="{FF2B5EF4-FFF2-40B4-BE49-F238E27FC236}">
-                <a16:creationId xmlns:a16="http://schemas.microsoft.com/office/drawing/2014/main" xmlns="" id="{23DEEBB8-9B50-4D55-9399-FE8A155227F1}"/>
+                <a16:creationId xmlns="" xmlns:a16="http://schemas.microsoft.com/office/drawing/2014/main" id="{23DEEBB8-9B50-4D55-9399-FE8A155227F1}"/>
               </a:ext>
             </a:extLst>
           </p:cNvPr>
@@ -11761,7 +11761,7 @@
           <p:cNvPr id="15" name="流程图: 终止 14">
             <a:extLst>
               <a:ext uri="{FF2B5EF4-FFF2-40B4-BE49-F238E27FC236}">
-                <a16:creationId xmlns:a16="http://schemas.microsoft.com/office/drawing/2014/main" xmlns="" id="{0498B651-E7C8-42FB-85DF-FE482ACBDC2F}"/>
+                <a16:creationId xmlns="" xmlns:a16="http://schemas.microsoft.com/office/drawing/2014/main" id="{0498B651-E7C8-42FB-85DF-FE482ACBDC2F}"/>
               </a:ext>
             </a:extLst>
           </p:cNvPr>
@@ -11813,7 +11813,7 @@
           <p:cNvPr id="17" name="流程图: 终止 16">
             <a:extLst>
               <a:ext uri="{FF2B5EF4-FFF2-40B4-BE49-F238E27FC236}">
-                <a16:creationId xmlns:a16="http://schemas.microsoft.com/office/drawing/2014/main" xmlns="" id="{697848AA-5FBC-45C3-B9EB-EEAD4B3507D0}"/>
+                <a16:creationId xmlns="" xmlns:a16="http://schemas.microsoft.com/office/drawing/2014/main" id="{697848AA-5FBC-45C3-B9EB-EEAD4B3507D0}"/>
               </a:ext>
             </a:extLst>
           </p:cNvPr>
@@ -11865,7 +11865,7 @@
           <p:cNvPr id="18" name="流程图: 终止 17">
             <a:extLst>
               <a:ext uri="{FF2B5EF4-FFF2-40B4-BE49-F238E27FC236}">
-                <a16:creationId xmlns:a16="http://schemas.microsoft.com/office/drawing/2014/main" xmlns="" id="{0BBF17B0-E17B-4BEA-889E-9E6234C4218D}"/>
+                <a16:creationId xmlns="" xmlns:a16="http://schemas.microsoft.com/office/drawing/2014/main" id="{0BBF17B0-E17B-4BEA-889E-9E6234C4218D}"/>
               </a:ext>
             </a:extLst>
           </p:cNvPr>
@@ -11917,7 +11917,7 @@
           <p:cNvPr id="20" name="矩形 19">
             <a:extLst>
               <a:ext uri="{FF2B5EF4-FFF2-40B4-BE49-F238E27FC236}">
-                <a16:creationId xmlns:a16="http://schemas.microsoft.com/office/drawing/2014/main" xmlns="" id="{8309130A-5FCB-4F7E-9831-D66050D45046}"/>
+                <a16:creationId xmlns="" xmlns:a16="http://schemas.microsoft.com/office/drawing/2014/main" id="{8309130A-5FCB-4F7E-9831-D66050D45046}"/>
               </a:ext>
             </a:extLst>
           </p:cNvPr>
@@ -11926,8 +11926,8 @@
         </p:nvSpPr>
         <p:spPr>
           <a:xfrm>
-            <a:off x="3034779" y="-1148742"/>
-            <a:ext cx="1903578" cy="338554"/>
+            <a:off x="3523727" y="-1151002"/>
+            <a:ext cx="1578661" cy="338554"/>
           </a:xfrm>
           <a:prstGeom prst="rect">
             <a:avLst/>
@@ -11969,7 +11969,7 @@
           <p:cNvPr id="5" name="直接箭头连接符 4">
             <a:extLst>
               <a:ext uri="{FF2B5EF4-FFF2-40B4-BE49-F238E27FC236}">
-                <a16:creationId xmlns:a16="http://schemas.microsoft.com/office/drawing/2014/main" xmlns="" id="{4842F576-6540-4131-815A-4DC26C64A81E}"/>
+                <a16:creationId xmlns="" xmlns:a16="http://schemas.microsoft.com/office/drawing/2014/main" id="{4842F576-6540-4131-815A-4DC26C64A81E}"/>
               </a:ext>
             </a:extLst>
           </p:cNvPr>
@@ -12012,7 +12012,7 @@
           <p:cNvPr id="21" name="直接箭头连接符 20">
             <a:extLst>
               <a:ext uri="{FF2B5EF4-FFF2-40B4-BE49-F238E27FC236}">
-                <a16:creationId xmlns:a16="http://schemas.microsoft.com/office/drawing/2014/main" xmlns="" id="{7B9CFACB-1992-4481-92FD-154DE0A3FB5B}"/>
+                <a16:creationId xmlns="" xmlns:a16="http://schemas.microsoft.com/office/drawing/2014/main" id="{7B9CFACB-1992-4481-92FD-154DE0A3FB5B}"/>
               </a:ext>
             </a:extLst>
           </p:cNvPr>
@@ -12057,7 +12057,7 @@
           <p:cNvPr id="24" name="矩形 23">
             <a:extLst>
               <a:ext uri="{FF2B5EF4-FFF2-40B4-BE49-F238E27FC236}">
-                <a16:creationId xmlns:a16="http://schemas.microsoft.com/office/drawing/2014/main" xmlns="" id="{400ACC72-3EA6-4B44-BF0D-674AD2849C51}"/>
+                <a16:creationId xmlns="" xmlns:a16="http://schemas.microsoft.com/office/drawing/2014/main" id="{400ACC72-3EA6-4B44-BF0D-674AD2849C51}"/>
               </a:ext>
             </a:extLst>
           </p:cNvPr>
@@ -12116,7 +12116,7 @@
           <p:cNvPr id="25" name="直接箭头连接符 24">
             <a:extLst>
               <a:ext uri="{FF2B5EF4-FFF2-40B4-BE49-F238E27FC236}">
-                <a16:creationId xmlns:a16="http://schemas.microsoft.com/office/drawing/2014/main" xmlns="" id="{0EA6859D-C6FF-4622-A2AF-2F1ECEEF937A}"/>
+                <a16:creationId xmlns="" xmlns:a16="http://schemas.microsoft.com/office/drawing/2014/main" id="{0EA6859D-C6FF-4622-A2AF-2F1ECEEF937A}"/>
               </a:ext>
             </a:extLst>
           </p:cNvPr>
@@ -12159,7 +12159,7 @@
           <p:cNvPr id="30" name="矩形 29">
             <a:extLst>
               <a:ext uri="{FF2B5EF4-FFF2-40B4-BE49-F238E27FC236}">
-                <a16:creationId xmlns:a16="http://schemas.microsoft.com/office/drawing/2014/main" xmlns="" id="{D80E72AC-28F0-48CA-8DD8-2915084917FA}"/>
+                <a16:creationId xmlns="" xmlns:a16="http://schemas.microsoft.com/office/drawing/2014/main" id="{D80E72AC-28F0-48CA-8DD8-2915084917FA}"/>
               </a:ext>
             </a:extLst>
           </p:cNvPr>
@@ -12218,7 +12218,7 @@
           <p:cNvPr id="31" name="直接箭头连接符 30">
             <a:extLst>
               <a:ext uri="{FF2B5EF4-FFF2-40B4-BE49-F238E27FC236}">
-                <a16:creationId xmlns:a16="http://schemas.microsoft.com/office/drawing/2014/main" xmlns="" id="{D50B7A65-C4EE-44FB-8255-92C8EF9DA8DA}"/>
+                <a16:creationId xmlns="" xmlns:a16="http://schemas.microsoft.com/office/drawing/2014/main" id="{D50B7A65-C4EE-44FB-8255-92C8EF9DA8DA}"/>
               </a:ext>
             </a:extLst>
           </p:cNvPr>
@@ -12263,7 +12263,7 @@
           <p:cNvPr id="34" name="矩形 33">
             <a:extLst>
               <a:ext uri="{FF2B5EF4-FFF2-40B4-BE49-F238E27FC236}">
-                <a16:creationId xmlns:a16="http://schemas.microsoft.com/office/drawing/2014/main" xmlns="" id="{81D66A7A-7CB9-4252-A8F8-F29A6F7E4F76}"/>
+                <a16:creationId xmlns="" xmlns:a16="http://schemas.microsoft.com/office/drawing/2014/main" id="{81D66A7A-7CB9-4252-A8F8-F29A6F7E4F76}"/>
               </a:ext>
             </a:extLst>
           </p:cNvPr>
@@ -12322,7 +12322,7 @@
           <p:cNvPr id="35" name="矩形 34">
             <a:extLst>
               <a:ext uri="{FF2B5EF4-FFF2-40B4-BE49-F238E27FC236}">
-                <a16:creationId xmlns:a16="http://schemas.microsoft.com/office/drawing/2014/main" xmlns="" id="{CD3416B1-33C4-4FD5-85D1-D09AE4017614}"/>
+                <a16:creationId xmlns="" xmlns:a16="http://schemas.microsoft.com/office/drawing/2014/main" id="{CD3416B1-33C4-4FD5-85D1-D09AE4017614}"/>
               </a:ext>
             </a:extLst>
           </p:cNvPr>
@@ -12371,7 +12371,7 @@
           <p:cNvPr id="36" name="矩形 35">
             <a:extLst>
               <a:ext uri="{FF2B5EF4-FFF2-40B4-BE49-F238E27FC236}">
-                <a16:creationId xmlns:a16="http://schemas.microsoft.com/office/drawing/2014/main" xmlns="" id="{52401D3F-9B60-4139-A73E-19B6B5675630}"/>
+                <a16:creationId xmlns="" xmlns:a16="http://schemas.microsoft.com/office/drawing/2014/main" id="{52401D3F-9B60-4139-A73E-19B6B5675630}"/>
               </a:ext>
             </a:extLst>
           </p:cNvPr>
@@ -12443,7 +12443,7 @@
           <p:cNvPr id="37" name="矩形 36">
             <a:extLst>
               <a:ext uri="{FF2B5EF4-FFF2-40B4-BE49-F238E27FC236}">
-                <a16:creationId xmlns:a16="http://schemas.microsoft.com/office/drawing/2014/main" xmlns="" id="{1222BFF6-8EE7-4480-B2A3-17DCCE92BAF9}"/>
+                <a16:creationId xmlns="" xmlns:a16="http://schemas.microsoft.com/office/drawing/2014/main" id="{1222BFF6-8EE7-4480-B2A3-17DCCE92BAF9}"/>
               </a:ext>
             </a:extLst>
           </p:cNvPr>
@@ -12505,7 +12505,7 @@
           <p:cNvPr id="38" name="矩形 37">
             <a:extLst>
               <a:ext uri="{FF2B5EF4-FFF2-40B4-BE49-F238E27FC236}">
-                <a16:creationId xmlns:a16="http://schemas.microsoft.com/office/drawing/2014/main" xmlns="" id="{082B527D-717F-42B5-846E-7EC08E8A3787}"/>
+                <a16:creationId xmlns="" xmlns:a16="http://schemas.microsoft.com/office/drawing/2014/main" id="{082B527D-717F-42B5-846E-7EC08E8A3787}"/>
               </a:ext>
             </a:extLst>
           </p:cNvPr>
@@ -12548,7 +12548,7 @@
           <p:cNvPr id="41" name="直接箭头连接符 40">
             <a:extLst>
               <a:ext uri="{FF2B5EF4-FFF2-40B4-BE49-F238E27FC236}">
-                <a16:creationId xmlns:a16="http://schemas.microsoft.com/office/drawing/2014/main" xmlns="" id="{DE9EE2C3-58C6-46A0-890B-70AFAF2EE6EA}"/>
+                <a16:creationId xmlns="" xmlns:a16="http://schemas.microsoft.com/office/drawing/2014/main" id="{DE9EE2C3-58C6-46A0-890B-70AFAF2EE6EA}"/>
               </a:ext>
             </a:extLst>
           </p:cNvPr>
@@ -12593,7 +12593,7 @@
           <p:cNvPr id="44" name="直接箭头连接符 43">
             <a:extLst>
               <a:ext uri="{FF2B5EF4-FFF2-40B4-BE49-F238E27FC236}">
-                <a16:creationId xmlns:a16="http://schemas.microsoft.com/office/drawing/2014/main" xmlns="" id="{14F58F91-4B4B-440B-99E5-DA3004EB4D02}"/>
+                <a16:creationId xmlns="" xmlns:a16="http://schemas.microsoft.com/office/drawing/2014/main" id="{14F58F91-4B4B-440B-99E5-DA3004EB4D02}"/>
               </a:ext>
             </a:extLst>
           </p:cNvPr>
@@ -12637,7 +12637,7 @@
           <p:cNvPr id="47" name="矩形 46">
             <a:extLst>
               <a:ext uri="{FF2B5EF4-FFF2-40B4-BE49-F238E27FC236}">
-                <a16:creationId xmlns:a16="http://schemas.microsoft.com/office/drawing/2014/main" xmlns="" id="{C1F74C4A-F505-4A77-B963-8C26CEED2C7A}"/>
+                <a16:creationId xmlns="" xmlns:a16="http://schemas.microsoft.com/office/drawing/2014/main" id="{C1F74C4A-F505-4A77-B963-8C26CEED2C7A}"/>
               </a:ext>
             </a:extLst>
           </p:cNvPr>
@@ -12696,7 +12696,7 @@
           <p:cNvPr id="32" name="矩形 31">
             <a:extLst>
               <a:ext uri="{FF2B5EF4-FFF2-40B4-BE49-F238E27FC236}">
-                <a16:creationId xmlns:a16="http://schemas.microsoft.com/office/drawing/2014/main" xmlns="" id="{52401D3F-9B60-4139-A73E-19B6B5675630}"/>
+                <a16:creationId xmlns="" xmlns:a16="http://schemas.microsoft.com/office/drawing/2014/main" id="{52401D3F-9B60-4139-A73E-19B6B5675630}"/>
               </a:ext>
             </a:extLst>
           </p:cNvPr>
@@ -12749,7 +12749,7 @@
           <p:cNvPr id="39" name="矩形 38">
             <a:extLst>
               <a:ext uri="{FF2B5EF4-FFF2-40B4-BE49-F238E27FC236}">
-                <a16:creationId xmlns:a16="http://schemas.microsoft.com/office/drawing/2014/main" xmlns="" id="{52401D3F-9B60-4139-A73E-19B6B5675630}"/>
+                <a16:creationId xmlns="" xmlns:a16="http://schemas.microsoft.com/office/drawing/2014/main" id="{52401D3F-9B60-4139-A73E-19B6B5675630}"/>
               </a:ext>
             </a:extLst>
           </p:cNvPr>
@@ -12798,7 +12798,7 @@
           <p:cNvPr id="40" name="矩形 39">
             <a:extLst>
               <a:ext uri="{FF2B5EF4-FFF2-40B4-BE49-F238E27FC236}">
-                <a16:creationId xmlns:a16="http://schemas.microsoft.com/office/drawing/2014/main" xmlns="" id="{52401D3F-9B60-4139-A73E-19B6B5675630}"/>
+                <a16:creationId xmlns="" xmlns:a16="http://schemas.microsoft.com/office/drawing/2014/main" id="{52401D3F-9B60-4139-A73E-19B6B5675630}"/>
               </a:ext>
             </a:extLst>
           </p:cNvPr>
@@ -12867,7 +12867,7 @@
           <p:cNvPr id="42" name="直接箭头连接符 41">
             <a:extLst>
               <a:ext uri="{FF2B5EF4-FFF2-40B4-BE49-F238E27FC236}">
-                <a16:creationId xmlns:a16="http://schemas.microsoft.com/office/drawing/2014/main" xmlns="" id="{4842F576-6540-4131-815A-4DC26C64A81E}"/>
+                <a16:creationId xmlns="" xmlns:a16="http://schemas.microsoft.com/office/drawing/2014/main" id="{4842F576-6540-4131-815A-4DC26C64A81E}"/>
               </a:ext>
             </a:extLst>
           </p:cNvPr>
@@ -12914,7 +12914,7 @@
           <p:cNvPr id="45" name="矩形 44">
             <a:extLst>
               <a:ext uri="{FF2B5EF4-FFF2-40B4-BE49-F238E27FC236}">
-                <a16:creationId xmlns:a16="http://schemas.microsoft.com/office/drawing/2014/main" xmlns="" id="{52401D3F-9B60-4139-A73E-19B6B5675630}"/>
+                <a16:creationId xmlns="" xmlns:a16="http://schemas.microsoft.com/office/drawing/2014/main" id="{52401D3F-9B60-4139-A73E-19B6B5675630}"/>
               </a:ext>
             </a:extLst>
           </p:cNvPr>
@@ -12973,7 +12973,7 @@
           <p:cNvPr id="50" name="直接箭头连接符 49">
             <a:extLst>
               <a:ext uri="{FF2B5EF4-FFF2-40B4-BE49-F238E27FC236}">
-                <a16:creationId xmlns:a16="http://schemas.microsoft.com/office/drawing/2014/main" xmlns="" id="{4842F576-6540-4131-815A-4DC26C64A81E}"/>
+                <a16:creationId xmlns="" xmlns:a16="http://schemas.microsoft.com/office/drawing/2014/main" id="{4842F576-6540-4131-815A-4DC26C64A81E}"/>
               </a:ext>
             </a:extLst>
           </p:cNvPr>
@@ -13019,7 +13019,7 @@
           <p:cNvPr id="53" name="直接箭头连接符 52">
             <a:extLst>
               <a:ext uri="{FF2B5EF4-FFF2-40B4-BE49-F238E27FC236}">
-                <a16:creationId xmlns:a16="http://schemas.microsoft.com/office/drawing/2014/main" xmlns="" id="{4842F576-6540-4131-815A-4DC26C64A81E}"/>
+                <a16:creationId xmlns="" xmlns:a16="http://schemas.microsoft.com/office/drawing/2014/main" id="{4842F576-6540-4131-815A-4DC26C64A81E}"/>
               </a:ext>
             </a:extLst>
           </p:cNvPr>
@@ -13065,7 +13065,7 @@
           <p:cNvPr id="55" name="矩形 54">
             <a:extLst>
               <a:ext uri="{FF2B5EF4-FFF2-40B4-BE49-F238E27FC236}">
-                <a16:creationId xmlns:a16="http://schemas.microsoft.com/office/drawing/2014/main" xmlns="" id="{52401D3F-9B60-4139-A73E-19B6B5675630}"/>
+                <a16:creationId xmlns="" xmlns:a16="http://schemas.microsoft.com/office/drawing/2014/main" id="{52401D3F-9B60-4139-A73E-19B6B5675630}"/>
               </a:ext>
             </a:extLst>
           </p:cNvPr>
@@ -13137,7 +13137,7 @@
           <p:cNvPr id="57" name="矩形 56">
             <a:extLst>
               <a:ext uri="{FF2B5EF4-FFF2-40B4-BE49-F238E27FC236}">
-                <a16:creationId xmlns:a16="http://schemas.microsoft.com/office/drawing/2014/main" xmlns="" id="{52401D3F-9B60-4139-A73E-19B6B5675630}"/>
+                <a16:creationId xmlns="" xmlns:a16="http://schemas.microsoft.com/office/drawing/2014/main" id="{52401D3F-9B60-4139-A73E-19B6B5675630}"/>
               </a:ext>
             </a:extLst>
           </p:cNvPr>
@@ -13186,7 +13186,7 @@
           <p:cNvPr id="58" name="直接箭头连接符 57">
             <a:extLst>
               <a:ext uri="{FF2B5EF4-FFF2-40B4-BE49-F238E27FC236}">
-                <a16:creationId xmlns:a16="http://schemas.microsoft.com/office/drawing/2014/main" xmlns="" id="{4842F576-6540-4131-815A-4DC26C64A81E}"/>
+                <a16:creationId xmlns="" xmlns:a16="http://schemas.microsoft.com/office/drawing/2014/main" id="{4842F576-6540-4131-815A-4DC26C64A81E}"/>
               </a:ext>
             </a:extLst>
           </p:cNvPr>
@@ -13233,7 +13233,7 @@
           <p:cNvPr id="61" name="矩形 60">
             <a:extLst>
               <a:ext uri="{FF2B5EF4-FFF2-40B4-BE49-F238E27FC236}">
-                <a16:creationId xmlns:a16="http://schemas.microsoft.com/office/drawing/2014/main" xmlns="" id="{52401D3F-9B60-4139-A73E-19B6B5675630}"/>
+                <a16:creationId xmlns="" xmlns:a16="http://schemas.microsoft.com/office/drawing/2014/main" id="{52401D3F-9B60-4139-A73E-19B6B5675630}"/>
               </a:ext>
             </a:extLst>
           </p:cNvPr>
@@ -13292,7 +13292,7 @@
           <p:cNvPr id="62" name="直接箭头连接符 61">
             <a:extLst>
               <a:ext uri="{FF2B5EF4-FFF2-40B4-BE49-F238E27FC236}">
-                <a16:creationId xmlns:a16="http://schemas.microsoft.com/office/drawing/2014/main" xmlns="" id="{4842F576-6540-4131-815A-4DC26C64A81E}"/>
+                <a16:creationId xmlns="" xmlns:a16="http://schemas.microsoft.com/office/drawing/2014/main" id="{4842F576-6540-4131-815A-4DC26C64A81E}"/>
               </a:ext>
             </a:extLst>
           </p:cNvPr>
@@ -13340,7 +13340,7 @@
           <p:cNvPr id="65" name="矩形 64">
             <a:extLst>
               <a:ext uri="{FF2B5EF4-FFF2-40B4-BE49-F238E27FC236}">
-                <a16:creationId xmlns:a16="http://schemas.microsoft.com/office/drawing/2014/main" xmlns="" id="{52401D3F-9B60-4139-A73E-19B6B5675630}"/>
+                <a16:creationId xmlns="" xmlns:a16="http://schemas.microsoft.com/office/drawing/2014/main" id="{52401D3F-9B60-4139-A73E-19B6B5675630}"/>
               </a:ext>
             </a:extLst>
           </p:cNvPr>
@@ -13399,7 +13399,7 @@
           <p:cNvPr id="66" name="矩形 65">
             <a:extLst>
               <a:ext uri="{FF2B5EF4-FFF2-40B4-BE49-F238E27FC236}">
-                <a16:creationId xmlns:a16="http://schemas.microsoft.com/office/drawing/2014/main" xmlns="" id="{52401D3F-9B60-4139-A73E-19B6B5675630}"/>
+                <a16:creationId xmlns="" xmlns:a16="http://schemas.microsoft.com/office/drawing/2014/main" id="{52401D3F-9B60-4139-A73E-19B6B5675630}"/>
               </a:ext>
             </a:extLst>
           </p:cNvPr>
@@ -13448,7 +13448,7 @@
           <p:cNvPr id="67" name="直接箭头连接符 66">
             <a:extLst>
               <a:ext uri="{FF2B5EF4-FFF2-40B4-BE49-F238E27FC236}">
-                <a16:creationId xmlns:a16="http://schemas.microsoft.com/office/drawing/2014/main" xmlns="" id="{4842F576-6540-4131-815A-4DC26C64A81E}"/>
+                <a16:creationId xmlns="" xmlns:a16="http://schemas.microsoft.com/office/drawing/2014/main" id="{4842F576-6540-4131-815A-4DC26C64A81E}"/>
               </a:ext>
             </a:extLst>
           </p:cNvPr>
@@ -13494,7 +13494,7 @@
           <p:cNvPr id="70" name="矩形 69">
             <a:extLst>
               <a:ext uri="{FF2B5EF4-FFF2-40B4-BE49-F238E27FC236}">
-                <a16:creationId xmlns:a16="http://schemas.microsoft.com/office/drawing/2014/main" xmlns="" id="{082B527D-717F-42B5-846E-7EC08E8A3787}"/>
+                <a16:creationId xmlns="" xmlns:a16="http://schemas.microsoft.com/office/drawing/2014/main" id="{082B527D-717F-42B5-846E-7EC08E8A3787}"/>
               </a:ext>
             </a:extLst>
           </p:cNvPr>
@@ -13537,7 +13537,7 @@
           <p:cNvPr id="72" name="直接箭头连接符 71">
             <a:extLst>
               <a:ext uri="{FF2B5EF4-FFF2-40B4-BE49-F238E27FC236}">
-                <a16:creationId xmlns:a16="http://schemas.microsoft.com/office/drawing/2014/main" xmlns="" id="{4842F576-6540-4131-815A-4DC26C64A81E}"/>
+                <a16:creationId xmlns="" xmlns:a16="http://schemas.microsoft.com/office/drawing/2014/main" id="{4842F576-6540-4131-815A-4DC26C64A81E}"/>
               </a:ext>
             </a:extLst>
           </p:cNvPr>
@@ -13580,7 +13580,7 @@
           <p:cNvPr id="75" name="矩形 74">
             <a:extLst>
               <a:ext uri="{FF2B5EF4-FFF2-40B4-BE49-F238E27FC236}">
-                <a16:creationId xmlns:a16="http://schemas.microsoft.com/office/drawing/2014/main" xmlns="" id="{52401D3F-9B60-4139-A73E-19B6B5675630}"/>
+                <a16:creationId xmlns="" xmlns:a16="http://schemas.microsoft.com/office/drawing/2014/main" id="{52401D3F-9B60-4139-A73E-19B6B5675630}"/>
               </a:ext>
             </a:extLst>
           </p:cNvPr>
@@ -13639,7 +13639,7 @@
           <p:cNvPr id="78" name="矩形 77">
             <a:extLst>
               <a:ext uri="{FF2B5EF4-FFF2-40B4-BE49-F238E27FC236}">
-                <a16:creationId xmlns:a16="http://schemas.microsoft.com/office/drawing/2014/main" xmlns="" id="{52401D3F-9B60-4139-A73E-19B6B5675630}"/>
+                <a16:creationId xmlns="" xmlns:a16="http://schemas.microsoft.com/office/drawing/2014/main" id="{52401D3F-9B60-4139-A73E-19B6B5675630}"/>
               </a:ext>
             </a:extLst>
           </p:cNvPr>
@@ -13688,7 +13688,7 @@
           <p:cNvPr id="79" name="直接箭头连接符 78">
             <a:extLst>
               <a:ext uri="{FF2B5EF4-FFF2-40B4-BE49-F238E27FC236}">
-                <a16:creationId xmlns:a16="http://schemas.microsoft.com/office/drawing/2014/main" xmlns="" id="{4842F576-6540-4131-815A-4DC26C64A81E}"/>
+                <a16:creationId xmlns="" xmlns:a16="http://schemas.microsoft.com/office/drawing/2014/main" id="{4842F576-6540-4131-815A-4DC26C64A81E}"/>
               </a:ext>
             </a:extLst>
           </p:cNvPr>
@@ -13731,7 +13731,7 @@
           <p:cNvPr id="82" name="直接箭头连接符 81">
             <a:extLst>
               <a:ext uri="{FF2B5EF4-FFF2-40B4-BE49-F238E27FC236}">
-                <a16:creationId xmlns:a16="http://schemas.microsoft.com/office/drawing/2014/main" xmlns="" id="{4842F576-6540-4131-815A-4DC26C64A81E}"/>
+                <a16:creationId xmlns="" xmlns:a16="http://schemas.microsoft.com/office/drawing/2014/main" id="{4842F576-6540-4131-815A-4DC26C64A81E}"/>
               </a:ext>
             </a:extLst>
           </p:cNvPr>
@@ -13774,7 +13774,7 @@
           <p:cNvPr id="84" name="直接箭头连接符 83">
             <a:extLst>
               <a:ext uri="{FF2B5EF4-FFF2-40B4-BE49-F238E27FC236}">
-                <a16:creationId xmlns:a16="http://schemas.microsoft.com/office/drawing/2014/main" xmlns="" id="{4842F576-6540-4131-815A-4DC26C64A81E}"/>
+                <a16:creationId xmlns="" xmlns:a16="http://schemas.microsoft.com/office/drawing/2014/main" id="{4842F576-6540-4131-815A-4DC26C64A81E}"/>
               </a:ext>
             </a:extLst>
           </p:cNvPr>
@@ -13819,7 +13819,7 @@
           <p:cNvPr id="89" name="矩形 88">
             <a:extLst>
               <a:ext uri="{FF2B5EF4-FFF2-40B4-BE49-F238E27FC236}">
-                <a16:creationId xmlns:a16="http://schemas.microsoft.com/office/drawing/2014/main" xmlns="" id="{52401D3F-9B60-4139-A73E-19B6B5675630}"/>
+                <a16:creationId xmlns="" xmlns:a16="http://schemas.microsoft.com/office/drawing/2014/main" id="{52401D3F-9B60-4139-A73E-19B6B5675630}"/>
               </a:ext>
             </a:extLst>
           </p:cNvPr>
@@ -13861,7 +13861,7 @@
           <p:cNvPr id="90" name="矩形 89">
             <a:extLst>
               <a:ext uri="{FF2B5EF4-FFF2-40B4-BE49-F238E27FC236}">
-                <a16:creationId xmlns:a16="http://schemas.microsoft.com/office/drawing/2014/main" xmlns="" id="{52401D3F-9B60-4139-A73E-19B6B5675630}"/>
+                <a16:creationId xmlns="" xmlns:a16="http://schemas.microsoft.com/office/drawing/2014/main" id="{52401D3F-9B60-4139-A73E-19B6B5675630}"/>
               </a:ext>
             </a:extLst>
           </p:cNvPr>
@@ -13910,7 +13910,7 @@
           <p:cNvPr id="91" name="矩形 90">
             <a:extLst>
               <a:ext uri="{FF2B5EF4-FFF2-40B4-BE49-F238E27FC236}">
-                <a16:creationId xmlns:a16="http://schemas.microsoft.com/office/drawing/2014/main" xmlns="" id="{52401D3F-9B60-4139-A73E-19B6B5675630}"/>
+                <a16:creationId xmlns="" xmlns:a16="http://schemas.microsoft.com/office/drawing/2014/main" id="{52401D3F-9B60-4139-A73E-19B6B5675630}"/>
               </a:ext>
             </a:extLst>
           </p:cNvPr>
@@ -13962,7 +13962,7 @@
           <p:cNvPr id="92" name="矩形 91">
             <a:extLst>
               <a:ext uri="{FF2B5EF4-FFF2-40B4-BE49-F238E27FC236}">
-                <a16:creationId xmlns:a16="http://schemas.microsoft.com/office/drawing/2014/main" xmlns="" id="{52401D3F-9B60-4139-A73E-19B6B5675630}"/>
+                <a16:creationId xmlns="" xmlns:a16="http://schemas.microsoft.com/office/drawing/2014/main" id="{52401D3F-9B60-4139-A73E-19B6B5675630}"/>
               </a:ext>
             </a:extLst>
           </p:cNvPr>
@@ -14014,7 +14014,7 @@
           <p:cNvPr id="93" name="矩形 92">
             <a:extLst>
               <a:ext uri="{FF2B5EF4-FFF2-40B4-BE49-F238E27FC236}">
-                <a16:creationId xmlns:a16="http://schemas.microsoft.com/office/drawing/2014/main" xmlns="" id="{52401D3F-9B60-4139-A73E-19B6B5675630}"/>
+                <a16:creationId xmlns="" xmlns:a16="http://schemas.microsoft.com/office/drawing/2014/main" id="{52401D3F-9B60-4139-A73E-19B6B5675630}"/>
               </a:ext>
             </a:extLst>
           </p:cNvPr>
@@ -14063,7 +14063,7 @@
           <p:cNvPr id="94" name="直接箭头连接符 93">
             <a:extLst>
               <a:ext uri="{FF2B5EF4-FFF2-40B4-BE49-F238E27FC236}">
-                <a16:creationId xmlns:a16="http://schemas.microsoft.com/office/drawing/2014/main" xmlns="" id="{4842F576-6540-4131-815A-4DC26C64A81E}"/>
+                <a16:creationId xmlns="" xmlns:a16="http://schemas.microsoft.com/office/drawing/2014/main" id="{4842F576-6540-4131-815A-4DC26C64A81E}"/>
               </a:ext>
             </a:extLst>
           </p:cNvPr>
@@ -14106,7 +14106,7 @@
           <p:cNvPr id="97" name="直接箭头连接符 96">
             <a:extLst>
               <a:ext uri="{FF2B5EF4-FFF2-40B4-BE49-F238E27FC236}">
-                <a16:creationId xmlns:a16="http://schemas.microsoft.com/office/drawing/2014/main" xmlns="" id="{4842F576-6540-4131-815A-4DC26C64A81E}"/>
+                <a16:creationId xmlns="" xmlns:a16="http://schemas.microsoft.com/office/drawing/2014/main" id="{4842F576-6540-4131-815A-4DC26C64A81E}"/>
               </a:ext>
             </a:extLst>
           </p:cNvPr>
@@ -14150,7 +14150,7 @@
           <p:cNvPr id="101" name="矩形 100">
             <a:extLst>
               <a:ext uri="{FF2B5EF4-FFF2-40B4-BE49-F238E27FC236}">
-                <a16:creationId xmlns:a16="http://schemas.microsoft.com/office/drawing/2014/main" xmlns="" id="{52401D3F-9B60-4139-A73E-19B6B5675630}"/>
+                <a16:creationId xmlns="" xmlns:a16="http://schemas.microsoft.com/office/drawing/2014/main" id="{52401D3F-9B60-4139-A73E-19B6B5675630}"/>
               </a:ext>
             </a:extLst>
           </p:cNvPr>
@@ -14209,7 +14209,7 @@
           <p:cNvPr id="103" name="矩形 102">
             <a:extLst>
               <a:ext uri="{FF2B5EF4-FFF2-40B4-BE49-F238E27FC236}">
-                <a16:creationId xmlns:a16="http://schemas.microsoft.com/office/drawing/2014/main" xmlns="" id="{082B527D-717F-42B5-846E-7EC08E8A3787}"/>
+                <a16:creationId xmlns="" xmlns:a16="http://schemas.microsoft.com/office/drawing/2014/main" id="{082B527D-717F-42B5-846E-7EC08E8A3787}"/>
               </a:ext>
             </a:extLst>
           </p:cNvPr>
@@ -14271,7 +14271,7 @@
           <p:cNvPr id="104" name="矩形 103">
             <a:extLst>
               <a:ext uri="{FF2B5EF4-FFF2-40B4-BE49-F238E27FC236}">
-                <a16:creationId xmlns:a16="http://schemas.microsoft.com/office/drawing/2014/main" xmlns="" id="{082B527D-717F-42B5-846E-7EC08E8A3787}"/>
+                <a16:creationId xmlns="" xmlns:a16="http://schemas.microsoft.com/office/drawing/2014/main" id="{082B527D-717F-42B5-846E-7EC08E8A3787}"/>
               </a:ext>
             </a:extLst>
           </p:cNvPr>
@@ -14314,7 +14314,7 @@
           <p:cNvPr id="105" name="矩形 104">
             <a:extLst>
               <a:ext uri="{FF2B5EF4-FFF2-40B4-BE49-F238E27FC236}">
-                <a16:creationId xmlns:a16="http://schemas.microsoft.com/office/drawing/2014/main" xmlns="" id="{6415C456-80C5-4ADF-9D71-F1555EF8417A}"/>
+                <a16:creationId xmlns="" xmlns:a16="http://schemas.microsoft.com/office/drawing/2014/main" id="{6415C456-80C5-4ADF-9D71-F1555EF8417A}"/>
               </a:ext>
             </a:extLst>
           </p:cNvPr>
@@ -14358,7 +14358,7 @@
           <p:cNvPr id="110" name="直接箭头连接符 109">
             <a:extLst>
               <a:ext uri="{FF2B5EF4-FFF2-40B4-BE49-F238E27FC236}">
-                <a16:creationId xmlns:a16="http://schemas.microsoft.com/office/drawing/2014/main" xmlns="" id="{4842F576-6540-4131-815A-4DC26C64A81E}"/>
+                <a16:creationId xmlns="" xmlns:a16="http://schemas.microsoft.com/office/drawing/2014/main" id="{4842F576-6540-4131-815A-4DC26C64A81E}"/>
               </a:ext>
             </a:extLst>
           </p:cNvPr>
@@ -14403,7 +14403,7 @@
           <p:cNvPr id="113" name="矩形 112">
             <a:extLst>
               <a:ext uri="{FF2B5EF4-FFF2-40B4-BE49-F238E27FC236}">
-                <a16:creationId xmlns:a16="http://schemas.microsoft.com/office/drawing/2014/main" xmlns="" id="{52401D3F-9B60-4139-A73E-19B6B5675630}"/>
+                <a16:creationId xmlns="" xmlns:a16="http://schemas.microsoft.com/office/drawing/2014/main" id="{52401D3F-9B60-4139-A73E-19B6B5675630}"/>
               </a:ext>
             </a:extLst>
           </p:cNvPr>
@@ -14456,7 +14456,7 @@
           <p:cNvPr id="114" name="直接箭头连接符 113">
             <a:extLst>
               <a:ext uri="{FF2B5EF4-FFF2-40B4-BE49-F238E27FC236}">
-                <a16:creationId xmlns:a16="http://schemas.microsoft.com/office/drawing/2014/main" xmlns="" id="{4842F576-6540-4131-815A-4DC26C64A81E}"/>
+                <a16:creationId xmlns="" xmlns:a16="http://schemas.microsoft.com/office/drawing/2014/main" id="{4842F576-6540-4131-815A-4DC26C64A81E}"/>
               </a:ext>
             </a:extLst>
           </p:cNvPr>
@@ -14501,7 +14501,7 @@
           <p:cNvPr id="117" name="矩形 116">
             <a:extLst>
               <a:ext uri="{FF2B5EF4-FFF2-40B4-BE49-F238E27FC236}">
-                <a16:creationId xmlns:a16="http://schemas.microsoft.com/office/drawing/2014/main" xmlns="" id="{52401D3F-9B60-4139-A73E-19B6B5675630}"/>
+                <a16:creationId xmlns="" xmlns:a16="http://schemas.microsoft.com/office/drawing/2014/main" id="{52401D3F-9B60-4139-A73E-19B6B5675630}"/>
               </a:ext>
             </a:extLst>
           </p:cNvPr>
@@ -14560,7 +14560,7 @@
           <p:cNvPr id="118" name="矩形 117">
             <a:extLst>
               <a:ext uri="{FF2B5EF4-FFF2-40B4-BE49-F238E27FC236}">
-                <a16:creationId xmlns:a16="http://schemas.microsoft.com/office/drawing/2014/main" xmlns="" id="{52401D3F-9B60-4139-A73E-19B6B5675630}"/>
+                <a16:creationId xmlns="" xmlns:a16="http://schemas.microsoft.com/office/drawing/2014/main" id="{52401D3F-9B60-4139-A73E-19B6B5675630}"/>
               </a:ext>
             </a:extLst>
           </p:cNvPr>
@@ -14609,7 +14609,7 @@
           <p:cNvPr id="120" name="直接箭头连接符 119">
             <a:extLst>
               <a:ext uri="{FF2B5EF4-FFF2-40B4-BE49-F238E27FC236}">
-                <a16:creationId xmlns:a16="http://schemas.microsoft.com/office/drawing/2014/main" xmlns="" id="{4842F576-6540-4131-815A-4DC26C64A81E}"/>
+                <a16:creationId xmlns="" xmlns:a16="http://schemas.microsoft.com/office/drawing/2014/main" id="{4842F576-6540-4131-815A-4DC26C64A81E}"/>
               </a:ext>
             </a:extLst>
           </p:cNvPr>
@@ -14652,7 +14652,7 @@
           <p:cNvPr id="125" name="矩形 124">
             <a:extLst>
               <a:ext uri="{FF2B5EF4-FFF2-40B4-BE49-F238E27FC236}">
-                <a16:creationId xmlns:a16="http://schemas.microsoft.com/office/drawing/2014/main" xmlns="" id="{52401D3F-9B60-4139-A73E-19B6B5675630}"/>
+                <a16:creationId xmlns="" xmlns:a16="http://schemas.microsoft.com/office/drawing/2014/main" id="{52401D3F-9B60-4139-A73E-19B6B5675630}"/>
               </a:ext>
             </a:extLst>
           </p:cNvPr>
@@ -14711,7 +14711,7 @@
           <p:cNvPr id="126" name="矩形 125">
             <a:extLst>
               <a:ext uri="{FF2B5EF4-FFF2-40B4-BE49-F238E27FC236}">
-                <a16:creationId xmlns:a16="http://schemas.microsoft.com/office/drawing/2014/main" xmlns="" id="{52401D3F-9B60-4139-A73E-19B6B5675630}"/>
+                <a16:creationId xmlns="" xmlns:a16="http://schemas.microsoft.com/office/drawing/2014/main" id="{52401D3F-9B60-4139-A73E-19B6B5675630}"/>
               </a:ext>
             </a:extLst>
           </p:cNvPr>
@@ -14760,7 +14760,7 @@
           <p:cNvPr id="127" name="矩形 126">
             <a:extLst>
               <a:ext uri="{FF2B5EF4-FFF2-40B4-BE49-F238E27FC236}">
-                <a16:creationId xmlns:a16="http://schemas.microsoft.com/office/drawing/2014/main" xmlns="" id="{52401D3F-9B60-4139-A73E-19B6B5675630}"/>
+                <a16:creationId xmlns="" xmlns:a16="http://schemas.microsoft.com/office/drawing/2014/main" id="{52401D3F-9B60-4139-A73E-19B6B5675630}"/>
               </a:ext>
             </a:extLst>
           </p:cNvPr>
@@ -14849,7 +14849,7 @@
           <p:cNvPr id="129" name="直接箭头连接符 128">
             <a:extLst>
               <a:ext uri="{FF2B5EF4-FFF2-40B4-BE49-F238E27FC236}">
-                <a16:creationId xmlns:a16="http://schemas.microsoft.com/office/drawing/2014/main" xmlns="" id="{4842F576-6540-4131-815A-4DC26C64A81E}"/>
+                <a16:creationId xmlns="" xmlns:a16="http://schemas.microsoft.com/office/drawing/2014/main" id="{4842F576-6540-4131-815A-4DC26C64A81E}"/>
               </a:ext>
             </a:extLst>
           </p:cNvPr>
@@ -14893,7 +14893,7 @@
           <p:cNvPr id="131" name="直接箭头连接符 130">
             <a:extLst>
               <a:ext uri="{FF2B5EF4-FFF2-40B4-BE49-F238E27FC236}">
-                <a16:creationId xmlns:a16="http://schemas.microsoft.com/office/drawing/2014/main" xmlns="" id="{4842F576-6540-4131-815A-4DC26C64A81E}"/>
+                <a16:creationId xmlns="" xmlns:a16="http://schemas.microsoft.com/office/drawing/2014/main" id="{4842F576-6540-4131-815A-4DC26C64A81E}"/>
               </a:ext>
             </a:extLst>
           </p:cNvPr>
@@ -14936,7 +14936,7 @@
           <p:cNvPr id="134" name="直接箭头连接符 133">
             <a:extLst>
               <a:ext uri="{FF2B5EF4-FFF2-40B4-BE49-F238E27FC236}">
-                <a16:creationId xmlns:a16="http://schemas.microsoft.com/office/drawing/2014/main" xmlns="" id="{4842F576-6540-4131-815A-4DC26C64A81E}"/>
+                <a16:creationId xmlns="" xmlns:a16="http://schemas.microsoft.com/office/drawing/2014/main" id="{4842F576-6540-4131-815A-4DC26C64A81E}"/>
               </a:ext>
             </a:extLst>
           </p:cNvPr>
@@ -14979,7 +14979,7 @@
           <p:cNvPr id="138" name="矩形 137">
             <a:extLst>
               <a:ext uri="{FF2B5EF4-FFF2-40B4-BE49-F238E27FC236}">
-                <a16:creationId xmlns:a16="http://schemas.microsoft.com/office/drawing/2014/main" xmlns="" id="{1222BFF6-8EE7-4480-B2A3-17DCCE92BAF9}"/>
+                <a16:creationId xmlns="" xmlns:a16="http://schemas.microsoft.com/office/drawing/2014/main" id="{1222BFF6-8EE7-4480-B2A3-17DCCE92BAF9}"/>
               </a:ext>
             </a:extLst>
           </p:cNvPr>
@@ -15041,7 +15041,7 @@
           <p:cNvPr id="139" name="矩形 138">
             <a:extLst>
               <a:ext uri="{FF2B5EF4-FFF2-40B4-BE49-F238E27FC236}">
-                <a16:creationId xmlns:a16="http://schemas.microsoft.com/office/drawing/2014/main" xmlns="" id="{082B527D-717F-42B5-846E-7EC08E8A3787}"/>
+                <a16:creationId xmlns="" xmlns:a16="http://schemas.microsoft.com/office/drawing/2014/main" id="{082B527D-717F-42B5-846E-7EC08E8A3787}"/>
               </a:ext>
             </a:extLst>
           </p:cNvPr>
@@ -15092,7 +15092,7 @@
           <p:cNvPr id="147" name="直接箭头连接符 146">
             <a:extLst>
               <a:ext uri="{FF2B5EF4-FFF2-40B4-BE49-F238E27FC236}">
-                <a16:creationId xmlns:a16="http://schemas.microsoft.com/office/drawing/2014/main" xmlns="" id="{4842F576-6540-4131-815A-4DC26C64A81E}"/>
+                <a16:creationId xmlns="" xmlns:a16="http://schemas.microsoft.com/office/drawing/2014/main" id="{4842F576-6540-4131-815A-4DC26C64A81E}"/>
               </a:ext>
             </a:extLst>
           </p:cNvPr>
@@ -15138,7 +15138,7 @@
           <p:cNvPr id="149" name="矩形 148">
             <a:extLst>
               <a:ext uri="{FF2B5EF4-FFF2-40B4-BE49-F238E27FC236}">
-                <a16:creationId xmlns:a16="http://schemas.microsoft.com/office/drawing/2014/main" xmlns="" id="{52401D3F-9B60-4139-A73E-19B6B5675630}"/>
+                <a16:creationId xmlns="" xmlns:a16="http://schemas.microsoft.com/office/drawing/2014/main" id="{52401D3F-9B60-4139-A73E-19B6B5675630}"/>
               </a:ext>
             </a:extLst>
           </p:cNvPr>
@@ -15228,7 +15228,7 @@
           <p:cNvPr id="150" name="直接箭头连接符 149">
             <a:extLst>
               <a:ext uri="{FF2B5EF4-FFF2-40B4-BE49-F238E27FC236}">
-                <a16:creationId xmlns:a16="http://schemas.microsoft.com/office/drawing/2014/main" xmlns="" id="{4842F576-6540-4131-815A-4DC26C64A81E}"/>
+                <a16:creationId xmlns="" xmlns:a16="http://schemas.microsoft.com/office/drawing/2014/main" id="{4842F576-6540-4131-815A-4DC26C64A81E}"/>
               </a:ext>
             </a:extLst>
           </p:cNvPr>
@@ -15271,7 +15271,7 @@
           <p:cNvPr id="151" name="矩形 150">
             <a:extLst>
               <a:ext uri="{FF2B5EF4-FFF2-40B4-BE49-F238E27FC236}">
-                <a16:creationId xmlns:a16="http://schemas.microsoft.com/office/drawing/2014/main" xmlns="" id="{52401D3F-9B60-4139-A73E-19B6B5675630}"/>
+                <a16:creationId xmlns="" xmlns:a16="http://schemas.microsoft.com/office/drawing/2014/main" id="{52401D3F-9B60-4139-A73E-19B6B5675630}"/>
               </a:ext>
             </a:extLst>
           </p:cNvPr>
@@ -15361,7 +15361,7 @@
           <p:cNvPr id="152" name="直接箭头连接符 151">
             <a:extLst>
               <a:ext uri="{FF2B5EF4-FFF2-40B4-BE49-F238E27FC236}">
-                <a16:creationId xmlns:a16="http://schemas.microsoft.com/office/drawing/2014/main" xmlns="" id="{4842F576-6540-4131-815A-4DC26C64A81E}"/>
+                <a16:creationId xmlns="" xmlns:a16="http://schemas.microsoft.com/office/drawing/2014/main" id="{4842F576-6540-4131-815A-4DC26C64A81E}"/>
               </a:ext>
             </a:extLst>
           </p:cNvPr>
@@ -15404,7 +15404,7 @@
           <p:cNvPr id="153" name="矩形 152">
             <a:extLst>
               <a:ext uri="{FF2B5EF4-FFF2-40B4-BE49-F238E27FC236}">
-                <a16:creationId xmlns:a16="http://schemas.microsoft.com/office/drawing/2014/main" xmlns="" id="{52401D3F-9B60-4139-A73E-19B6B5675630}"/>
+                <a16:creationId xmlns="" xmlns:a16="http://schemas.microsoft.com/office/drawing/2014/main" id="{52401D3F-9B60-4139-A73E-19B6B5675630}"/>
               </a:ext>
             </a:extLst>
           </p:cNvPr>
@@ -15464,7 +15464,7 @@
           <p:cNvPr id="154" name="矩形 153">
             <a:extLst>
               <a:ext uri="{FF2B5EF4-FFF2-40B4-BE49-F238E27FC236}">
-                <a16:creationId xmlns:a16="http://schemas.microsoft.com/office/drawing/2014/main" xmlns="" id="{52401D3F-9B60-4139-A73E-19B6B5675630}"/>
+                <a16:creationId xmlns="" xmlns:a16="http://schemas.microsoft.com/office/drawing/2014/main" id="{52401D3F-9B60-4139-A73E-19B6B5675630}"/>
               </a:ext>
             </a:extLst>
           </p:cNvPr>
@@ -15564,7 +15564,7 @@
           <p:cNvPr id="155" name="矩形 154">
             <a:extLst>
               <a:ext uri="{FF2B5EF4-FFF2-40B4-BE49-F238E27FC236}">
-                <a16:creationId xmlns:a16="http://schemas.microsoft.com/office/drawing/2014/main" xmlns="" id="{52401D3F-9B60-4139-A73E-19B6B5675630}"/>
+                <a16:creationId xmlns="" xmlns:a16="http://schemas.microsoft.com/office/drawing/2014/main" id="{52401D3F-9B60-4139-A73E-19B6B5675630}"/>
               </a:ext>
             </a:extLst>
           </p:cNvPr>
@@ -15624,7 +15624,7 @@
           <p:cNvPr id="156" name="矩形 155">
             <a:extLst>
               <a:ext uri="{FF2B5EF4-FFF2-40B4-BE49-F238E27FC236}">
-                <a16:creationId xmlns:a16="http://schemas.microsoft.com/office/drawing/2014/main" xmlns="" id="{52401D3F-9B60-4139-A73E-19B6B5675630}"/>
+                <a16:creationId xmlns="" xmlns:a16="http://schemas.microsoft.com/office/drawing/2014/main" id="{52401D3F-9B60-4139-A73E-19B6B5675630}"/>
               </a:ext>
             </a:extLst>
           </p:cNvPr>
@@ -15704,7 +15704,7 @@
           <p:cNvPr id="157" name="矩形 156">
             <a:extLst>
               <a:ext uri="{FF2B5EF4-FFF2-40B4-BE49-F238E27FC236}">
-                <a16:creationId xmlns:a16="http://schemas.microsoft.com/office/drawing/2014/main" xmlns="" id="{276C898D-0BD3-4299-A808-9012AD9385A2}"/>
+                <a16:creationId xmlns="" xmlns:a16="http://schemas.microsoft.com/office/drawing/2014/main" id="{276C898D-0BD3-4299-A808-9012AD9385A2}"/>
               </a:ext>
             </a:extLst>
           </p:cNvPr>
